--- a/graphicsEditorB/강의진행B.pptx
+++ b/graphicsEditorB/강의진행B.pptx
@@ -5,7 +5,7 @@
     <p:sldMasterId id="2147483648" r:id="rId1"/>
   </p:sldMasterIdLst>
   <p:notesMasterIdLst>
-    <p:notesMasterId r:id="rId37"/>
+    <p:notesMasterId r:id="rId39"/>
   </p:notesMasterIdLst>
   <p:sldIdLst>
     <p:sldId id="256" r:id="rId2"/>
@@ -43,6 +43,8 @@
     <p:sldId id="327" r:id="rId34"/>
     <p:sldId id="328" r:id="rId35"/>
     <p:sldId id="329" r:id="rId36"/>
+    <p:sldId id="330" r:id="rId37"/>
+    <p:sldId id="331" r:id="rId38"/>
   </p:sldIdLst>
   <p:sldSz cx="10150475" cy="7616825"/>
   <p:notesSz cx="6867525" cy="9994900"/>
@@ -5614,7 +5616,7 @@
             <a:fld id="{6D61DB4D-25AF-4EE9-B3EB-9D14CE91ACF1}" type="datetimeFigureOut">
               <a:rPr lang="ko-KR" altLang="en-US" smtClean="0"/>
               <a:pPr/>
-              <a:t>2022-05-11</a:t>
+              <a:t>2022-05-16</a:t>
             </a:fld>
             <a:endParaRPr lang="ko-KR" altLang="en-US" dirty="0"/>
           </a:p>
@@ -36340,6 +36342,2728 @@
 </p:sld>
 </file>
 
+<file path=ppt/slides/slide36.xml><?xml version="1.0" encoding="utf-8"?>
+<p:sld xmlns:a="http://schemas.openxmlformats.org/drawingml/2006/main" xmlns:r="http://schemas.openxmlformats.org/officeDocument/2006/relationships" xmlns:p="http://schemas.openxmlformats.org/presentationml/2006/main">
+  <p:cSld>
+    <p:spTree>
+      <p:nvGrpSpPr>
+        <p:cNvPr id="1" name=""/>
+        <p:cNvGrpSpPr/>
+        <p:nvPr/>
+      </p:nvGrpSpPr>
+      <p:grpSpPr>
+        <a:xfrm>
+          <a:off x="0" y="0"/>
+          <a:ext cx="0" cy="0"/>
+          <a:chOff x="0" y="0"/>
+          <a:chExt cx="0" cy="0"/>
+        </a:xfrm>
+      </p:grpSpPr>
+      <p:sp>
+        <p:nvSpPr>
+          <p:cNvPr id="5" name="제목 4"/>
+          <p:cNvSpPr>
+            <a:spLocks noGrp="1"/>
+          </p:cNvSpPr>
+          <p:nvPr>
+            <p:ph type="title"/>
+          </p:nvPr>
+        </p:nvSpPr>
+        <p:spPr/>
+        <p:txBody>
+          <a:bodyPr/>
+          <a:lstStyle/>
+          <a:p>
+            <a:r>
+              <a:rPr lang="en-US" altLang="ko-KR" dirty="0" smtClean="0"/>
+              <a:t>2022-05-16</a:t>
+            </a:r>
+            <a:endParaRPr lang="ko-KR" altLang="en-US" dirty="0"/>
+          </a:p>
+        </p:txBody>
+      </p:sp>
+      <p:sp>
+        <p:nvSpPr>
+          <p:cNvPr id="6" name="내용 개체 틀 5"/>
+          <p:cNvSpPr>
+            <a:spLocks noGrp="1"/>
+          </p:cNvSpPr>
+          <p:nvPr>
+            <p:ph sz="half" idx="1"/>
+          </p:nvPr>
+        </p:nvSpPr>
+        <p:spPr/>
+        <p:txBody>
+          <a:bodyPr/>
+          <a:lstStyle/>
+          <a:p>
+            <a:r>
+              <a:rPr lang="en-US" altLang="ko-KR" dirty="0" smtClean="0"/>
+              <a:t> </a:t>
+            </a:r>
+            <a:r>
+              <a:rPr lang="ko-KR" altLang="en-US" dirty="0" smtClean="0"/>
+              <a:t>진행</a:t>
+            </a:r>
+            <a:endParaRPr lang="en-US" altLang="ko-KR" dirty="0" smtClean="0"/>
+          </a:p>
+          <a:p>
+            <a:pPr lvl="1"/>
+            <a:r>
+              <a:rPr lang="en-US" altLang="ko-KR" dirty="0" smtClean="0"/>
+              <a:t>Shape Move</a:t>
+            </a:r>
+            <a:endParaRPr lang="ko-KR" altLang="en-US" dirty="0"/>
+          </a:p>
+        </p:txBody>
+      </p:sp>
+      <p:sp>
+        <p:nvSpPr>
+          <p:cNvPr id="7" name="내용 개체 틀 6"/>
+          <p:cNvSpPr>
+            <a:spLocks noGrp="1"/>
+          </p:cNvSpPr>
+          <p:nvPr>
+            <p:ph sz="half" idx="2"/>
+          </p:nvPr>
+        </p:nvSpPr>
+        <p:spPr/>
+        <p:txBody>
+          <a:bodyPr/>
+          <a:lstStyle/>
+          <a:p>
+            <a:endParaRPr lang="en-US" altLang="ko-KR" dirty="0" smtClean="0"/>
+          </a:p>
+          <a:p>
+            <a:r>
+              <a:rPr lang="en-US" altLang="ko-KR" dirty="0" smtClean="0"/>
+              <a:t>Shape * </a:t>
+            </a:r>
+            <a:r>
+              <a:rPr lang="en-US" altLang="ko-KR" dirty="0" err="1" smtClean="0"/>
+              <a:t>affineTransform</a:t>
+            </a:r>
+            <a:endParaRPr lang="ko-KR" altLang="en-US" dirty="0"/>
+          </a:p>
+        </p:txBody>
+      </p:sp>
+      <p:sp>
+        <p:nvSpPr>
+          <p:cNvPr id="3" name="바닥글 개체 틀 2"/>
+          <p:cNvSpPr>
+            <a:spLocks noGrp="1"/>
+          </p:cNvSpPr>
+          <p:nvPr>
+            <p:ph type="ftr" sz="quarter" idx="10"/>
+          </p:nvPr>
+        </p:nvSpPr>
+        <p:spPr/>
+        <p:txBody>
+          <a:bodyPr/>
+          <a:lstStyle/>
+          <a:p>
+            <a:pPr>
+              <a:buFont typeface="맑은 고딕" panose="020B0503020000020004" pitchFamily="50" charset="-127"/>
+              <a:buChar char="ⓒ"/>
+            </a:pPr>
+            <a:r>
+              <a:rPr lang="en-US" altLang="ko-KR" smtClean="0"/>
+              <a:t>Sungwoon Choi 2021</a:t>
+            </a:r>
+            <a:endParaRPr lang="en-US" altLang="ko-KR" dirty="0"/>
+          </a:p>
+        </p:txBody>
+      </p:sp>
+      <p:sp>
+        <p:nvSpPr>
+          <p:cNvPr id="4" name="슬라이드 번호 개체 틀 3"/>
+          <p:cNvSpPr>
+            <a:spLocks noGrp="1"/>
+          </p:cNvSpPr>
+          <p:nvPr>
+            <p:ph type="sldNum" sz="quarter" idx="11"/>
+          </p:nvPr>
+        </p:nvSpPr>
+        <p:spPr/>
+        <p:txBody>
+          <a:bodyPr/>
+          <a:lstStyle/>
+          <a:p>
+            <a:fld id="{AA4216F1-165B-4DFF-BD92-3D8E849D7D48}" type="slidenum">
+              <a:rPr lang="en-US" altLang="ko-KR" smtClean="0"/>
+              <a:pPr/>
+              <a:t>36</a:t>
+            </a:fld>
+            <a:endParaRPr lang="en-US" altLang="ko-KR" dirty="0"/>
+          </a:p>
+        </p:txBody>
+      </p:sp>
+      <p:sp>
+        <p:nvSpPr>
+          <p:cNvPr id="9" name="직사각형 8">
+            <a:extLst>
+              <a:ext uri="{FF2B5EF4-FFF2-40B4-BE49-F238E27FC236}">
+                <a16:creationId xmlns:a16="http://schemas.microsoft.com/office/drawing/2014/main" id="{13C71159-A99F-5D0A-625A-E829630C064E}"/>
+              </a:ext>
+            </a:extLst>
+          </p:cNvPr>
+          <p:cNvSpPr/>
+          <p:nvPr/>
+        </p:nvSpPr>
+        <p:spPr>
+          <a:xfrm>
+            <a:off x="1186805" y="2846799"/>
+            <a:ext cx="1767452" cy="1183376"/>
+          </a:xfrm>
+          <a:prstGeom prst="rect">
+            <a:avLst/>
+          </a:prstGeom>
+          <a:solidFill>
+            <a:srgbClr val="5B9BD5"/>
+          </a:solidFill>
+          <a:ln w="12700" cap="flat" cmpd="sng" algn="ctr">
+            <a:solidFill>
+              <a:srgbClr val="5B9BD5">
+                <a:shade val="50000"/>
+              </a:srgbClr>
+            </a:solidFill>
+            <a:prstDash val="solid"/>
+            <a:miter lim="800000"/>
+          </a:ln>
+          <a:effectLst/>
+        </p:spPr>
+        <p:txBody>
+          <a:bodyPr rtlCol="0" anchor="ctr"/>
+          <a:lstStyle/>
+          <a:p>
+            <a:pPr marL="0" marR="0" lvl="0" indent="0" algn="ctr" defTabSz="914400" eaLnBrk="1" fontAlgn="auto" latinLnBrk="1" hangingPunct="1">
+              <a:lnSpc>
+                <a:spcPct val="100000"/>
+              </a:lnSpc>
+              <a:spcBef>
+                <a:spcPts val="0"/>
+              </a:spcBef>
+              <a:spcAft>
+                <a:spcPts val="0"/>
+              </a:spcAft>
+              <a:buClrTx/>
+              <a:buSzTx/>
+              <a:buFontTx/>
+              <a:buNone/>
+              <a:tabLst/>
+              <a:defRPr/>
+            </a:pPr>
+            <a:endParaRPr kumimoji="0" lang="ko-KR" altLang="en-US" sz="1800" b="0" i="0" u="none" strike="noStrike" kern="0" cap="none" spc="0" normalizeH="0" baseline="0" noProof="0">
+              <a:ln>
+                <a:noFill/>
+              </a:ln>
+              <a:solidFill>
+                <a:prstClr val="white"/>
+              </a:solidFill>
+              <a:effectLst/>
+              <a:uLnTx/>
+              <a:uFillTx/>
+              <a:latin typeface="맑은 고딕" panose="020F0502020204030204"/>
+              <a:ea typeface="맑은 고딕" panose="020B0503020000020004" pitchFamily="50" charset="-127"/>
+              <a:cs typeface="+mn-cs"/>
+            </a:endParaRPr>
+          </a:p>
+        </p:txBody>
+      </p:sp>
+      <p:sp>
+        <p:nvSpPr>
+          <p:cNvPr id="10" name="타원 9">
+            <a:extLst>
+              <a:ext uri="{FF2B5EF4-FFF2-40B4-BE49-F238E27FC236}">
+                <a16:creationId xmlns:a16="http://schemas.microsoft.com/office/drawing/2014/main" id="{923560D8-8EE2-B572-33C9-CB21A5F7845E}"/>
+              </a:ext>
+            </a:extLst>
+          </p:cNvPr>
+          <p:cNvSpPr/>
+          <p:nvPr/>
+        </p:nvSpPr>
+        <p:spPr>
+          <a:xfrm>
+            <a:off x="1039517" y="2702781"/>
+            <a:ext cx="294575" cy="269760"/>
+          </a:xfrm>
+          <a:prstGeom prst="ellipse">
+            <a:avLst/>
+          </a:prstGeom>
+          <a:solidFill>
+            <a:srgbClr val="FFC000"/>
+          </a:solidFill>
+          <a:ln w="12700" cap="flat" cmpd="sng" algn="ctr">
+            <a:solidFill>
+              <a:srgbClr val="5B9BD5">
+                <a:shade val="50000"/>
+              </a:srgbClr>
+            </a:solidFill>
+            <a:prstDash val="solid"/>
+            <a:miter lim="800000"/>
+          </a:ln>
+          <a:effectLst/>
+        </p:spPr>
+        <p:txBody>
+          <a:bodyPr rtlCol="0" anchor="ctr"/>
+          <a:lstStyle/>
+          <a:p>
+            <a:pPr marL="0" marR="0" lvl="0" indent="0" algn="ctr" defTabSz="914400" eaLnBrk="1" fontAlgn="auto" latinLnBrk="1" hangingPunct="1">
+              <a:lnSpc>
+                <a:spcPct val="100000"/>
+              </a:lnSpc>
+              <a:spcBef>
+                <a:spcPts val="0"/>
+              </a:spcBef>
+              <a:spcAft>
+                <a:spcPts val="0"/>
+              </a:spcAft>
+              <a:buClrTx/>
+              <a:buSzTx/>
+              <a:buFontTx/>
+              <a:buNone/>
+              <a:tabLst/>
+              <a:defRPr/>
+            </a:pPr>
+            <a:endParaRPr kumimoji="0" lang="ko-KR" altLang="en-US" sz="1800" b="0" i="0" u="none" strike="noStrike" kern="0" cap="none" spc="0" normalizeH="0" baseline="0" noProof="0">
+              <a:ln>
+                <a:noFill/>
+              </a:ln>
+              <a:solidFill>
+                <a:prstClr val="white"/>
+              </a:solidFill>
+              <a:effectLst/>
+              <a:uLnTx/>
+              <a:uFillTx/>
+              <a:latin typeface="맑은 고딕" panose="020F0502020204030204"/>
+              <a:ea typeface="맑은 고딕" panose="020B0503020000020004" pitchFamily="50" charset="-127"/>
+              <a:cs typeface="+mn-cs"/>
+            </a:endParaRPr>
+          </a:p>
+        </p:txBody>
+      </p:sp>
+      <p:sp>
+        <p:nvSpPr>
+          <p:cNvPr id="12" name="타원 11">
+            <a:extLst>
+              <a:ext uri="{FF2B5EF4-FFF2-40B4-BE49-F238E27FC236}">
+                <a16:creationId xmlns:a16="http://schemas.microsoft.com/office/drawing/2014/main" id="{923560D8-8EE2-B572-33C9-CB21A5F7845E}"/>
+              </a:ext>
+            </a:extLst>
+          </p:cNvPr>
+          <p:cNvSpPr/>
+          <p:nvPr/>
+        </p:nvSpPr>
+        <p:spPr>
+          <a:xfrm>
+            <a:off x="2790847" y="2702781"/>
+            <a:ext cx="294575" cy="269760"/>
+          </a:xfrm>
+          <a:prstGeom prst="ellipse">
+            <a:avLst/>
+          </a:prstGeom>
+          <a:solidFill>
+            <a:srgbClr val="FFC000"/>
+          </a:solidFill>
+          <a:ln w="12700" cap="flat" cmpd="sng" algn="ctr">
+            <a:solidFill>
+              <a:srgbClr val="5B9BD5">
+                <a:shade val="50000"/>
+              </a:srgbClr>
+            </a:solidFill>
+            <a:prstDash val="solid"/>
+            <a:miter lim="800000"/>
+          </a:ln>
+          <a:effectLst/>
+        </p:spPr>
+        <p:txBody>
+          <a:bodyPr rtlCol="0" anchor="ctr"/>
+          <a:lstStyle/>
+          <a:p>
+            <a:pPr marL="0" marR="0" lvl="0" indent="0" algn="ctr" defTabSz="914400" eaLnBrk="1" fontAlgn="auto" latinLnBrk="1" hangingPunct="1">
+              <a:lnSpc>
+                <a:spcPct val="100000"/>
+              </a:lnSpc>
+              <a:spcBef>
+                <a:spcPts val="0"/>
+              </a:spcBef>
+              <a:spcAft>
+                <a:spcPts val="0"/>
+              </a:spcAft>
+              <a:buClrTx/>
+              <a:buSzTx/>
+              <a:buFontTx/>
+              <a:buNone/>
+              <a:tabLst/>
+              <a:defRPr/>
+            </a:pPr>
+            <a:endParaRPr kumimoji="0" lang="ko-KR" altLang="en-US" sz="1800" b="0" i="0" u="none" strike="noStrike" kern="0" cap="none" spc="0" normalizeH="0" baseline="0" noProof="0">
+              <a:ln>
+                <a:noFill/>
+              </a:ln>
+              <a:solidFill>
+                <a:prstClr val="white"/>
+              </a:solidFill>
+              <a:effectLst/>
+              <a:uLnTx/>
+              <a:uFillTx/>
+              <a:latin typeface="맑은 고딕" panose="020F0502020204030204"/>
+              <a:ea typeface="맑은 고딕" panose="020B0503020000020004" pitchFamily="50" charset="-127"/>
+              <a:cs typeface="+mn-cs"/>
+            </a:endParaRPr>
+          </a:p>
+        </p:txBody>
+      </p:sp>
+      <p:sp>
+        <p:nvSpPr>
+          <p:cNvPr id="13" name="타원 12">
+            <a:extLst>
+              <a:ext uri="{FF2B5EF4-FFF2-40B4-BE49-F238E27FC236}">
+                <a16:creationId xmlns:a16="http://schemas.microsoft.com/office/drawing/2014/main" id="{923560D8-8EE2-B572-33C9-CB21A5F7845E}"/>
+              </a:ext>
+            </a:extLst>
+          </p:cNvPr>
+          <p:cNvSpPr/>
+          <p:nvPr/>
+        </p:nvSpPr>
+        <p:spPr>
+          <a:xfrm>
+            <a:off x="1065830" y="3898693"/>
+            <a:ext cx="294575" cy="269760"/>
+          </a:xfrm>
+          <a:prstGeom prst="ellipse">
+            <a:avLst/>
+          </a:prstGeom>
+          <a:solidFill>
+            <a:srgbClr val="FFC000"/>
+          </a:solidFill>
+          <a:ln w="12700" cap="flat" cmpd="sng" algn="ctr">
+            <a:solidFill>
+              <a:srgbClr val="5B9BD5">
+                <a:shade val="50000"/>
+              </a:srgbClr>
+            </a:solidFill>
+            <a:prstDash val="solid"/>
+            <a:miter lim="800000"/>
+          </a:ln>
+          <a:effectLst/>
+        </p:spPr>
+        <p:txBody>
+          <a:bodyPr rtlCol="0" anchor="ctr"/>
+          <a:lstStyle/>
+          <a:p>
+            <a:pPr marL="0" marR="0" lvl="0" indent="0" algn="ctr" defTabSz="914400" eaLnBrk="1" fontAlgn="auto" latinLnBrk="1" hangingPunct="1">
+              <a:lnSpc>
+                <a:spcPct val="100000"/>
+              </a:lnSpc>
+              <a:spcBef>
+                <a:spcPts val="0"/>
+              </a:spcBef>
+              <a:spcAft>
+                <a:spcPts val="0"/>
+              </a:spcAft>
+              <a:buClrTx/>
+              <a:buSzTx/>
+              <a:buFontTx/>
+              <a:buNone/>
+              <a:tabLst/>
+              <a:defRPr/>
+            </a:pPr>
+            <a:endParaRPr kumimoji="0" lang="ko-KR" altLang="en-US" sz="1800" b="0" i="0" u="none" strike="noStrike" kern="0" cap="none" spc="0" normalizeH="0" baseline="0" noProof="0">
+              <a:ln>
+                <a:noFill/>
+              </a:ln>
+              <a:solidFill>
+                <a:prstClr val="white"/>
+              </a:solidFill>
+              <a:effectLst/>
+              <a:uLnTx/>
+              <a:uFillTx/>
+              <a:latin typeface="맑은 고딕" panose="020F0502020204030204"/>
+              <a:ea typeface="맑은 고딕" panose="020B0503020000020004" pitchFamily="50" charset="-127"/>
+              <a:cs typeface="+mn-cs"/>
+            </a:endParaRPr>
+          </a:p>
+        </p:txBody>
+      </p:sp>
+      <p:sp>
+        <p:nvSpPr>
+          <p:cNvPr id="14" name="타원 13">
+            <a:extLst>
+              <a:ext uri="{FF2B5EF4-FFF2-40B4-BE49-F238E27FC236}">
+                <a16:creationId xmlns:a16="http://schemas.microsoft.com/office/drawing/2014/main" id="{923560D8-8EE2-B572-33C9-CB21A5F7845E}"/>
+              </a:ext>
+            </a:extLst>
+          </p:cNvPr>
+          <p:cNvSpPr/>
+          <p:nvPr/>
+        </p:nvSpPr>
+        <p:spPr>
+          <a:xfrm>
+            <a:off x="2783521" y="3898693"/>
+            <a:ext cx="294575" cy="269760"/>
+          </a:xfrm>
+          <a:prstGeom prst="ellipse">
+            <a:avLst/>
+          </a:prstGeom>
+          <a:solidFill>
+            <a:srgbClr val="FFC000"/>
+          </a:solidFill>
+          <a:ln w="12700" cap="flat" cmpd="sng" algn="ctr">
+            <a:solidFill>
+              <a:srgbClr val="5B9BD5">
+                <a:shade val="50000"/>
+              </a:srgbClr>
+            </a:solidFill>
+            <a:prstDash val="solid"/>
+            <a:miter lim="800000"/>
+          </a:ln>
+          <a:effectLst/>
+        </p:spPr>
+        <p:txBody>
+          <a:bodyPr rtlCol="0" anchor="ctr"/>
+          <a:lstStyle/>
+          <a:p>
+            <a:pPr marL="0" marR="0" lvl="0" indent="0" algn="ctr" defTabSz="914400" eaLnBrk="1" fontAlgn="auto" latinLnBrk="1" hangingPunct="1">
+              <a:lnSpc>
+                <a:spcPct val="100000"/>
+              </a:lnSpc>
+              <a:spcBef>
+                <a:spcPts val="0"/>
+              </a:spcBef>
+              <a:spcAft>
+                <a:spcPts val="0"/>
+              </a:spcAft>
+              <a:buClrTx/>
+              <a:buSzTx/>
+              <a:buFontTx/>
+              <a:buNone/>
+              <a:tabLst/>
+              <a:defRPr/>
+            </a:pPr>
+            <a:endParaRPr kumimoji="0" lang="ko-KR" altLang="en-US" sz="1800" b="0" i="0" u="none" strike="noStrike" kern="0" cap="none" spc="0" normalizeH="0" baseline="0" noProof="0">
+              <a:ln>
+                <a:noFill/>
+              </a:ln>
+              <a:solidFill>
+                <a:prstClr val="white"/>
+              </a:solidFill>
+              <a:effectLst/>
+              <a:uLnTx/>
+              <a:uFillTx/>
+              <a:latin typeface="맑은 고딕" panose="020F0502020204030204"/>
+              <a:ea typeface="맑은 고딕" panose="020B0503020000020004" pitchFamily="50" charset="-127"/>
+              <a:cs typeface="+mn-cs"/>
+            </a:endParaRPr>
+          </a:p>
+        </p:txBody>
+      </p:sp>
+      <p:sp>
+        <p:nvSpPr>
+          <p:cNvPr id="16" name="직사각형 15">
+            <a:extLst>
+              <a:ext uri="{FF2B5EF4-FFF2-40B4-BE49-F238E27FC236}">
+                <a16:creationId xmlns:a16="http://schemas.microsoft.com/office/drawing/2014/main" id="{13C71159-A99F-5D0A-625A-E829630C064E}"/>
+              </a:ext>
+            </a:extLst>
+          </p:cNvPr>
+          <p:cNvSpPr/>
+          <p:nvPr/>
+        </p:nvSpPr>
+        <p:spPr>
+          <a:xfrm>
+            <a:off x="3442944" y="3438487"/>
+            <a:ext cx="1767452" cy="1183376"/>
+          </a:xfrm>
+          <a:prstGeom prst="rect">
+            <a:avLst/>
+          </a:prstGeom>
+          <a:solidFill>
+            <a:srgbClr val="5B9BD5"/>
+          </a:solidFill>
+          <a:ln w="12700" cap="flat" cmpd="sng" algn="ctr">
+            <a:solidFill>
+              <a:srgbClr val="5B9BD5">
+                <a:shade val="50000"/>
+              </a:srgbClr>
+            </a:solidFill>
+            <a:prstDash val="solid"/>
+            <a:miter lim="800000"/>
+          </a:ln>
+          <a:effectLst/>
+        </p:spPr>
+        <p:txBody>
+          <a:bodyPr rtlCol="0" anchor="ctr"/>
+          <a:lstStyle/>
+          <a:p>
+            <a:pPr marL="0" marR="0" lvl="0" indent="0" algn="ctr" defTabSz="914400" eaLnBrk="1" fontAlgn="auto" latinLnBrk="1" hangingPunct="1">
+              <a:lnSpc>
+                <a:spcPct val="100000"/>
+              </a:lnSpc>
+              <a:spcBef>
+                <a:spcPts val="0"/>
+              </a:spcBef>
+              <a:spcAft>
+                <a:spcPts val="0"/>
+              </a:spcAft>
+              <a:buClrTx/>
+              <a:buSzTx/>
+              <a:buFontTx/>
+              <a:buNone/>
+              <a:tabLst/>
+              <a:defRPr/>
+            </a:pPr>
+            <a:endParaRPr kumimoji="0" lang="ko-KR" altLang="en-US" sz="1800" b="0" i="0" u="none" strike="noStrike" kern="0" cap="none" spc="0" normalizeH="0" baseline="0" noProof="0">
+              <a:ln>
+                <a:noFill/>
+              </a:ln>
+              <a:solidFill>
+                <a:prstClr val="white"/>
+              </a:solidFill>
+              <a:effectLst/>
+              <a:uLnTx/>
+              <a:uFillTx/>
+              <a:latin typeface="맑은 고딕" panose="020F0502020204030204"/>
+              <a:ea typeface="맑은 고딕" panose="020B0503020000020004" pitchFamily="50" charset="-127"/>
+              <a:cs typeface="+mn-cs"/>
+            </a:endParaRPr>
+          </a:p>
+        </p:txBody>
+      </p:sp>
+      <p:sp>
+        <p:nvSpPr>
+          <p:cNvPr id="17" name="타원 16">
+            <a:extLst>
+              <a:ext uri="{FF2B5EF4-FFF2-40B4-BE49-F238E27FC236}">
+                <a16:creationId xmlns:a16="http://schemas.microsoft.com/office/drawing/2014/main" id="{923560D8-8EE2-B572-33C9-CB21A5F7845E}"/>
+              </a:ext>
+            </a:extLst>
+          </p:cNvPr>
+          <p:cNvSpPr/>
+          <p:nvPr/>
+        </p:nvSpPr>
+        <p:spPr>
+          <a:xfrm>
+            <a:off x="3295656" y="3294469"/>
+            <a:ext cx="294575" cy="269760"/>
+          </a:xfrm>
+          <a:prstGeom prst="ellipse">
+            <a:avLst/>
+          </a:prstGeom>
+          <a:solidFill>
+            <a:srgbClr val="FFC000"/>
+          </a:solidFill>
+          <a:ln w="12700" cap="flat" cmpd="sng" algn="ctr">
+            <a:solidFill>
+              <a:srgbClr val="5B9BD5">
+                <a:shade val="50000"/>
+              </a:srgbClr>
+            </a:solidFill>
+            <a:prstDash val="solid"/>
+            <a:miter lim="800000"/>
+          </a:ln>
+          <a:effectLst/>
+        </p:spPr>
+        <p:txBody>
+          <a:bodyPr rtlCol="0" anchor="ctr"/>
+          <a:lstStyle/>
+          <a:p>
+            <a:pPr marL="0" marR="0" lvl="0" indent="0" algn="ctr" defTabSz="914400" eaLnBrk="1" fontAlgn="auto" latinLnBrk="1" hangingPunct="1">
+              <a:lnSpc>
+                <a:spcPct val="100000"/>
+              </a:lnSpc>
+              <a:spcBef>
+                <a:spcPts val="0"/>
+              </a:spcBef>
+              <a:spcAft>
+                <a:spcPts val="0"/>
+              </a:spcAft>
+              <a:buClrTx/>
+              <a:buSzTx/>
+              <a:buFontTx/>
+              <a:buNone/>
+              <a:tabLst/>
+              <a:defRPr/>
+            </a:pPr>
+            <a:endParaRPr kumimoji="0" lang="ko-KR" altLang="en-US" sz="1800" b="0" i="0" u="none" strike="noStrike" kern="0" cap="none" spc="0" normalizeH="0" baseline="0" noProof="0">
+              <a:ln>
+                <a:noFill/>
+              </a:ln>
+              <a:solidFill>
+                <a:prstClr val="white"/>
+              </a:solidFill>
+              <a:effectLst/>
+              <a:uLnTx/>
+              <a:uFillTx/>
+              <a:latin typeface="맑은 고딕" panose="020F0502020204030204"/>
+              <a:ea typeface="맑은 고딕" panose="020B0503020000020004" pitchFamily="50" charset="-127"/>
+              <a:cs typeface="+mn-cs"/>
+            </a:endParaRPr>
+          </a:p>
+        </p:txBody>
+      </p:sp>
+      <p:sp>
+        <p:nvSpPr>
+          <p:cNvPr id="18" name="타원 17">
+            <a:extLst>
+              <a:ext uri="{FF2B5EF4-FFF2-40B4-BE49-F238E27FC236}">
+                <a16:creationId xmlns:a16="http://schemas.microsoft.com/office/drawing/2014/main" id="{923560D8-8EE2-B572-33C9-CB21A5F7845E}"/>
+              </a:ext>
+            </a:extLst>
+          </p:cNvPr>
+          <p:cNvSpPr/>
+          <p:nvPr/>
+        </p:nvSpPr>
+        <p:spPr>
+          <a:xfrm>
+            <a:off x="5046986" y="3294469"/>
+            <a:ext cx="294575" cy="269760"/>
+          </a:xfrm>
+          <a:prstGeom prst="ellipse">
+            <a:avLst/>
+          </a:prstGeom>
+          <a:solidFill>
+            <a:srgbClr val="FFC000"/>
+          </a:solidFill>
+          <a:ln w="12700" cap="flat" cmpd="sng" algn="ctr">
+            <a:solidFill>
+              <a:srgbClr val="5B9BD5">
+                <a:shade val="50000"/>
+              </a:srgbClr>
+            </a:solidFill>
+            <a:prstDash val="solid"/>
+            <a:miter lim="800000"/>
+          </a:ln>
+          <a:effectLst/>
+        </p:spPr>
+        <p:txBody>
+          <a:bodyPr rtlCol="0" anchor="ctr"/>
+          <a:lstStyle/>
+          <a:p>
+            <a:pPr marL="0" marR="0" lvl="0" indent="0" algn="ctr" defTabSz="914400" eaLnBrk="1" fontAlgn="auto" latinLnBrk="1" hangingPunct="1">
+              <a:lnSpc>
+                <a:spcPct val="100000"/>
+              </a:lnSpc>
+              <a:spcBef>
+                <a:spcPts val="0"/>
+              </a:spcBef>
+              <a:spcAft>
+                <a:spcPts val="0"/>
+              </a:spcAft>
+              <a:buClrTx/>
+              <a:buSzTx/>
+              <a:buFontTx/>
+              <a:buNone/>
+              <a:tabLst/>
+              <a:defRPr/>
+            </a:pPr>
+            <a:endParaRPr kumimoji="0" lang="ko-KR" altLang="en-US" sz="1800" b="0" i="0" u="none" strike="noStrike" kern="0" cap="none" spc="0" normalizeH="0" baseline="0" noProof="0">
+              <a:ln>
+                <a:noFill/>
+              </a:ln>
+              <a:solidFill>
+                <a:prstClr val="white"/>
+              </a:solidFill>
+              <a:effectLst/>
+              <a:uLnTx/>
+              <a:uFillTx/>
+              <a:latin typeface="맑은 고딕" panose="020F0502020204030204"/>
+              <a:ea typeface="맑은 고딕" panose="020B0503020000020004" pitchFamily="50" charset="-127"/>
+              <a:cs typeface="+mn-cs"/>
+            </a:endParaRPr>
+          </a:p>
+        </p:txBody>
+      </p:sp>
+      <p:sp>
+        <p:nvSpPr>
+          <p:cNvPr id="19" name="타원 18">
+            <a:extLst>
+              <a:ext uri="{FF2B5EF4-FFF2-40B4-BE49-F238E27FC236}">
+                <a16:creationId xmlns:a16="http://schemas.microsoft.com/office/drawing/2014/main" id="{923560D8-8EE2-B572-33C9-CB21A5F7845E}"/>
+              </a:ext>
+            </a:extLst>
+          </p:cNvPr>
+          <p:cNvSpPr/>
+          <p:nvPr/>
+        </p:nvSpPr>
+        <p:spPr>
+          <a:xfrm>
+            <a:off x="3321969" y="4490381"/>
+            <a:ext cx="294575" cy="269760"/>
+          </a:xfrm>
+          <a:prstGeom prst="ellipse">
+            <a:avLst/>
+          </a:prstGeom>
+          <a:solidFill>
+            <a:srgbClr val="FFC000"/>
+          </a:solidFill>
+          <a:ln w="12700" cap="flat" cmpd="sng" algn="ctr">
+            <a:solidFill>
+              <a:srgbClr val="5B9BD5">
+                <a:shade val="50000"/>
+              </a:srgbClr>
+            </a:solidFill>
+            <a:prstDash val="solid"/>
+            <a:miter lim="800000"/>
+          </a:ln>
+          <a:effectLst/>
+        </p:spPr>
+        <p:txBody>
+          <a:bodyPr rtlCol="0" anchor="ctr"/>
+          <a:lstStyle/>
+          <a:p>
+            <a:pPr marL="0" marR="0" lvl="0" indent="0" algn="ctr" defTabSz="914400" eaLnBrk="1" fontAlgn="auto" latinLnBrk="1" hangingPunct="1">
+              <a:lnSpc>
+                <a:spcPct val="100000"/>
+              </a:lnSpc>
+              <a:spcBef>
+                <a:spcPts val="0"/>
+              </a:spcBef>
+              <a:spcAft>
+                <a:spcPts val="0"/>
+              </a:spcAft>
+              <a:buClrTx/>
+              <a:buSzTx/>
+              <a:buFontTx/>
+              <a:buNone/>
+              <a:tabLst/>
+              <a:defRPr/>
+            </a:pPr>
+            <a:endParaRPr kumimoji="0" lang="ko-KR" altLang="en-US" sz="1800" b="0" i="0" u="none" strike="noStrike" kern="0" cap="none" spc="0" normalizeH="0" baseline="0" noProof="0">
+              <a:ln>
+                <a:noFill/>
+              </a:ln>
+              <a:solidFill>
+                <a:prstClr val="white"/>
+              </a:solidFill>
+              <a:effectLst/>
+              <a:uLnTx/>
+              <a:uFillTx/>
+              <a:latin typeface="맑은 고딕" panose="020F0502020204030204"/>
+              <a:ea typeface="맑은 고딕" panose="020B0503020000020004" pitchFamily="50" charset="-127"/>
+              <a:cs typeface="+mn-cs"/>
+            </a:endParaRPr>
+          </a:p>
+        </p:txBody>
+      </p:sp>
+      <p:sp>
+        <p:nvSpPr>
+          <p:cNvPr id="20" name="타원 19">
+            <a:extLst>
+              <a:ext uri="{FF2B5EF4-FFF2-40B4-BE49-F238E27FC236}">
+                <a16:creationId xmlns:a16="http://schemas.microsoft.com/office/drawing/2014/main" id="{923560D8-8EE2-B572-33C9-CB21A5F7845E}"/>
+              </a:ext>
+            </a:extLst>
+          </p:cNvPr>
+          <p:cNvSpPr/>
+          <p:nvPr/>
+        </p:nvSpPr>
+        <p:spPr>
+          <a:xfrm>
+            <a:off x="5039660" y="4490381"/>
+            <a:ext cx="294575" cy="269760"/>
+          </a:xfrm>
+          <a:prstGeom prst="ellipse">
+            <a:avLst/>
+          </a:prstGeom>
+          <a:solidFill>
+            <a:srgbClr val="FFC000"/>
+          </a:solidFill>
+          <a:ln w="12700" cap="flat" cmpd="sng" algn="ctr">
+            <a:solidFill>
+              <a:srgbClr val="5B9BD5">
+                <a:shade val="50000"/>
+              </a:srgbClr>
+            </a:solidFill>
+            <a:prstDash val="solid"/>
+            <a:miter lim="800000"/>
+          </a:ln>
+          <a:effectLst/>
+        </p:spPr>
+        <p:txBody>
+          <a:bodyPr rtlCol="0" anchor="ctr"/>
+          <a:lstStyle/>
+          <a:p>
+            <a:pPr marL="0" marR="0" lvl="0" indent="0" algn="ctr" defTabSz="914400" eaLnBrk="1" fontAlgn="auto" latinLnBrk="1" hangingPunct="1">
+              <a:lnSpc>
+                <a:spcPct val="100000"/>
+              </a:lnSpc>
+              <a:spcBef>
+                <a:spcPts val="0"/>
+              </a:spcBef>
+              <a:spcAft>
+                <a:spcPts val="0"/>
+              </a:spcAft>
+              <a:buClrTx/>
+              <a:buSzTx/>
+              <a:buFontTx/>
+              <a:buNone/>
+              <a:tabLst/>
+              <a:defRPr/>
+            </a:pPr>
+            <a:endParaRPr kumimoji="0" lang="ko-KR" altLang="en-US" sz="1800" b="0" i="0" u="none" strike="noStrike" kern="0" cap="none" spc="0" normalizeH="0" baseline="0" noProof="0">
+              <a:ln>
+                <a:noFill/>
+              </a:ln>
+              <a:solidFill>
+                <a:prstClr val="white"/>
+              </a:solidFill>
+              <a:effectLst/>
+              <a:uLnTx/>
+              <a:uFillTx/>
+              <a:latin typeface="맑은 고딕" panose="020F0502020204030204"/>
+              <a:ea typeface="맑은 고딕" panose="020B0503020000020004" pitchFamily="50" charset="-127"/>
+              <a:cs typeface="+mn-cs"/>
+            </a:endParaRPr>
+          </a:p>
+        </p:txBody>
+      </p:sp>
+      <p:cxnSp>
+        <p:nvCxnSpPr>
+          <p:cNvPr id="22" name="직선 화살표 연결선 21"/>
+          <p:cNvCxnSpPr/>
+          <p:nvPr/>
+        </p:nvCxnSpPr>
+        <p:spPr bwMode="auto">
+          <a:xfrm>
+            <a:off x="3075232" y="2972541"/>
+            <a:ext cx="1799777" cy="321928"/>
+          </a:xfrm>
+          <a:prstGeom prst="straightConnector1">
+            <a:avLst/>
+          </a:prstGeom>
+          <a:solidFill>
+            <a:schemeClr val="accent1"/>
+          </a:solidFill>
+          <a:ln w="9525" cap="flat" cmpd="sng" algn="ctr">
+            <a:solidFill>
+              <a:schemeClr val="tx1"/>
+            </a:solidFill>
+            <a:prstDash val="solid"/>
+            <a:round/>
+            <a:headEnd type="none" w="med" len="med"/>
+            <a:tailEnd type="triangle"/>
+          </a:ln>
+          <a:effectLst/>
+          <a:extLst>
+            <a:ext uri="{AF507438-7753-43E0-B8FC-AC1667EBCBE1}">
+              <a14:hiddenEffects xmlns:a14="http://schemas.microsoft.com/office/drawing/2010/main">
+                <a:effectLst>
+                  <a:outerShdw dist="35921" dir="2700000" algn="ctr" rotWithShape="0">
+                    <a:schemeClr val="bg2"/>
+                  </a:outerShdw>
+                </a:effectLst>
+              </a14:hiddenEffects>
+            </a:ext>
+          </a:extLst>
+        </p:spPr>
+      </p:cxnSp>
+      <p:cxnSp>
+        <p:nvCxnSpPr>
+          <p:cNvPr id="23" name="직선 화살표 연결선 22"/>
+          <p:cNvCxnSpPr/>
+          <p:nvPr/>
+        </p:nvCxnSpPr>
+        <p:spPr bwMode="auto">
+          <a:xfrm>
+            <a:off x="1471144" y="2972541"/>
+            <a:ext cx="1726839" cy="321928"/>
+          </a:xfrm>
+          <a:prstGeom prst="straightConnector1">
+            <a:avLst/>
+          </a:prstGeom>
+          <a:solidFill>
+            <a:schemeClr val="accent1"/>
+          </a:solidFill>
+          <a:ln w="9525" cap="flat" cmpd="sng" algn="ctr">
+            <a:solidFill>
+              <a:schemeClr val="tx1"/>
+            </a:solidFill>
+            <a:prstDash val="solid"/>
+            <a:round/>
+            <a:headEnd type="none" w="med" len="med"/>
+            <a:tailEnd type="triangle"/>
+          </a:ln>
+          <a:effectLst/>
+          <a:extLst>
+            <a:ext uri="{AF507438-7753-43E0-B8FC-AC1667EBCBE1}">
+              <a14:hiddenEffects xmlns:a14="http://schemas.microsoft.com/office/drawing/2010/main">
+                <a:effectLst>
+                  <a:outerShdw dist="35921" dir="2700000" algn="ctr" rotWithShape="0">
+                    <a:schemeClr val="bg2"/>
+                  </a:outerShdw>
+                </a:effectLst>
+              </a14:hiddenEffects>
+            </a:ext>
+          </a:extLst>
+        </p:spPr>
+      </p:cxnSp>
+      <p:cxnSp>
+        <p:nvCxnSpPr>
+          <p:cNvPr id="26" name="직선 화살표 연결선 25"/>
+          <p:cNvCxnSpPr/>
+          <p:nvPr/>
+        </p:nvCxnSpPr>
+        <p:spPr bwMode="auto">
+          <a:xfrm>
+            <a:off x="1477997" y="4137268"/>
+            <a:ext cx="1726839" cy="321928"/>
+          </a:xfrm>
+          <a:prstGeom prst="straightConnector1">
+            <a:avLst/>
+          </a:prstGeom>
+          <a:solidFill>
+            <a:schemeClr val="accent1"/>
+          </a:solidFill>
+          <a:ln w="9525" cap="flat" cmpd="sng" algn="ctr">
+            <a:solidFill>
+              <a:schemeClr val="tx1"/>
+            </a:solidFill>
+            <a:prstDash val="solid"/>
+            <a:round/>
+            <a:headEnd type="none" w="med" len="med"/>
+            <a:tailEnd type="triangle"/>
+          </a:ln>
+          <a:effectLst/>
+          <a:extLst>
+            <a:ext uri="{AF507438-7753-43E0-B8FC-AC1667EBCBE1}">
+              <a14:hiddenEffects xmlns:a14="http://schemas.microsoft.com/office/drawing/2010/main">
+                <a:effectLst>
+                  <a:outerShdw dist="35921" dir="2700000" algn="ctr" rotWithShape="0">
+                    <a:schemeClr val="bg2"/>
+                  </a:outerShdw>
+                </a:effectLst>
+              </a14:hiddenEffects>
+            </a:ext>
+          </a:extLst>
+        </p:spPr>
+      </p:cxnSp>
+      <p:cxnSp>
+        <p:nvCxnSpPr>
+          <p:cNvPr id="27" name="직선 화살표 연결선 26"/>
+          <p:cNvCxnSpPr/>
+          <p:nvPr/>
+        </p:nvCxnSpPr>
+        <p:spPr bwMode="auto">
+          <a:xfrm>
+            <a:off x="3154630" y="4096444"/>
+            <a:ext cx="1726839" cy="321928"/>
+          </a:xfrm>
+          <a:prstGeom prst="straightConnector1">
+            <a:avLst/>
+          </a:prstGeom>
+          <a:solidFill>
+            <a:schemeClr val="accent1"/>
+          </a:solidFill>
+          <a:ln w="9525" cap="flat" cmpd="sng" algn="ctr">
+            <a:solidFill>
+              <a:schemeClr val="tx1"/>
+            </a:solidFill>
+            <a:prstDash val="solid"/>
+            <a:round/>
+            <a:headEnd type="none" w="med" len="med"/>
+            <a:tailEnd type="triangle"/>
+          </a:ln>
+          <a:effectLst/>
+          <a:extLst>
+            <a:ext uri="{AF507438-7753-43E0-B8FC-AC1667EBCBE1}">
+              <a14:hiddenEffects xmlns:a14="http://schemas.microsoft.com/office/drawing/2010/main">
+                <a:effectLst>
+                  <a:outerShdw dist="35921" dir="2700000" algn="ctr" rotWithShape="0">
+                    <a:schemeClr val="bg2"/>
+                  </a:outerShdw>
+                </a:effectLst>
+              </a14:hiddenEffects>
+            </a:ext>
+          </a:extLst>
+        </p:spPr>
+      </p:cxnSp>
+      <p:sp>
+        <p:nvSpPr>
+          <p:cNvPr id="28" name="TextBox 27"/>
+          <p:cNvSpPr txBox="1"/>
+          <p:nvPr/>
+        </p:nvSpPr>
+        <p:spPr>
+          <a:xfrm>
+            <a:off x="1065830" y="2390178"/>
+            <a:ext cx="625031" cy="287535"/>
+          </a:xfrm>
+          <a:prstGeom prst="rect">
+            <a:avLst/>
+          </a:prstGeom>
+          <a:solidFill>
+            <a:schemeClr val="accent2">
+              <a:lumMod val="20000"/>
+              <a:lumOff val="80000"/>
+            </a:schemeClr>
+          </a:solidFill>
+          <a:ln>
+            <a:noFill/>
+          </a:ln>
+        </p:spPr>
+        <p:txBody>
+          <a:bodyPr wrap="none" rtlCol="0" anchor="ctr">
+            <a:noAutofit/>
+          </a:bodyPr>
+          <a:lstStyle/>
+          <a:p>
+            <a:pPr algn="ctr"/>
+            <a:r>
+              <a:rPr lang="en-US" altLang="ko-KR" sz="1400" dirty="0" smtClean="0"/>
+              <a:t>1,1</a:t>
+            </a:r>
+            <a:endParaRPr lang="ko-KR" altLang="en-US" sz="1400" dirty="0" err="1" smtClean="0"/>
+          </a:p>
+        </p:txBody>
+      </p:sp>
+      <p:sp>
+        <p:nvSpPr>
+          <p:cNvPr id="29" name="TextBox 28"/>
+          <p:cNvSpPr txBox="1"/>
+          <p:nvPr/>
+        </p:nvSpPr>
+        <p:spPr>
+          <a:xfrm>
+            <a:off x="2127816" y="3219841"/>
+            <a:ext cx="625031" cy="287535"/>
+          </a:xfrm>
+          <a:prstGeom prst="rect">
+            <a:avLst/>
+          </a:prstGeom>
+          <a:solidFill>
+            <a:schemeClr val="accent2">
+              <a:lumMod val="20000"/>
+              <a:lumOff val="80000"/>
+            </a:schemeClr>
+          </a:solidFill>
+          <a:ln>
+            <a:noFill/>
+          </a:ln>
+        </p:spPr>
+        <p:txBody>
+          <a:bodyPr wrap="none" rtlCol="0" anchor="ctr">
+            <a:noAutofit/>
+          </a:bodyPr>
+          <a:lstStyle/>
+          <a:p>
+            <a:pPr algn="ctr"/>
+            <a:r>
+              <a:rPr lang="en-US" altLang="ko-KR" sz="1400" dirty="0" smtClean="0"/>
+              <a:t>2,3</a:t>
+            </a:r>
+            <a:endParaRPr lang="ko-KR" altLang="en-US" sz="1400" dirty="0" err="1" smtClean="0"/>
+          </a:p>
+        </p:txBody>
+      </p:sp>
+      <p:sp>
+        <p:nvSpPr>
+          <p:cNvPr id="30" name="TextBox 29"/>
+          <p:cNvSpPr txBox="1"/>
+          <p:nvPr/>
+        </p:nvSpPr>
+        <p:spPr>
+          <a:xfrm>
+            <a:off x="3168826" y="3020004"/>
+            <a:ext cx="625031" cy="287535"/>
+          </a:xfrm>
+          <a:prstGeom prst="rect">
+            <a:avLst/>
+          </a:prstGeom>
+          <a:noFill/>
+          <a:ln>
+            <a:noFill/>
+          </a:ln>
+        </p:spPr>
+        <p:txBody>
+          <a:bodyPr wrap="none" rtlCol="0" anchor="ctr">
+            <a:noAutofit/>
+          </a:bodyPr>
+          <a:lstStyle/>
+          <a:p>
+            <a:pPr algn="ctr"/>
+            <a:r>
+              <a:rPr lang="en-US" altLang="ko-KR" sz="1400" dirty="0" smtClean="0"/>
+              <a:t>3,4</a:t>
+            </a:r>
+            <a:endParaRPr lang="ko-KR" altLang="en-US" sz="1400" dirty="0" err="1" smtClean="0"/>
+          </a:p>
+        </p:txBody>
+      </p:sp>
+      <p:sp>
+        <p:nvSpPr>
+          <p:cNvPr id="31" name="직사각형 30"/>
+          <p:cNvSpPr/>
+          <p:nvPr/>
+        </p:nvSpPr>
+        <p:spPr bwMode="auto">
+          <a:xfrm rot="3092273">
+            <a:off x="6659413" y="3294469"/>
+            <a:ext cx="1512168" cy="1003763"/>
+          </a:xfrm>
+          <a:prstGeom prst="rect">
+            <a:avLst/>
+          </a:prstGeom>
+          <a:solidFill>
+            <a:schemeClr val="accent3">
+              <a:lumMod val="20000"/>
+              <a:lumOff val="80000"/>
+            </a:schemeClr>
+          </a:solidFill>
+          <a:ln w="9525" cap="flat" cmpd="sng" algn="ctr">
+            <a:solidFill>
+              <a:schemeClr val="accent3">
+                <a:lumMod val="75000"/>
+              </a:schemeClr>
+            </a:solidFill>
+            <a:prstDash val="solid"/>
+            <a:round/>
+            <a:headEnd type="none" w="med" len="med"/>
+            <a:tailEnd type="none" w="med" len="med"/>
+          </a:ln>
+          <a:effectLst/>
+        </p:spPr>
+        <p:txBody>
+          <a:bodyPr vert="horz" wrap="square" lIns="91440" tIns="45720" rIns="91440" bIns="45720" numCol="1" rtlCol="0" anchor="ctr" anchorCtr="0" compatLnSpc="1">
+            <a:prstTxWarp prst="textNoShape">
+              <a:avLst/>
+            </a:prstTxWarp>
+          </a:bodyPr>
+          <a:lstStyle/>
+          <a:p>
+            <a:pPr marL="0" marR="0" indent="0" algn="ctr" defTabSz="914400" rtl="0" eaLnBrk="1" fontAlgn="base" latinLnBrk="0" hangingPunct="1">
+              <a:lnSpc>
+                <a:spcPct val="100000"/>
+              </a:lnSpc>
+              <a:spcBef>
+                <a:spcPct val="0"/>
+              </a:spcBef>
+              <a:spcAft>
+                <a:spcPct val="0"/>
+              </a:spcAft>
+              <a:buClrTx/>
+              <a:buSzTx/>
+              <a:buFontTx/>
+              <a:buNone/>
+              <a:tabLst/>
+            </a:pPr>
+            <a:endParaRPr kumimoji="0" lang="ko-KR" altLang="en-US" sz="1400" b="0" i="0" u="none" strike="noStrike" cap="none" normalizeH="0" baseline="0" dirty="0" smtClean="0">
+              <a:ln>
+                <a:noFill/>
+              </a:ln>
+              <a:solidFill>
+                <a:schemeClr val="tx1"/>
+              </a:solidFill>
+              <a:effectLst/>
+              <a:latin typeface="Arial" charset="0"/>
+            </a:endParaRPr>
+          </a:p>
+        </p:txBody>
+      </p:sp>
+      <p:sp>
+        <p:nvSpPr>
+          <p:cNvPr id="32" name="직사각형 31"/>
+          <p:cNvSpPr/>
+          <p:nvPr/>
+        </p:nvSpPr>
+        <p:spPr bwMode="auto">
+          <a:xfrm>
+            <a:off x="6552231" y="2837661"/>
+            <a:ext cx="1726532" cy="1862887"/>
+          </a:xfrm>
+          <a:prstGeom prst="rect">
+            <a:avLst/>
+          </a:prstGeom>
+          <a:noFill/>
+          <a:ln w="9525" cap="flat" cmpd="sng" algn="ctr">
+            <a:solidFill>
+              <a:schemeClr val="accent3">
+                <a:lumMod val="75000"/>
+              </a:schemeClr>
+            </a:solidFill>
+            <a:prstDash val="solid"/>
+            <a:round/>
+            <a:headEnd type="none" w="med" len="med"/>
+            <a:tailEnd type="none" w="med" len="med"/>
+          </a:ln>
+          <a:effectLst/>
+        </p:spPr>
+        <p:txBody>
+          <a:bodyPr vert="horz" wrap="square" lIns="91440" tIns="45720" rIns="91440" bIns="45720" numCol="1" rtlCol="0" anchor="ctr" anchorCtr="0" compatLnSpc="1">
+            <a:prstTxWarp prst="textNoShape">
+              <a:avLst/>
+            </a:prstTxWarp>
+          </a:bodyPr>
+          <a:lstStyle/>
+          <a:p>
+            <a:pPr marL="0" marR="0" indent="0" algn="ctr" defTabSz="914400" rtl="0" eaLnBrk="1" fontAlgn="base" latinLnBrk="0" hangingPunct="1">
+              <a:lnSpc>
+                <a:spcPct val="100000"/>
+              </a:lnSpc>
+              <a:spcBef>
+                <a:spcPct val="0"/>
+              </a:spcBef>
+              <a:spcAft>
+                <a:spcPct val="0"/>
+              </a:spcAft>
+              <a:buClrTx/>
+              <a:buSzTx/>
+              <a:buFontTx/>
+              <a:buNone/>
+              <a:tabLst/>
+            </a:pPr>
+            <a:endParaRPr kumimoji="0" lang="ko-KR" altLang="en-US" sz="1400" b="0" i="0" u="none" strike="noStrike" cap="none" normalizeH="0" baseline="0" dirty="0" smtClean="0">
+              <a:ln>
+                <a:noFill/>
+              </a:ln>
+              <a:solidFill>
+                <a:schemeClr val="tx1"/>
+              </a:solidFill>
+              <a:effectLst/>
+              <a:latin typeface="Arial" charset="0"/>
+            </a:endParaRPr>
+          </a:p>
+        </p:txBody>
+      </p:sp>
+      <p:sp>
+        <p:nvSpPr>
+          <p:cNvPr id="33" name="TextBox 32"/>
+          <p:cNvSpPr txBox="1"/>
+          <p:nvPr/>
+        </p:nvSpPr>
+        <p:spPr>
+          <a:xfrm>
+            <a:off x="2892320" y="2427197"/>
+            <a:ext cx="625031" cy="287535"/>
+          </a:xfrm>
+          <a:prstGeom prst="rect">
+            <a:avLst/>
+          </a:prstGeom>
+          <a:noFill/>
+          <a:ln>
+            <a:noFill/>
+          </a:ln>
+        </p:spPr>
+        <p:txBody>
+          <a:bodyPr wrap="none" rtlCol="0" anchor="ctr">
+            <a:noAutofit/>
+          </a:bodyPr>
+          <a:lstStyle/>
+          <a:p>
+            <a:pPr algn="ctr"/>
+            <a:r>
+              <a:rPr lang="en-US" altLang="ko-KR" sz="1400" dirty="0"/>
+              <a:t>4</a:t>
+            </a:r>
+            <a:r>
+              <a:rPr lang="en-US" altLang="ko-KR" sz="1400" dirty="0" smtClean="0"/>
+              <a:t>,1</a:t>
+            </a:r>
+            <a:endParaRPr lang="ko-KR" altLang="en-US" sz="1400" dirty="0" err="1" smtClean="0"/>
+          </a:p>
+        </p:txBody>
+      </p:sp>
+    </p:spTree>
+    <p:extLst>
+      <p:ext uri="{BB962C8B-B14F-4D97-AF65-F5344CB8AC3E}">
+        <p14:creationId xmlns:p14="http://schemas.microsoft.com/office/powerpoint/2010/main" val="2811641212"/>
+      </p:ext>
+    </p:extLst>
+  </p:cSld>
+  <p:clrMapOvr>
+    <a:masterClrMapping/>
+  </p:clrMapOvr>
+</p:sld>
+</file>
+
+<file path=ppt/slides/slide37.xml><?xml version="1.0" encoding="utf-8"?>
+<p:sld xmlns:a="http://schemas.openxmlformats.org/drawingml/2006/main" xmlns:r="http://schemas.openxmlformats.org/officeDocument/2006/relationships" xmlns:p="http://schemas.openxmlformats.org/presentationml/2006/main">
+  <p:cSld>
+    <p:spTree>
+      <p:nvGrpSpPr>
+        <p:cNvPr id="1" name=""/>
+        <p:cNvGrpSpPr/>
+        <p:nvPr/>
+      </p:nvGrpSpPr>
+      <p:grpSpPr>
+        <a:xfrm>
+          <a:off x="0" y="0"/>
+          <a:ext cx="0" cy="0"/>
+          <a:chOff x="0" y="0"/>
+          <a:chExt cx="0" cy="0"/>
+        </a:xfrm>
+      </p:grpSpPr>
+      <p:sp>
+        <p:nvSpPr>
+          <p:cNvPr id="7" name="내용 개체 틀 6"/>
+          <p:cNvSpPr>
+            <a:spLocks noGrp="1"/>
+          </p:cNvSpPr>
+          <p:nvPr>
+            <p:ph sz="half" idx="1"/>
+          </p:nvPr>
+        </p:nvSpPr>
+        <p:spPr/>
+        <p:txBody>
+          <a:bodyPr/>
+          <a:lstStyle/>
+          <a:p>
+            <a:r>
+              <a:rPr lang="en-US" altLang="ko-KR" dirty="0" smtClean="0"/>
+              <a:t>Polymorphic Object</a:t>
+            </a:r>
+            <a:endParaRPr lang="ko-KR" altLang="en-US" dirty="0"/>
+          </a:p>
+        </p:txBody>
+      </p:sp>
+      <p:sp>
+        <p:nvSpPr>
+          <p:cNvPr id="8" name="내용 개체 틀 7"/>
+          <p:cNvSpPr>
+            <a:spLocks noGrp="1"/>
+          </p:cNvSpPr>
+          <p:nvPr>
+            <p:ph sz="half" idx="2"/>
+          </p:nvPr>
+        </p:nvSpPr>
+        <p:spPr/>
+        <p:txBody>
+          <a:bodyPr/>
+          <a:lstStyle/>
+          <a:p>
+            <a:endParaRPr lang="en-US" altLang="ko-KR" dirty="0" smtClean="0"/>
+          </a:p>
+          <a:p>
+            <a:r>
+              <a:rPr lang="en-US" altLang="ko-KR" dirty="0" smtClean="0"/>
+              <a:t>Transformer </a:t>
+            </a:r>
+            <a:r>
+              <a:rPr lang="en-US" altLang="ko-KR" dirty="0" err="1" smtClean="0"/>
+              <a:t>transformer</a:t>
+            </a:r>
+            <a:r>
+              <a:rPr lang="en-US" altLang="ko-KR" dirty="0" smtClean="0"/>
+              <a:t> </a:t>
+            </a:r>
+          </a:p>
+          <a:p>
+            <a:pPr lvl="1"/>
+            <a:r>
+              <a:rPr lang="en-US" altLang="ko-KR" dirty="0" smtClean="0"/>
+              <a:t>= new Translator();</a:t>
+            </a:r>
+          </a:p>
+          <a:p>
+            <a:pPr lvl="1"/>
+            <a:r>
+              <a:rPr lang="en-US" altLang="ko-KR" dirty="0"/>
+              <a:t>= new </a:t>
+            </a:r>
+            <a:r>
+              <a:rPr lang="en-US" altLang="ko-KR" dirty="0">
+                <a:latin typeface="Arial" charset="0"/>
+              </a:rPr>
+              <a:t>Resizer</a:t>
+            </a:r>
+            <a:r>
+              <a:rPr lang="en-US" altLang="ko-KR" dirty="0" smtClean="0"/>
+              <a:t>();</a:t>
+            </a:r>
+            <a:endParaRPr lang="en-US" altLang="ko-KR" dirty="0"/>
+          </a:p>
+          <a:p>
+            <a:pPr lvl="1"/>
+            <a:endParaRPr lang="en-US" altLang="ko-KR" dirty="0" smtClean="0"/>
+          </a:p>
+          <a:p>
+            <a:r>
+              <a:rPr lang="en-US" altLang="ko-KR" dirty="0"/>
+              <a:t>transformer</a:t>
+            </a:r>
+            <a:r>
+              <a:rPr lang="en-US" altLang="ko-KR" dirty="0" smtClean="0"/>
+              <a:t>. </a:t>
+            </a:r>
+            <a:r>
+              <a:rPr lang="en-US" altLang="ko-KR" dirty="0" err="1" smtClean="0"/>
+              <a:t>prepareTransforming</a:t>
+            </a:r>
+            <a:r>
+              <a:rPr lang="en-US" altLang="ko-KR" dirty="0" smtClean="0"/>
+              <a:t>()</a:t>
+            </a:r>
+          </a:p>
+          <a:p>
+            <a:r>
+              <a:rPr lang="en-US" altLang="ko-KR" dirty="0"/>
+              <a:t>transformer</a:t>
+            </a:r>
+            <a:r>
+              <a:rPr lang="en-US" altLang="ko-KR" dirty="0" smtClean="0"/>
+              <a:t>. </a:t>
+            </a:r>
+            <a:r>
+              <a:rPr lang="en-US" altLang="ko-KR" b="0" dirty="0" err="1">
+                <a:latin typeface="Arial" charset="0"/>
+              </a:rPr>
+              <a:t>keepTransforming</a:t>
+            </a:r>
+            <a:r>
+              <a:rPr lang="en-US" altLang="ko-KR" dirty="0" smtClean="0"/>
+              <a:t>()</a:t>
+            </a:r>
+          </a:p>
+          <a:p>
+            <a:r>
+              <a:rPr lang="en-US" altLang="ko-KR" dirty="0"/>
+              <a:t>transformer. </a:t>
+            </a:r>
+            <a:r>
+              <a:rPr lang="en-US" altLang="ko-KR" dirty="0" err="1"/>
+              <a:t>finishTrnasforming</a:t>
+            </a:r>
+            <a:r>
+              <a:rPr lang="en-US" altLang="ko-KR" dirty="0" smtClean="0"/>
+              <a:t>()</a:t>
+            </a:r>
+            <a:endParaRPr lang="en-US" altLang="ko-KR" dirty="0"/>
+          </a:p>
+          <a:p>
+            <a:endParaRPr lang="en-US" altLang="ko-KR" dirty="0"/>
+          </a:p>
+          <a:p>
+            <a:endParaRPr lang="ko-KR" altLang="en-US" dirty="0"/>
+          </a:p>
+        </p:txBody>
+      </p:sp>
+      <p:sp>
+        <p:nvSpPr>
+          <p:cNvPr id="5" name="바닥글 개체 틀 4"/>
+          <p:cNvSpPr>
+            <a:spLocks noGrp="1"/>
+          </p:cNvSpPr>
+          <p:nvPr>
+            <p:ph type="ftr" sz="quarter" idx="10"/>
+          </p:nvPr>
+        </p:nvSpPr>
+        <p:spPr/>
+        <p:txBody>
+          <a:bodyPr/>
+          <a:lstStyle/>
+          <a:p>
+            <a:pPr>
+              <a:buFont typeface="맑은 고딕" panose="020B0503020000020004" pitchFamily="50" charset="-127"/>
+              <a:buChar char="ⓒ"/>
+            </a:pPr>
+            <a:r>
+              <a:rPr lang="en-US" altLang="ko-KR" smtClean="0"/>
+              <a:t>Sungwoon Choi 2021</a:t>
+            </a:r>
+            <a:endParaRPr lang="en-US" altLang="ko-KR" dirty="0"/>
+          </a:p>
+        </p:txBody>
+      </p:sp>
+      <p:sp>
+        <p:nvSpPr>
+          <p:cNvPr id="6" name="슬라이드 번호 개체 틀 5"/>
+          <p:cNvSpPr>
+            <a:spLocks noGrp="1"/>
+          </p:cNvSpPr>
+          <p:nvPr>
+            <p:ph type="sldNum" sz="quarter" idx="11"/>
+          </p:nvPr>
+        </p:nvSpPr>
+        <p:spPr/>
+        <p:txBody>
+          <a:bodyPr/>
+          <a:lstStyle/>
+          <a:p>
+            <a:fld id="{AA4216F1-165B-4DFF-BD92-3D8E849D7D48}" type="slidenum">
+              <a:rPr lang="en-US" altLang="ko-KR" smtClean="0"/>
+              <a:pPr/>
+              <a:t>37</a:t>
+            </a:fld>
+            <a:endParaRPr lang="en-US" altLang="ko-KR" dirty="0"/>
+          </a:p>
+        </p:txBody>
+      </p:sp>
+      <p:sp>
+        <p:nvSpPr>
+          <p:cNvPr id="9" name="직사각형 8"/>
+          <p:cNvSpPr/>
+          <p:nvPr/>
+        </p:nvSpPr>
+        <p:spPr bwMode="auto">
+          <a:xfrm>
+            <a:off x="1718549" y="1360140"/>
+            <a:ext cx="2204560" cy="1152128"/>
+          </a:xfrm>
+          <a:prstGeom prst="rect">
+            <a:avLst/>
+          </a:prstGeom>
+          <a:solidFill>
+            <a:schemeClr val="accent3">
+              <a:lumMod val="20000"/>
+              <a:lumOff val="80000"/>
+            </a:schemeClr>
+          </a:solidFill>
+          <a:ln w="9525" cap="flat" cmpd="sng" algn="ctr">
+            <a:solidFill>
+              <a:schemeClr val="accent3">
+                <a:lumMod val="75000"/>
+              </a:schemeClr>
+            </a:solidFill>
+            <a:prstDash val="solid"/>
+            <a:round/>
+            <a:headEnd type="none" w="med" len="med"/>
+            <a:tailEnd type="none" w="med" len="med"/>
+          </a:ln>
+          <a:effectLst/>
+        </p:spPr>
+        <p:txBody>
+          <a:bodyPr vert="horz" wrap="square" lIns="91440" tIns="45720" rIns="91440" bIns="45720" numCol="1" rtlCol="0" anchor="ctr" anchorCtr="0" compatLnSpc="1">
+            <a:prstTxWarp prst="textNoShape">
+              <a:avLst/>
+            </a:prstTxWarp>
+          </a:bodyPr>
+          <a:lstStyle/>
+          <a:p>
+            <a:pPr marL="0" marR="0" indent="0" algn="ctr" defTabSz="914400" rtl="0" eaLnBrk="1" fontAlgn="base" latinLnBrk="0" hangingPunct="1">
+              <a:lnSpc>
+                <a:spcPct val="100000"/>
+              </a:lnSpc>
+              <a:spcBef>
+                <a:spcPct val="0"/>
+              </a:spcBef>
+              <a:spcAft>
+                <a:spcPct val="0"/>
+              </a:spcAft>
+              <a:buClrTx/>
+              <a:buSzTx/>
+              <a:buFontTx/>
+              <a:buNone/>
+              <a:tabLst/>
+            </a:pPr>
+            <a:r>
+              <a:rPr kumimoji="0" lang="en-US" altLang="ko-KR" sz="1400" b="0" i="0" u="none" strike="noStrike" cap="none" normalizeH="0" baseline="0" dirty="0" smtClean="0">
+                <a:ln>
+                  <a:noFill/>
+                </a:ln>
+                <a:solidFill>
+                  <a:schemeClr val="tx1"/>
+                </a:solidFill>
+                <a:effectLst/>
+                <a:latin typeface="Arial" charset="0"/>
+              </a:rPr>
+              <a:t>Transformer</a:t>
+            </a:r>
+          </a:p>
+          <a:p>
+            <a:pPr marL="285750" marR="0" indent="-285750" algn="ctr" defTabSz="914400" rtl="0" eaLnBrk="1" fontAlgn="base" latinLnBrk="0" hangingPunct="1">
+              <a:lnSpc>
+                <a:spcPct val="100000"/>
+              </a:lnSpc>
+              <a:spcBef>
+                <a:spcPct val="0"/>
+              </a:spcBef>
+              <a:spcAft>
+                <a:spcPct val="0"/>
+              </a:spcAft>
+              <a:buClrTx/>
+              <a:buSzTx/>
+              <a:buFontTx/>
+              <a:buChar char="-"/>
+              <a:tabLst/>
+            </a:pPr>
+            <a:r>
+              <a:rPr lang="en-US" altLang="ko-KR" sz="1400" dirty="0" err="1" smtClean="0"/>
+              <a:t>prepareTransforming</a:t>
+            </a:r>
+            <a:endParaRPr lang="en-US" altLang="ko-KR" sz="1400" dirty="0" smtClean="0"/>
+          </a:p>
+          <a:p>
+            <a:pPr marL="285750" marR="0" indent="-285750" algn="ctr" defTabSz="914400" rtl="0" eaLnBrk="1" fontAlgn="base" latinLnBrk="0" hangingPunct="1">
+              <a:lnSpc>
+                <a:spcPct val="100000"/>
+              </a:lnSpc>
+              <a:spcBef>
+                <a:spcPct val="0"/>
+              </a:spcBef>
+              <a:spcAft>
+                <a:spcPct val="0"/>
+              </a:spcAft>
+              <a:buClrTx/>
+              <a:buSzTx/>
+              <a:buFontTx/>
+              <a:buChar char="-"/>
+              <a:tabLst/>
+            </a:pPr>
+            <a:r>
+              <a:rPr kumimoji="0" lang="en-US" altLang="ko-KR" sz="1400" b="0" i="0" u="none" strike="noStrike" cap="none" normalizeH="0" baseline="0" dirty="0" err="1" smtClean="0">
+                <a:ln>
+                  <a:noFill/>
+                </a:ln>
+                <a:solidFill>
+                  <a:schemeClr val="tx1"/>
+                </a:solidFill>
+                <a:effectLst/>
+                <a:latin typeface="Arial" charset="0"/>
+              </a:rPr>
+              <a:t>keepTransforming</a:t>
+            </a:r>
+            <a:endParaRPr kumimoji="0" lang="en-US" altLang="ko-KR" sz="1400" b="0" i="0" u="none" strike="noStrike" cap="none" normalizeH="0" baseline="0" dirty="0" smtClean="0">
+              <a:ln>
+                <a:noFill/>
+              </a:ln>
+              <a:solidFill>
+                <a:schemeClr val="tx1"/>
+              </a:solidFill>
+              <a:effectLst/>
+              <a:latin typeface="Arial" charset="0"/>
+            </a:endParaRPr>
+          </a:p>
+          <a:p>
+            <a:pPr marL="285750" marR="0" indent="-285750" algn="ctr" defTabSz="914400" rtl="0" eaLnBrk="1" fontAlgn="base" latinLnBrk="0" hangingPunct="1">
+              <a:lnSpc>
+                <a:spcPct val="100000"/>
+              </a:lnSpc>
+              <a:spcBef>
+                <a:spcPct val="0"/>
+              </a:spcBef>
+              <a:spcAft>
+                <a:spcPct val="0"/>
+              </a:spcAft>
+              <a:buClrTx/>
+              <a:buSzTx/>
+              <a:buFontTx/>
+              <a:buChar char="-"/>
+              <a:tabLst/>
+            </a:pPr>
+            <a:r>
+              <a:rPr lang="en-US" altLang="ko-KR" sz="1400" dirty="0" err="1" smtClean="0"/>
+              <a:t>finishTrnasforming</a:t>
+            </a:r>
+            <a:endParaRPr kumimoji="0" lang="ko-KR" altLang="en-US" sz="1400" b="0" i="0" u="none" strike="noStrike" cap="none" normalizeH="0" baseline="0" dirty="0" smtClean="0">
+              <a:ln>
+                <a:noFill/>
+              </a:ln>
+              <a:solidFill>
+                <a:schemeClr val="tx1"/>
+              </a:solidFill>
+              <a:effectLst/>
+              <a:latin typeface="Arial" charset="0"/>
+            </a:endParaRPr>
+          </a:p>
+        </p:txBody>
+      </p:sp>
+      <p:sp>
+        <p:nvSpPr>
+          <p:cNvPr id="10" name="직사각형 9"/>
+          <p:cNvSpPr/>
+          <p:nvPr/>
+        </p:nvSpPr>
+        <p:spPr bwMode="auto">
+          <a:xfrm>
+            <a:off x="590420" y="3160340"/>
+            <a:ext cx="2204560" cy="1152128"/>
+          </a:xfrm>
+          <a:prstGeom prst="rect">
+            <a:avLst/>
+          </a:prstGeom>
+          <a:solidFill>
+            <a:schemeClr val="accent3">
+              <a:lumMod val="20000"/>
+              <a:lumOff val="80000"/>
+            </a:schemeClr>
+          </a:solidFill>
+          <a:ln w="9525" cap="flat" cmpd="sng" algn="ctr">
+            <a:solidFill>
+              <a:schemeClr val="accent3">
+                <a:lumMod val="75000"/>
+              </a:schemeClr>
+            </a:solidFill>
+            <a:prstDash val="solid"/>
+            <a:round/>
+            <a:headEnd type="none" w="med" len="med"/>
+            <a:tailEnd type="none" w="med" len="med"/>
+          </a:ln>
+          <a:effectLst/>
+        </p:spPr>
+        <p:txBody>
+          <a:bodyPr vert="horz" wrap="square" lIns="91440" tIns="45720" rIns="91440" bIns="45720" numCol="1" rtlCol="0" anchor="ctr" anchorCtr="0" compatLnSpc="1">
+            <a:prstTxWarp prst="textNoShape">
+              <a:avLst/>
+            </a:prstTxWarp>
+          </a:bodyPr>
+          <a:lstStyle/>
+          <a:p>
+            <a:pPr marL="0" marR="0" indent="0" algn="ctr" defTabSz="914400" rtl="0" eaLnBrk="1" fontAlgn="base" latinLnBrk="0" hangingPunct="1">
+              <a:lnSpc>
+                <a:spcPct val="100000"/>
+              </a:lnSpc>
+              <a:spcBef>
+                <a:spcPct val="0"/>
+              </a:spcBef>
+              <a:spcAft>
+                <a:spcPct val="0"/>
+              </a:spcAft>
+              <a:buClrTx/>
+              <a:buSzTx/>
+              <a:buFontTx/>
+              <a:buNone/>
+              <a:tabLst/>
+            </a:pPr>
+            <a:r>
+              <a:rPr kumimoji="0" lang="en-US" altLang="ko-KR" sz="1400" b="0" i="0" u="none" strike="noStrike" cap="none" normalizeH="0" baseline="0" dirty="0" smtClean="0">
+                <a:ln>
+                  <a:noFill/>
+                </a:ln>
+                <a:solidFill>
+                  <a:schemeClr val="tx1"/>
+                </a:solidFill>
+                <a:effectLst/>
+                <a:latin typeface="Arial" charset="0"/>
+              </a:rPr>
+              <a:t>Translator</a:t>
+            </a:r>
+          </a:p>
+          <a:p>
+            <a:pPr marL="285750" marR="0" indent="-285750" algn="ctr" defTabSz="914400" rtl="0" eaLnBrk="1" fontAlgn="base" latinLnBrk="0" hangingPunct="1">
+              <a:lnSpc>
+                <a:spcPct val="100000"/>
+              </a:lnSpc>
+              <a:spcBef>
+                <a:spcPct val="0"/>
+              </a:spcBef>
+              <a:spcAft>
+                <a:spcPct val="0"/>
+              </a:spcAft>
+              <a:buClrTx/>
+              <a:buSzTx/>
+              <a:buFontTx/>
+              <a:buChar char="-"/>
+              <a:tabLst/>
+            </a:pPr>
+            <a:r>
+              <a:rPr lang="en-US" altLang="ko-KR" sz="1400" dirty="0" err="1" smtClean="0"/>
+              <a:t>prepareTransforming</a:t>
+            </a:r>
+            <a:endParaRPr lang="en-US" altLang="ko-KR" sz="1400" dirty="0" smtClean="0"/>
+          </a:p>
+          <a:p>
+            <a:pPr marL="285750" marR="0" indent="-285750" algn="ctr" defTabSz="914400" rtl="0" eaLnBrk="1" fontAlgn="base" latinLnBrk="0" hangingPunct="1">
+              <a:lnSpc>
+                <a:spcPct val="100000"/>
+              </a:lnSpc>
+              <a:spcBef>
+                <a:spcPct val="0"/>
+              </a:spcBef>
+              <a:spcAft>
+                <a:spcPct val="0"/>
+              </a:spcAft>
+              <a:buClrTx/>
+              <a:buSzTx/>
+              <a:buFontTx/>
+              <a:buChar char="-"/>
+              <a:tabLst/>
+            </a:pPr>
+            <a:r>
+              <a:rPr kumimoji="0" lang="en-US" altLang="ko-KR" sz="1400" b="0" i="0" u="none" strike="noStrike" cap="none" normalizeH="0" baseline="0" dirty="0" err="1" smtClean="0">
+                <a:ln>
+                  <a:noFill/>
+                </a:ln>
+                <a:solidFill>
+                  <a:schemeClr val="tx1"/>
+                </a:solidFill>
+                <a:effectLst/>
+                <a:latin typeface="Arial" charset="0"/>
+              </a:rPr>
+              <a:t>keepTransforming</a:t>
+            </a:r>
+            <a:endParaRPr kumimoji="0" lang="en-US" altLang="ko-KR" sz="1400" b="0" i="0" u="none" strike="noStrike" cap="none" normalizeH="0" baseline="0" dirty="0" smtClean="0">
+              <a:ln>
+                <a:noFill/>
+              </a:ln>
+              <a:solidFill>
+                <a:schemeClr val="tx1"/>
+              </a:solidFill>
+              <a:effectLst/>
+              <a:latin typeface="Arial" charset="0"/>
+            </a:endParaRPr>
+          </a:p>
+          <a:p>
+            <a:pPr marL="285750" marR="0" indent="-285750" algn="ctr" defTabSz="914400" rtl="0" eaLnBrk="1" fontAlgn="base" latinLnBrk="0" hangingPunct="1">
+              <a:lnSpc>
+                <a:spcPct val="100000"/>
+              </a:lnSpc>
+              <a:spcBef>
+                <a:spcPct val="0"/>
+              </a:spcBef>
+              <a:spcAft>
+                <a:spcPct val="0"/>
+              </a:spcAft>
+              <a:buClrTx/>
+              <a:buSzTx/>
+              <a:buFontTx/>
+              <a:buChar char="-"/>
+              <a:tabLst/>
+            </a:pPr>
+            <a:r>
+              <a:rPr lang="en-US" altLang="ko-KR" sz="1400" dirty="0" err="1" smtClean="0"/>
+              <a:t>finishTrnasforming</a:t>
+            </a:r>
+            <a:endParaRPr kumimoji="0" lang="ko-KR" altLang="en-US" sz="1400" b="0" i="0" u="none" strike="noStrike" cap="none" normalizeH="0" baseline="0" dirty="0" smtClean="0">
+              <a:ln>
+                <a:noFill/>
+              </a:ln>
+              <a:solidFill>
+                <a:schemeClr val="tx1"/>
+              </a:solidFill>
+              <a:effectLst/>
+              <a:latin typeface="Arial" charset="0"/>
+            </a:endParaRPr>
+          </a:p>
+        </p:txBody>
+      </p:sp>
+      <p:sp>
+        <p:nvSpPr>
+          <p:cNvPr id="11" name="직사각형 10"/>
+          <p:cNvSpPr/>
+          <p:nvPr/>
+        </p:nvSpPr>
+        <p:spPr bwMode="auto">
+          <a:xfrm>
+            <a:off x="2902519" y="3160340"/>
+            <a:ext cx="2204560" cy="1152128"/>
+          </a:xfrm>
+          <a:prstGeom prst="rect">
+            <a:avLst/>
+          </a:prstGeom>
+          <a:solidFill>
+            <a:schemeClr val="accent3">
+              <a:lumMod val="20000"/>
+              <a:lumOff val="80000"/>
+            </a:schemeClr>
+          </a:solidFill>
+          <a:ln w="9525" cap="flat" cmpd="sng" algn="ctr">
+            <a:solidFill>
+              <a:schemeClr val="accent3">
+                <a:lumMod val="75000"/>
+              </a:schemeClr>
+            </a:solidFill>
+            <a:prstDash val="solid"/>
+            <a:round/>
+            <a:headEnd type="none" w="med" len="med"/>
+            <a:tailEnd type="none" w="med" len="med"/>
+          </a:ln>
+          <a:effectLst/>
+        </p:spPr>
+        <p:txBody>
+          <a:bodyPr vert="horz" wrap="square" lIns="91440" tIns="45720" rIns="91440" bIns="45720" numCol="1" rtlCol="0" anchor="ctr" anchorCtr="0" compatLnSpc="1">
+            <a:prstTxWarp prst="textNoShape">
+              <a:avLst/>
+            </a:prstTxWarp>
+          </a:bodyPr>
+          <a:lstStyle/>
+          <a:p>
+            <a:pPr marL="0" marR="0" indent="0" algn="ctr" defTabSz="914400" rtl="0" eaLnBrk="1" fontAlgn="base" latinLnBrk="0" hangingPunct="1">
+              <a:lnSpc>
+                <a:spcPct val="100000"/>
+              </a:lnSpc>
+              <a:spcBef>
+                <a:spcPct val="0"/>
+              </a:spcBef>
+              <a:spcAft>
+                <a:spcPct val="0"/>
+              </a:spcAft>
+              <a:buClrTx/>
+              <a:buSzTx/>
+              <a:buFontTx/>
+              <a:buNone/>
+              <a:tabLst/>
+            </a:pPr>
+            <a:r>
+              <a:rPr kumimoji="0" lang="en-US" altLang="ko-KR" sz="1400" b="0" i="0" u="none" strike="noStrike" cap="none" normalizeH="0" baseline="0" dirty="0" smtClean="0">
+                <a:ln>
+                  <a:noFill/>
+                </a:ln>
+                <a:solidFill>
+                  <a:schemeClr val="tx1"/>
+                </a:solidFill>
+                <a:effectLst/>
+                <a:latin typeface="Arial" charset="0"/>
+              </a:rPr>
+              <a:t>Resizer</a:t>
+            </a:r>
+          </a:p>
+          <a:p>
+            <a:pPr marL="285750" marR="0" indent="-285750" algn="ctr" defTabSz="914400" rtl="0" eaLnBrk="1" fontAlgn="base" latinLnBrk="0" hangingPunct="1">
+              <a:lnSpc>
+                <a:spcPct val="100000"/>
+              </a:lnSpc>
+              <a:spcBef>
+                <a:spcPct val="0"/>
+              </a:spcBef>
+              <a:spcAft>
+                <a:spcPct val="0"/>
+              </a:spcAft>
+              <a:buClrTx/>
+              <a:buSzTx/>
+              <a:buFontTx/>
+              <a:buChar char="-"/>
+              <a:tabLst/>
+            </a:pPr>
+            <a:r>
+              <a:rPr lang="en-US" altLang="ko-KR" sz="1400" dirty="0" err="1" smtClean="0"/>
+              <a:t>prepareTransforming</a:t>
+            </a:r>
+            <a:endParaRPr lang="en-US" altLang="ko-KR" sz="1400" dirty="0" smtClean="0"/>
+          </a:p>
+          <a:p>
+            <a:pPr marL="285750" marR="0" indent="-285750" algn="ctr" defTabSz="914400" rtl="0" eaLnBrk="1" fontAlgn="base" latinLnBrk="0" hangingPunct="1">
+              <a:lnSpc>
+                <a:spcPct val="100000"/>
+              </a:lnSpc>
+              <a:spcBef>
+                <a:spcPct val="0"/>
+              </a:spcBef>
+              <a:spcAft>
+                <a:spcPct val="0"/>
+              </a:spcAft>
+              <a:buClrTx/>
+              <a:buSzTx/>
+              <a:buFontTx/>
+              <a:buChar char="-"/>
+              <a:tabLst/>
+            </a:pPr>
+            <a:r>
+              <a:rPr kumimoji="0" lang="en-US" altLang="ko-KR" sz="1400" b="0" i="0" u="none" strike="noStrike" cap="none" normalizeH="0" baseline="0" dirty="0" err="1" smtClean="0">
+                <a:ln>
+                  <a:noFill/>
+                </a:ln>
+                <a:solidFill>
+                  <a:schemeClr val="tx1"/>
+                </a:solidFill>
+                <a:effectLst/>
+                <a:latin typeface="Arial" charset="0"/>
+              </a:rPr>
+              <a:t>keepTransforming</a:t>
+            </a:r>
+            <a:endParaRPr kumimoji="0" lang="en-US" altLang="ko-KR" sz="1400" b="0" i="0" u="none" strike="noStrike" cap="none" normalizeH="0" baseline="0" dirty="0" smtClean="0">
+              <a:ln>
+                <a:noFill/>
+              </a:ln>
+              <a:solidFill>
+                <a:schemeClr val="tx1"/>
+              </a:solidFill>
+              <a:effectLst/>
+              <a:latin typeface="Arial" charset="0"/>
+            </a:endParaRPr>
+          </a:p>
+          <a:p>
+            <a:pPr marL="285750" marR="0" indent="-285750" algn="ctr" defTabSz="914400" rtl="0" eaLnBrk="1" fontAlgn="base" latinLnBrk="0" hangingPunct="1">
+              <a:lnSpc>
+                <a:spcPct val="100000"/>
+              </a:lnSpc>
+              <a:spcBef>
+                <a:spcPct val="0"/>
+              </a:spcBef>
+              <a:spcAft>
+                <a:spcPct val="0"/>
+              </a:spcAft>
+              <a:buClrTx/>
+              <a:buSzTx/>
+              <a:buFontTx/>
+              <a:buChar char="-"/>
+              <a:tabLst/>
+            </a:pPr>
+            <a:r>
+              <a:rPr lang="en-US" altLang="ko-KR" sz="1400" dirty="0" err="1" smtClean="0"/>
+              <a:t>finishTrnasforming</a:t>
+            </a:r>
+            <a:endParaRPr kumimoji="0" lang="ko-KR" altLang="en-US" sz="1400" b="0" i="0" u="none" strike="noStrike" cap="none" normalizeH="0" baseline="0" dirty="0" smtClean="0">
+              <a:ln>
+                <a:noFill/>
+              </a:ln>
+              <a:solidFill>
+                <a:schemeClr val="tx1"/>
+              </a:solidFill>
+              <a:effectLst/>
+              <a:latin typeface="Arial" charset="0"/>
+            </a:endParaRPr>
+          </a:p>
+        </p:txBody>
+      </p:sp>
+      <p:sp>
+        <p:nvSpPr>
+          <p:cNvPr id="12" name="직사각형 11"/>
+          <p:cNvSpPr/>
+          <p:nvPr/>
+        </p:nvSpPr>
+        <p:spPr bwMode="auto">
+          <a:xfrm>
+            <a:off x="5651301" y="4672508"/>
+            <a:ext cx="576064" cy="1296144"/>
+          </a:xfrm>
+          <a:prstGeom prst="rect">
+            <a:avLst/>
+          </a:prstGeom>
+          <a:solidFill>
+            <a:schemeClr val="accent3">
+              <a:lumMod val="20000"/>
+              <a:lumOff val="80000"/>
+            </a:schemeClr>
+          </a:solidFill>
+          <a:ln w="9525" cap="flat" cmpd="sng" algn="ctr">
+            <a:solidFill>
+              <a:schemeClr val="accent3">
+                <a:lumMod val="75000"/>
+              </a:schemeClr>
+            </a:solidFill>
+            <a:prstDash val="solid"/>
+            <a:round/>
+            <a:headEnd type="none" w="med" len="med"/>
+            <a:tailEnd type="none" w="med" len="med"/>
+          </a:ln>
+          <a:effectLst/>
+        </p:spPr>
+        <p:txBody>
+          <a:bodyPr vert="eaVert" wrap="square" lIns="91440" tIns="45720" rIns="91440" bIns="45720" numCol="1" rtlCol="0" anchor="ctr" anchorCtr="0" compatLnSpc="1">
+            <a:prstTxWarp prst="textNoShape">
+              <a:avLst/>
+            </a:prstTxWarp>
+          </a:bodyPr>
+          <a:lstStyle/>
+          <a:p>
+            <a:pPr marL="0" marR="0" indent="0" algn="ctr" defTabSz="914400" rtl="0" eaLnBrk="1" fontAlgn="base" latinLnBrk="0" hangingPunct="1">
+              <a:lnSpc>
+                <a:spcPct val="100000"/>
+              </a:lnSpc>
+              <a:spcBef>
+                <a:spcPct val="0"/>
+              </a:spcBef>
+              <a:spcAft>
+                <a:spcPct val="0"/>
+              </a:spcAft>
+              <a:buClrTx/>
+              <a:buSzTx/>
+              <a:buFontTx/>
+              <a:buNone/>
+              <a:tabLst/>
+            </a:pPr>
+            <a:r>
+              <a:rPr kumimoji="0" lang="en-US" altLang="ko-KR" sz="1400" b="0" i="0" u="none" strike="noStrike" cap="none" normalizeH="0" baseline="0" dirty="0" err="1" smtClean="0">
+                <a:ln>
+                  <a:noFill/>
+                </a:ln>
+                <a:solidFill>
+                  <a:schemeClr val="tx1"/>
+                </a:solidFill>
+                <a:effectLst/>
+                <a:latin typeface="Arial" charset="0"/>
+              </a:rPr>
+              <a:t>Rect</a:t>
+            </a:r>
+            <a:endParaRPr kumimoji="0" lang="ko-KR" altLang="en-US" sz="1400" b="0" i="0" u="none" strike="noStrike" cap="none" normalizeH="0" baseline="0" dirty="0" smtClean="0">
+              <a:ln>
+                <a:noFill/>
+              </a:ln>
+              <a:solidFill>
+                <a:schemeClr val="tx1"/>
+              </a:solidFill>
+              <a:effectLst/>
+              <a:latin typeface="Arial" charset="0"/>
+            </a:endParaRPr>
+          </a:p>
+        </p:txBody>
+      </p:sp>
+      <p:sp>
+        <p:nvSpPr>
+          <p:cNvPr id="13" name="직사각형 12"/>
+          <p:cNvSpPr/>
+          <p:nvPr/>
+        </p:nvSpPr>
+        <p:spPr bwMode="auto">
+          <a:xfrm>
+            <a:off x="6447135" y="4672508"/>
+            <a:ext cx="576064" cy="1296144"/>
+          </a:xfrm>
+          <a:prstGeom prst="rect">
+            <a:avLst/>
+          </a:prstGeom>
+          <a:solidFill>
+            <a:schemeClr val="accent3">
+              <a:lumMod val="20000"/>
+              <a:lumOff val="80000"/>
+            </a:schemeClr>
+          </a:solidFill>
+          <a:ln w="9525" cap="flat" cmpd="sng" algn="ctr">
+            <a:solidFill>
+              <a:schemeClr val="accent3">
+                <a:lumMod val="75000"/>
+              </a:schemeClr>
+            </a:solidFill>
+            <a:prstDash val="solid"/>
+            <a:round/>
+            <a:headEnd type="none" w="med" len="med"/>
+            <a:tailEnd type="none" w="med" len="med"/>
+          </a:ln>
+          <a:effectLst/>
+        </p:spPr>
+        <p:txBody>
+          <a:bodyPr vert="eaVert" wrap="square" lIns="91440" tIns="45720" rIns="91440" bIns="45720" numCol="1" rtlCol="0" anchor="ctr" anchorCtr="0" compatLnSpc="1">
+            <a:prstTxWarp prst="textNoShape">
+              <a:avLst/>
+            </a:prstTxWarp>
+          </a:bodyPr>
+          <a:lstStyle/>
+          <a:p>
+            <a:pPr marL="0" marR="0" indent="0" algn="ctr" defTabSz="914400" rtl="0" eaLnBrk="1" fontAlgn="base" latinLnBrk="0" hangingPunct="1">
+              <a:lnSpc>
+                <a:spcPct val="100000"/>
+              </a:lnSpc>
+              <a:spcBef>
+                <a:spcPct val="0"/>
+              </a:spcBef>
+              <a:spcAft>
+                <a:spcPct val="0"/>
+              </a:spcAft>
+              <a:buClrTx/>
+              <a:buSzTx/>
+              <a:buFontTx/>
+              <a:buNone/>
+              <a:tabLst/>
+            </a:pPr>
+            <a:r>
+              <a:rPr kumimoji="0" lang="en-US" altLang="ko-KR" sz="1400" b="0" i="0" u="none" strike="noStrike" cap="none" normalizeH="0" baseline="0" dirty="0" smtClean="0">
+                <a:ln>
+                  <a:noFill/>
+                </a:ln>
+                <a:solidFill>
+                  <a:schemeClr val="tx1"/>
+                </a:solidFill>
+                <a:effectLst/>
+                <a:latin typeface="Arial" charset="0"/>
+              </a:rPr>
+              <a:t>Circle</a:t>
+            </a:r>
+            <a:endParaRPr kumimoji="0" lang="ko-KR" altLang="en-US" sz="1400" b="0" i="0" u="none" strike="noStrike" cap="none" normalizeH="0" baseline="0" dirty="0" smtClean="0">
+              <a:ln>
+                <a:noFill/>
+              </a:ln>
+              <a:solidFill>
+                <a:schemeClr val="tx1"/>
+              </a:solidFill>
+              <a:effectLst/>
+              <a:latin typeface="Arial" charset="0"/>
+            </a:endParaRPr>
+          </a:p>
+        </p:txBody>
+      </p:sp>
+      <p:sp>
+        <p:nvSpPr>
+          <p:cNvPr id="14" name="직사각형 13"/>
+          <p:cNvSpPr/>
+          <p:nvPr/>
+        </p:nvSpPr>
+        <p:spPr bwMode="auto">
+          <a:xfrm>
+            <a:off x="7254668" y="4672508"/>
+            <a:ext cx="576064" cy="1296144"/>
+          </a:xfrm>
+          <a:prstGeom prst="rect">
+            <a:avLst/>
+          </a:prstGeom>
+          <a:solidFill>
+            <a:schemeClr val="accent3">
+              <a:lumMod val="20000"/>
+              <a:lumOff val="80000"/>
+            </a:schemeClr>
+          </a:solidFill>
+          <a:ln w="9525" cap="flat" cmpd="sng" algn="ctr">
+            <a:solidFill>
+              <a:schemeClr val="accent3">
+                <a:lumMod val="75000"/>
+              </a:schemeClr>
+            </a:solidFill>
+            <a:prstDash val="solid"/>
+            <a:round/>
+            <a:headEnd type="none" w="med" len="med"/>
+            <a:tailEnd type="none" w="med" len="med"/>
+          </a:ln>
+          <a:effectLst/>
+        </p:spPr>
+        <p:txBody>
+          <a:bodyPr vert="eaVert" wrap="square" lIns="91440" tIns="45720" rIns="91440" bIns="45720" numCol="1" rtlCol="0" anchor="ctr" anchorCtr="0" compatLnSpc="1">
+            <a:prstTxWarp prst="textNoShape">
+              <a:avLst/>
+            </a:prstTxWarp>
+          </a:bodyPr>
+          <a:lstStyle/>
+          <a:p>
+            <a:pPr marL="0" marR="0" indent="0" algn="ctr" defTabSz="914400" rtl="0" eaLnBrk="1" fontAlgn="base" latinLnBrk="0" hangingPunct="1">
+              <a:lnSpc>
+                <a:spcPct val="100000"/>
+              </a:lnSpc>
+              <a:spcBef>
+                <a:spcPct val="0"/>
+              </a:spcBef>
+              <a:spcAft>
+                <a:spcPct val="0"/>
+              </a:spcAft>
+              <a:buClrTx/>
+              <a:buSzTx/>
+              <a:buFontTx/>
+              <a:buNone/>
+              <a:tabLst/>
+            </a:pPr>
+            <a:r>
+              <a:rPr kumimoji="0" lang="en-US" altLang="ko-KR" sz="1400" b="0" i="0" u="none" strike="noStrike" cap="none" normalizeH="0" baseline="0" dirty="0" smtClean="0">
+                <a:ln>
+                  <a:noFill/>
+                </a:ln>
+                <a:solidFill>
+                  <a:schemeClr val="tx1"/>
+                </a:solidFill>
+                <a:effectLst/>
+                <a:latin typeface="Arial" charset="0"/>
+              </a:rPr>
+              <a:t>Line</a:t>
+            </a:r>
+            <a:endParaRPr kumimoji="0" lang="ko-KR" altLang="en-US" sz="1400" b="0" i="0" u="none" strike="noStrike" cap="none" normalizeH="0" baseline="0" dirty="0" smtClean="0">
+              <a:ln>
+                <a:noFill/>
+              </a:ln>
+              <a:solidFill>
+                <a:schemeClr val="tx1"/>
+              </a:solidFill>
+              <a:effectLst/>
+              <a:latin typeface="Arial" charset="0"/>
+            </a:endParaRPr>
+          </a:p>
+        </p:txBody>
+      </p:sp>
+      <p:sp>
+        <p:nvSpPr>
+          <p:cNvPr id="15" name="직사각형 14"/>
+          <p:cNvSpPr/>
+          <p:nvPr/>
+        </p:nvSpPr>
+        <p:spPr bwMode="auto">
+          <a:xfrm>
+            <a:off x="5253384" y="4960540"/>
+            <a:ext cx="3134221" cy="144016"/>
+          </a:xfrm>
+          <a:prstGeom prst="rect">
+            <a:avLst/>
+          </a:prstGeom>
+          <a:solidFill>
+            <a:schemeClr val="accent2">
+              <a:lumMod val="20000"/>
+              <a:lumOff val="80000"/>
+            </a:schemeClr>
+          </a:solidFill>
+          <a:ln w="9525" cap="flat" cmpd="sng" algn="ctr">
+            <a:solidFill>
+              <a:schemeClr val="accent3">
+                <a:lumMod val="75000"/>
+              </a:schemeClr>
+            </a:solidFill>
+            <a:prstDash val="solid"/>
+            <a:round/>
+            <a:headEnd type="none" w="med" len="med"/>
+            <a:tailEnd type="none" w="med" len="med"/>
+          </a:ln>
+          <a:effectLst/>
+        </p:spPr>
+        <p:txBody>
+          <a:bodyPr vert="horz" wrap="square" lIns="91440" tIns="45720" rIns="91440" bIns="45720" numCol="1" rtlCol="0" anchor="ctr" anchorCtr="0" compatLnSpc="1">
+            <a:prstTxWarp prst="textNoShape">
+              <a:avLst/>
+            </a:prstTxWarp>
+          </a:bodyPr>
+          <a:lstStyle/>
+          <a:p>
+            <a:pPr marL="0" marR="0" indent="0" algn="ctr" defTabSz="914400" rtl="0" eaLnBrk="1" fontAlgn="base" latinLnBrk="0" hangingPunct="1">
+              <a:lnSpc>
+                <a:spcPct val="100000"/>
+              </a:lnSpc>
+              <a:spcBef>
+                <a:spcPct val="0"/>
+              </a:spcBef>
+              <a:spcAft>
+                <a:spcPct val="0"/>
+              </a:spcAft>
+              <a:buClrTx/>
+              <a:buSzTx/>
+              <a:buFontTx/>
+              <a:buNone/>
+              <a:tabLst/>
+            </a:pPr>
+            <a:r>
+              <a:rPr kumimoji="0" lang="en-US" altLang="ko-KR" sz="1400" b="0" i="0" u="none" strike="noStrike" cap="none" normalizeH="0" baseline="0" dirty="0" smtClean="0">
+                <a:ln>
+                  <a:noFill/>
+                </a:ln>
+                <a:solidFill>
+                  <a:schemeClr val="tx1"/>
+                </a:solidFill>
+                <a:effectLst/>
+                <a:latin typeface="Arial" charset="0"/>
+              </a:rPr>
+              <a:t>Draw</a:t>
+            </a:r>
+            <a:endParaRPr kumimoji="0" lang="ko-KR" altLang="en-US" sz="1400" b="0" i="0" u="none" strike="noStrike" cap="none" normalizeH="0" baseline="0" dirty="0" smtClean="0">
+              <a:ln>
+                <a:noFill/>
+              </a:ln>
+              <a:solidFill>
+                <a:schemeClr val="tx1"/>
+              </a:solidFill>
+              <a:effectLst/>
+              <a:latin typeface="Arial" charset="0"/>
+            </a:endParaRPr>
+          </a:p>
+        </p:txBody>
+      </p:sp>
+      <p:sp>
+        <p:nvSpPr>
+          <p:cNvPr id="16" name="직사각형 15"/>
+          <p:cNvSpPr/>
+          <p:nvPr/>
+        </p:nvSpPr>
+        <p:spPr bwMode="auto">
+          <a:xfrm>
+            <a:off x="5219069" y="5266383"/>
+            <a:ext cx="3134221" cy="144016"/>
+          </a:xfrm>
+          <a:prstGeom prst="rect">
+            <a:avLst/>
+          </a:prstGeom>
+          <a:solidFill>
+            <a:schemeClr val="accent2">
+              <a:lumMod val="20000"/>
+              <a:lumOff val="80000"/>
+            </a:schemeClr>
+          </a:solidFill>
+          <a:ln w="9525" cap="flat" cmpd="sng" algn="ctr">
+            <a:solidFill>
+              <a:schemeClr val="accent3">
+                <a:lumMod val="75000"/>
+              </a:schemeClr>
+            </a:solidFill>
+            <a:prstDash val="solid"/>
+            <a:round/>
+            <a:headEnd type="none" w="med" len="med"/>
+            <a:tailEnd type="none" w="med" len="med"/>
+          </a:ln>
+          <a:effectLst/>
+        </p:spPr>
+        <p:txBody>
+          <a:bodyPr vert="horz" wrap="square" lIns="91440" tIns="45720" rIns="91440" bIns="45720" numCol="1" rtlCol="0" anchor="ctr" anchorCtr="0" compatLnSpc="1">
+            <a:prstTxWarp prst="textNoShape">
+              <a:avLst/>
+            </a:prstTxWarp>
+          </a:bodyPr>
+          <a:lstStyle/>
+          <a:p>
+            <a:pPr marL="0" marR="0" indent="0" algn="ctr" defTabSz="914400" rtl="0" eaLnBrk="1" fontAlgn="base" latinLnBrk="0" hangingPunct="1">
+              <a:lnSpc>
+                <a:spcPct val="100000"/>
+              </a:lnSpc>
+              <a:spcBef>
+                <a:spcPct val="0"/>
+              </a:spcBef>
+              <a:spcAft>
+                <a:spcPct val="0"/>
+              </a:spcAft>
+              <a:buClrTx/>
+              <a:buSzTx/>
+              <a:buFontTx/>
+              <a:buNone/>
+              <a:tabLst/>
+            </a:pPr>
+            <a:r>
+              <a:rPr kumimoji="0" lang="en-US" altLang="ko-KR" sz="1400" b="0" i="0" u="none" strike="noStrike" cap="none" normalizeH="0" baseline="0" dirty="0" smtClean="0">
+                <a:ln>
+                  <a:noFill/>
+                </a:ln>
+                <a:solidFill>
+                  <a:schemeClr val="tx1"/>
+                </a:solidFill>
+                <a:effectLst/>
+                <a:latin typeface="Arial" charset="0"/>
+              </a:rPr>
+              <a:t>Resize</a:t>
+            </a:r>
+            <a:endParaRPr kumimoji="0" lang="ko-KR" altLang="en-US" sz="1400" b="0" i="0" u="none" strike="noStrike" cap="none" normalizeH="0" baseline="0" dirty="0" smtClean="0">
+              <a:ln>
+                <a:noFill/>
+              </a:ln>
+              <a:solidFill>
+                <a:schemeClr val="tx1"/>
+              </a:solidFill>
+              <a:effectLst/>
+              <a:latin typeface="Arial" charset="0"/>
+            </a:endParaRPr>
+          </a:p>
+        </p:txBody>
+      </p:sp>
+      <p:sp>
+        <p:nvSpPr>
+          <p:cNvPr id="17" name="직사각형 16"/>
+          <p:cNvSpPr/>
+          <p:nvPr/>
+        </p:nvSpPr>
+        <p:spPr bwMode="auto">
+          <a:xfrm>
+            <a:off x="5219069" y="5617517"/>
+            <a:ext cx="3134221" cy="144016"/>
+          </a:xfrm>
+          <a:prstGeom prst="rect">
+            <a:avLst/>
+          </a:prstGeom>
+          <a:solidFill>
+            <a:schemeClr val="accent2">
+              <a:lumMod val="20000"/>
+              <a:lumOff val="80000"/>
+            </a:schemeClr>
+          </a:solidFill>
+          <a:ln w="9525" cap="flat" cmpd="sng" algn="ctr">
+            <a:solidFill>
+              <a:schemeClr val="accent3">
+                <a:lumMod val="75000"/>
+              </a:schemeClr>
+            </a:solidFill>
+            <a:prstDash val="solid"/>
+            <a:round/>
+            <a:headEnd type="none" w="med" len="med"/>
+            <a:tailEnd type="none" w="med" len="med"/>
+          </a:ln>
+          <a:effectLst/>
+        </p:spPr>
+        <p:txBody>
+          <a:bodyPr vert="horz" wrap="square" lIns="91440" tIns="45720" rIns="91440" bIns="45720" numCol="1" rtlCol="0" anchor="ctr" anchorCtr="0" compatLnSpc="1">
+            <a:prstTxWarp prst="textNoShape">
+              <a:avLst/>
+            </a:prstTxWarp>
+          </a:bodyPr>
+          <a:lstStyle/>
+          <a:p>
+            <a:pPr marL="0" marR="0" indent="0" algn="ctr" defTabSz="914400" rtl="0" eaLnBrk="1" fontAlgn="base" latinLnBrk="0" hangingPunct="1">
+              <a:lnSpc>
+                <a:spcPct val="100000"/>
+              </a:lnSpc>
+              <a:spcBef>
+                <a:spcPct val="0"/>
+              </a:spcBef>
+              <a:spcAft>
+                <a:spcPct val="0"/>
+              </a:spcAft>
+              <a:buClrTx/>
+              <a:buSzTx/>
+              <a:buFontTx/>
+              <a:buNone/>
+              <a:tabLst/>
+            </a:pPr>
+            <a:r>
+              <a:rPr kumimoji="0" lang="en-US" altLang="ko-KR" sz="1400" b="0" i="0" u="none" strike="noStrike" cap="none" normalizeH="0" baseline="0" dirty="0" smtClean="0">
+                <a:ln>
+                  <a:noFill/>
+                </a:ln>
+                <a:solidFill>
+                  <a:schemeClr val="tx1"/>
+                </a:solidFill>
+                <a:effectLst/>
+                <a:latin typeface="Arial" charset="0"/>
+              </a:rPr>
+              <a:t>Translate</a:t>
+            </a:r>
+            <a:endParaRPr kumimoji="0" lang="ko-KR" altLang="en-US" sz="1400" b="0" i="0" u="none" strike="noStrike" cap="none" normalizeH="0" baseline="0" dirty="0" smtClean="0">
+              <a:ln>
+                <a:noFill/>
+              </a:ln>
+              <a:solidFill>
+                <a:schemeClr val="tx1"/>
+              </a:solidFill>
+              <a:effectLst/>
+              <a:latin typeface="Arial" charset="0"/>
+            </a:endParaRPr>
+          </a:p>
+        </p:txBody>
+      </p:sp>
+      <p:sp>
+        <p:nvSpPr>
+          <p:cNvPr id="18" name="이등변 삼각형 17"/>
+          <p:cNvSpPr/>
+          <p:nvPr/>
+        </p:nvSpPr>
+        <p:spPr bwMode="auto">
+          <a:xfrm>
+            <a:off x="2626965" y="2512268"/>
+            <a:ext cx="360040" cy="288032"/>
+          </a:xfrm>
+          <a:prstGeom prst="triangle">
+            <a:avLst/>
+          </a:prstGeom>
+          <a:solidFill>
+            <a:schemeClr val="accent3">
+              <a:lumMod val="20000"/>
+              <a:lumOff val="80000"/>
+            </a:schemeClr>
+          </a:solidFill>
+          <a:ln w="9525" cap="flat" cmpd="sng" algn="ctr">
+            <a:solidFill>
+              <a:schemeClr val="accent3">
+                <a:lumMod val="75000"/>
+              </a:schemeClr>
+            </a:solidFill>
+            <a:prstDash val="solid"/>
+            <a:round/>
+            <a:headEnd type="none" w="med" len="med"/>
+            <a:tailEnd type="none" w="med" len="med"/>
+          </a:ln>
+          <a:effectLst/>
+        </p:spPr>
+        <p:txBody>
+          <a:bodyPr vert="horz" wrap="square" lIns="91440" tIns="45720" rIns="91440" bIns="45720" numCol="1" rtlCol="0" anchor="ctr" anchorCtr="0" compatLnSpc="1">
+            <a:prstTxWarp prst="textNoShape">
+              <a:avLst/>
+            </a:prstTxWarp>
+          </a:bodyPr>
+          <a:lstStyle/>
+          <a:p>
+            <a:pPr marL="0" marR="0" indent="0" algn="ctr" defTabSz="914400" rtl="0" eaLnBrk="1" fontAlgn="base" latinLnBrk="0" hangingPunct="1">
+              <a:lnSpc>
+                <a:spcPct val="100000"/>
+              </a:lnSpc>
+              <a:spcBef>
+                <a:spcPct val="0"/>
+              </a:spcBef>
+              <a:spcAft>
+                <a:spcPct val="0"/>
+              </a:spcAft>
+              <a:buClrTx/>
+              <a:buSzTx/>
+              <a:buFontTx/>
+              <a:buNone/>
+              <a:tabLst/>
+            </a:pPr>
+            <a:endParaRPr kumimoji="0" lang="ko-KR" altLang="en-US" sz="1400" b="0" i="0" u="none" strike="noStrike" cap="none" normalizeH="0" baseline="0" dirty="0" smtClean="0">
+              <a:ln>
+                <a:noFill/>
+              </a:ln>
+              <a:solidFill>
+                <a:schemeClr val="tx1"/>
+              </a:solidFill>
+              <a:effectLst/>
+              <a:latin typeface="Arial" charset="0"/>
+            </a:endParaRPr>
+          </a:p>
+        </p:txBody>
+      </p:sp>
+      <p:cxnSp>
+        <p:nvCxnSpPr>
+          <p:cNvPr id="20" name="꺾인 연결선 19"/>
+          <p:cNvCxnSpPr>
+            <a:stCxn id="18" idx="3"/>
+            <a:endCxn id="10" idx="0"/>
+          </p:cNvCxnSpPr>
+          <p:nvPr/>
+        </p:nvCxnSpPr>
+        <p:spPr bwMode="auto">
+          <a:xfrm rot="5400000">
+            <a:off x="2069823" y="2423178"/>
+            <a:ext cx="360040" cy="1114285"/>
+          </a:xfrm>
+          <a:prstGeom prst="bentConnector3">
+            <a:avLst/>
+          </a:prstGeom>
+          <a:solidFill>
+            <a:schemeClr val="accent1"/>
+          </a:solidFill>
+          <a:ln w="9525" cap="flat" cmpd="sng" algn="ctr">
+            <a:solidFill>
+              <a:schemeClr val="tx1"/>
+            </a:solidFill>
+            <a:prstDash val="solid"/>
+            <a:round/>
+            <a:headEnd type="none" w="med" len="med"/>
+            <a:tailEnd type="triangle"/>
+          </a:ln>
+          <a:effectLst/>
+          <a:extLst>
+            <a:ext uri="{AF507438-7753-43E0-B8FC-AC1667EBCBE1}">
+              <a14:hiddenEffects xmlns:a14="http://schemas.microsoft.com/office/drawing/2010/main">
+                <a:effectLst>
+                  <a:outerShdw dist="35921" dir="2700000" algn="ctr" rotWithShape="0">
+                    <a:schemeClr val="bg2"/>
+                  </a:outerShdw>
+                </a:effectLst>
+              </a14:hiddenEffects>
+            </a:ext>
+          </a:extLst>
+        </p:spPr>
+      </p:cxnSp>
+      <p:cxnSp>
+        <p:nvCxnSpPr>
+          <p:cNvPr id="21" name="꺾인 연결선 20"/>
+          <p:cNvCxnSpPr>
+            <a:stCxn id="18" idx="3"/>
+            <a:endCxn id="11" idx="0"/>
+          </p:cNvCxnSpPr>
+          <p:nvPr/>
+        </p:nvCxnSpPr>
+        <p:spPr bwMode="auto">
+          <a:xfrm rot="16200000" flipH="1">
+            <a:off x="3225872" y="2381413"/>
+            <a:ext cx="360040" cy="1197814"/>
+          </a:xfrm>
+          <a:prstGeom prst="bentConnector3">
+            <a:avLst>
+              <a:gd name="adj1" fmla="val 50000"/>
+            </a:avLst>
+          </a:prstGeom>
+          <a:solidFill>
+            <a:schemeClr val="accent1"/>
+          </a:solidFill>
+          <a:ln w="9525" cap="flat" cmpd="sng" algn="ctr">
+            <a:solidFill>
+              <a:schemeClr val="tx1"/>
+            </a:solidFill>
+            <a:prstDash val="solid"/>
+            <a:round/>
+            <a:headEnd type="none" w="med" len="med"/>
+            <a:tailEnd type="triangle"/>
+          </a:ln>
+          <a:effectLst/>
+          <a:extLst>
+            <a:ext uri="{AF507438-7753-43E0-B8FC-AC1667EBCBE1}">
+              <a14:hiddenEffects xmlns:a14="http://schemas.microsoft.com/office/drawing/2010/main">
+                <a:effectLst>
+                  <a:outerShdw dist="35921" dir="2700000" algn="ctr" rotWithShape="0">
+                    <a:schemeClr val="bg2"/>
+                  </a:outerShdw>
+                </a:effectLst>
+              </a14:hiddenEffects>
+            </a:ext>
+          </a:extLst>
+        </p:spPr>
+      </p:cxnSp>
+    </p:spTree>
+    <p:extLst>
+      <p:ext uri="{BB962C8B-B14F-4D97-AF65-F5344CB8AC3E}">
+        <p14:creationId xmlns:p14="http://schemas.microsoft.com/office/powerpoint/2010/main" val="2997327240"/>
+      </p:ext>
+    </p:extLst>
+  </p:cSld>
+  <p:clrMapOvr>
+    <a:masterClrMapping/>
+  </p:clrMapOvr>
+</p:sld>
+</file>
+
 <file path=ppt/slides/slide4.xml><?xml version="1.0" encoding="utf-8"?>
 <p:sld xmlns:a="http://schemas.openxmlformats.org/drawingml/2006/main" xmlns:r="http://schemas.openxmlformats.org/officeDocument/2006/relationships" xmlns:p="http://schemas.openxmlformats.org/presentationml/2006/main">
   <p:cSld>

--- a/graphicsEditorB/강의진행B.pptx
+++ b/graphicsEditorB/강의진행B.pptx
@@ -5,7 +5,7 @@
     <p:sldMasterId id="2147483648" r:id="rId1"/>
   </p:sldMasterIdLst>
   <p:notesMasterIdLst>
-    <p:notesMasterId r:id="rId39"/>
+    <p:notesMasterId r:id="rId42"/>
   </p:notesMasterIdLst>
   <p:sldIdLst>
     <p:sldId id="256" r:id="rId2"/>
@@ -45,6 +45,9 @@
     <p:sldId id="329" r:id="rId36"/>
     <p:sldId id="330" r:id="rId37"/>
     <p:sldId id="331" r:id="rId38"/>
+    <p:sldId id="332" r:id="rId39"/>
+    <p:sldId id="333" r:id="rId40"/>
+    <p:sldId id="334" r:id="rId41"/>
   </p:sldIdLst>
   <p:sldSz cx="10150475" cy="7616825"/>
   <p:notesSz cx="6867525" cy="9994900"/>
@@ -5616,7 +5619,7 @@
             <a:fld id="{6D61DB4D-25AF-4EE9-B3EB-9D14CE91ACF1}" type="datetimeFigureOut">
               <a:rPr lang="ko-KR" altLang="en-US" smtClean="0"/>
               <a:pPr/>
-              <a:t>2022-05-16</a:t>
+              <a:t>2022-05-18</a:t>
             </a:fld>
             <a:endParaRPr lang="ko-KR" altLang="en-US" dirty="0"/>
           </a:p>
@@ -39064,6 +39067,1926 @@
 </p:sld>
 </file>
 
+<file path=ppt/slides/slide38.xml><?xml version="1.0" encoding="utf-8"?>
+<p:sld xmlns:a="http://schemas.openxmlformats.org/drawingml/2006/main" xmlns:r="http://schemas.openxmlformats.org/officeDocument/2006/relationships" xmlns:p="http://schemas.openxmlformats.org/presentationml/2006/main">
+  <p:cSld>
+    <p:spTree>
+      <p:nvGrpSpPr>
+        <p:cNvPr id="1" name=""/>
+        <p:cNvGrpSpPr/>
+        <p:nvPr/>
+      </p:nvGrpSpPr>
+      <p:grpSpPr>
+        <a:xfrm>
+          <a:off x="0" y="0"/>
+          <a:ext cx="0" cy="0"/>
+          <a:chOff x="0" y="0"/>
+          <a:chExt cx="0" cy="0"/>
+        </a:xfrm>
+      </p:grpSpPr>
+      <p:sp>
+        <p:nvSpPr>
+          <p:cNvPr id="6" name="제목 5"/>
+          <p:cNvSpPr>
+            <a:spLocks noGrp="1"/>
+          </p:cNvSpPr>
+          <p:nvPr>
+            <p:ph type="title"/>
+          </p:nvPr>
+        </p:nvSpPr>
+        <p:spPr/>
+        <p:txBody>
+          <a:bodyPr/>
+          <a:lstStyle/>
+          <a:p>
+            <a:r>
+              <a:rPr lang="en-US" altLang="ko-KR" dirty="0" smtClean="0"/>
+              <a:t>2022-05-18</a:t>
+            </a:r>
+            <a:endParaRPr lang="ko-KR" altLang="en-US" dirty="0"/>
+          </a:p>
+        </p:txBody>
+      </p:sp>
+      <p:sp>
+        <p:nvSpPr>
+          <p:cNvPr id="7" name="내용 개체 틀 6"/>
+          <p:cNvSpPr>
+            <a:spLocks noGrp="1"/>
+          </p:cNvSpPr>
+          <p:nvPr>
+            <p:ph sz="half" idx="1"/>
+          </p:nvPr>
+        </p:nvSpPr>
+        <p:spPr/>
+        <p:txBody>
+          <a:bodyPr/>
+          <a:lstStyle/>
+          <a:p>
+            <a:r>
+              <a:rPr lang="ko-KR" altLang="en-US" dirty="0" smtClean="0"/>
+              <a:t>진행</a:t>
+            </a:r>
+            <a:endParaRPr lang="en-US" altLang="ko-KR" dirty="0" smtClean="0"/>
+          </a:p>
+          <a:p>
+            <a:pPr lvl="1"/>
+            <a:r>
+              <a:rPr lang="en-US" altLang="ko-KR" dirty="0" smtClean="0"/>
+              <a:t>Shape Transformation</a:t>
+            </a:r>
+          </a:p>
+          <a:p>
+            <a:pPr lvl="2"/>
+            <a:r>
+              <a:rPr lang="en-US" altLang="ko-KR" dirty="0" smtClean="0"/>
+              <a:t>Translate</a:t>
+            </a:r>
+          </a:p>
+          <a:p>
+            <a:pPr lvl="2"/>
+            <a:r>
+              <a:rPr lang="en-US" altLang="ko-KR" dirty="0" smtClean="0"/>
+              <a:t>Resize</a:t>
+            </a:r>
+          </a:p>
+          <a:p>
+            <a:pPr lvl="1"/>
+            <a:r>
+              <a:rPr lang="en-US" altLang="ko-KR" dirty="0" smtClean="0"/>
+              <a:t>Refactoring</a:t>
+            </a:r>
+          </a:p>
+          <a:p>
+            <a:pPr lvl="2"/>
+            <a:r>
+              <a:rPr lang="en-US" altLang="ko-KR" dirty="0" smtClean="0"/>
+              <a:t>Polymorphic Shape</a:t>
+            </a:r>
+          </a:p>
+          <a:p>
+            <a:pPr lvl="2"/>
+            <a:r>
+              <a:rPr lang="en-US" altLang="ko-KR" dirty="0" smtClean="0"/>
+              <a:t>Polymorphic Transformer</a:t>
+            </a:r>
+          </a:p>
+          <a:p>
+            <a:pPr lvl="3"/>
+            <a:r>
+              <a:rPr lang="en-US" altLang="ko-KR" dirty="0" smtClean="0"/>
+              <a:t>Drawer</a:t>
+            </a:r>
+          </a:p>
+          <a:p>
+            <a:pPr lvl="3"/>
+            <a:r>
+              <a:rPr lang="en-US" altLang="ko-KR" dirty="0" smtClean="0"/>
+              <a:t>Mover</a:t>
+            </a:r>
+          </a:p>
+          <a:p>
+            <a:pPr lvl="3"/>
+            <a:r>
+              <a:rPr lang="en-US" altLang="ko-KR" dirty="0" smtClean="0"/>
+              <a:t>Resizer</a:t>
+            </a:r>
+          </a:p>
+          <a:p>
+            <a:pPr lvl="3"/>
+            <a:r>
+              <a:rPr lang="en-US" altLang="ko-KR" dirty="0" smtClean="0"/>
+              <a:t>Rotator</a:t>
+            </a:r>
+            <a:endParaRPr lang="ko-KR" altLang="en-US" dirty="0"/>
+          </a:p>
+        </p:txBody>
+      </p:sp>
+      <p:sp>
+        <p:nvSpPr>
+          <p:cNvPr id="8" name="내용 개체 틀 7"/>
+          <p:cNvSpPr>
+            <a:spLocks noGrp="1"/>
+          </p:cNvSpPr>
+          <p:nvPr>
+            <p:ph sz="half" idx="2"/>
+          </p:nvPr>
+        </p:nvSpPr>
+        <p:spPr/>
+        <p:txBody>
+          <a:bodyPr/>
+          <a:lstStyle/>
+          <a:p>
+            <a:endParaRPr lang="ko-KR" altLang="en-US"/>
+          </a:p>
+        </p:txBody>
+      </p:sp>
+      <p:sp>
+        <p:nvSpPr>
+          <p:cNvPr id="4" name="바닥글 개체 틀 3"/>
+          <p:cNvSpPr>
+            <a:spLocks noGrp="1"/>
+          </p:cNvSpPr>
+          <p:nvPr>
+            <p:ph type="ftr" sz="quarter" idx="10"/>
+          </p:nvPr>
+        </p:nvSpPr>
+        <p:spPr/>
+        <p:txBody>
+          <a:bodyPr/>
+          <a:lstStyle/>
+          <a:p>
+            <a:pPr>
+              <a:buFont typeface="맑은 고딕" panose="020B0503020000020004" pitchFamily="50" charset="-127"/>
+              <a:buChar char="ⓒ"/>
+            </a:pPr>
+            <a:r>
+              <a:rPr lang="en-US" altLang="ko-KR" smtClean="0"/>
+              <a:t>Sungwoon Choi 2021</a:t>
+            </a:r>
+            <a:endParaRPr lang="en-US" altLang="ko-KR" dirty="0"/>
+          </a:p>
+        </p:txBody>
+      </p:sp>
+      <p:sp>
+        <p:nvSpPr>
+          <p:cNvPr id="5" name="슬라이드 번호 개체 틀 4"/>
+          <p:cNvSpPr>
+            <a:spLocks noGrp="1"/>
+          </p:cNvSpPr>
+          <p:nvPr>
+            <p:ph type="sldNum" sz="quarter" idx="11"/>
+          </p:nvPr>
+        </p:nvSpPr>
+        <p:spPr/>
+        <p:txBody>
+          <a:bodyPr/>
+          <a:lstStyle/>
+          <a:p>
+            <a:fld id="{AA4216F1-165B-4DFF-BD92-3D8E849D7D48}" type="slidenum">
+              <a:rPr lang="en-US" altLang="ko-KR" smtClean="0"/>
+              <a:pPr/>
+              <a:t>38</a:t>
+            </a:fld>
+            <a:endParaRPr lang="en-US" altLang="ko-KR" dirty="0"/>
+          </a:p>
+        </p:txBody>
+      </p:sp>
+      <p:sp>
+        <p:nvSpPr>
+          <p:cNvPr id="9" name="직사각형 8"/>
+          <p:cNvSpPr/>
+          <p:nvPr/>
+        </p:nvSpPr>
+        <p:spPr bwMode="auto">
+          <a:xfrm>
+            <a:off x="4101440" y="2629570"/>
+            <a:ext cx="576064" cy="1296144"/>
+          </a:xfrm>
+          <a:prstGeom prst="rect">
+            <a:avLst/>
+          </a:prstGeom>
+          <a:solidFill>
+            <a:schemeClr val="accent3">
+              <a:lumMod val="20000"/>
+              <a:lumOff val="80000"/>
+            </a:schemeClr>
+          </a:solidFill>
+          <a:ln w="9525" cap="flat" cmpd="sng" algn="ctr">
+            <a:solidFill>
+              <a:schemeClr val="accent3">
+                <a:lumMod val="75000"/>
+              </a:schemeClr>
+            </a:solidFill>
+            <a:prstDash val="solid"/>
+            <a:round/>
+            <a:headEnd type="none" w="med" len="med"/>
+            <a:tailEnd type="none" w="med" len="med"/>
+          </a:ln>
+          <a:effectLst/>
+        </p:spPr>
+        <p:txBody>
+          <a:bodyPr vert="eaVert" wrap="square" lIns="91440" tIns="45720" rIns="91440" bIns="45720" numCol="1" rtlCol="0" anchor="ctr" anchorCtr="0" compatLnSpc="1">
+            <a:prstTxWarp prst="textNoShape">
+              <a:avLst/>
+            </a:prstTxWarp>
+          </a:bodyPr>
+          <a:lstStyle/>
+          <a:p>
+            <a:pPr marL="0" marR="0" indent="0" algn="ctr" defTabSz="914400" rtl="0" eaLnBrk="1" fontAlgn="base" latinLnBrk="0" hangingPunct="1">
+              <a:lnSpc>
+                <a:spcPct val="100000"/>
+              </a:lnSpc>
+              <a:spcBef>
+                <a:spcPct val="0"/>
+              </a:spcBef>
+              <a:spcAft>
+                <a:spcPct val="0"/>
+              </a:spcAft>
+              <a:buClrTx/>
+              <a:buSzTx/>
+              <a:buFontTx/>
+              <a:buNone/>
+              <a:tabLst/>
+            </a:pPr>
+            <a:r>
+              <a:rPr kumimoji="0" lang="en-US" altLang="ko-KR" sz="1400" b="0" i="0" u="none" strike="noStrike" cap="none" normalizeH="0" baseline="0" dirty="0" err="1" smtClean="0">
+                <a:ln>
+                  <a:noFill/>
+                </a:ln>
+                <a:solidFill>
+                  <a:schemeClr val="tx1"/>
+                </a:solidFill>
+                <a:effectLst/>
+                <a:latin typeface="Arial" charset="0"/>
+              </a:rPr>
+              <a:t>Rect</a:t>
+            </a:r>
+            <a:endParaRPr kumimoji="0" lang="ko-KR" altLang="en-US" sz="1400" b="0" i="0" u="none" strike="noStrike" cap="none" normalizeH="0" baseline="0" dirty="0" smtClean="0">
+              <a:ln>
+                <a:noFill/>
+              </a:ln>
+              <a:solidFill>
+                <a:schemeClr val="tx1"/>
+              </a:solidFill>
+              <a:effectLst/>
+              <a:latin typeface="Arial" charset="0"/>
+            </a:endParaRPr>
+          </a:p>
+        </p:txBody>
+      </p:sp>
+      <p:sp>
+        <p:nvSpPr>
+          <p:cNvPr id="10" name="직사각형 9"/>
+          <p:cNvSpPr/>
+          <p:nvPr/>
+        </p:nvSpPr>
+        <p:spPr bwMode="auto">
+          <a:xfrm>
+            <a:off x="4897274" y="2629570"/>
+            <a:ext cx="576064" cy="1296144"/>
+          </a:xfrm>
+          <a:prstGeom prst="rect">
+            <a:avLst/>
+          </a:prstGeom>
+          <a:solidFill>
+            <a:schemeClr val="accent3">
+              <a:lumMod val="20000"/>
+              <a:lumOff val="80000"/>
+            </a:schemeClr>
+          </a:solidFill>
+          <a:ln w="9525" cap="flat" cmpd="sng" algn="ctr">
+            <a:solidFill>
+              <a:schemeClr val="accent3">
+                <a:lumMod val="75000"/>
+              </a:schemeClr>
+            </a:solidFill>
+            <a:prstDash val="solid"/>
+            <a:round/>
+            <a:headEnd type="none" w="med" len="med"/>
+            <a:tailEnd type="none" w="med" len="med"/>
+          </a:ln>
+          <a:effectLst/>
+        </p:spPr>
+        <p:txBody>
+          <a:bodyPr vert="eaVert" wrap="square" lIns="91440" tIns="45720" rIns="91440" bIns="45720" numCol="1" rtlCol="0" anchor="ctr" anchorCtr="0" compatLnSpc="1">
+            <a:prstTxWarp prst="textNoShape">
+              <a:avLst/>
+            </a:prstTxWarp>
+          </a:bodyPr>
+          <a:lstStyle/>
+          <a:p>
+            <a:pPr marL="0" marR="0" indent="0" algn="ctr" defTabSz="914400" rtl="0" eaLnBrk="1" fontAlgn="base" latinLnBrk="0" hangingPunct="1">
+              <a:lnSpc>
+                <a:spcPct val="100000"/>
+              </a:lnSpc>
+              <a:spcBef>
+                <a:spcPct val="0"/>
+              </a:spcBef>
+              <a:spcAft>
+                <a:spcPct val="0"/>
+              </a:spcAft>
+              <a:buClrTx/>
+              <a:buSzTx/>
+              <a:buFontTx/>
+              <a:buNone/>
+              <a:tabLst/>
+            </a:pPr>
+            <a:r>
+              <a:rPr kumimoji="0" lang="en-US" altLang="ko-KR" sz="1400" b="0" i="0" u="none" strike="noStrike" cap="none" normalizeH="0" baseline="0" dirty="0" smtClean="0">
+                <a:ln>
+                  <a:noFill/>
+                </a:ln>
+                <a:solidFill>
+                  <a:schemeClr val="tx1"/>
+                </a:solidFill>
+                <a:effectLst/>
+                <a:latin typeface="Arial" charset="0"/>
+              </a:rPr>
+              <a:t>Circle</a:t>
+            </a:r>
+            <a:endParaRPr kumimoji="0" lang="ko-KR" altLang="en-US" sz="1400" b="0" i="0" u="none" strike="noStrike" cap="none" normalizeH="0" baseline="0" dirty="0" smtClean="0">
+              <a:ln>
+                <a:noFill/>
+              </a:ln>
+              <a:solidFill>
+                <a:schemeClr val="tx1"/>
+              </a:solidFill>
+              <a:effectLst/>
+              <a:latin typeface="Arial" charset="0"/>
+            </a:endParaRPr>
+          </a:p>
+        </p:txBody>
+      </p:sp>
+      <p:sp>
+        <p:nvSpPr>
+          <p:cNvPr id="11" name="직사각형 10"/>
+          <p:cNvSpPr/>
+          <p:nvPr/>
+        </p:nvSpPr>
+        <p:spPr bwMode="auto">
+          <a:xfrm>
+            <a:off x="5704807" y="2629570"/>
+            <a:ext cx="576064" cy="1296144"/>
+          </a:xfrm>
+          <a:prstGeom prst="rect">
+            <a:avLst/>
+          </a:prstGeom>
+          <a:solidFill>
+            <a:schemeClr val="accent3">
+              <a:lumMod val="20000"/>
+              <a:lumOff val="80000"/>
+            </a:schemeClr>
+          </a:solidFill>
+          <a:ln w="9525" cap="flat" cmpd="sng" algn="ctr">
+            <a:solidFill>
+              <a:schemeClr val="accent3">
+                <a:lumMod val="75000"/>
+              </a:schemeClr>
+            </a:solidFill>
+            <a:prstDash val="solid"/>
+            <a:round/>
+            <a:headEnd type="none" w="med" len="med"/>
+            <a:tailEnd type="none" w="med" len="med"/>
+          </a:ln>
+          <a:effectLst/>
+        </p:spPr>
+        <p:txBody>
+          <a:bodyPr vert="eaVert" wrap="square" lIns="91440" tIns="45720" rIns="91440" bIns="45720" numCol="1" rtlCol="0" anchor="ctr" anchorCtr="0" compatLnSpc="1">
+            <a:prstTxWarp prst="textNoShape">
+              <a:avLst/>
+            </a:prstTxWarp>
+          </a:bodyPr>
+          <a:lstStyle/>
+          <a:p>
+            <a:pPr marL="0" marR="0" indent="0" algn="ctr" defTabSz="914400" rtl="0" eaLnBrk="1" fontAlgn="base" latinLnBrk="0" hangingPunct="1">
+              <a:lnSpc>
+                <a:spcPct val="100000"/>
+              </a:lnSpc>
+              <a:spcBef>
+                <a:spcPct val="0"/>
+              </a:spcBef>
+              <a:spcAft>
+                <a:spcPct val="0"/>
+              </a:spcAft>
+              <a:buClrTx/>
+              <a:buSzTx/>
+              <a:buFontTx/>
+              <a:buNone/>
+              <a:tabLst/>
+            </a:pPr>
+            <a:r>
+              <a:rPr kumimoji="0" lang="en-US" altLang="ko-KR" sz="1400" b="0" i="0" u="none" strike="noStrike" cap="none" normalizeH="0" baseline="0" dirty="0" smtClean="0">
+                <a:ln>
+                  <a:noFill/>
+                </a:ln>
+                <a:solidFill>
+                  <a:schemeClr val="tx1"/>
+                </a:solidFill>
+                <a:effectLst/>
+                <a:latin typeface="Arial" charset="0"/>
+              </a:rPr>
+              <a:t>Line</a:t>
+            </a:r>
+            <a:endParaRPr kumimoji="0" lang="ko-KR" altLang="en-US" sz="1400" b="0" i="0" u="none" strike="noStrike" cap="none" normalizeH="0" baseline="0" dirty="0" smtClean="0">
+              <a:ln>
+                <a:noFill/>
+              </a:ln>
+              <a:solidFill>
+                <a:schemeClr val="tx1"/>
+              </a:solidFill>
+              <a:effectLst/>
+              <a:latin typeface="Arial" charset="0"/>
+            </a:endParaRPr>
+          </a:p>
+        </p:txBody>
+      </p:sp>
+      <p:sp>
+        <p:nvSpPr>
+          <p:cNvPr id="12" name="직사각형 11"/>
+          <p:cNvSpPr/>
+          <p:nvPr/>
+        </p:nvSpPr>
+        <p:spPr bwMode="auto">
+          <a:xfrm>
+            <a:off x="3707085" y="2728292"/>
+            <a:ext cx="3096528" cy="279127"/>
+          </a:xfrm>
+          <a:prstGeom prst="rect">
+            <a:avLst/>
+          </a:prstGeom>
+          <a:solidFill>
+            <a:schemeClr val="accent2">
+              <a:lumMod val="20000"/>
+              <a:lumOff val="80000"/>
+            </a:schemeClr>
+          </a:solidFill>
+          <a:ln w="9525" cap="flat" cmpd="sng" algn="ctr">
+            <a:solidFill>
+              <a:schemeClr val="accent3">
+                <a:lumMod val="75000"/>
+              </a:schemeClr>
+            </a:solidFill>
+            <a:prstDash val="solid"/>
+            <a:round/>
+            <a:headEnd type="none" w="med" len="med"/>
+            <a:tailEnd type="none" w="med" len="med"/>
+          </a:ln>
+          <a:effectLst/>
+        </p:spPr>
+        <p:txBody>
+          <a:bodyPr vert="horz" wrap="square" lIns="91440" tIns="45720" rIns="91440" bIns="45720" numCol="1" rtlCol="0" anchor="ctr" anchorCtr="0" compatLnSpc="1">
+            <a:prstTxWarp prst="textNoShape">
+              <a:avLst/>
+            </a:prstTxWarp>
+          </a:bodyPr>
+          <a:lstStyle/>
+          <a:p>
+            <a:pPr marL="0" marR="0" indent="0" algn="ctr" defTabSz="914400" rtl="0" eaLnBrk="1" fontAlgn="base" latinLnBrk="0" hangingPunct="1">
+              <a:lnSpc>
+                <a:spcPct val="100000"/>
+              </a:lnSpc>
+              <a:spcBef>
+                <a:spcPct val="0"/>
+              </a:spcBef>
+              <a:spcAft>
+                <a:spcPct val="0"/>
+              </a:spcAft>
+              <a:buClrTx/>
+              <a:buSzTx/>
+              <a:buFontTx/>
+              <a:buNone/>
+              <a:tabLst/>
+            </a:pPr>
+            <a:r>
+              <a:rPr kumimoji="0" lang="en-US" altLang="ko-KR" sz="1400" b="0" i="0" u="none" strike="noStrike" cap="none" normalizeH="0" baseline="0" dirty="0" smtClean="0">
+                <a:ln>
+                  <a:noFill/>
+                </a:ln>
+                <a:solidFill>
+                  <a:schemeClr val="tx1"/>
+                </a:solidFill>
+                <a:effectLst/>
+                <a:latin typeface="Arial" charset="0"/>
+              </a:rPr>
+              <a:t>Draw</a:t>
+            </a:r>
+            <a:endParaRPr kumimoji="0" lang="ko-KR" altLang="en-US" sz="1400" b="0" i="0" u="none" strike="noStrike" cap="none" normalizeH="0" baseline="0" dirty="0" smtClean="0">
+              <a:ln>
+                <a:noFill/>
+              </a:ln>
+              <a:solidFill>
+                <a:schemeClr val="tx1"/>
+              </a:solidFill>
+              <a:effectLst/>
+              <a:latin typeface="Arial" charset="0"/>
+            </a:endParaRPr>
+          </a:p>
+        </p:txBody>
+      </p:sp>
+      <p:sp>
+        <p:nvSpPr>
+          <p:cNvPr id="13" name="직사각형 12"/>
+          <p:cNvSpPr/>
+          <p:nvPr/>
+        </p:nvSpPr>
+        <p:spPr bwMode="auto">
+          <a:xfrm>
+            <a:off x="3707085" y="3117302"/>
+            <a:ext cx="3096528" cy="279127"/>
+          </a:xfrm>
+          <a:prstGeom prst="rect">
+            <a:avLst/>
+          </a:prstGeom>
+          <a:solidFill>
+            <a:schemeClr val="accent2">
+              <a:lumMod val="20000"/>
+              <a:lumOff val="80000"/>
+            </a:schemeClr>
+          </a:solidFill>
+          <a:ln w="9525" cap="flat" cmpd="sng" algn="ctr">
+            <a:solidFill>
+              <a:schemeClr val="accent3">
+                <a:lumMod val="75000"/>
+              </a:schemeClr>
+            </a:solidFill>
+            <a:prstDash val="solid"/>
+            <a:round/>
+            <a:headEnd type="none" w="med" len="med"/>
+            <a:tailEnd type="none" w="med" len="med"/>
+          </a:ln>
+          <a:effectLst/>
+        </p:spPr>
+        <p:txBody>
+          <a:bodyPr vert="horz" wrap="square" lIns="91440" tIns="45720" rIns="91440" bIns="45720" numCol="1" rtlCol="0" anchor="ctr" anchorCtr="0" compatLnSpc="1">
+            <a:prstTxWarp prst="textNoShape">
+              <a:avLst/>
+            </a:prstTxWarp>
+          </a:bodyPr>
+          <a:lstStyle/>
+          <a:p>
+            <a:pPr marL="0" marR="0" indent="0" algn="ctr" defTabSz="914400" rtl="0" eaLnBrk="1" fontAlgn="base" latinLnBrk="0" hangingPunct="1">
+              <a:lnSpc>
+                <a:spcPct val="100000"/>
+              </a:lnSpc>
+              <a:spcBef>
+                <a:spcPct val="0"/>
+              </a:spcBef>
+              <a:spcAft>
+                <a:spcPct val="0"/>
+              </a:spcAft>
+              <a:buClrTx/>
+              <a:buSzTx/>
+              <a:buFontTx/>
+              <a:buNone/>
+              <a:tabLst/>
+            </a:pPr>
+            <a:r>
+              <a:rPr kumimoji="0" lang="en-US" altLang="ko-KR" sz="1400" b="0" i="0" u="none" strike="noStrike" cap="none" normalizeH="0" baseline="0" dirty="0" smtClean="0">
+                <a:ln>
+                  <a:noFill/>
+                </a:ln>
+                <a:solidFill>
+                  <a:schemeClr val="tx1"/>
+                </a:solidFill>
+                <a:effectLst/>
+                <a:latin typeface="Arial" charset="0"/>
+              </a:rPr>
+              <a:t>Resize</a:t>
+            </a:r>
+            <a:endParaRPr kumimoji="0" lang="ko-KR" altLang="en-US" sz="1400" b="0" i="0" u="none" strike="noStrike" cap="none" normalizeH="0" baseline="0" dirty="0" smtClean="0">
+              <a:ln>
+                <a:noFill/>
+              </a:ln>
+              <a:solidFill>
+                <a:schemeClr val="tx1"/>
+              </a:solidFill>
+              <a:effectLst/>
+              <a:latin typeface="Arial" charset="0"/>
+            </a:endParaRPr>
+          </a:p>
+        </p:txBody>
+      </p:sp>
+      <p:sp>
+        <p:nvSpPr>
+          <p:cNvPr id="14" name="직사각형 13"/>
+          <p:cNvSpPr/>
+          <p:nvPr/>
+        </p:nvSpPr>
+        <p:spPr bwMode="auto">
+          <a:xfrm>
+            <a:off x="3707085" y="3502571"/>
+            <a:ext cx="3096528" cy="279127"/>
+          </a:xfrm>
+          <a:prstGeom prst="rect">
+            <a:avLst/>
+          </a:prstGeom>
+          <a:solidFill>
+            <a:schemeClr val="accent2">
+              <a:lumMod val="20000"/>
+              <a:lumOff val="80000"/>
+            </a:schemeClr>
+          </a:solidFill>
+          <a:ln w="9525" cap="flat" cmpd="sng" algn="ctr">
+            <a:solidFill>
+              <a:schemeClr val="accent3">
+                <a:lumMod val="75000"/>
+              </a:schemeClr>
+            </a:solidFill>
+            <a:prstDash val="solid"/>
+            <a:round/>
+            <a:headEnd type="none" w="med" len="med"/>
+            <a:tailEnd type="none" w="med" len="med"/>
+          </a:ln>
+          <a:effectLst/>
+        </p:spPr>
+        <p:txBody>
+          <a:bodyPr vert="horz" wrap="square" lIns="91440" tIns="45720" rIns="91440" bIns="45720" numCol="1" rtlCol="0" anchor="ctr" anchorCtr="0" compatLnSpc="1">
+            <a:prstTxWarp prst="textNoShape">
+              <a:avLst/>
+            </a:prstTxWarp>
+          </a:bodyPr>
+          <a:lstStyle/>
+          <a:p>
+            <a:pPr marL="0" marR="0" indent="0" algn="ctr" defTabSz="914400" rtl="0" eaLnBrk="1" fontAlgn="base" latinLnBrk="0" hangingPunct="1">
+              <a:lnSpc>
+                <a:spcPct val="100000"/>
+              </a:lnSpc>
+              <a:spcBef>
+                <a:spcPct val="0"/>
+              </a:spcBef>
+              <a:spcAft>
+                <a:spcPct val="0"/>
+              </a:spcAft>
+              <a:buClrTx/>
+              <a:buSzTx/>
+              <a:buFontTx/>
+              <a:buNone/>
+              <a:tabLst/>
+            </a:pPr>
+            <a:r>
+              <a:rPr kumimoji="0" lang="en-US" altLang="ko-KR" sz="1400" b="0" i="0" u="none" strike="noStrike" cap="none" normalizeH="0" baseline="0" dirty="0" smtClean="0">
+                <a:ln>
+                  <a:noFill/>
+                </a:ln>
+                <a:solidFill>
+                  <a:schemeClr val="tx1"/>
+                </a:solidFill>
+                <a:effectLst/>
+                <a:latin typeface="Arial" charset="0"/>
+              </a:rPr>
+              <a:t>Translate</a:t>
+            </a:r>
+            <a:endParaRPr kumimoji="0" lang="ko-KR" altLang="en-US" sz="1400" b="0" i="0" u="none" strike="noStrike" cap="none" normalizeH="0" baseline="0" dirty="0" smtClean="0">
+              <a:ln>
+                <a:noFill/>
+              </a:ln>
+              <a:solidFill>
+                <a:schemeClr val="tx1"/>
+              </a:solidFill>
+              <a:effectLst/>
+              <a:latin typeface="Arial" charset="0"/>
+            </a:endParaRPr>
+          </a:p>
+        </p:txBody>
+      </p:sp>
+    </p:spTree>
+    <p:extLst>
+      <p:ext uri="{BB962C8B-B14F-4D97-AF65-F5344CB8AC3E}">
+        <p14:creationId xmlns:p14="http://schemas.microsoft.com/office/powerpoint/2010/main" val="3320803076"/>
+      </p:ext>
+    </p:extLst>
+  </p:cSld>
+  <p:clrMapOvr>
+    <a:masterClrMapping/>
+  </p:clrMapOvr>
+</p:sld>
+</file>
+
+<file path=ppt/slides/slide39.xml><?xml version="1.0" encoding="utf-8"?>
+<p:sld xmlns:a="http://schemas.openxmlformats.org/drawingml/2006/main" xmlns:r="http://schemas.openxmlformats.org/officeDocument/2006/relationships" xmlns:p="http://schemas.openxmlformats.org/presentationml/2006/main">
+  <p:cSld>
+    <p:spTree>
+      <p:nvGrpSpPr>
+        <p:cNvPr id="1" name=""/>
+        <p:cNvGrpSpPr/>
+        <p:nvPr/>
+      </p:nvGrpSpPr>
+      <p:grpSpPr>
+        <a:xfrm>
+          <a:off x="0" y="0"/>
+          <a:ext cx="0" cy="0"/>
+          <a:chOff x="0" y="0"/>
+          <a:chExt cx="0" cy="0"/>
+        </a:xfrm>
+      </p:grpSpPr>
+      <p:sp>
+        <p:nvSpPr>
+          <p:cNvPr id="7" name="내용 개체 틀 6"/>
+          <p:cNvSpPr>
+            <a:spLocks noGrp="1"/>
+          </p:cNvSpPr>
+          <p:nvPr>
+            <p:ph sz="half" idx="1"/>
+          </p:nvPr>
+        </p:nvSpPr>
+        <p:spPr/>
+        <p:txBody>
+          <a:bodyPr/>
+          <a:lstStyle/>
+          <a:p>
+            <a:r>
+              <a:rPr lang="en-US" altLang="ko-KR" dirty="0" smtClean="0"/>
+              <a:t>Affine Transformation</a:t>
+            </a:r>
+          </a:p>
+          <a:p>
+            <a:pPr lvl="1"/>
+            <a:r>
+              <a:rPr lang="en-US" altLang="ko-KR" dirty="0" smtClean="0"/>
+              <a:t>Translate</a:t>
+            </a:r>
+          </a:p>
+          <a:p>
+            <a:pPr lvl="2"/>
+            <a:r>
+              <a:rPr lang="en-US" altLang="ko-KR" dirty="0" smtClean="0"/>
+              <a:t>Translated Point = Transform Matrix x Point</a:t>
+            </a:r>
+            <a:endParaRPr lang="ko-KR" altLang="en-US" dirty="0"/>
+          </a:p>
+        </p:txBody>
+      </p:sp>
+      <p:sp>
+        <p:nvSpPr>
+          <p:cNvPr id="5" name="바닥글 개체 틀 4"/>
+          <p:cNvSpPr>
+            <a:spLocks noGrp="1"/>
+          </p:cNvSpPr>
+          <p:nvPr>
+            <p:ph type="ftr" sz="quarter" idx="10"/>
+          </p:nvPr>
+        </p:nvSpPr>
+        <p:spPr/>
+        <p:txBody>
+          <a:bodyPr/>
+          <a:lstStyle/>
+          <a:p>
+            <a:pPr>
+              <a:buFont typeface="맑은 고딕" panose="020B0503020000020004" pitchFamily="50" charset="-127"/>
+              <a:buChar char="ⓒ"/>
+            </a:pPr>
+            <a:r>
+              <a:rPr lang="en-US" altLang="ko-KR" smtClean="0"/>
+              <a:t>Sungwoon Choi 2021</a:t>
+            </a:r>
+            <a:endParaRPr lang="en-US" altLang="ko-KR" dirty="0"/>
+          </a:p>
+        </p:txBody>
+      </p:sp>
+      <p:sp>
+        <p:nvSpPr>
+          <p:cNvPr id="6" name="슬라이드 번호 개체 틀 5"/>
+          <p:cNvSpPr>
+            <a:spLocks noGrp="1"/>
+          </p:cNvSpPr>
+          <p:nvPr>
+            <p:ph type="sldNum" sz="quarter" idx="11"/>
+          </p:nvPr>
+        </p:nvSpPr>
+        <p:spPr/>
+        <p:txBody>
+          <a:bodyPr/>
+          <a:lstStyle/>
+          <a:p>
+            <a:fld id="{AA4216F1-165B-4DFF-BD92-3D8E849D7D48}" type="slidenum">
+              <a:rPr lang="en-US" altLang="ko-KR" smtClean="0"/>
+              <a:pPr/>
+              <a:t>39</a:t>
+            </a:fld>
+            <a:endParaRPr lang="en-US" altLang="ko-KR" dirty="0"/>
+          </a:p>
+        </p:txBody>
+      </p:sp>
+      <p:pic>
+        <p:nvPicPr>
+          <p:cNvPr id="9" name="Picture 8" descr="https://static.packt-cdn.com/products/9781789537147/graphics/assets/4510565b-9462-4a22-ae17-fbc7b85876d1.png"/>
+          <p:cNvPicPr>
+            <a:picLocks noChangeAspect="1" noChangeArrowheads="1"/>
+          </p:cNvPicPr>
+          <p:nvPr/>
+        </p:nvPicPr>
+        <p:blipFill>
+          <a:blip r:embed="rId2">
+            <a:extLst>
+              <a:ext uri="{28A0092B-C50C-407E-A947-70E740481C1C}">
+                <a14:useLocalDpi xmlns:a14="http://schemas.microsoft.com/office/drawing/2010/main" val="0"/>
+              </a:ext>
+            </a:extLst>
+          </a:blip>
+          <a:srcRect/>
+          <a:stretch>
+            <a:fillRect/>
+          </a:stretch>
+        </p:blipFill>
+        <p:spPr bwMode="auto">
+          <a:xfrm>
+            <a:off x="5166113" y="784076"/>
+            <a:ext cx="4610544" cy="5356485"/>
+          </a:xfrm>
+          <a:prstGeom prst="rect">
+            <a:avLst/>
+          </a:prstGeom>
+          <a:noFill/>
+          <a:extLst>
+            <a:ext uri="{909E8E84-426E-40DD-AFC4-6F175D3DCCD1}">
+              <a14:hiddenFill xmlns:a14="http://schemas.microsoft.com/office/drawing/2010/main">
+                <a:solidFill>
+                  <a:srgbClr val="FFFFFF"/>
+                </a:solidFill>
+              </a14:hiddenFill>
+            </a:ext>
+          </a:extLst>
+        </p:spPr>
+      </p:pic>
+      <p:sp>
+        <p:nvSpPr>
+          <p:cNvPr id="10" name="직사각형 9">
+            <a:extLst>
+              <a:ext uri="{FF2B5EF4-FFF2-40B4-BE49-F238E27FC236}">
+                <a16:creationId xmlns:a16="http://schemas.microsoft.com/office/drawing/2014/main" id="{13C71159-A99F-5D0A-625A-E829630C064E}"/>
+              </a:ext>
+            </a:extLst>
+          </p:cNvPr>
+          <p:cNvSpPr/>
+          <p:nvPr/>
+        </p:nvSpPr>
+        <p:spPr>
+          <a:xfrm>
+            <a:off x="810008" y="2568652"/>
+            <a:ext cx="1767452" cy="1183376"/>
+          </a:xfrm>
+          <a:prstGeom prst="rect">
+            <a:avLst/>
+          </a:prstGeom>
+          <a:solidFill>
+            <a:srgbClr val="5B9BD5"/>
+          </a:solidFill>
+          <a:ln w="12700" cap="flat" cmpd="sng" algn="ctr">
+            <a:solidFill>
+              <a:srgbClr val="5B9BD5">
+                <a:shade val="50000"/>
+              </a:srgbClr>
+            </a:solidFill>
+            <a:prstDash val="solid"/>
+            <a:miter lim="800000"/>
+          </a:ln>
+          <a:effectLst/>
+        </p:spPr>
+        <p:txBody>
+          <a:bodyPr rtlCol="0" anchor="ctr"/>
+          <a:lstStyle/>
+          <a:p>
+            <a:pPr marL="0" marR="0" lvl="0" indent="0" algn="ctr" defTabSz="914400" eaLnBrk="1" fontAlgn="auto" latinLnBrk="1" hangingPunct="1">
+              <a:lnSpc>
+                <a:spcPct val="100000"/>
+              </a:lnSpc>
+              <a:spcBef>
+                <a:spcPts val="0"/>
+              </a:spcBef>
+              <a:spcAft>
+                <a:spcPts val="0"/>
+              </a:spcAft>
+              <a:buClrTx/>
+              <a:buSzTx/>
+              <a:buFontTx/>
+              <a:buNone/>
+              <a:tabLst/>
+              <a:defRPr/>
+            </a:pPr>
+            <a:endParaRPr kumimoji="0" lang="ko-KR" altLang="en-US" sz="1800" b="0" i="0" u="none" strike="noStrike" kern="0" cap="none" spc="0" normalizeH="0" baseline="0" noProof="0">
+              <a:ln>
+                <a:noFill/>
+              </a:ln>
+              <a:solidFill>
+                <a:prstClr val="white"/>
+              </a:solidFill>
+              <a:effectLst/>
+              <a:uLnTx/>
+              <a:uFillTx/>
+              <a:latin typeface="맑은 고딕" panose="020F0502020204030204"/>
+              <a:ea typeface="맑은 고딕" panose="020B0503020000020004" pitchFamily="50" charset="-127"/>
+              <a:cs typeface="+mn-cs"/>
+            </a:endParaRPr>
+          </a:p>
+        </p:txBody>
+      </p:sp>
+      <p:sp>
+        <p:nvSpPr>
+          <p:cNvPr id="11" name="타원 10">
+            <a:extLst>
+              <a:ext uri="{FF2B5EF4-FFF2-40B4-BE49-F238E27FC236}">
+                <a16:creationId xmlns:a16="http://schemas.microsoft.com/office/drawing/2014/main" id="{923560D8-8EE2-B572-33C9-CB21A5F7845E}"/>
+              </a:ext>
+            </a:extLst>
+          </p:cNvPr>
+          <p:cNvSpPr/>
+          <p:nvPr/>
+        </p:nvSpPr>
+        <p:spPr>
+          <a:xfrm>
+            <a:off x="662720" y="2424634"/>
+            <a:ext cx="294575" cy="269760"/>
+          </a:xfrm>
+          <a:prstGeom prst="ellipse">
+            <a:avLst/>
+          </a:prstGeom>
+          <a:solidFill>
+            <a:srgbClr val="FFC000"/>
+          </a:solidFill>
+          <a:ln w="12700" cap="flat" cmpd="sng" algn="ctr">
+            <a:solidFill>
+              <a:srgbClr val="5B9BD5">
+                <a:shade val="50000"/>
+              </a:srgbClr>
+            </a:solidFill>
+            <a:prstDash val="solid"/>
+            <a:miter lim="800000"/>
+          </a:ln>
+          <a:effectLst/>
+        </p:spPr>
+        <p:txBody>
+          <a:bodyPr rtlCol="0" anchor="ctr"/>
+          <a:lstStyle/>
+          <a:p>
+            <a:pPr marL="0" marR="0" lvl="0" indent="0" algn="ctr" defTabSz="914400" eaLnBrk="1" fontAlgn="auto" latinLnBrk="1" hangingPunct="1">
+              <a:lnSpc>
+                <a:spcPct val="100000"/>
+              </a:lnSpc>
+              <a:spcBef>
+                <a:spcPts val="0"/>
+              </a:spcBef>
+              <a:spcAft>
+                <a:spcPts val="0"/>
+              </a:spcAft>
+              <a:buClrTx/>
+              <a:buSzTx/>
+              <a:buFontTx/>
+              <a:buNone/>
+              <a:tabLst/>
+              <a:defRPr/>
+            </a:pPr>
+            <a:endParaRPr kumimoji="0" lang="ko-KR" altLang="en-US" sz="1800" b="0" i="0" u="none" strike="noStrike" kern="0" cap="none" spc="0" normalizeH="0" baseline="0" noProof="0">
+              <a:ln>
+                <a:noFill/>
+              </a:ln>
+              <a:solidFill>
+                <a:prstClr val="white"/>
+              </a:solidFill>
+              <a:effectLst/>
+              <a:uLnTx/>
+              <a:uFillTx/>
+              <a:latin typeface="맑은 고딕" panose="020F0502020204030204"/>
+              <a:ea typeface="맑은 고딕" panose="020B0503020000020004" pitchFamily="50" charset="-127"/>
+              <a:cs typeface="+mn-cs"/>
+            </a:endParaRPr>
+          </a:p>
+        </p:txBody>
+      </p:sp>
+      <p:sp>
+        <p:nvSpPr>
+          <p:cNvPr id="15" name="직사각형 14">
+            <a:extLst>
+              <a:ext uri="{FF2B5EF4-FFF2-40B4-BE49-F238E27FC236}">
+                <a16:creationId xmlns:a16="http://schemas.microsoft.com/office/drawing/2014/main" id="{13C71159-A99F-5D0A-625A-E829630C064E}"/>
+              </a:ext>
+            </a:extLst>
+          </p:cNvPr>
+          <p:cNvSpPr/>
+          <p:nvPr/>
+        </p:nvSpPr>
+        <p:spPr>
+          <a:xfrm>
+            <a:off x="2986317" y="3177663"/>
+            <a:ext cx="1767452" cy="1183376"/>
+          </a:xfrm>
+          <a:prstGeom prst="rect">
+            <a:avLst/>
+          </a:prstGeom>
+          <a:solidFill>
+            <a:schemeClr val="bg1">
+              <a:lumMod val="85000"/>
+            </a:schemeClr>
+          </a:solidFill>
+          <a:ln w="12700" cap="flat" cmpd="sng" algn="ctr">
+            <a:solidFill>
+              <a:srgbClr val="5B9BD5">
+                <a:shade val="50000"/>
+              </a:srgbClr>
+            </a:solidFill>
+            <a:prstDash val="solid"/>
+            <a:miter lim="800000"/>
+          </a:ln>
+          <a:effectLst/>
+        </p:spPr>
+        <p:txBody>
+          <a:bodyPr rtlCol="0" anchor="ctr"/>
+          <a:lstStyle/>
+          <a:p>
+            <a:pPr marL="0" marR="0" lvl="0" indent="0" algn="ctr" defTabSz="914400" eaLnBrk="1" fontAlgn="auto" latinLnBrk="1" hangingPunct="1">
+              <a:lnSpc>
+                <a:spcPct val="100000"/>
+              </a:lnSpc>
+              <a:spcBef>
+                <a:spcPts val="0"/>
+              </a:spcBef>
+              <a:spcAft>
+                <a:spcPts val="0"/>
+              </a:spcAft>
+              <a:buClrTx/>
+              <a:buSzTx/>
+              <a:buFontTx/>
+              <a:buNone/>
+              <a:tabLst/>
+              <a:defRPr/>
+            </a:pPr>
+            <a:endParaRPr kumimoji="0" lang="ko-KR" altLang="en-US" sz="1800" b="0" i="0" u="none" strike="noStrike" kern="0" cap="none" spc="0" normalizeH="0" baseline="0" noProof="0">
+              <a:ln>
+                <a:noFill/>
+              </a:ln>
+              <a:solidFill>
+                <a:prstClr val="white"/>
+              </a:solidFill>
+              <a:effectLst/>
+              <a:uLnTx/>
+              <a:uFillTx/>
+              <a:latin typeface="맑은 고딕" panose="020F0502020204030204"/>
+              <a:ea typeface="맑은 고딕" panose="020B0503020000020004" pitchFamily="50" charset="-127"/>
+              <a:cs typeface="+mn-cs"/>
+            </a:endParaRPr>
+          </a:p>
+        </p:txBody>
+      </p:sp>
+      <p:sp>
+        <p:nvSpPr>
+          <p:cNvPr id="16" name="타원 15">
+            <a:extLst>
+              <a:ext uri="{FF2B5EF4-FFF2-40B4-BE49-F238E27FC236}">
+                <a16:creationId xmlns:a16="http://schemas.microsoft.com/office/drawing/2014/main" id="{923560D8-8EE2-B572-33C9-CB21A5F7845E}"/>
+              </a:ext>
+            </a:extLst>
+          </p:cNvPr>
+          <p:cNvSpPr/>
+          <p:nvPr/>
+        </p:nvSpPr>
+        <p:spPr>
+          <a:xfrm>
+            <a:off x="2918859" y="3016322"/>
+            <a:ext cx="294575" cy="269760"/>
+          </a:xfrm>
+          <a:prstGeom prst="ellipse">
+            <a:avLst/>
+          </a:prstGeom>
+          <a:solidFill>
+            <a:srgbClr val="FFC000"/>
+          </a:solidFill>
+          <a:ln w="12700" cap="flat" cmpd="sng" algn="ctr">
+            <a:solidFill>
+              <a:srgbClr val="5B9BD5">
+                <a:shade val="50000"/>
+              </a:srgbClr>
+            </a:solidFill>
+            <a:prstDash val="solid"/>
+            <a:miter lim="800000"/>
+          </a:ln>
+          <a:effectLst/>
+        </p:spPr>
+        <p:txBody>
+          <a:bodyPr rtlCol="0" anchor="ctr"/>
+          <a:lstStyle/>
+          <a:p>
+            <a:pPr marL="0" marR="0" lvl="0" indent="0" algn="ctr" defTabSz="914400" eaLnBrk="1" fontAlgn="auto" latinLnBrk="1" hangingPunct="1">
+              <a:lnSpc>
+                <a:spcPct val="100000"/>
+              </a:lnSpc>
+              <a:spcBef>
+                <a:spcPts val="0"/>
+              </a:spcBef>
+              <a:spcAft>
+                <a:spcPts val="0"/>
+              </a:spcAft>
+              <a:buClrTx/>
+              <a:buSzTx/>
+              <a:buFontTx/>
+              <a:buNone/>
+              <a:tabLst/>
+              <a:defRPr/>
+            </a:pPr>
+            <a:endParaRPr kumimoji="0" lang="ko-KR" altLang="en-US" sz="1800" b="0" i="0" u="none" strike="noStrike" kern="0" cap="none" spc="0" normalizeH="0" baseline="0" noProof="0">
+              <a:ln>
+                <a:noFill/>
+              </a:ln>
+              <a:solidFill>
+                <a:prstClr val="white"/>
+              </a:solidFill>
+              <a:effectLst/>
+              <a:uLnTx/>
+              <a:uFillTx/>
+              <a:latin typeface="맑은 고딕" panose="020F0502020204030204"/>
+              <a:ea typeface="맑은 고딕" panose="020B0503020000020004" pitchFamily="50" charset="-127"/>
+              <a:cs typeface="+mn-cs"/>
+            </a:endParaRPr>
+          </a:p>
+        </p:txBody>
+      </p:sp>
+      <p:cxnSp>
+        <p:nvCxnSpPr>
+          <p:cNvPr id="21" name="직선 화살표 연결선 20"/>
+          <p:cNvCxnSpPr/>
+          <p:nvPr/>
+        </p:nvCxnSpPr>
+        <p:spPr bwMode="auto">
+          <a:xfrm>
+            <a:off x="1094347" y="2694394"/>
+            <a:ext cx="1726839" cy="321928"/>
+          </a:xfrm>
+          <a:prstGeom prst="straightConnector1">
+            <a:avLst/>
+          </a:prstGeom>
+          <a:solidFill>
+            <a:schemeClr val="accent1"/>
+          </a:solidFill>
+          <a:ln w="9525" cap="flat" cmpd="sng" algn="ctr">
+            <a:solidFill>
+              <a:schemeClr val="tx1"/>
+            </a:solidFill>
+            <a:prstDash val="solid"/>
+            <a:round/>
+            <a:headEnd type="none" w="med" len="med"/>
+            <a:tailEnd type="triangle"/>
+          </a:ln>
+          <a:effectLst/>
+          <a:extLst>
+            <a:ext uri="{AF507438-7753-43E0-B8FC-AC1667EBCBE1}">
+              <a14:hiddenEffects xmlns:a14="http://schemas.microsoft.com/office/drawing/2010/main">
+                <a:effectLst>
+                  <a:outerShdw dist="35921" dir="2700000" algn="ctr" rotWithShape="0">
+                    <a:schemeClr val="bg2"/>
+                  </a:outerShdw>
+                </a:effectLst>
+              </a14:hiddenEffects>
+            </a:ext>
+          </a:extLst>
+        </p:spPr>
+      </p:cxnSp>
+      <p:sp>
+        <p:nvSpPr>
+          <p:cNvPr id="24" name="TextBox 23"/>
+          <p:cNvSpPr txBox="1"/>
+          <p:nvPr/>
+        </p:nvSpPr>
+        <p:spPr>
+          <a:xfrm>
+            <a:off x="689033" y="2112031"/>
+            <a:ext cx="625031" cy="287535"/>
+          </a:xfrm>
+          <a:prstGeom prst="rect">
+            <a:avLst/>
+          </a:prstGeom>
+          <a:solidFill>
+            <a:schemeClr val="accent2">
+              <a:lumMod val="20000"/>
+              <a:lumOff val="80000"/>
+            </a:schemeClr>
+          </a:solidFill>
+          <a:ln>
+            <a:noFill/>
+          </a:ln>
+        </p:spPr>
+        <p:txBody>
+          <a:bodyPr wrap="none" rtlCol="0" anchor="ctr">
+            <a:noAutofit/>
+          </a:bodyPr>
+          <a:lstStyle/>
+          <a:p>
+            <a:pPr algn="ctr"/>
+            <a:r>
+              <a:rPr lang="en-US" altLang="ko-KR" sz="1400" dirty="0" smtClean="0"/>
+              <a:t>1,1</a:t>
+            </a:r>
+            <a:endParaRPr lang="ko-KR" altLang="en-US" sz="1400" dirty="0" err="1" smtClean="0"/>
+          </a:p>
+        </p:txBody>
+      </p:sp>
+      <p:sp>
+        <p:nvSpPr>
+          <p:cNvPr id="26" name="TextBox 25"/>
+          <p:cNvSpPr txBox="1"/>
+          <p:nvPr/>
+        </p:nvSpPr>
+        <p:spPr>
+          <a:xfrm>
+            <a:off x="2792029" y="2741857"/>
+            <a:ext cx="625031" cy="287535"/>
+          </a:xfrm>
+          <a:prstGeom prst="rect">
+            <a:avLst/>
+          </a:prstGeom>
+          <a:solidFill>
+            <a:schemeClr val="accent2">
+              <a:lumMod val="20000"/>
+              <a:lumOff val="80000"/>
+            </a:schemeClr>
+          </a:solidFill>
+          <a:ln>
+            <a:noFill/>
+          </a:ln>
+        </p:spPr>
+        <p:txBody>
+          <a:bodyPr wrap="none" rtlCol="0" anchor="ctr">
+            <a:noAutofit/>
+          </a:bodyPr>
+          <a:lstStyle/>
+          <a:p>
+            <a:pPr algn="ctr"/>
+            <a:r>
+              <a:rPr lang="en-US" altLang="ko-KR" sz="1400" dirty="0" smtClean="0"/>
+              <a:t>3,4</a:t>
+            </a:r>
+            <a:endParaRPr lang="ko-KR" altLang="en-US" sz="1400" dirty="0" err="1" smtClean="0"/>
+          </a:p>
+        </p:txBody>
+      </p:sp>
+      <p:graphicFrame>
+        <p:nvGraphicFramePr>
+          <p:cNvPr id="28" name="내용 개체 틀 27"/>
+          <p:cNvGraphicFramePr>
+            <a:graphicFrameLocks noGrp="1"/>
+          </p:cNvGraphicFramePr>
+          <p:nvPr>
+            <p:ph sz="half" idx="2"/>
+            <p:extLst>
+              <p:ext uri="{D42A27DB-BD31-4B8C-83A1-F6EECF244321}">
+                <p14:modId xmlns:p14="http://schemas.microsoft.com/office/powerpoint/2010/main" val="469417365"/>
+              </p:ext>
+            </p:extLst>
+          </p:nvPr>
+        </p:nvGraphicFramePr>
+        <p:xfrm>
+          <a:off x="1481998" y="3125156"/>
+          <a:ext cx="1319091" cy="1112520"/>
+        </p:xfrm>
+        <a:graphic>
+          <a:graphicData uri="http://schemas.openxmlformats.org/drawingml/2006/table">
+            <a:tbl>
+              <a:tblPr firstRow="1" bandRow="1">
+                <a:tableStyleId>{5C22544A-7EE6-4342-B048-85BDC9FD1C3A}</a:tableStyleId>
+              </a:tblPr>
+              <a:tblGrid>
+                <a:gridCol w="439697">
+                  <a:extLst>
+                    <a:ext uri="{9D8B030D-6E8A-4147-A177-3AD203B41FA5}">
+                      <a16:colId xmlns:a16="http://schemas.microsoft.com/office/drawing/2014/main" val="3349204455"/>
+                    </a:ext>
+                  </a:extLst>
+                </a:gridCol>
+                <a:gridCol w="439697">
+                  <a:extLst>
+                    <a:ext uri="{9D8B030D-6E8A-4147-A177-3AD203B41FA5}">
+                      <a16:colId xmlns:a16="http://schemas.microsoft.com/office/drawing/2014/main" val="2344102531"/>
+                    </a:ext>
+                  </a:extLst>
+                </a:gridCol>
+                <a:gridCol w="439697">
+                  <a:extLst>
+                    <a:ext uri="{9D8B030D-6E8A-4147-A177-3AD203B41FA5}">
+                      <a16:colId xmlns:a16="http://schemas.microsoft.com/office/drawing/2014/main" val="2425438774"/>
+                    </a:ext>
+                  </a:extLst>
+                </a:gridCol>
+              </a:tblGrid>
+              <a:tr h="370840">
+                <a:tc>
+                  <a:txBody>
+                    <a:bodyPr/>
+                    <a:lstStyle/>
+                    <a:p>
+                      <a:pPr latinLnBrk="1"/>
+                      <a:endParaRPr lang="ko-KR" altLang="en-US" dirty="0"/>
+                    </a:p>
+                  </a:txBody>
+                  <a:tcPr>
+                    <a:lnL w="12700" cap="flat" cmpd="sng" algn="ctr">
+                      <a:solidFill>
+                        <a:schemeClr val="tx1"/>
+                      </a:solidFill>
+                      <a:prstDash val="solid"/>
+                      <a:round/>
+                      <a:headEnd type="none" w="med" len="med"/>
+                      <a:tailEnd type="none" w="med" len="med"/>
+                    </a:lnL>
+                    <a:lnR w="12700" cap="flat" cmpd="sng" algn="ctr">
+                      <a:solidFill>
+                        <a:schemeClr val="tx1"/>
+                      </a:solidFill>
+                      <a:prstDash val="solid"/>
+                      <a:round/>
+                      <a:headEnd type="none" w="med" len="med"/>
+                      <a:tailEnd type="none" w="med" len="med"/>
+                    </a:lnR>
+                    <a:lnT w="12700" cap="flat" cmpd="sng" algn="ctr">
+                      <a:solidFill>
+                        <a:schemeClr val="tx1"/>
+                      </a:solidFill>
+                      <a:prstDash val="solid"/>
+                      <a:round/>
+                      <a:headEnd type="none" w="med" len="med"/>
+                      <a:tailEnd type="none" w="med" len="med"/>
+                    </a:lnT>
+                    <a:lnB w="12700" cap="flat" cmpd="sng" algn="ctr">
+                      <a:solidFill>
+                        <a:schemeClr val="tx1"/>
+                      </a:solidFill>
+                      <a:prstDash val="solid"/>
+                      <a:round/>
+                      <a:headEnd type="none" w="med" len="med"/>
+                      <a:tailEnd type="none" w="med" len="med"/>
+                    </a:lnB>
+                    <a:lnTlToBr w="12700" cmpd="sng">
+                      <a:noFill/>
+                      <a:prstDash val="solid"/>
+                    </a:lnTlToBr>
+                    <a:lnBlToTr w="12700" cmpd="sng">
+                      <a:noFill/>
+                      <a:prstDash val="solid"/>
+                    </a:lnBlToTr>
+                    <a:solidFill>
+                      <a:schemeClr val="bg1">
+                        <a:lumMod val="95000"/>
+                      </a:schemeClr>
+                    </a:solidFill>
+                  </a:tcPr>
+                </a:tc>
+                <a:tc>
+                  <a:txBody>
+                    <a:bodyPr/>
+                    <a:lstStyle/>
+                    <a:p>
+                      <a:pPr latinLnBrk="1"/>
+                      <a:endParaRPr lang="ko-KR" altLang="en-US"/>
+                    </a:p>
+                  </a:txBody>
+                  <a:tcPr>
+                    <a:lnL w="12700" cap="flat" cmpd="sng" algn="ctr">
+                      <a:solidFill>
+                        <a:schemeClr val="tx1"/>
+                      </a:solidFill>
+                      <a:prstDash val="solid"/>
+                      <a:round/>
+                      <a:headEnd type="none" w="med" len="med"/>
+                      <a:tailEnd type="none" w="med" len="med"/>
+                    </a:lnL>
+                    <a:lnR w="12700" cap="flat" cmpd="sng" algn="ctr">
+                      <a:solidFill>
+                        <a:schemeClr val="tx1"/>
+                      </a:solidFill>
+                      <a:prstDash val="solid"/>
+                      <a:round/>
+                      <a:headEnd type="none" w="med" len="med"/>
+                      <a:tailEnd type="none" w="med" len="med"/>
+                    </a:lnR>
+                    <a:lnT w="12700" cap="flat" cmpd="sng" algn="ctr">
+                      <a:solidFill>
+                        <a:schemeClr val="tx1"/>
+                      </a:solidFill>
+                      <a:prstDash val="solid"/>
+                      <a:round/>
+                      <a:headEnd type="none" w="med" len="med"/>
+                      <a:tailEnd type="none" w="med" len="med"/>
+                    </a:lnT>
+                    <a:lnB w="12700" cap="flat" cmpd="sng" algn="ctr">
+                      <a:solidFill>
+                        <a:schemeClr val="tx1"/>
+                      </a:solidFill>
+                      <a:prstDash val="solid"/>
+                      <a:round/>
+                      <a:headEnd type="none" w="med" len="med"/>
+                      <a:tailEnd type="none" w="med" len="med"/>
+                    </a:lnB>
+                    <a:lnTlToBr w="12700" cmpd="sng">
+                      <a:noFill/>
+                      <a:prstDash val="solid"/>
+                    </a:lnTlToBr>
+                    <a:lnBlToTr w="12700" cmpd="sng">
+                      <a:noFill/>
+                      <a:prstDash val="solid"/>
+                    </a:lnBlToTr>
+                    <a:solidFill>
+                      <a:schemeClr val="bg1">
+                        <a:lumMod val="95000"/>
+                      </a:schemeClr>
+                    </a:solidFill>
+                  </a:tcPr>
+                </a:tc>
+                <a:tc>
+                  <a:txBody>
+                    <a:bodyPr/>
+                    <a:lstStyle/>
+                    <a:p>
+                      <a:pPr latinLnBrk="1"/>
+                      <a:r>
+                        <a:rPr lang="en-US" altLang="ko-KR" b="0" dirty="0" smtClean="0">
+                          <a:solidFill>
+                            <a:sysClr val="windowText" lastClr="000000"/>
+                          </a:solidFill>
+                        </a:rPr>
+                        <a:t>2</a:t>
+                      </a:r>
+                      <a:endParaRPr lang="ko-KR" altLang="en-US" b="0" dirty="0">
+                        <a:solidFill>
+                          <a:sysClr val="windowText" lastClr="000000"/>
+                        </a:solidFill>
+                      </a:endParaRPr>
+                    </a:p>
+                  </a:txBody>
+                  <a:tcPr>
+                    <a:lnL w="12700" cap="flat" cmpd="sng" algn="ctr">
+                      <a:solidFill>
+                        <a:schemeClr val="tx1"/>
+                      </a:solidFill>
+                      <a:prstDash val="solid"/>
+                      <a:round/>
+                      <a:headEnd type="none" w="med" len="med"/>
+                      <a:tailEnd type="none" w="med" len="med"/>
+                    </a:lnL>
+                    <a:lnR w="12700" cap="flat" cmpd="sng" algn="ctr">
+                      <a:solidFill>
+                        <a:schemeClr val="tx1"/>
+                      </a:solidFill>
+                      <a:prstDash val="solid"/>
+                      <a:round/>
+                      <a:headEnd type="none" w="med" len="med"/>
+                      <a:tailEnd type="none" w="med" len="med"/>
+                    </a:lnR>
+                    <a:lnT w="12700" cap="flat" cmpd="sng" algn="ctr">
+                      <a:solidFill>
+                        <a:schemeClr val="tx1"/>
+                      </a:solidFill>
+                      <a:prstDash val="solid"/>
+                      <a:round/>
+                      <a:headEnd type="none" w="med" len="med"/>
+                      <a:tailEnd type="none" w="med" len="med"/>
+                    </a:lnT>
+                    <a:lnB w="12700" cap="flat" cmpd="sng" algn="ctr">
+                      <a:solidFill>
+                        <a:schemeClr val="tx1"/>
+                      </a:solidFill>
+                      <a:prstDash val="solid"/>
+                      <a:round/>
+                      <a:headEnd type="none" w="med" len="med"/>
+                      <a:tailEnd type="none" w="med" len="med"/>
+                    </a:lnB>
+                    <a:lnTlToBr w="12700" cmpd="sng">
+                      <a:noFill/>
+                      <a:prstDash val="solid"/>
+                    </a:lnTlToBr>
+                    <a:lnBlToTr w="12700" cmpd="sng">
+                      <a:noFill/>
+                      <a:prstDash val="solid"/>
+                    </a:lnBlToTr>
+                    <a:solidFill>
+                      <a:schemeClr val="bg1">
+                        <a:lumMod val="95000"/>
+                      </a:schemeClr>
+                    </a:solidFill>
+                  </a:tcPr>
+                </a:tc>
+                <a:extLst>
+                  <a:ext uri="{0D108BD9-81ED-4DB2-BD59-A6C34878D82A}">
+                    <a16:rowId xmlns:a16="http://schemas.microsoft.com/office/drawing/2014/main" val="1405707423"/>
+                  </a:ext>
+                </a:extLst>
+              </a:tr>
+              <a:tr h="370840">
+                <a:tc>
+                  <a:txBody>
+                    <a:bodyPr/>
+                    <a:lstStyle/>
+                    <a:p>
+                      <a:pPr latinLnBrk="1"/>
+                      <a:endParaRPr lang="ko-KR" altLang="en-US"/>
+                    </a:p>
+                  </a:txBody>
+                  <a:tcPr>
+                    <a:lnL w="12700" cap="flat" cmpd="sng" algn="ctr">
+                      <a:solidFill>
+                        <a:schemeClr val="tx1"/>
+                      </a:solidFill>
+                      <a:prstDash val="solid"/>
+                      <a:round/>
+                      <a:headEnd type="none" w="med" len="med"/>
+                      <a:tailEnd type="none" w="med" len="med"/>
+                    </a:lnL>
+                    <a:lnR w="12700" cap="flat" cmpd="sng" algn="ctr">
+                      <a:solidFill>
+                        <a:schemeClr val="tx1"/>
+                      </a:solidFill>
+                      <a:prstDash val="solid"/>
+                      <a:round/>
+                      <a:headEnd type="none" w="med" len="med"/>
+                      <a:tailEnd type="none" w="med" len="med"/>
+                    </a:lnR>
+                    <a:lnT w="12700" cap="flat" cmpd="sng" algn="ctr">
+                      <a:solidFill>
+                        <a:schemeClr val="tx1"/>
+                      </a:solidFill>
+                      <a:prstDash val="solid"/>
+                      <a:round/>
+                      <a:headEnd type="none" w="med" len="med"/>
+                      <a:tailEnd type="none" w="med" len="med"/>
+                    </a:lnT>
+                    <a:lnB w="12700" cap="flat" cmpd="sng" algn="ctr">
+                      <a:solidFill>
+                        <a:schemeClr val="tx1"/>
+                      </a:solidFill>
+                      <a:prstDash val="solid"/>
+                      <a:round/>
+                      <a:headEnd type="none" w="med" len="med"/>
+                      <a:tailEnd type="none" w="med" len="med"/>
+                    </a:lnB>
+                    <a:lnTlToBr w="12700" cmpd="sng">
+                      <a:noFill/>
+                      <a:prstDash val="solid"/>
+                    </a:lnTlToBr>
+                    <a:lnBlToTr w="12700" cmpd="sng">
+                      <a:noFill/>
+                      <a:prstDash val="solid"/>
+                    </a:lnBlToTr>
+                    <a:solidFill>
+                      <a:schemeClr val="bg1">
+                        <a:lumMod val="95000"/>
+                      </a:schemeClr>
+                    </a:solidFill>
+                  </a:tcPr>
+                </a:tc>
+                <a:tc>
+                  <a:txBody>
+                    <a:bodyPr/>
+                    <a:lstStyle/>
+                    <a:p>
+                      <a:pPr latinLnBrk="1"/>
+                      <a:endParaRPr lang="ko-KR" altLang="en-US"/>
+                    </a:p>
+                  </a:txBody>
+                  <a:tcPr>
+                    <a:lnL w="12700" cap="flat" cmpd="sng" algn="ctr">
+                      <a:solidFill>
+                        <a:schemeClr val="tx1"/>
+                      </a:solidFill>
+                      <a:prstDash val="solid"/>
+                      <a:round/>
+                      <a:headEnd type="none" w="med" len="med"/>
+                      <a:tailEnd type="none" w="med" len="med"/>
+                    </a:lnL>
+                    <a:lnR w="12700" cap="flat" cmpd="sng" algn="ctr">
+                      <a:solidFill>
+                        <a:schemeClr val="tx1"/>
+                      </a:solidFill>
+                      <a:prstDash val="solid"/>
+                      <a:round/>
+                      <a:headEnd type="none" w="med" len="med"/>
+                      <a:tailEnd type="none" w="med" len="med"/>
+                    </a:lnR>
+                    <a:lnT w="12700" cap="flat" cmpd="sng" algn="ctr">
+                      <a:solidFill>
+                        <a:schemeClr val="tx1"/>
+                      </a:solidFill>
+                      <a:prstDash val="solid"/>
+                      <a:round/>
+                      <a:headEnd type="none" w="med" len="med"/>
+                      <a:tailEnd type="none" w="med" len="med"/>
+                    </a:lnT>
+                    <a:lnB w="12700" cap="flat" cmpd="sng" algn="ctr">
+                      <a:solidFill>
+                        <a:schemeClr val="tx1"/>
+                      </a:solidFill>
+                      <a:prstDash val="solid"/>
+                      <a:round/>
+                      <a:headEnd type="none" w="med" len="med"/>
+                      <a:tailEnd type="none" w="med" len="med"/>
+                    </a:lnB>
+                    <a:lnTlToBr w="12700" cmpd="sng">
+                      <a:noFill/>
+                      <a:prstDash val="solid"/>
+                    </a:lnTlToBr>
+                    <a:lnBlToTr w="12700" cmpd="sng">
+                      <a:noFill/>
+                      <a:prstDash val="solid"/>
+                    </a:lnBlToTr>
+                    <a:solidFill>
+                      <a:schemeClr val="bg1">
+                        <a:lumMod val="95000"/>
+                      </a:schemeClr>
+                    </a:solidFill>
+                  </a:tcPr>
+                </a:tc>
+                <a:tc>
+                  <a:txBody>
+                    <a:bodyPr/>
+                    <a:lstStyle/>
+                    <a:p>
+                      <a:pPr latinLnBrk="1"/>
+                      <a:r>
+                        <a:rPr lang="en-US" altLang="ko-KR" dirty="0" smtClean="0"/>
+                        <a:t>3</a:t>
+                      </a:r>
+                      <a:endParaRPr lang="ko-KR" altLang="en-US" dirty="0"/>
+                    </a:p>
+                  </a:txBody>
+                  <a:tcPr>
+                    <a:lnL w="12700" cap="flat" cmpd="sng" algn="ctr">
+                      <a:solidFill>
+                        <a:schemeClr val="tx1"/>
+                      </a:solidFill>
+                      <a:prstDash val="solid"/>
+                      <a:round/>
+                      <a:headEnd type="none" w="med" len="med"/>
+                      <a:tailEnd type="none" w="med" len="med"/>
+                    </a:lnL>
+                    <a:lnR w="12700" cap="flat" cmpd="sng" algn="ctr">
+                      <a:solidFill>
+                        <a:schemeClr val="tx1"/>
+                      </a:solidFill>
+                      <a:prstDash val="solid"/>
+                      <a:round/>
+                      <a:headEnd type="none" w="med" len="med"/>
+                      <a:tailEnd type="none" w="med" len="med"/>
+                    </a:lnR>
+                    <a:lnT w="12700" cap="flat" cmpd="sng" algn="ctr">
+                      <a:solidFill>
+                        <a:schemeClr val="tx1"/>
+                      </a:solidFill>
+                      <a:prstDash val="solid"/>
+                      <a:round/>
+                      <a:headEnd type="none" w="med" len="med"/>
+                      <a:tailEnd type="none" w="med" len="med"/>
+                    </a:lnT>
+                    <a:lnB w="12700" cap="flat" cmpd="sng" algn="ctr">
+                      <a:solidFill>
+                        <a:schemeClr val="tx1"/>
+                      </a:solidFill>
+                      <a:prstDash val="solid"/>
+                      <a:round/>
+                      <a:headEnd type="none" w="med" len="med"/>
+                      <a:tailEnd type="none" w="med" len="med"/>
+                    </a:lnB>
+                    <a:lnTlToBr w="12700" cmpd="sng">
+                      <a:noFill/>
+                      <a:prstDash val="solid"/>
+                    </a:lnTlToBr>
+                    <a:lnBlToTr w="12700" cmpd="sng">
+                      <a:noFill/>
+                      <a:prstDash val="solid"/>
+                    </a:lnBlToTr>
+                    <a:solidFill>
+                      <a:schemeClr val="bg1">
+                        <a:lumMod val="95000"/>
+                      </a:schemeClr>
+                    </a:solidFill>
+                  </a:tcPr>
+                </a:tc>
+                <a:extLst>
+                  <a:ext uri="{0D108BD9-81ED-4DB2-BD59-A6C34878D82A}">
+                    <a16:rowId xmlns:a16="http://schemas.microsoft.com/office/drawing/2014/main" val="3405790049"/>
+                  </a:ext>
+                </a:extLst>
+              </a:tr>
+              <a:tr h="370840">
+                <a:tc>
+                  <a:txBody>
+                    <a:bodyPr/>
+                    <a:lstStyle/>
+                    <a:p>
+                      <a:pPr latinLnBrk="1"/>
+                      <a:endParaRPr lang="ko-KR" altLang="en-US"/>
+                    </a:p>
+                  </a:txBody>
+                  <a:tcPr>
+                    <a:lnL w="12700" cap="flat" cmpd="sng" algn="ctr">
+                      <a:solidFill>
+                        <a:schemeClr val="tx1"/>
+                      </a:solidFill>
+                      <a:prstDash val="solid"/>
+                      <a:round/>
+                      <a:headEnd type="none" w="med" len="med"/>
+                      <a:tailEnd type="none" w="med" len="med"/>
+                    </a:lnL>
+                    <a:lnR w="12700" cap="flat" cmpd="sng" algn="ctr">
+                      <a:solidFill>
+                        <a:schemeClr val="tx1"/>
+                      </a:solidFill>
+                      <a:prstDash val="solid"/>
+                      <a:round/>
+                      <a:headEnd type="none" w="med" len="med"/>
+                      <a:tailEnd type="none" w="med" len="med"/>
+                    </a:lnR>
+                    <a:lnT w="12700" cap="flat" cmpd="sng" algn="ctr">
+                      <a:solidFill>
+                        <a:schemeClr val="tx1"/>
+                      </a:solidFill>
+                      <a:prstDash val="solid"/>
+                      <a:round/>
+                      <a:headEnd type="none" w="med" len="med"/>
+                      <a:tailEnd type="none" w="med" len="med"/>
+                    </a:lnT>
+                    <a:lnB w="12700" cap="flat" cmpd="sng" algn="ctr">
+                      <a:solidFill>
+                        <a:schemeClr val="tx1"/>
+                      </a:solidFill>
+                      <a:prstDash val="solid"/>
+                      <a:round/>
+                      <a:headEnd type="none" w="med" len="med"/>
+                      <a:tailEnd type="none" w="med" len="med"/>
+                    </a:lnB>
+                    <a:lnTlToBr w="12700" cmpd="sng">
+                      <a:noFill/>
+                      <a:prstDash val="solid"/>
+                    </a:lnTlToBr>
+                    <a:lnBlToTr w="12700" cmpd="sng">
+                      <a:noFill/>
+                      <a:prstDash val="solid"/>
+                    </a:lnBlToTr>
+                    <a:solidFill>
+                      <a:schemeClr val="bg1">
+                        <a:lumMod val="95000"/>
+                      </a:schemeClr>
+                    </a:solidFill>
+                  </a:tcPr>
+                </a:tc>
+                <a:tc>
+                  <a:txBody>
+                    <a:bodyPr/>
+                    <a:lstStyle/>
+                    <a:p>
+                      <a:pPr latinLnBrk="1"/>
+                      <a:endParaRPr lang="ko-KR" altLang="en-US"/>
+                    </a:p>
+                  </a:txBody>
+                  <a:tcPr>
+                    <a:lnL w="12700" cap="flat" cmpd="sng" algn="ctr">
+                      <a:solidFill>
+                        <a:schemeClr val="tx1"/>
+                      </a:solidFill>
+                      <a:prstDash val="solid"/>
+                      <a:round/>
+                      <a:headEnd type="none" w="med" len="med"/>
+                      <a:tailEnd type="none" w="med" len="med"/>
+                    </a:lnL>
+                    <a:lnR w="12700" cap="flat" cmpd="sng" algn="ctr">
+                      <a:solidFill>
+                        <a:schemeClr val="tx1"/>
+                      </a:solidFill>
+                      <a:prstDash val="solid"/>
+                      <a:round/>
+                      <a:headEnd type="none" w="med" len="med"/>
+                      <a:tailEnd type="none" w="med" len="med"/>
+                    </a:lnR>
+                    <a:lnT w="12700" cap="flat" cmpd="sng" algn="ctr">
+                      <a:solidFill>
+                        <a:schemeClr val="tx1"/>
+                      </a:solidFill>
+                      <a:prstDash val="solid"/>
+                      <a:round/>
+                      <a:headEnd type="none" w="med" len="med"/>
+                      <a:tailEnd type="none" w="med" len="med"/>
+                    </a:lnT>
+                    <a:lnB w="12700" cap="flat" cmpd="sng" algn="ctr">
+                      <a:solidFill>
+                        <a:schemeClr val="tx1"/>
+                      </a:solidFill>
+                      <a:prstDash val="solid"/>
+                      <a:round/>
+                      <a:headEnd type="none" w="med" len="med"/>
+                      <a:tailEnd type="none" w="med" len="med"/>
+                    </a:lnB>
+                    <a:lnTlToBr w="12700" cmpd="sng">
+                      <a:noFill/>
+                      <a:prstDash val="solid"/>
+                    </a:lnTlToBr>
+                    <a:lnBlToTr w="12700" cmpd="sng">
+                      <a:noFill/>
+                      <a:prstDash val="solid"/>
+                    </a:lnBlToTr>
+                    <a:solidFill>
+                      <a:schemeClr val="bg1">
+                        <a:lumMod val="95000"/>
+                      </a:schemeClr>
+                    </a:solidFill>
+                  </a:tcPr>
+                </a:tc>
+                <a:tc>
+                  <a:txBody>
+                    <a:bodyPr/>
+                    <a:lstStyle/>
+                    <a:p>
+                      <a:pPr latinLnBrk="1"/>
+                      <a:endParaRPr lang="ko-KR" altLang="en-US" dirty="0"/>
+                    </a:p>
+                  </a:txBody>
+                  <a:tcPr>
+                    <a:lnL w="12700" cap="flat" cmpd="sng" algn="ctr">
+                      <a:solidFill>
+                        <a:schemeClr val="tx1"/>
+                      </a:solidFill>
+                      <a:prstDash val="solid"/>
+                      <a:round/>
+                      <a:headEnd type="none" w="med" len="med"/>
+                      <a:tailEnd type="none" w="med" len="med"/>
+                    </a:lnL>
+                    <a:lnR w="12700" cap="flat" cmpd="sng" algn="ctr">
+                      <a:solidFill>
+                        <a:schemeClr val="tx1"/>
+                      </a:solidFill>
+                      <a:prstDash val="solid"/>
+                      <a:round/>
+                      <a:headEnd type="none" w="med" len="med"/>
+                      <a:tailEnd type="none" w="med" len="med"/>
+                    </a:lnR>
+                    <a:lnT w="12700" cap="flat" cmpd="sng" algn="ctr">
+                      <a:solidFill>
+                        <a:schemeClr val="tx1"/>
+                      </a:solidFill>
+                      <a:prstDash val="solid"/>
+                      <a:round/>
+                      <a:headEnd type="none" w="med" len="med"/>
+                      <a:tailEnd type="none" w="med" len="med"/>
+                    </a:lnT>
+                    <a:lnB w="12700" cap="flat" cmpd="sng" algn="ctr">
+                      <a:solidFill>
+                        <a:schemeClr val="tx1"/>
+                      </a:solidFill>
+                      <a:prstDash val="solid"/>
+                      <a:round/>
+                      <a:headEnd type="none" w="med" len="med"/>
+                      <a:tailEnd type="none" w="med" len="med"/>
+                    </a:lnB>
+                    <a:lnTlToBr w="12700" cmpd="sng">
+                      <a:noFill/>
+                      <a:prstDash val="solid"/>
+                    </a:lnTlToBr>
+                    <a:lnBlToTr w="12700" cmpd="sng">
+                      <a:noFill/>
+                      <a:prstDash val="solid"/>
+                    </a:lnBlToTr>
+                    <a:solidFill>
+                      <a:schemeClr val="bg1">
+                        <a:lumMod val="95000"/>
+                      </a:schemeClr>
+                    </a:solidFill>
+                  </a:tcPr>
+                </a:tc>
+                <a:extLst>
+                  <a:ext uri="{0D108BD9-81ED-4DB2-BD59-A6C34878D82A}">
+                    <a16:rowId xmlns:a16="http://schemas.microsoft.com/office/drawing/2014/main" val="2492544400"/>
+                  </a:ext>
+                </a:extLst>
+              </a:tr>
+            </a:tbl>
+          </a:graphicData>
+        </a:graphic>
+      </p:graphicFrame>
+    </p:spTree>
+    <p:extLst>
+      <p:ext uri="{BB962C8B-B14F-4D97-AF65-F5344CB8AC3E}">
+        <p14:creationId xmlns:p14="http://schemas.microsoft.com/office/powerpoint/2010/main" val="387124246"/>
+      </p:ext>
+    </p:extLst>
+  </p:cSld>
+  <p:clrMapOvr>
+    <a:masterClrMapping/>
+  </p:clrMapOvr>
+</p:sld>
+</file>
+
 <file path=ppt/slides/slide4.xml><?xml version="1.0" encoding="utf-8"?>
 <p:sld xmlns:a="http://schemas.openxmlformats.org/drawingml/2006/main" xmlns:r="http://schemas.openxmlformats.org/officeDocument/2006/relationships" xmlns:p="http://schemas.openxmlformats.org/presentationml/2006/main">
   <p:cSld>
@@ -40120,6 +42043,1445 @@
     <p:extLst>
       <p:ext uri="{BB962C8B-B14F-4D97-AF65-F5344CB8AC3E}">
         <p14:creationId xmlns:p14="http://schemas.microsoft.com/office/powerpoint/2010/main" val="465145946"/>
+      </p:ext>
+    </p:extLst>
+  </p:cSld>
+  <p:clrMapOvr>
+    <a:masterClrMapping/>
+  </p:clrMapOvr>
+</p:sld>
+</file>
+
+<file path=ppt/slides/slide40.xml><?xml version="1.0" encoding="utf-8"?>
+<p:sld xmlns:a="http://schemas.openxmlformats.org/drawingml/2006/main" xmlns:r="http://schemas.openxmlformats.org/officeDocument/2006/relationships" xmlns:p="http://schemas.openxmlformats.org/presentationml/2006/main">
+  <p:cSld>
+    <p:spTree>
+      <p:nvGrpSpPr>
+        <p:cNvPr id="1" name=""/>
+        <p:cNvGrpSpPr/>
+        <p:nvPr/>
+      </p:nvGrpSpPr>
+      <p:grpSpPr>
+        <a:xfrm>
+          <a:off x="0" y="0"/>
+          <a:ext cx="0" cy="0"/>
+          <a:chOff x="0" y="0"/>
+          <a:chExt cx="0" cy="0"/>
+        </a:xfrm>
+      </p:grpSpPr>
+      <p:sp>
+        <p:nvSpPr>
+          <p:cNvPr id="12" name="직사각형 11">
+            <a:extLst>
+              <a:ext uri="{FF2B5EF4-FFF2-40B4-BE49-F238E27FC236}">
+                <a16:creationId xmlns:a16="http://schemas.microsoft.com/office/drawing/2014/main" id="{13C71159-A99F-5D0A-625A-E829630C064E}"/>
+              </a:ext>
+            </a:extLst>
+          </p:cNvPr>
+          <p:cNvSpPr/>
+          <p:nvPr/>
+        </p:nvSpPr>
+        <p:spPr>
+          <a:xfrm>
+            <a:off x="2471564" y="3127014"/>
+            <a:ext cx="2324462" cy="1808186"/>
+          </a:xfrm>
+          <a:prstGeom prst="rect">
+            <a:avLst/>
+          </a:prstGeom>
+          <a:solidFill>
+            <a:schemeClr val="accent3">
+              <a:lumMod val="40000"/>
+              <a:lumOff val="60000"/>
+            </a:schemeClr>
+          </a:solidFill>
+          <a:ln w="12700" cap="flat" cmpd="sng" algn="ctr">
+            <a:solidFill>
+              <a:srgbClr val="5B9BD5">
+                <a:shade val="50000"/>
+              </a:srgbClr>
+            </a:solidFill>
+            <a:prstDash val="solid"/>
+            <a:miter lim="800000"/>
+          </a:ln>
+          <a:effectLst/>
+        </p:spPr>
+        <p:txBody>
+          <a:bodyPr rtlCol="0" anchor="ctr"/>
+          <a:lstStyle/>
+          <a:p>
+            <a:pPr marL="0" marR="0" lvl="0" indent="0" algn="ctr" defTabSz="914400" eaLnBrk="1" fontAlgn="auto" latinLnBrk="1" hangingPunct="1">
+              <a:lnSpc>
+                <a:spcPct val="100000"/>
+              </a:lnSpc>
+              <a:spcBef>
+                <a:spcPts val="0"/>
+              </a:spcBef>
+              <a:spcAft>
+                <a:spcPts val="0"/>
+              </a:spcAft>
+              <a:buClrTx/>
+              <a:buSzTx/>
+              <a:buFontTx/>
+              <a:buNone/>
+              <a:tabLst/>
+              <a:defRPr/>
+            </a:pPr>
+            <a:endParaRPr kumimoji="0" lang="ko-KR" altLang="en-US" sz="1800" b="0" i="0" u="none" strike="noStrike" kern="0" cap="none" spc="0" normalizeH="0" baseline="0" noProof="0">
+              <a:ln>
+                <a:noFill/>
+              </a:ln>
+              <a:solidFill>
+                <a:prstClr val="white"/>
+              </a:solidFill>
+              <a:effectLst/>
+              <a:uLnTx/>
+              <a:uFillTx/>
+              <a:latin typeface="맑은 고딕" panose="020F0502020204030204"/>
+              <a:ea typeface="맑은 고딕" panose="020B0503020000020004" pitchFamily="50" charset="-127"/>
+              <a:cs typeface="+mn-cs"/>
+            </a:endParaRPr>
+          </a:p>
+        </p:txBody>
+      </p:sp>
+      <p:sp>
+        <p:nvSpPr>
+          <p:cNvPr id="2" name="내용 개체 틀 1"/>
+          <p:cNvSpPr>
+            <a:spLocks noGrp="1"/>
+          </p:cNvSpPr>
+          <p:nvPr>
+            <p:ph sz="half" idx="1"/>
+          </p:nvPr>
+        </p:nvSpPr>
+        <p:spPr/>
+        <p:txBody>
+          <a:bodyPr/>
+          <a:lstStyle/>
+          <a:p>
+            <a:r>
+              <a:rPr lang="en-US" altLang="ko-KR" dirty="0"/>
+              <a:t>Affine Transformation</a:t>
+            </a:r>
+          </a:p>
+          <a:p>
+            <a:pPr lvl="1"/>
+            <a:r>
+              <a:rPr lang="en-US" altLang="ko-KR" dirty="0" smtClean="0"/>
+              <a:t>Scale</a:t>
+            </a:r>
+          </a:p>
+          <a:p>
+            <a:pPr lvl="2"/>
+            <a:r>
+              <a:rPr lang="en-US" altLang="ko-KR" dirty="0" smtClean="0"/>
+              <a:t>Resize Anchor</a:t>
+            </a:r>
+          </a:p>
+          <a:p>
+            <a:pPr lvl="3"/>
+            <a:r>
+              <a:rPr lang="en-US" altLang="ko-KR" dirty="0" smtClean="0"/>
+              <a:t>Selected Anchor </a:t>
+            </a:r>
+            <a:r>
+              <a:rPr lang="ko-KR" altLang="en-US" dirty="0" smtClean="0"/>
+              <a:t>의 대각선</a:t>
+            </a:r>
+            <a:endParaRPr lang="en-US" altLang="ko-KR" dirty="0" smtClean="0"/>
+          </a:p>
+          <a:p>
+            <a:pPr lvl="2"/>
+            <a:r>
+              <a:rPr lang="en-US" altLang="ko-KR" dirty="0" smtClean="0"/>
+              <a:t>Width and Height</a:t>
+            </a:r>
+          </a:p>
+          <a:p>
+            <a:pPr lvl="3"/>
+            <a:r>
+              <a:rPr lang="ko-KR" altLang="en-US" dirty="0" smtClean="0"/>
+              <a:t>배율</a:t>
+            </a:r>
+            <a:endParaRPr lang="en-US" altLang="ko-KR" dirty="0"/>
+          </a:p>
+          <a:p>
+            <a:endParaRPr lang="ko-KR" altLang="en-US" dirty="0"/>
+          </a:p>
+        </p:txBody>
+      </p:sp>
+      <p:sp>
+        <p:nvSpPr>
+          <p:cNvPr id="3" name="내용 개체 틀 2"/>
+          <p:cNvSpPr>
+            <a:spLocks noGrp="1"/>
+          </p:cNvSpPr>
+          <p:nvPr>
+            <p:ph sz="half" idx="2"/>
+          </p:nvPr>
+        </p:nvSpPr>
+        <p:spPr/>
+        <p:txBody>
+          <a:bodyPr/>
+          <a:lstStyle/>
+          <a:p>
+            <a:endParaRPr lang="ko-KR" altLang="en-US" dirty="0"/>
+          </a:p>
+        </p:txBody>
+      </p:sp>
+      <p:sp>
+        <p:nvSpPr>
+          <p:cNvPr id="4" name="바닥글 개체 틀 3"/>
+          <p:cNvSpPr>
+            <a:spLocks noGrp="1"/>
+          </p:cNvSpPr>
+          <p:nvPr>
+            <p:ph type="ftr" sz="quarter" idx="10"/>
+          </p:nvPr>
+        </p:nvSpPr>
+        <p:spPr/>
+        <p:txBody>
+          <a:bodyPr/>
+          <a:lstStyle/>
+          <a:p>
+            <a:pPr>
+              <a:buFont typeface="맑은 고딕" panose="020B0503020000020004" pitchFamily="50" charset="-127"/>
+              <a:buChar char="ⓒ"/>
+            </a:pPr>
+            <a:r>
+              <a:rPr lang="en-US" altLang="ko-KR" smtClean="0"/>
+              <a:t>Sungwoon Choi 2021</a:t>
+            </a:r>
+            <a:endParaRPr lang="en-US" altLang="ko-KR" dirty="0"/>
+          </a:p>
+        </p:txBody>
+      </p:sp>
+      <p:sp>
+        <p:nvSpPr>
+          <p:cNvPr id="5" name="슬라이드 번호 개체 틀 4"/>
+          <p:cNvSpPr>
+            <a:spLocks noGrp="1"/>
+          </p:cNvSpPr>
+          <p:nvPr>
+            <p:ph type="sldNum" sz="quarter" idx="11"/>
+          </p:nvPr>
+        </p:nvSpPr>
+        <p:spPr/>
+        <p:txBody>
+          <a:bodyPr/>
+          <a:lstStyle/>
+          <a:p>
+            <a:fld id="{AA4216F1-165B-4DFF-BD92-3D8E849D7D48}" type="slidenum">
+              <a:rPr lang="en-US" altLang="ko-KR" smtClean="0"/>
+              <a:pPr/>
+              <a:t>40</a:t>
+            </a:fld>
+            <a:endParaRPr lang="en-US" altLang="ko-KR" dirty="0"/>
+          </a:p>
+        </p:txBody>
+      </p:sp>
+      <p:sp>
+        <p:nvSpPr>
+          <p:cNvPr id="6" name="직사각형 5">
+            <a:extLst>
+              <a:ext uri="{FF2B5EF4-FFF2-40B4-BE49-F238E27FC236}">
+                <a16:creationId xmlns:a16="http://schemas.microsoft.com/office/drawing/2014/main" id="{13C71159-A99F-5D0A-625A-E829630C064E}"/>
+              </a:ext>
+            </a:extLst>
+          </p:cNvPr>
+          <p:cNvSpPr/>
+          <p:nvPr/>
+        </p:nvSpPr>
+        <p:spPr>
+          <a:xfrm>
+            <a:off x="2473390" y="3136152"/>
+            <a:ext cx="1746572" cy="1183376"/>
+          </a:xfrm>
+          <a:prstGeom prst="rect">
+            <a:avLst/>
+          </a:prstGeom>
+          <a:solidFill>
+            <a:srgbClr val="5B9BD5"/>
+          </a:solidFill>
+          <a:ln w="12700" cap="flat" cmpd="sng" algn="ctr">
+            <a:solidFill>
+              <a:srgbClr val="5B9BD5">
+                <a:shade val="50000"/>
+              </a:srgbClr>
+            </a:solidFill>
+            <a:prstDash val="solid"/>
+            <a:miter lim="800000"/>
+          </a:ln>
+          <a:effectLst/>
+        </p:spPr>
+        <p:txBody>
+          <a:bodyPr rtlCol="0" anchor="ctr"/>
+          <a:lstStyle/>
+          <a:p>
+            <a:pPr marL="0" marR="0" lvl="0" indent="0" algn="ctr" defTabSz="914400" eaLnBrk="1" fontAlgn="auto" latinLnBrk="1" hangingPunct="1">
+              <a:lnSpc>
+                <a:spcPct val="100000"/>
+              </a:lnSpc>
+              <a:spcBef>
+                <a:spcPts val="0"/>
+              </a:spcBef>
+              <a:spcAft>
+                <a:spcPts val="0"/>
+              </a:spcAft>
+              <a:buClrTx/>
+              <a:buSzTx/>
+              <a:buFontTx/>
+              <a:buNone/>
+              <a:tabLst/>
+              <a:defRPr/>
+            </a:pPr>
+            <a:endParaRPr kumimoji="0" lang="ko-KR" altLang="en-US" sz="1800" b="0" i="0" u="none" strike="noStrike" kern="0" cap="none" spc="0" normalizeH="0" baseline="0" noProof="0">
+              <a:ln>
+                <a:noFill/>
+              </a:ln>
+              <a:solidFill>
+                <a:prstClr val="white"/>
+              </a:solidFill>
+              <a:effectLst/>
+              <a:uLnTx/>
+              <a:uFillTx/>
+              <a:latin typeface="맑은 고딕" panose="020F0502020204030204"/>
+              <a:ea typeface="맑은 고딕" panose="020B0503020000020004" pitchFamily="50" charset="-127"/>
+              <a:cs typeface="+mn-cs"/>
+            </a:endParaRPr>
+          </a:p>
+        </p:txBody>
+      </p:sp>
+      <p:sp>
+        <p:nvSpPr>
+          <p:cNvPr id="7" name="타원 6">
+            <a:extLst>
+              <a:ext uri="{FF2B5EF4-FFF2-40B4-BE49-F238E27FC236}">
+                <a16:creationId xmlns:a16="http://schemas.microsoft.com/office/drawing/2014/main" id="{923560D8-8EE2-B572-33C9-CB21A5F7845E}"/>
+              </a:ext>
+            </a:extLst>
+          </p:cNvPr>
+          <p:cNvSpPr/>
+          <p:nvPr/>
+        </p:nvSpPr>
+        <p:spPr>
+          <a:xfrm>
+            <a:off x="2326102" y="2992134"/>
+            <a:ext cx="294575" cy="269760"/>
+          </a:xfrm>
+          <a:prstGeom prst="ellipse">
+            <a:avLst/>
+          </a:prstGeom>
+          <a:solidFill>
+            <a:srgbClr val="FFC000"/>
+          </a:solidFill>
+          <a:ln w="12700" cap="flat" cmpd="sng" algn="ctr">
+            <a:solidFill>
+              <a:srgbClr val="5B9BD5">
+                <a:shade val="50000"/>
+              </a:srgbClr>
+            </a:solidFill>
+            <a:prstDash val="solid"/>
+            <a:miter lim="800000"/>
+          </a:ln>
+          <a:effectLst/>
+        </p:spPr>
+        <p:txBody>
+          <a:bodyPr rtlCol="0" anchor="ctr"/>
+          <a:lstStyle/>
+          <a:p>
+            <a:pPr marL="0" marR="0" lvl="0" indent="0" algn="ctr" defTabSz="914400" eaLnBrk="1" fontAlgn="auto" latinLnBrk="1" hangingPunct="1">
+              <a:lnSpc>
+                <a:spcPct val="100000"/>
+              </a:lnSpc>
+              <a:spcBef>
+                <a:spcPts val="0"/>
+              </a:spcBef>
+              <a:spcAft>
+                <a:spcPts val="0"/>
+              </a:spcAft>
+              <a:buClrTx/>
+              <a:buSzTx/>
+              <a:buFontTx/>
+              <a:buNone/>
+              <a:tabLst/>
+              <a:defRPr/>
+            </a:pPr>
+            <a:endParaRPr kumimoji="0" lang="ko-KR" altLang="en-US" sz="1800" b="0" i="0" u="none" strike="noStrike" kern="0" cap="none" spc="0" normalizeH="0" baseline="0" noProof="0">
+              <a:ln>
+                <a:noFill/>
+              </a:ln>
+              <a:solidFill>
+                <a:prstClr val="white"/>
+              </a:solidFill>
+              <a:effectLst/>
+              <a:uLnTx/>
+              <a:uFillTx/>
+              <a:latin typeface="맑은 고딕" panose="020F0502020204030204"/>
+              <a:ea typeface="맑은 고딕" panose="020B0503020000020004" pitchFamily="50" charset="-127"/>
+              <a:cs typeface="+mn-cs"/>
+            </a:endParaRPr>
+          </a:p>
+        </p:txBody>
+      </p:sp>
+      <p:sp>
+        <p:nvSpPr>
+          <p:cNvPr id="9" name="TextBox 8"/>
+          <p:cNvSpPr txBox="1"/>
+          <p:nvPr/>
+        </p:nvSpPr>
+        <p:spPr>
+          <a:xfrm>
+            <a:off x="2352415" y="2679531"/>
+            <a:ext cx="625031" cy="287535"/>
+          </a:xfrm>
+          <a:prstGeom prst="rect">
+            <a:avLst/>
+          </a:prstGeom>
+          <a:solidFill>
+            <a:schemeClr val="accent2">
+              <a:lumMod val="20000"/>
+              <a:lumOff val="80000"/>
+            </a:schemeClr>
+          </a:solidFill>
+          <a:ln>
+            <a:noFill/>
+          </a:ln>
+        </p:spPr>
+        <p:txBody>
+          <a:bodyPr wrap="none" rtlCol="0" anchor="ctr">
+            <a:noAutofit/>
+          </a:bodyPr>
+          <a:lstStyle/>
+          <a:p>
+            <a:pPr algn="ctr"/>
+            <a:r>
+              <a:rPr lang="en-US" altLang="ko-KR" sz="1400" dirty="0" smtClean="0"/>
+              <a:t>1,1</a:t>
+            </a:r>
+            <a:endParaRPr lang="ko-KR" altLang="en-US" sz="1400" dirty="0" err="1" smtClean="0"/>
+          </a:p>
+        </p:txBody>
+      </p:sp>
+      <p:graphicFrame>
+        <p:nvGraphicFramePr>
+          <p:cNvPr id="10" name="내용 개체 틀 27"/>
+          <p:cNvGraphicFramePr>
+            <a:graphicFrameLocks/>
+          </p:cNvGraphicFramePr>
+          <p:nvPr>
+            <p:extLst>
+              <p:ext uri="{D42A27DB-BD31-4B8C-83A1-F6EECF244321}">
+                <p14:modId xmlns:p14="http://schemas.microsoft.com/office/powerpoint/2010/main" val="3108692591"/>
+              </p:ext>
+            </p:extLst>
+          </p:nvPr>
+        </p:nvGraphicFramePr>
+        <p:xfrm>
+          <a:off x="5435277" y="3232348"/>
+          <a:ext cx="1658067" cy="1237794"/>
+        </p:xfrm>
+        <a:graphic>
+          <a:graphicData uri="http://schemas.openxmlformats.org/drawingml/2006/table">
+            <a:tbl>
+              <a:tblPr firstRow="1" bandRow="1">
+                <a:tableStyleId>{5C22544A-7EE6-4342-B048-85BDC9FD1C3A}</a:tableStyleId>
+              </a:tblPr>
+              <a:tblGrid>
+                <a:gridCol w="552689">
+                  <a:extLst>
+                    <a:ext uri="{9D8B030D-6E8A-4147-A177-3AD203B41FA5}">
+                      <a16:colId xmlns:a16="http://schemas.microsoft.com/office/drawing/2014/main" val="3349204455"/>
+                    </a:ext>
+                  </a:extLst>
+                </a:gridCol>
+                <a:gridCol w="552689">
+                  <a:extLst>
+                    <a:ext uri="{9D8B030D-6E8A-4147-A177-3AD203B41FA5}">
+                      <a16:colId xmlns:a16="http://schemas.microsoft.com/office/drawing/2014/main" val="2344102531"/>
+                    </a:ext>
+                  </a:extLst>
+                </a:gridCol>
+                <a:gridCol w="552689">
+                  <a:extLst>
+                    <a:ext uri="{9D8B030D-6E8A-4147-A177-3AD203B41FA5}">
+                      <a16:colId xmlns:a16="http://schemas.microsoft.com/office/drawing/2014/main" val="2425438774"/>
+                    </a:ext>
+                  </a:extLst>
+                </a:gridCol>
+              </a:tblGrid>
+              <a:tr h="399038">
+                <a:tc>
+                  <a:txBody>
+                    <a:bodyPr/>
+                    <a:lstStyle/>
+                    <a:p>
+                      <a:pPr latinLnBrk="1"/>
+                      <a:endParaRPr lang="ko-KR" altLang="en-US" dirty="0"/>
+                    </a:p>
+                  </a:txBody>
+                  <a:tcPr>
+                    <a:lnL w="12700" cap="flat" cmpd="sng" algn="ctr">
+                      <a:solidFill>
+                        <a:schemeClr val="tx1"/>
+                      </a:solidFill>
+                      <a:prstDash val="solid"/>
+                      <a:round/>
+                      <a:headEnd type="none" w="med" len="med"/>
+                      <a:tailEnd type="none" w="med" len="med"/>
+                    </a:lnL>
+                    <a:lnR w="12700" cap="flat" cmpd="sng" algn="ctr">
+                      <a:solidFill>
+                        <a:schemeClr val="tx1"/>
+                      </a:solidFill>
+                      <a:prstDash val="solid"/>
+                      <a:round/>
+                      <a:headEnd type="none" w="med" len="med"/>
+                      <a:tailEnd type="none" w="med" len="med"/>
+                    </a:lnR>
+                    <a:lnT w="12700" cap="flat" cmpd="sng" algn="ctr">
+                      <a:solidFill>
+                        <a:schemeClr val="tx1"/>
+                      </a:solidFill>
+                      <a:prstDash val="solid"/>
+                      <a:round/>
+                      <a:headEnd type="none" w="med" len="med"/>
+                      <a:tailEnd type="none" w="med" len="med"/>
+                    </a:lnT>
+                    <a:lnB w="12700" cap="flat" cmpd="sng" algn="ctr">
+                      <a:solidFill>
+                        <a:schemeClr val="tx1"/>
+                      </a:solidFill>
+                      <a:prstDash val="solid"/>
+                      <a:round/>
+                      <a:headEnd type="none" w="med" len="med"/>
+                      <a:tailEnd type="none" w="med" len="med"/>
+                    </a:lnB>
+                    <a:lnTlToBr w="12700" cmpd="sng">
+                      <a:noFill/>
+                      <a:prstDash val="solid"/>
+                    </a:lnTlToBr>
+                    <a:lnBlToTr w="12700" cmpd="sng">
+                      <a:noFill/>
+                      <a:prstDash val="solid"/>
+                    </a:lnBlToTr>
+                    <a:solidFill>
+                      <a:schemeClr val="bg1">
+                        <a:lumMod val="95000"/>
+                      </a:schemeClr>
+                    </a:solidFill>
+                  </a:tcPr>
+                </a:tc>
+                <a:tc>
+                  <a:txBody>
+                    <a:bodyPr/>
+                    <a:lstStyle/>
+                    <a:p>
+                      <a:pPr latinLnBrk="1"/>
+                      <a:endParaRPr lang="ko-KR" altLang="en-US" dirty="0"/>
+                    </a:p>
+                  </a:txBody>
+                  <a:tcPr>
+                    <a:lnL w="12700" cap="flat" cmpd="sng" algn="ctr">
+                      <a:solidFill>
+                        <a:schemeClr val="tx1"/>
+                      </a:solidFill>
+                      <a:prstDash val="solid"/>
+                      <a:round/>
+                      <a:headEnd type="none" w="med" len="med"/>
+                      <a:tailEnd type="none" w="med" len="med"/>
+                    </a:lnL>
+                    <a:lnR w="12700" cap="flat" cmpd="sng" algn="ctr">
+                      <a:solidFill>
+                        <a:schemeClr val="tx1"/>
+                      </a:solidFill>
+                      <a:prstDash val="solid"/>
+                      <a:round/>
+                      <a:headEnd type="none" w="med" len="med"/>
+                      <a:tailEnd type="none" w="med" len="med"/>
+                    </a:lnR>
+                    <a:lnT w="12700" cap="flat" cmpd="sng" algn="ctr">
+                      <a:solidFill>
+                        <a:schemeClr val="tx1"/>
+                      </a:solidFill>
+                      <a:prstDash val="solid"/>
+                      <a:round/>
+                      <a:headEnd type="none" w="med" len="med"/>
+                      <a:tailEnd type="none" w="med" len="med"/>
+                    </a:lnT>
+                    <a:lnB w="12700" cap="flat" cmpd="sng" algn="ctr">
+                      <a:solidFill>
+                        <a:schemeClr val="tx1"/>
+                      </a:solidFill>
+                      <a:prstDash val="solid"/>
+                      <a:round/>
+                      <a:headEnd type="none" w="med" len="med"/>
+                      <a:tailEnd type="none" w="med" len="med"/>
+                    </a:lnB>
+                    <a:lnTlToBr w="12700" cmpd="sng">
+                      <a:noFill/>
+                      <a:prstDash val="solid"/>
+                    </a:lnTlToBr>
+                    <a:lnBlToTr w="12700" cmpd="sng">
+                      <a:noFill/>
+                      <a:prstDash val="solid"/>
+                    </a:lnBlToTr>
+                    <a:solidFill>
+                      <a:schemeClr val="bg1">
+                        <a:lumMod val="95000"/>
+                      </a:schemeClr>
+                    </a:solidFill>
+                  </a:tcPr>
+                </a:tc>
+                <a:tc>
+                  <a:txBody>
+                    <a:bodyPr/>
+                    <a:lstStyle/>
+                    <a:p>
+                      <a:pPr latinLnBrk="1"/>
+                      <a:r>
+                        <a:rPr lang="en-US" altLang="ko-KR" b="0" dirty="0" smtClean="0">
+                          <a:solidFill>
+                            <a:sysClr val="windowText" lastClr="000000"/>
+                          </a:solidFill>
+                        </a:rPr>
+                        <a:t>2</a:t>
+                      </a:r>
+                      <a:endParaRPr lang="ko-KR" altLang="en-US" b="0" dirty="0">
+                        <a:solidFill>
+                          <a:sysClr val="windowText" lastClr="000000"/>
+                        </a:solidFill>
+                      </a:endParaRPr>
+                    </a:p>
+                  </a:txBody>
+                  <a:tcPr>
+                    <a:lnL w="12700" cap="flat" cmpd="sng" algn="ctr">
+                      <a:solidFill>
+                        <a:schemeClr val="tx1"/>
+                      </a:solidFill>
+                      <a:prstDash val="solid"/>
+                      <a:round/>
+                      <a:headEnd type="none" w="med" len="med"/>
+                      <a:tailEnd type="none" w="med" len="med"/>
+                    </a:lnL>
+                    <a:lnR w="12700" cap="flat" cmpd="sng" algn="ctr">
+                      <a:solidFill>
+                        <a:schemeClr val="tx1"/>
+                      </a:solidFill>
+                      <a:prstDash val="solid"/>
+                      <a:round/>
+                      <a:headEnd type="none" w="med" len="med"/>
+                      <a:tailEnd type="none" w="med" len="med"/>
+                    </a:lnR>
+                    <a:lnT w="12700" cap="flat" cmpd="sng" algn="ctr">
+                      <a:solidFill>
+                        <a:schemeClr val="tx1"/>
+                      </a:solidFill>
+                      <a:prstDash val="solid"/>
+                      <a:round/>
+                      <a:headEnd type="none" w="med" len="med"/>
+                      <a:tailEnd type="none" w="med" len="med"/>
+                    </a:lnT>
+                    <a:lnB w="12700" cap="flat" cmpd="sng" algn="ctr">
+                      <a:solidFill>
+                        <a:schemeClr val="tx1"/>
+                      </a:solidFill>
+                      <a:prstDash val="solid"/>
+                      <a:round/>
+                      <a:headEnd type="none" w="med" len="med"/>
+                      <a:tailEnd type="none" w="med" len="med"/>
+                    </a:lnB>
+                    <a:lnTlToBr w="12700" cmpd="sng">
+                      <a:noFill/>
+                      <a:prstDash val="solid"/>
+                    </a:lnTlToBr>
+                    <a:lnBlToTr w="12700" cmpd="sng">
+                      <a:noFill/>
+                      <a:prstDash val="solid"/>
+                    </a:lnBlToTr>
+                    <a:solidFill>
+                      <a:schemeClr val="bg1">
+                        <a:lumMod val="95000"/>
+                      </a:schemeClr>
+                    </a:solidFill>
+                  </a:tcPr>
+                </a:tc>
+                <a:extLst>
+                  <a:ext uri="{0D108BD9-81ED-4DB2-BD59-A6C34878D82A}">
+                    <a16:rowId xmlns:a16="http://schemas.microsoft.com/office/drawing/2014/main" val="1405707423"/>
+                  </a:ext>
+                </a:extLst>
+              </a:tr>
+              <a:tr h="439718">
+                <a:tc>
+                  <a:txBody>
+                    <a:bodyPr/>
+                    <a:lstStyle/>
+                    <a:p>
+                      <a:pPr latinLnBrk="1"/>
+                      <a:endParaRPr lang="ko-KR" altLang="en-US"/>
+                    </a:p>
+                  </a:txBody>
+                  <a:tcPr>
+                    <a:lnL w="12700" cap="flat" cmpd="sng" algn="ctr">
+                      <a:solidFill>
+                        <a:schemeClr val="tx1"/>
+                      </a:solidFill>
+                      <a:prstDash val="solid"/>
+                      <a:round/>
+                      <a:headEnd type="none" w="med" len="med"/>
+                      <a:tailEnd type="none" w="med" len="med"/>
+                    </a:lnL>
+                    <a:lnR w="12700" cap="flat" cmpd="sng" algn="ctr">
+                      <a:solidFill>
+                        <a:schemeClr val="tx1"/>
+                      </a:solidFill>
+                      <a:prstDash val="solid"/>
+                      <a:round/>
+                      <a:headEnd type="none" w="med" len="med"/>
+                      <a:tailEnd type="none" w="med" len="med"/>
+                    </a:lnR>
+                    <a:lnT w="12700" cap="flat" cmpd="sng" algn="ctr">
+                      <a:solidFill>
+                        <a:schemeClr val="tx1"/>
+                      </a:solidFill>
+                      <a:prstDash val="solid"/>
+                      <a:round/>
+                      <a:headEnd type="none" w="med" len="med"/>
+                      <a:tailEnd type="none" w="med" len="med"/>
+                    </a:lnT>
+                    <a:lnB w="12700" cap="flat" cmpd="sng" algn="ctr">
+                      <a:solidFill>
+                        <a:schemeClr val="tx1"/>
+                      </a:solidFill>
+                      <a:prstDash val="solid"/>
+                      <a:round/>
+                      <a:headEnd type="none" w="med" len="med"/>
+                      <a:tailEnd type="none" w="med" len="med"/>
+                    </a:lnB>
+                    <a:lnTlToBr w="12700" cmpd="sng">
+                      <a:noFill/>
+                      <a:prstDash val="solid"/>
+                    </a:lnTlToBr>
+                    <a:lnBlToTr w="12700" cmpd="sng">
+                      <a:noFill/>
+                      <a:prstDash val="solid"/>
+                    </a:lnBlToTr>
+                    <a:solidFill>
+                      <a:schemeClr val="bg1">
+                        <a:lumMod val="95000"/>
+                      </a:schemeClr>
+                    </a:solidFill>
+                  </a:tcPr>
+                </a:tc>
+                <a:tc>
+                  <a:txBody>
+                    <a:bodyPr/>
+                    <a:lstStyle/>
+                    <a:p>
+                      <a:pPr latinLnBrk="1"/>
+                      <a:r>
+                        <a:rPr lang="en-US" altLang="ko-KR" dirty="0" smtClean="0"/>
+                        <a:t>1.2</a:t>
+                      </a:r>
+                      <a:endParaRPr lang="ko-KR" altLang="en-US" dirty="0"/>
+                    </a:p>
+                  </a:txBody>
+                  <a:tcPr>
+                    <a:lnL w="12700" cap="flat" cmpd="sng" algn="ctr">
+                      <a:solidFill>
+                        <a:schemeClr val="tx1"/>
+                      </a:solidFill>
+                      <a:prstDash val="solid"/>
+                      <a:round/>
+                      <a:headEnd type="none" w="med" len="med"/>
+                      <a:tailEnd type="none" w="med" len="med"/>
+                    </a:lnL>
+                    <a:lnR w="12700" cap="flat" cmpd="sng" algn="ctr">
+                      <a:solidFill>
+                        <a:schemeClr val="tx1"/>
+                      </a:solidFill>
+                      <a:prstDash val="solid"/>
+                      <a:round/>
+                      <a:headEnd type="none" w="med" len="med"/>
+                      <a:tailEnd type="none" w="med" len="med"/>
+                    </a:lnR>
+                    <a:lnT w="12700" cap="flat" cmpd="sng" algn="ctr">
+                      <a:solidFill>
+                        <a:schemeClr val="tx1"/>
+                      </a:solidFill>
+                      <a:prstDash val="solid"/>
+                      <a:round/>
+                      <a:headEnd type="none" w="med" len="med"/>
+                      <a:tailEnd type="none" w="med" len="med"/>
+                    </a:lnT>
+                    <a:lnB w="12700" cap="flat" cmpd="sng" algn="ctr">
+                      <a:solidFill>
+                        <a:schemeClr val="tx1"/>
+                      </a:solidFill>
+                      <a:prstDash val="solid"/>
+                      <a:round/>
+                      <a:headEnd type="none" w="med" len="med"/>
+                      <a:tailEnd type="none" w="med" len="med"/>
+                    </a:lnB>
+                    <a:lnTlToBr w="12700" cmpd="sng">
+                      <a:noFill/>
+                      <a:prstDash val="solid"/>
+                    </a:lnTlToBr>
+                    <a:lnBlToTr w="12700" cmpd="sng">
+                      <a:noFill/>
+                      <a:prstDash val="solid"/>
+                    </a:lnBlToTr>
+                    <a:solidFill>
+                      <a:schemeClr val="bg1">
+                        <a:lumMod val="95000"/>
+                      </a:schemeClr>
+                    </a:solidFill>
+                  </a:tcPr>
+                </a:tc>
+                <a:tc>
+                  <a:txBody>
+                    <a:bodyPr/>
+                    <a:lstStyle/>
+                    <a:p>
+                      <a:pPr latinLnBrk="1"/>
+                      <a:r>
+                        <a:rPr lang="en-US" altLang="ko-KR" dirty="0" smtClean="0"/>
+                        <a:t>3</a:t>
+                      </a:r>
+                      <a:endParaRPr lang="ko-KR" altLang="en-US" dirty="0"/>
+                    </a:p>
+                  </a:txBody>
+                  <a:tcPr>
+                    <a:lnL w="12700" cap="flat" cmpd="sng" algn="ctr">
+                      <a:solidFill>
+                        <a:schemeClr val="tx1"/>
+                      </a:solidFill>
+                      <a:prstDash val="solid"/>
+                      <a:round/>
+                      <a:headEnd type="none" w="med" len="med"/>
+                      <a:tailEnd type="none" w="med" len="med"/>
+                    </a:lnL>
+                    <a:lnR w="12700" cap="flat" cmpd="sng" algn="ctr">
+                      <a:solidFill>
+                        <a:schemeClr val="tx1"/>
+                      </a:solidFill>
+                      <a:prstDash val="solid"/>
+                      <a:round/>
+                      <a:headEnd type="none" w="med" len="med"/>
+                      <a:tailEnd type="none" w="med" len="med"/>
+                    </a:lnR>
+                    <a:lnT w="12700" cap="flat" cmpd="sng" algn="ctr">
+                      <a:solidFill>
+                        <a:schemeClr val="tx1"/>
+                      </a:solidFill>
+                      <a:prstDash val="solid"/>
+                      <a:round/>
+                      <a:headEnd type="none" w="med" len="med"/>
+                      <a:tailEnd type="none" w="med" len="med"/>
+                    </a:lnT>
+                    <a:lnB w="12700" cap="flat" cmpd="sng" algn="ctr">
+                      <a:solidFill>
+                        <a:schemeClr val="tx1"/>
+                      </a:solidFill>
+                      <a:prstDash val="solid"/>
+                      <a:round/>
+                      <a:headEnd type="none" w="med" len="med"/>
+                      <a:tailEnd type="none" w="med" len="med"/>
+                    </a:lnB>
+                    <a:lnTlToBr w="12700" cmpd="sng">
+                      <a:noFill/>
+                      <a:prstDash val="solid"/>
+                    </a:lnTlToBr>
+                    <a:lnBlToTr w="12700" cmpd="sng">
+                      <a:noFill/>
+                      <a:prstDash val="solid"/>
+                    </a:lnBlToTr>
+                    <a:solidFill>
+                      <a:schemeClr val="bg1">
+                        <a:lumMod val="95000"/>
+                      </a:schemeClr>
+                    </a:solidFill>
+                  </a:tcPr>
+                </a:tc>
+                <a:extLst>
+                  <a:ext uri="{0D108BD9-81ED-4DB2-BD59-A6C34878D82A}">
+                    <a16:rowId xmlns:a16="http://schemas.microsoft.com/office/drawing/2014/main" val="3405790049"/>
+                  </a:ext>
+                </a:extLst>
+              </a:tr>
+              <a:tr h="399038">
+                <a:tc>
+                  <a:txBody>
+                    <a:bodyPr/>
+                    <a:lstStyle/>
+                    <a:p>
+                      <a:pPr latinLnBrk="1"/>
+                      <a:endParaRPr lang="ko-KR" altLang="en-US"/>
+                    </a:p>
+                  </a:txBody>
+                  <a:tcPr>
+                    <a:lnL w="12700" cap="flat" cmpd="sng" algn="ctr">
+                      <a:solidFill>
+                        <a:schemeClr val="tx1"/>
+                      </a:solidFill>
+                      <a:prstDash val="solid"/>
+                      <a:round/>
+                      <a:headEnd type="none" w="med" len="med"/>
+                      <a:tailEnd type="none" w="med" len="med"/>
+                    </a:lnL>
+                    <a:lnR w="12700" cap="flat" cmpd="sng" algn="ctr">
+                      <a:solidFill>
+                        <a:schemeClr val="tx1"/>
+                      </a:solidFill>
+                      <a:prstDash val="solid"/>
+                      <a:round/>
+                      <a:headEnd type="none" w="med" len="med"/>
+                      <a:tailEnd type="none" w="med" len="med"/>
+                    </a:lnR>
+                    <a:lnT w="12700" cap="flat" cmpd="sng" algn="ctr">
+                      <a:solidFill>
+                        <a:schemeClr val="tx1"/>
+                      </a:solidFill>
+                      <a:prstDash val="solid"/>
+                      <a:round/>
+                      <a:headEnd type="none" w="med" len="med"/>
+                      <a:tailEnd type="none" w="med" len="med"/>
+                    </a:lnT>
+                    <a:lnB w="12700" cap="flat" cmpd="sng" algn="ctr">
+                      <a:solidFill>
+                        <a:schemeClr val="tx1"/>
+                      </a:solidFill>
+                      <a:prstDash val="solid"/>
+                      <a:round/>
+                      <a:headEnd type="none" w="med" len="med"/>
+                      <a:tailEnd type="none" w="med" len="med"/>
+                    </a:lnB>
+                    <a:lnTlToBr w="12700" cmpd="sng">
+                      <a:noFill/>
+                      <a:prstDash val="solid"/>
+                    </a:lnTlToBr>
+                    <a:lnBlToTr w="12700" cmpd="sng">
+                      <a:noFill/>
+                      <a:prstDash val="solid"/>
+                    </a:lnBlToTr>
+                    <a:solidFill>
+                      <a:schemeClr val="bg1">
+                        <a:lumMod val="95000"/>
+                      </a:schemeClr>
+                    </a:solidFill>
+                  </a:tcPr>
+                </a:tc>
+                <a:tc>
+                  <a:txBody>
+                    <a:bodyPr/>
+                    <a:lstStyle/>
+                    <a:p>
+                      <a:pPr latinLnBrk="1"/>
+                      <a:endParaRPr lang="ko-KR" altLang="en-US" dirty="0"/>
+                    </a:p>
+                  </a:txBody>
+                  <a:tcPr>
+                    <a:lnL w="12700" cap="flat" cmpd="sng" algn="ctr">
+                      <a:solidFill>
+                        <a:schemeClr val="tx1"/>
+                      </a:solidFill>
+                      <a:prstDash val="solid"/>
+                      <a:round/>
+                      <a:headEnd type="none" w="med" len="med"/>
+                      <a:tailEnd type="none" w="med" len="med"/>
+                    </a:lnL>
+                    <a:lnR w="12700" cap="flat" cmpd="sng" algn="ctr">
+                      <a:solidFill>
+                        <a:schemeClr val="tx1"/>
+                      </a:solidFill>
+                      <a:prstDash val="solid"/>
+                      <a:round/>
+                      <a:headEnd type="none" w="med" len="med"/>
+                      <a:tailEnd type="none" w="med" len="med"/>
+                    </a:lnR>
+                    <a:lnT w="12700" cap="flat" cmpd="sng" algn="ctr">
+                      <a:solidFill>
+                        <a:schemeClr val="tx1"/>
+                      </a:solidFill>
+                      <a:prstDash val="solid"/>
+                      <a:round/>
+                      <a:headEnd type="none" w="med" len="med"/>
+                      <a:tailEnd type="none" w="med" len="med"/>
+                    </a:lnT>
+                    <a:lnB w="12700" cap="flat" cmpd="sng" algn="ctr">
+                      <a:solidFill>
+                        <a:schemeClr val="tx1"/>
+                      </a:solidFill>
+                      <a:prstDash val="solid"/>
+                      <a:round/>
+                      <a:headEnd type="none" w="med" len="med"/>
+                      <a:tailEnd type="none" w="med" len="med"/>
+                    </a:lnB>
+                    <a:lnTlToBr w="12700" cmpd="sng">
+                      <a:noFill/>
+                      <a:prstDash val="solid"/>
+                    </a:lnTlToBr>
+                    <a:lnBlToTr w="12700" cmpd="sng">
+                      <a:noFill/>
+                      <a:prstDash val="solid"/>
+                    </a:lnBlToTr>
+                    <a:solidFill>
+                      <a:schemeClr val="bg1">
+                        <a:lumMod val="95000"/>
+                      </a:schemeClr>
+                    </a:solidFill>
+                  </a:tcPr>
+                </a:tc>
+                <a:tc>
+                  <a:txBody>
+                    <a:bodyPr/>
+                    <a:lstStyle/>
+                    <a:p>
+                      <a:pPr latinLnBrk="1"/>
+                      <a:endParaRPr lang="ko-KR" altLang="en-US" dirty="0"/>
+                    </a:p>
+                  </a:txBody>
+                  <a:tcPr>
+                    <a:lnL w="12700" cap="flat" cmpd="sng" algn="ctr">
+                      <a:solidFill>
+                        <a:schemeClr val="tx1"/>
+                      </a:solidFill>
+                      <a:prstDash val="solid"/>
+                      <a:round/>
+                      <a:headEnd type="none" w="med" len="med"/>
+                      <a:tailEnd type="none" w="med" len="med"/>
+                    </a:lnL>
+                    <a:lnR w="12700" cap="flat" cmpd="sng" algn="ctr">
+                      <a:solidFill>
+                        <a:schemeClr val="tx1"/>
+                      </a:solidFill>
+                      <a:prstDash val="solid"/>
+                      <a:round/>
+                      <a:headEnd type="none" w="med" len="med"/>
+                      <a:tailEnd type="none" w="med" len="med"/>
+                    </a:lnR>
+                    <a:lnT w="12700" cap="flat" cmpd="sng" algn="ctr">
+                      <a:solidFill>
+                        <a:schemeClr val="tx1"/>
+                      </a:solidFill>
+                      <a:prstDash val="solid"/>
+                      <a:round/>
+                      <a:headEnd type="none" w="med" len="med"/>
+                      <a:tailEnd type="none" w="med" len="med"/>
+                    </a:lnT>
+                    <a:lnB w="12700" cap="flat" cmpd="sng" algn="ctr">
+                      <a:solidFill>
+                        <a:schemeClr val="tx1"/>
+                      </a:solidFill>
+                      <a:prstDash val="solid"/>
+                      <a:round/>
+                      <a:headEnd type="none" w="med" len="med"/>
+                      <a:tailEnd type="none" w="med" len="med"/>
+                    </a:lnB>
+                    <a:lnTlToBr w="12700" cmpd="sng">
+                      <a:noFill/>
+                      <a:prstDash val="solid"/>
+                    </a:lnTlToBr>
+                    <a:lnBlToTr w="12700" cmpd="sng">
+                      <a:noFill/>
+                      <a:prstDash val="solid"/>
+                    </a:lnBlToTr>
+                    <a:solidFill>
+                      <a:schemeClr val="bg1">
+                        <a:lumMod val="95000"/>
+                      </a:schemeClr>
+                    </a:solidFill>
+                  </a:tcPr>
+                </a:tc>
+                <a:extLst>
+                  <a:ext uri="{0D108BD9-81ED-4DB2-BD59-A6C34878D82A}">
+                    <a16:rowId xmlns:a16="http://schemas.microsoft.com/office/drawing/2014/main" val="2492544400"/>
+                  </a:ext>
+                </a:extLst>
+              </a:tr>
+            </a:tbl>
+          </a:graphicData>
+        </a:graphic>
+      </p:graphicFrame>
+      <p:sp>
+        <p:nvSpPr>
+          <p:cNvPr id="11" name="타원 10">
+            <a:extLst>
+              <a:ext uri="{FF2B5EF4-FFF2-40B4-BE49-F238E27FC236}">
+                <a16:creationId xmlns:a16="http://schemas.microsoft.com/office/drawing/2014/main" id="{923560D8-8EE2-B572-33C9-CB21A5F7845E}"/>
+              </a:ext>
+            </a:extLst>
+          </p:cNvPr>
+          <p:cNvSpPr/>
+          <p:nvPr/>
+        </p:nvSpPr>
+        <p:spPr>
+          <a:xfrm>
+            <a:off x="4089904" y="4197182"/>
+            <a:ext cx="294575" cy="269760"/>
+          </a:xfrm>
+          <a:prstGeom prst="ellipse">
+            <a:avLst/>
+          </a:prstGeom>
+          <a:solidFill>
+            <a:srgbClr val="FFC000"/>
+          </a:solidFill>
+          <a:ln w="12700" cap="flat" cmpd="sng" algn="ctr">
+            <a:solidFill>
+              <a:srgbClr val="5B9BD5">
+                <a:shade val="50000"/>
+              </a:srgbClr>
+            </a:solidFill>
+            <a:prstDash val="solid"/>
+            <a:miter lim="800000"/>
+          </a:ln>
+          <a:effectLst/>
+        </p:spPr>
+        <p:txBody>
+          <a:bodyPr rtlCol="0" anchor="ctr"/>
+          <a:lstStyle/>
+          <a:p>
+            <a:pPr marL="0" marR="0" lvl="0" indent="0" algn="ctr" defTabSz="914400" eaLnBrk="1" fontAlgn="auto" latinLnBrk="1" hangingPunct="1">
+              <a:lnSpc>
+                <a:spcPct val="100000"/>
+              </a:lnSpc>
+              <a:spcBef>
+                <a:spcPts val="0"/>
+              </a:spcBef>
+              <a:spcAft>
+                <a:spcPts val="0"/>
+              </a:spcAft>
+              <a:buClrTx/>
+              <a:buSzTx/>
+              <a:buFontTx/>
+              <a:buNone/>
+              <a:tabLst/>
+              <a:defRPr/>
+            </a:pPr>
+            <a:endParaRPr kumimoji="0" lang="ko-KR" altLang="en-US" sz="1800" b="0" i="0" u="none" strike="noStrike" kern="0" cap="none" spc="0" normalizeH="0" baseline="0" noProof="0">
+              <a:ln>
+                <a:noFill/>
+              </a:ln>
+              <a:solidFill>
+                <a:prstClr val="white"/>
+              </a:solidFill>
+              <a:effectLst/>
+              <a:uLnTx/>
+              <a:uFillTx/>
+              <a:latin typeface="맑은 고딕" panose="020F0502020204030204"/>
+              <a:ea typeface="맑은 고딕" panose="020B0503020000020004" pitchFamily="50" charset="-127"/>
+              <a:cs typeface="+mn-cs"/>
+            </a:endParaRPr>
+          </a:p>
+        </p:txBody>
+      </p:sp>
+      <p:sp>
+        <p:nvSpPr>
+          <p:cNvPr id="13" name="타원 12">
+            <a:extLst>
+              <a:ext uri="{FF2B5EF4-FFF2-40B4-BE49-F238E27FC236}">
+                <a16:creationId xmlns:a16="http://schemas.microsoft.com/office/drawing/2014/main" id="{923560D8-8EE2-B572-33C9-CB21A5F7845E}"/>
+              </a:ext>
+            </a:extLst>
+          </p:cNvPr>
+          <p:cNvSpPr/>
+          <p:nvPr/>
+        </p:nvSpPr>
+        <p:spPr>
+          <a:xfrm>
+            <a:off x="4608990" y="4812854"/>
+            <a:ext cx="294575" cy="269760"/>
+          </a:xfrm>
+          <a:prstGeom prst="ellipse">
+            <a:avLst/>
+          </a:prstGeom>
+          <a:solidFill>
+            <a:srgbClr val="FFC000"/>
+          </a:solidFill>
+          <a:ln w="12700" cap="flat" cmpd="sng" algn="ctr">
+            <a:solidFill>
+              <a:srgbClr val="5B9BD5">
+                <a:shade val="50000"/>
+              </a:srgbClr>
+            </a:solidFill>
+            <a:prstDash val="solid"/>
+            <a:miter lim="800000"/>
+          </a:ln>
+          <a:effectLst/>
+        </p:spPr>
+        <p:txBody>
+          <a:bodyPr rtlCol="0" anchor="ctr"/>
+          <a:lstStyle/>
+          <a:p>
+            <a:pPr marL="0" marR="0" lvl="0" indent="0" algn="ctr" defTabSz="914400" eaLnBrk="1" fontAlgn="auto" latinLnBrk="1" hangingPunct="1">
+              <a:lnSpc>
+                <a:spcPct val="100000"/>
+              </a:lnSpc>
+              <a:spcBef>
+                <a:spcPts val="0"/>
+              </a:spcBef>
+              <a:spcAft>
+                <a:spcPts val="0"/>
+              </a:spcAft>
+              <a:buClrTx/>
+              <a:buSzTx/>
+              <a:buFontTx/>
+              <a:buNone/>
+              <a:tabLst/>
+              <a:defRPr/>
+            </a:pPr>
+            <a:endParaRPr kumimoji="0" lang="ko-KR" altLang="en-US" sz="1800" b="0" i="0" u="none" strike="noStrike" kern="0" cap="none" spc="0" normalizeH="0" baseline="0" noProof="0">
+              <a:ln>
+                <a:noFill/>
+              </a:ln>
+              <a:solidFill>
+                <a:prstClr val="white"/>
+              </a:solidFill>
+              <a:effectLst/>
+              <a:uLnTx/>
+              <a:uFillTx/>
+              <a:latin typeface="맑은 고딕" panose="020F0502020204030204"/>
+              <a:ea typeface="맑은 고딕" panose="020B0503020000020004" pitchFamily="50" charset="-127"/>
+              <a:cs typeface="+mn-cs"/>
+            </a:endParaRPr>
+          </a:p>
+        </p:txBody>
+      </p:sp>
+      <p:sp>
+        <p:nvSpPr>
+          <p:cNvPr id="14" name="왼쪽 중괄호 13"/>
+          <p:cNvSpPr/>
+          <p:nvPr/>
+        </p:nvSpPr>
+        <p:spPr bwMode="auto">
+          <a:xfrm>
+            <a:off x="1566920" y="3140022"/>
+            <a:ext cx="223841" cy="1795178"/>
+          </a:xfrm>
+          <a:prstGeom prst="leftBrace">
+            <a:avLst/>
+          </a:prstGeom>
+          <a:solidFill>
+            <a:schemeClr val="accent1"/>
+          </a:solidFill>
+          <a:ln w="9525" cap="flat" cmpd="sng" algn="ctr">
+            <a:solidFill>
+              <a:schemeClr val="tx1"/>
+            </a:solidFill>
+            <a:prstDash val="solid"/>
+            <a:round/>
+            <a:headEnd type="none" w="med" len="med"/>
+            <a:tailEnd type="none" w="med" len="med"/>
+          </a:ln>
+          <a:effectLst/>
+          <a:extLst>
+            <a:ext uri="{AF507438-7753-43E0-B8FC-AC1667EBCBE1}">
+              <a14:hiddenEffects xmlns:a14="http://schemas.microsoft.com/office/drawing/2010/main">
+                <a:effectLst>
+                  <a:outerShdw dist="35921" dir="2700000" algn="ctr" rotWithShape="0">
+                    <a:schemeClr val="bg2"/>
+                  </a:outerShdw>
+                </a:effectLst>
+              </a14:hiddenEffects>
+            </a:ext>
+          </a:extLst>
+        </p:spPr>
+        <p:txBody>
+          <a:bodyPr vert="horz" wrap="square" lIns="91440" tIns="45720" rIns="91440" bIns="45720" numCol="1" rtlCol="0" anchor="t" anchorCtr="0" compatLnSpc="1">
+            <a:prstTxWarp prst="textNoShape">
+              <a:avLst/>
+            </a:prstTxWarp>
+          </a:bodyPr>
+          <a:lstStyle/>
+          <a:p>
+            <a:pPr marL="0" marR="0" indent="0" algn="l" defTabSz="914400" rtl="0" eaLnBrk="1" fontAlgn="base" latinLnBrk="0" hangingPunct="1">
+              <a:lnSpc>
+                <a:spcPct val="100000"/>
+              </a:lnSpc>
+              <a:spcBef>
+                <a:spcPct val="0"/>
+              </a:spcBef>
+              <a:spcAft>
+                <a:spcPct val="0"/>
+              </a:spcAft>
+              <a:buClrTx/>
+              <a:buSzTx/>
+              <a:buFontTx/>
+              <a:buNone/>
+              <a:tabLst/>
+            </a:pPr>
+            <a:endParaRPr kumimoji="0" lang="ko-KR" altLang="en-US" sz="2400" b="0" i="0" u="none" strike="noStrike" cap="none" normalizeH="0" baseline="0" smtClean="0">
+              <a:ln>
+                <a:noFill/>
+              </a:ln>
+              <a:solidFill>
+                <a:schemeClr val="tx1"/>
+              </a:solidFill>
+              <a:effectLst/>
+              <a:latin typeface="Arial" charset="0"/>
+            </a:endParaRPr>
+          </a:p>
+        </p:txBody>
+      </p:sp>
+      <p:sp>
+        <p:nvSpPr>
+          <p:cNvPr id="15" name="왼쪽 중괄호 14"/>
+          <p:cNvSpPr/>
+          <p:nvPr/>
+        </p:nvSpPr>
+        <p:spPr bwMode="auto">
+          <a:xfrm>
+            <a:off x="2093231" y="3127014"/>
+            <a:ext cx="239862" cy="1208716"/>
+          </a:xfrm>
+          <a:prstGeom prst="leftBrace">
+            <a:avLst/>
+          </a:prstGeom>
+          <a:solidFill>
+            <a:schemeClr val="accent1"/>
+          </a:solidFill>
+          <a:ln w="9525" cap="flat" cmpd="sng" algn="ctr">
+            <a:solidFill>
+              <a:schemeClr val="tx1"/>
+            </a:solidFill>
+            <a:prstDash val="solid"/>
+            <a:round/>
+            <a:headEnd type="none" w="med" len="med"/>
+            <a:tailEnd type="none" w="med" len="med"/>
+          </a:ln>
+          <a:effectLst/>
+          <a:extLst>
+            <a:ext uri="{AF507438-7753-43E0-B8FC-AC1667EBCBE1}">
+              <a14:hiddenEffects xmlns:a14="http://schemas.microsoft.com/office/drawing/2010/main">
+                <a:effectLst>
+                  <a:outerShdw dist="35921" dir="2700000" algn="ctr" rotWithShape="0">
+                    <a:schemeClr val="bg2"/>
+                  </a:outerShdw>
+                </a:effectLst>
+              </a14:hiddenEffects>
+            </a:ext>
+          </a:extLst>
+        </p:spPr>
+        <p:txBody>
+          <a:bodyPr vert="horz" wrap="square" lIns="91440" tIns="45720" rIns="91440" bIns="45720" numCol="1" rtlCol="0" anchor="t" anchorCtr="0" compatLnSpc="1">
+            <a:prstTxWarp prst="textNoShape">
+              <a:avLst/>
+            </a:prstTxWarp>
+          </a:bodyPr>
+          <a:lstStyle/>
+          <a:p>
+            <a:pPr marL="0" marR="0" indent="0" algn="l" defTabSz="914400" rtl="0" eaLnBrk="1" fontAlgn="base" latinLnBrk="0" hangingPunct="1">
+              <a:lnSpc>
+                <a:spcPct val="100000"/>
+              </a:lnSpc>
+              <a:spcBef>
+                <a:spcPct val="0"/>
+              </a:spcBef>
+              <a:spcAft>
+                <a:spcPct val="0"/>
+              </a:spcAft>
+              <a:buClrTx/>
+              <a:buSzTx/>
+              <a:buFontTx/>
+              <a:buNone/>
+              <a:tabLst/>
+            </a:pPr>
+            <a:endParaRPr kumimoji="0" lang="ko-KR" altLang="en-US" sz="2400" b="0" i="0" u="none" strike="noStrike" cap="none" normalizeH="0" baseline="0" smtClean="0">
+              <a:ln>
+                <a:noFill/>
+              </a:ln>
+              <a:solidFill>
+                <a:schemeClr val="tx1"/>
+              </a:solidFill>
+              <a:effectLst/>
+              <a:latin typeface="Arial" charset="0"/>
+            </a:endParaRPr>
+          </a:p>
+        </p:txBody>
+      </p:sp>
+      <p:sp>
+        <p:nvSpPr>
+          <p:cNvPr id="16" name="TextBox 15"/>
+          <p:cNvSpPr txBox="1"/>
+          <p:nvPr/>
+        </p:nvSpPr>
+        <p:spPr>
+          <a:xfrm>
+            <a:off x="1897180" y="3642996"/>
+            <a:ext cx="625031" cy="287535"/>
+          </a:xfrm>
+          <a:prstGeom prst="rect">
+            <a:avLst/>
+          </a:prstGeom>
+          <a:solidFill>
+            <a:schemeClr val="accent2">
+              <a:lumMod val="20000"/>
+              <a:lumOff val="80000"/>
+            </a:schemeClr>
+          </a:solidFill>
+          <a:ln>
+            <a:noFill/>
+          </a:ln>
+        </p:spPr>
+        <p:txBody>
+          <a:bodyPr wrap="none" rtlCol="0" anchor="ctr">
+            <a:noAutofit/>
+          </a:bodyPr>
+          <a:lstStyle/>
+          <a:p>
+            <a:pPr algn="ctr"/>
+            <a:r>
+              <a:rPr lang="en-US" altLang="ko-KR" sz="1400" dirty="0" smtClean="0"/>
+              <a:t>H1</a:t>
+            </a:r>
+            <a:endParaRPr lang="ko-KR" altLang="en-US" sz="1400" dirty="0" err="1" smtClean="0"/>
+          </a:p>
+        </p:txBody>
+      </p:sp>
+      <p:sp>
+        <p:nvSpPr>
+          <p:cNvPr id="17" name="TextBox 16"/>
+          <p:cNvSpPr txBox="1"/>
+          <p:nvPr/>
+        </p:nvSpPr>
+        <p:spPr>
+          <a:xfrm>
+            <a:off x="1127798" y="3887339"/>
+            <a:ext cx="625031" cy="287535"/>
+          </a:xfrm>
+          <a:prstGeom prst="rect">
+            <a:avLst/>
+          </a:prstGeom>
+          <a:solidFill>
+            <a:schemeClr val="accent2">
+              <a:lumMod val="20000"/>
+              <a:lumOff val="80000"/>
+            </a:schemeClr>
+          </a:solidFill>
+          <a:ln>
+            <a:noFill/>
+          </a:ln>
+        </p:spPr>
+        <p:txBody>
+          <a:bodyPr wrap="none" rtlCol="0" anchor="ctr">
+            <a:noAutofit/>
+          </a:bodyPr>
+          <a:lstStyle/>
+          <a:p>
+            <a:pPr algn="ctr"/>
+            <a:r>
+              <a:rPr lang="en-US" altLang="ko-KR" sz="1400" dirty="0" smtClean="0"/>
+              <a:t>H2</a:t>
+            </a:r>
+            <a:endParaRPr lang="ko-KR" altLang="en-US" sz="1400" dirty="0" err="1" smtClean="0"/>
+          </a:p>
+        </p:txBody>
+      </p:sp>
+    </p:spTree>
+    <p:extLst>
+      <p:ext uri="{BB962C8B-B14F-4D97-AF65-F5344CB8AC3E}">
+        <p14:creationId xmlns:p14="http://schemas.microsoft.com/office/powerpoint/2010/main" val="3441166013"/>
       </p:ext>
     </p:extLst>
   </p:cSld>

--- a/graphicsEditorB/강의진행B.pptx
+++ b/graphicsEditorB/강의진행B.pptx
@@ -5,7 +5,7 @@
     <p:sldMasterId id="2147483648" r:id="rId1"/>
   </p:sldMasterIdLst>
   <p:notesMasterIdLst>
-    <p:notesMasterId r:id="rId42"/>
+    <p:notesMasterId r:id="rId45"/>
   </p:notesMasterIdLst>
   <p:sldIdLst>
     <p:sldId id="256" r:id="rId2"/>
@@ -48,6 +48,9 @@
     <p:sldId id="332" r:id="rId39"/>
     <p:sldId id="333" r:id="rId40"/>
     <p:sldId id="334" r:id="rId41"/>
+    <p:sldId id="335" r:id="rId42"/>
+    <p:sldId id="337" r:id="rId43"/>
+    <p:sldId id="336" r:id="rId44"/>
   </p:sldIdLst>
   <p:sldSz cx="10150475" cy="7616825"/>
   <p:notesSz cx="6867525" cy="9994900"/>
@@ -5619,7 +5622,7 @@
             <a:fld id="{6D61DB4D-25AF-4EE9-B3EB-9D14CE91ACF1}" type="datetimeFigureOut">
               <a:rPr lang="ko-KR" altLang="en-US" smtClean="0"/>
               <a:pPr/>
-              <a:t>2022-05-18</a:t>
+              <a:t>2022-05-23</a:t>
             </a:fld>
             <a:endParaRPr lang="ko-KR" altLang="en-US" dirty="0"/>
           </a:p>
@@ -5885,6 +5888,91 @@
     </a:lvl9pPr>
   </p:notesStyle>
 </p:notesMaster>
+</file>
+
+<file path=ppt/notesSlides/notesSlide1.xml><?xml version="1.0" encoding="utf-8"?>
+<p:notes xmlns:a="http://schemas.openxmlformats.org/drawingml/2006/main" xmlns:r="http://schemas.openxmlformats.org/officeDocument/2006/relationships" xmlns:p="http://schemas.openxmlformats.org/presentationml/2006/main">
+  <p:cSld>
+    <p:spTree>
+      <p:nvGrpSpPr>
+        <p:cNvPr id="1" name=""/>
+        <p:cNvGrpSpPr/>
+        <p:nvPr/>
+      </p:nvGrpSpPr>
+      <p:grpSpPr>
+        <a:xfrm>
+          <a:off x="0" y="0"/>
+          <a:ext cx="0" cy="0"/>
+          <a:chOff x="0" y="0"/>
+          <a:chExt cx="0" cy="0"/>
+        </a:xfrm>
+      </p:grpSpPr>
+      <p:sp>
+        <p:nvSpPr>
+          <p:cNvPr id="2" name="슬라이드 이미지 개체 틀 1"/>
+          <p:cNvSpPr>
+            <a:spLocks noGrp="1" noRot="1" noChangeAspect="1"/>
+          </p:cNvSpPr>
+          <p:nvPr>
+            <p:ph type="sldImg"/>
+          </p:nvPr>
+        </p:nvSpPr>
+        <p:spPr/>
+      </p:sp>
+      <p:sp>
+        <p:nvSpPr>
+          <p:cNvPr id="3" name="슬라이드 노트 개체 틀 2"/>
+          <p:cNvSpPr>
+            <a:spLocks noGrp="1"/>
+          </p:cNvSpPr>
+          <p:nvPr>
+            <p:ph type="body" idx="1"/>
+          </p:nvPr>
+        </p:nvSpPr>
+        <p:spPr/>
+        <p:txBody>
+          <a:bodyPr/>
+          <a:lstStyle/>
+          <a:p>
+            <a:endParaRPr lang="ko-KR" altLang="en-US" dirty="0"/>
+          </a:p>
+        </p:txBody>
+      </p:sp>
+      <p:sp>
+        <p:nvSpPr>
+          <p:cNvPr id="4" name="슬라이드 번호 개체 틀 3"/>
+          <p:cNvSpPr>
+            <a:spLocks noGrp="1"/>
+          </p:cNvSpPr>
+          <p:nvPr>
+            <p:ph type="sldNum" sz="quarter" idx="10"/>
+          </p:nvPr>
+        </p:nvSpPr>
+        <p:spPr/>
+        <p:txBody>
+          <a:bodyPr/>
+          <a:lstStyle/>
+          <a:p>
+            <a:fld id="{198950DA-FFE2-4ED0-B2C9-F373E7764F7B}" type="slidenum">
+              <a:rPr lang="ko-KR" altLang="en-US" smtClean="0"/>
+              <a:pPr/>
+              <a:t>41</a:t>
+            </a:fld>
+            <a:endParaRPr lang="ko-KR" altLang="en-US" dirty="0"/>
+          </a:p>
+        </p:txBody>
+      </p:sp>
+    </p:spTree>
+    <p:extLst>
+      <p:ext uri="{BB962C8B-B14F-4D97-AF65-F5344CB8AC3E}">
+        <p14:creationId xmlns:p14="http://schemas.microsoft.com/office/powerpoint/2010/main" val="3258872982"/>
+      </p:ext>
+    </p:extLst>
+  </p:cSld>
+  <p:clrMapOvr>
+    <a:masterClrMapping/>
+  </p:clrMapOvr>
+</p:notes>
 </file>
 
 <file path=ppt/slideLayouts/slideLayout1.xml><?xml version="1.0" encoding="utf-8"?>
@@ -43491,6 +43579,3090 @@
 </p:sld>
 </file>
 
+<file path=ppt/slides/slide41.xml><?xml version="1.0" encoding="utf-8"?>
+<p:sld xmlns:a="http://schemas.openxmlformats.org/drawingml/2006/main" xmlns:r="http://schemas.openxmlformats.org/officeDocument/2006/relationships" xmlns:p="http://schemas.openxmlformats.org/presentationml/2006/main">
+  <p:cSld>
+    <p:spTree>
+      <p:nvGrpSpPr>
+        <p:cNvPr id="1" name=""/>
+        <p:cNvGrpSpPr/>
+        <p:nvPr/>
+      </p:nvGrpSpPr>
+      <p:grpSpPr>
+        <a:xfrm>
+          <a:off x="0" y="0"/>
+          <a:ext cx="0" cy="0"/>
+          <a:chOff x="0" y="0"/>
+          <a:chExt cx="0" cy="0"/>
+        </a:xfrm>
+      </p:grpSpPr>
+      <p:sp>
+        <p:nvSpPr>
+          <p:cNvPr id="6" name="제목 5"/>
+          <p:cNvSpPr>
+            <a:spLocks noGrp="1"/>
+          </p:cNvSpPr>
+          <p:nvPr>
+            <p:ph type="title"/>
+          </p:nvPr>
+        </p:nvSpPr>
+        <p:spPr/>
+        <p:txBody>
+          <a:bodyPr/>
+          <a:lstStyle/>
+          <a:p>
+            <a:r>
+              <a:rPr lang="en-US" altLang="ko-KR" dirty="0" smtClean="0"/>
+              <a:t>2022-05-23</a:t>
+            </a:r>
+            <a:endParaRPr lang="ko-KR" altLang="en-US" dirty="0"/>
+          </a:p>
+        </p:txBody>
+      </p:sp>
+      <p:sp>
+        <p:nvSpPr>
+          <p:cNvPr id="7" name="내용 개체 틀 6"/>
+          <p:cNvSpPr>
+            <a:spLocks noGrp="1"/>
+          </p:cNvSpPr>
+          <p:nvPr>
+            <p:ph sz="half" idx="1"/>
+          </p:nvPr>
+        </p:nvSpPr>
+        <p:spPr/>
+        <p:txBody>
+          <a:bodyPr/>
+          <a:lstStyle/>
+          <a:p>
+            <a:r>
+              <a:rPr lang="ko-KR" altLang="en-US" dirty="0" smtClean="0"/>
+              <a:t>진행</a:t>
+            </a:r>
+            <a:endParaRPr lang="en-US" altLang="ko-KR" dirty="0" smtClean="0"/>
+          </a:p>
+          <a:p>
+            <a:pPr lvl="1"/>
+            <a:r>
+              <a:rPr lang="en-US" altLang="ko-KR" dirty="0" smtClean="0"/>
+              <a:t>Transformation</a:t>
+            </a:r>
+          </a:p>
+          <a:p>
+            <a:pPr lvl="2"/>
+            <a:r>
+              <a:rPr lang="en-US" altLang="ko-KR" dirty="0" smtClean="0"/>
+              <a:t>Translate</a:t>
+            </a:r>
+          </a:p>
+          <a:p>
+            <a:pPr lvl="2"/>
+            <a:r>
+              <a:rPr lang="en-US" altLang="ko-KR" dirty="0" smtClean="0"/>
+              <a:t>Scale</a:t>
+            </a:r>
+          </a:p>
+          <a:p>
+            <a:pPr lvl="3"/>
+            <a:r>
+              <a:rPr lang="en-US" altLang="ko-KR" dirty="0" err="1" smtClean="0"/>
+              <a:t>eResizeAnchor</a:t>
+            </a:r>
+            <a:r>
+              <a:rPr lang="en-US" altLang="ko-KR" dirty="0" smtClean="0"/>
+              <a:t> </a:t>
+            </a:r>
+            <a:r>
+              <a:rPr lang="ko-KR" altLang="en-US" dirty="0" smtClean="0"/>
+              <a:t>찾기 </a:t>
+            </a:r>
+            <a:r>
+              <a:rPr lang="en-US" altLang="ko-KR" dirty="0" smtClean="0"/>
+              <a:t>– </a:t>
+            </a:r>
+            <a:r>
+              <a:rPr lang="en-US" altLang="ko-KR" dirty="0"/>
+              <a:t>c</a:t>
+            </a:r>
+            <a:r>
+              <a:rPr lang="en-US" altLang="ko-KR" dirty="0" smtClean="0"/>
+              <a:t>x, cy</a:t>
+            </a:r>
+          </a:p>
+          <a:p>
+            <a:pPr lvl="3"/>
+            <a:r>
+              <a:rPr lang="en-US" altLang="ko-KR" dirty="0" err="1" smtClean="0"/>
+              <a:t>xFactor</a:t>
+            </a:r>
+            <a:r>
+              <a:rPr lang="en-US" altLang="ko-KR" dirty="0" smtClean="0"/>
+              <a:t> =  (x -  cx)/ (</a:t>
+            </a:r>
+            <a:r>
+              <a:rPr lang="en-US" altLang="ko-KR" dirty="0" err="1" smtClean="0"/>
+              <a:t>px</a:t>
+            </a:r>
+            <a:r>
+              <a:rPr lang="en-US" altLang="ko-KR" dirty="0" smtClean="0"/>
+              <a:t>-cx)</a:t>
+            </a:r>
+          </a:p>
+          <a:p>
+            <a:pPr lvl="3"/>
+            <a:r>
+              <a:rPr lang="en-US" altLang="ko-KR" dirty="0" err="1" smtClean="0"/>
+              <a:t>yFator</a:t>
+            </a:r>
+            <a:r>
+              <a:rPr lang="en-US" altLang="ko-KR" dirty="0" smtClean="0"/>
+              <a:t> = (y-cy) / (</a:t>
+            </a:r>
+            <a:r>
+              <a:rPr lang="en-US" altLang="ko-KR" dirty="0" err="1" smtClean="0"/>
+              <a:t>py</a:t>
+            </a:r>
+            <a:r>
+              <a:rPr lang="en-US" altLang="ko-KR" dirty="0" smtClean="0"/>
+              <a:t>-cy)</a:t>
+            </a:r>
+          </a:p>
+          <a:p>
+            <a:pPr lvl="3"/>
+            <a:endParaRPr lang="ko-KR" altLang="en-US" dirty="0"/>
+          </a:p>
+        </p:txBody>
+      </p:sp>
+      <p:sp>
+        <p:nvSpPr>
+          <p:cNvPr id="8" name="내용 개체 틀 7"/>
+          <p:cNvSpPr>
+            <a:spLocks noGrp="1"/>
+          </p:cNvSpPr>
+          <p:nvPr>
+            <p:ph sz="half" idx="2"/>
+          </p:nvPr>
+        </p:nvSpPr>
+        <p:spPr/>
+        <p:txBody>
+          <a:bodyPr/>
+          <a:lstStyle/>
+          <a:p>
+            <a:r>
+              <a:rPr lang="ko-KR" altLang="en-US" dirty="0" smtClean="0"/>
+              <a:t>과제</a:t>
+            </a:r>
+            <a:endParaRPr lang="en-US" altLang="ko-KR" dirty="0" smtClean="0"/>
+          </a:p>
+          <a:p>
+            <a:pPr lvl="1"/>
+            <a:r>
+              <a:rPr lang="en-US" altLang="ko-KR" dirty="0" smtClean="0"/>
+              <a:t>Scale</a:t>
+            </a:r>
+          </a:p>
+          <a:p>
+            <a:pPr lvl="1"/>
+            <a:r>
+              <a:rPr lang="en-US" altLang="ko-KR" dirty="0" smtClean="0"/>
+              <a:t>Rotate</a:t>
+            </a:r>
+            <a:endParaRPr lang="ko-KR" altLang="en-US" dirty="0"/>
+          </a:p>
+        </p:txBody>
+      </p:sp>
+      <p:sp>
+        <p:nvSpPr>
+          <p:cNvPr id="4" name="바닥글 개체 틀 3"/>
+          <p:cNvSpPr>
+            <a:spLocks noGrp="1"/>
+          </p:cNvSpPr>
+          <p:nvPr>
+            <p:ph type="ftr" sz="quarter" idx="10"/>
+          </p:nvPr>
+        </p:nvSpPr>
+        <p:spPr/>
+        <p:txBody>
+          <a:bodyPr/>
+          <a:lstStyle/>
+          <a:p>
+            <a:pPr>
+              <a:buFont typeface="맑은 고딕" panose="020B0503020000020004" pitchFamily="50" charset="-127"/>
+              <a:buChar char="ⓒ"/>
+            </a:pPr>
+            <a:r>
+              <a:rPr lang="en-US" altLang="ko-KR" smtClean="0"/>
+              <a:t>Sungwoon Choi 2021</a:t>
+            </a:r>
+            <a:endParaRPr lang="en-US" altLang="ko-KR" dirty="0"/>
+          </a:p>
+        </p:txBody>
+      </p:sp>
+      <p:sp>
+        <p:nvSpPr>
+          <p:cNvPr id="5" name="슬라이드 번호 개체 틀 4"/>
+          <p:cNvSpPr>
+            <a:spLocks noGrp="1"/>
+          </p:cNvSpPr>
+          <p:nvPr>
+            <p:ph type="sldNum" sz="quarter" idx="11"/>
+          </p:nvPr>
+        </p:nvSpPr>
+        <p:spPr/>
+        <p:txBody>
+          <a:bodyPr/>
+          <a:lstStyle/>
+          <a:p>
+            <a:fld id="{AA4216F1-165B-4DFF-BD92-3D8E849D7D48}" type="slidenum">
+              <a:rPr lang="en-US" altLang="ko-KR" smtClean="0"/>
+              <a:pPr/>
+              <a:t>41</a:t>
+            </a:fld>
+            <a:endParaRPr lang="en-US" altLang="ko-KR" dirty="0"/>
+          </a:p>
+        </p:txBody>
+      </p:sp>
+      <p:sp>
+        <p:nvSpPr>
+          <p:cNvPr id="9" name="직사각형 8">
+            <a:extLst>
+              <a:ext uri="{FF2B5EF4-FFF2-40B4-BE49-F238E27FC236}">
+                <a16:creationId xmlns:a16="http://schemas.microsoft.com/office/drawing/2014/main" id="{13C71159-A99F-5D0A-625A-E829630C064E}"/>
+              </a:ext>
+            </a:extLst>
+          </p:cNvPr>
+          <p:cNvSpPr/>
+          <p:nvPr/>
+        </p:nvSpPr>
+        <p:spPr>
+          <a:xfrm>
+            <a:off x="1908891" y="4672508"/>
+            <a:ext cx="2324462" cy="1808186"/>
+          </a:xfrm>
+          <a:prstGeom prst="rect">
+            <a:avLst/>
+          </a:prstGeom>
+          <a:solidFill>
+            <a:schemeClr val="accent3">
+              <a:lumMod val="40000"/>
+              <a:lumOff val="60000"/>
+            </a:schemeClr>
+          </a:solidFill>
+          <a:ln w="12700" cap="flat" cmpd="sng" algn="ctr">
+            <a:solidFill>
+              <a:srgbClr val="5B9BD5">
+                <a:shade val="50000"/>
+              </a:srgbClr>
+            </a:solidFill>
+            <a:prstDash val="solid"/>
+            <a:miter lim="800000"/>
+          </a:ln>
+          <a:effectLst/>
+        </p:spPr>
+        <p:txBody>
+          <a:bodyPr rtlCol="0" anchor="ctr"/>
+          <a:lstStyle/>
+          <a:p>
+            <a:pPr marL="0" marR="0" lvl="0" indent="0" algn="ctr" defTabSz="914400" eaLnBrk="1" fontAlgn="auto" latinLnBrk="1" hangingPunct="1">
+              <a:lnSpc>
+                <a:spcPct val="100000"/>
+              </a:lnSpc>
+              <a:spcBef>
+                <a:spcPts val="0"/>
+              </a:spcBef>
+              <a:spcAft>
+                <a:spcPts val="0"/>
+              </a:spcAft>
+              <a:buClrTx/>
+              <a:buSzTx/>
+              <a:buFontTx/>
+              <a:buNone/>
+              <a:tabLst/>
+              <a:defRPr/>
+            </a:pPr>
+            <a:endParaRPr kumimoji="0" lang="ko-KR" altLang="en-US" sz="1800" b="0" i="0" u="none" strike="noStrike" kern="0" cap="none" spc="0" normalizeH="0" baseline="0" noProof="0" dirty="0">
+              <a:ln>
+                <a:noFill/>
+              </a:ln>
+              <a:solidFill>
+                <a:prstClr val="white"/>
+              </a:solidFill>
+              <a:effectLst/>
+              <a:uLnTx/>
+              <a:uFillTx/>
+              <a:latin typeface="맑은 고딕" panose="020F0502020204030204"/>
+              <a:ea typeface="맑은 고딕" panose="020B0503020000020004" pitchFamily="50" charset="-127"/>
+              <a:cs typeface="+mn-cs"/>
+            </a:endParaRPr>
+          </a:p>
+        </p:txBody>
+      </p:sp>
+      <p:sp>
+        <p:nvSpPr>
+          <p:cNvPr id="10" name="직사각형 9">
+            <a:extLst>
+              <a:ext uri="{FF2B5EF4-FFF2-40B4-BE49-F238E27FC236}">
+                <a16:creationId xmlns:a16="http://schemas.microsoft.com/office/drawing/2014/main" id="{13C71159-A99F-5D0A-625A-E829630C064E}"/>
+              </a:ext>
+            </a:extLst>
+          </p:cNvPr>
+          <p:cNvSpPr/>
+          <p:nvPr/>
+        </p:nvSpPr>
+        <p:spPr>
+          <a:xfrm>
+            <a:off x="1910717" y="4681646"/>
+            <a:ext cx="1746572" cy="1183376"/>
+          </a:xfrm>
+          <a:prstGeom prst="rect">
+            <a:avLst/>
+          </a:prstGeom>
+          <a:solidFill>
+            <a:srgbClr val="5B9BD5"/>
+          </a:solidFill>
+          <a:ln w="12700" cap="flat" cmpd="sng" algn="ctr">
+            <a:solidFill>
+              <a:srgbClr val="5B9BD5">
+                <a:shade val="50000"/>
+              </a:srgbClr>
+            </a:solidFill>
+            <a:prstDash val="solid"/>
+            <a:miter lim="800000"/>
+          </a:ln>
+          <a:effectLst/>
+        </p:spPr>
+        <p:txBody>
+          <a:bodyPr rtlCol="0" anchor="ctr"/>
+          <a:lstStyle/>
+          <a:p>
+            <a:pPr marL="0" marR="0" lvl="0" indent="0" algn="ctr" defTabSz="914400" eaLnBrk="1" fontAlgn="auto" latinLnBrk="1" hangingPunct="1">
+              <a:lnSpc>
+                <a:spcPct val="100000"/>
+              </a:lnSpc>
+              <a:spcBef>
+                <a:spcPts val="0"/>
+              </a:spcBef>
+              <a:spcAft>
+                <a:spcPts val="0"/>
+              </a:spcAft>
+              <a:buClrTx/>
+              <a:buSzTx/>
+              <a:buFontTx/>
+              <a:buNone/>
+              <a:tabLst/>
+              <a:defRPr/>
+            </a:pPr>
+            <a:endParaRPr kumimoji="0" lang="ko-KR" altLang="en-US" sz="1800" b="0" i="0" u="none" strike="noStrike" kern="0" cap="none" spc="0" normalizeH="0" baseline="0" noProof="0">
+              <a:ln>
+                <a:noFill/>
+              </a:ln>
+              <a:solidFill>
+                <a:prstClr val="white"/>
+              </a:solidFill>
+              <a:effectLst/>
+              <a:uLnTx/>
+              <a:uFillTx/>
+              <a:latin typeface="맑은 고딕" panose="020F0502020204030204"/>
+              <a:ea typeface="맑은 고딕" panose="020B0503020000020004" pitchFamily="50" charset="-127"/>
+              <a:cs typeface="+mn-cs"/>
+            </a:endParaRPr>
+          </a:p>
+        </p:txBody>
+      </p:sp>
+      <p:sp>
+        <p:nvSpPr>
+          <p:cNvPr id="11" name="타원 10">
+            <a:extLst>
+              <a:ext uri="{FF2B5EF4-FFF2-40B4-BE49-F238E27FC236}">
+                <a16:creationId xmlns:a16="http://schemas.microsoft.com/office/drawing/2014/main" id="{923560D8-8EE2-B572-33C9-CB21A5F7845E}"/>
+              </a:ext>
+            </a:extLst>
+          </p:cNvPr>
+          <p:cNvSpPr/>
+          <p:nvPr/>
+        </p:nvSpPr>
+        <p:spPr>
+          <a:xfrm>
+            <a:off x="1763429" y="4537628"/>
+            <a:ext cx="294575" cy="269760"/>
+          </a:xfrm>
+          <a:prstGeom prst="ellipse">
+            <a:avLst/>
+          </a:prstGeom>
+          <a:solidFill>
+            <a:srgbClr val="FFC000"/>
+          </a:solidFill>
+          <a:ln w="12700" cap="flat" cmpd="sng" algn="ctr">
+            <a:solidFill>
+              <a:srgbClr val="5B9BD5">
+                <a:shade val="50000"/>
+              </a:srgbClr>
+            </a:solidFill>
+            <a:prstDash val="solid"/>
+            <a:miter lim="800000"/>
+          </a:ln>
+          <a:effectLst/>
+        </p:spPr>
+        <p:txBody>
+          <a:bodyPr rtlCol="0" anchor="ctr"/>
+          <a:lstStyle/>
+          <a:p>
+            <a:pPr marL="0" marR="0" lvl="0" indent="0" algn="ctr" defTabSz="914400" eaLnBrk="1" fontAlgn="auto" latinLnBrk="1" hangingPunct="1">
+              <a:lnSpc>
+                <a:spcPct val="100000"/>
+              </a:lnSpc>
+              <a:spcBef>
+                <a:spcPts val="0"/>
+              </a:spcBef>
+              <a:spcAft>
+                <a:spcPts val="0"/>
+              </a:spcAft>
+              <a:buClrTx/>
+              <a:buSzTx/>
+              <a:buFontTx/>
+              <a:buNone/>
+              <a:tabLst/>
+              <a:defRPr/>
+            </a:pPr>
+            <a:endParaRPr kumimoji="0" lang="ko-KR" altLang="en-US" sz="1800" b="0" i="0" u="none" strike="noStrike" kern="0" cap="none" spc="0" normalizeH="0" baseline="0" noProof="0">
+              <a:ln>
+                <a:noFill/>
+              </a:ln>
+              <a:solidFill>
+                <a:prstClr val="white"/>
+              </a:solidFill>
+              <a:effectLst/>
+              <a:uLnTx/>
+              <a:uFillTx/>
+              <a:latin typeface="맑은 고딕" panose="020F0502020204030204"/>
+              <a:ea typeface="맑은 고딕" panose="020B0503020000020004" pitchFamily="50" charset="-127"/>
+              <a:cs typeface="+mn-cs"/>
+            </a:endParaRPr>
+          </a:p>
+        </p:txBody>
+      </p:sp>
+      <p:sp>
+        <p:nvSpPr>
+          <p:cNvPr id="14" name="타원 13">
+            <a:extLst>
+              <a:ext uri="{FF2B5EF4-FFF2-40B4-BE49-F238E27FC236}">
+                <a16:creationId xmlns:a16="http://schemas.microsoft.com/office/drawing/2014/main" id="{923560D8-8EE2-B572-33C9-CB21A5F7845E}"/>
+              </a:ext>
+            </a:extLst>
+          </p:cNvPr>
+          <p:cNvSpPr/>
+          <p:nvPr/>
+        </p:nvSpPr>
+        <p:spPr>
+          <a:xfrm>
+            <a:off x="3527231" y="5742676"/>
+            <a:ext cx="294575" cy="269760"/>
+          </a:xfrm>
+          <a:prstGeom prst="ellipse">
+            <a:avLst/>
+          </a:prstGeom>
+          <a:solidFill>
+            <a:srgbClr val="FFC000"/>
+          </a:solidFill>
+          <a:ln w="12700" cap="flat" cmpd="sng" algn="ctr">
+            <a:solidFill>
+              <a:srgbClr val="5B9BD5">
+                <a:shade val="50000"/>
+              </a:srgbClr>
+            </a:solidFill>
+            <a:prstDash val="solid"/>
+            <a:miter lim="800000"/>
+          </a:ln>
+          <a:effectLst/>
+        </p:spPr>
+        <p:txBody>
+          <a:bodyPr rtlCol="0" anchor="ctr"/>
+          <a:lstStyle/>
+          <a:p>
+            <a:pPr marL="0" marR="0" lvl="0" indent="0" algn="ctr" defTabSz="914400" eaLnBrk="1" fontAlgn="auto" latinLnBrk="1" hangingPunct="1">
+              <a:lnSpc>
+                <a:spcPct val="100000"/>
+              </a:lnSpc>
+              <a:spcBef>
+                <a:spcPts val="0"/>
+              </a:spcBef>
+              <a:spcAft>
+                <a:spcPts val="0"/>
+              </a:spcAft>
+              <a:buClrTx/>
+              <a:buSzTx/>
+              <a:buFontTx/>
+              <a:buNone/>
+              <a:tabLst/>
+              <a:defRPr/>
+            </a:pPr>
+            <a:endParaRPr kumimoji="0" lang="ko-KR" altLang="en-US" sz="1800" b="0" i="0" u="none" strike="noStrike" kern="0" cap="none" spc="0" normalizeH="0" baseline="0" noProof="0">
+              <a:ln>
+                <a:noFill/>
+              </a:ln>
+              <a:solidFill>
+                <a:prstClr val="white"/>
+              </a:solidFill>
+              <a:effectLst/>
+              <a:uLnTx/>
+              <a:uFillTx/>
+              <a:latin typeface="맑은 고딕" panose="020F0502020204030204"/>
+              <a:ea typeface="맑은 고딕" panose="020B0503020000020004" pitchFamily="50" charset="-127"/>
+              <a:cs typeface="+mn-cs"/>
+            </a:endParaRPr>
+          </a:p>
+        </p:txBody>
+      </p:sp>
+      <p:sp>
+        <p:nvSpPr>
+          <p:cNvPr id="15" name="타원 14">
+            <a:extLst>
+              <a:ext uri="{FF2B5EF4-FFF2-40B4-BE49-F238E27FC236}">
+                <a16:creationId xmlns:a16="http://schemas.microsoft.com/office/drawing/2014/main" id="{923560D8-8EE2-B572-33C9-CB21A5F7845E}"/>
+              </a:ext>
+            </a:extLst>
+          </p:cNvPr>
+          <p:cNvSpPr/>
+          <p:nvPr/>
+        </p:nvSpPr>
+        <p:spPr>
+          <a:xfrm>
+            <a:off x="4046317" y="6358348"/>
+            <a:ext cx="294575" cy="269760"/>
+          </a:xfrm>
+          <a:prstGeom prst="ellipse">
+            <a:avLst/>
+          </a:prstGeom>
+          <a:solidFill>
+            <a:srgbClr val="FFC000"/>
+          </a:solidFill>
+          <a:ln w="12700" cap="flat" cmpd="sng" algn="ctr">
+            <a:solidFill>
+              <a:srgbClr val="5B9BD5">
+                <a:shade val="50000"/>
+              </a:srgbClr>
+            </a:solidFill>
+            <a:prstDash val="solid"/>
+            <a:miter lim="800000"/>
+          </a:ln>
+          <a:effectLst/>
+        </p:spPr>
+        <p:txBody>
+          <a:bodyPr rtlCol="0" anchor="ctr"/>
+          <a:lstStyle/>
+          <a:p>
+            <a:pPr marL="0" marR="0" lvl="0" indent="0" algn="ctr" defTabSz="914400" eaLnBrk="1" fontAlgn="auto" latinLnBrk="1" hangingPunct="1">
+              <a:lnSpc>
+                <a:spcPct val="100000"/>
+              </a:lnSpc>
+              <a:spcBef>
+                <a:spcPts val="0"/>
+              </a:spcBef>
+              <a:spcAft>
+                <a:spcPts val="0"/>
+              </a:spcAft>
+              <a:buClrTx/>
+              <a:buSzTx/>
+              <a:buFontTx/>
+              <a:buNone/>
+              <a:tabLst/>
+              <a:defRPr/>
+            </a:pPr>
+            <a:endParaRPr kumimoji="0" lang="ko-KR" altLang="en-US" sz="1800" b="0" i="0" u="none" strike="noStrike" kern="0" cap="none" spc="0" normalizeH="0" baseline="0" noProof="0">
+              <a:ln>
+                <a:noFill/>
+              </a:ln>
+              <a:solidFill>
+                <a:prstClr val="white"/>
+              </a:solidFill>
+              <a:effectLst/>
+              <a:uLnTx/>
+              <a:uFillTx/>
+              <a:latin typeface="맑은 고딕" panose="020F0502020204030204"/>
+              <a:ea typeface="맑은 고딕" panose="020B0503020000020004" pitchFamily="50" charset="-127"/>
+              <a:cs typeface="+mn-cs"/>
+            </a:endParaRPr>
+          </a:p>
+        </p:txBody>
+      </p:sp>
+      <p:sp>
+        <p:nvSpPr>
+          <p:cNvPr id="16" name="왼쪽 중괄호 15"/>
+          <p:cNvSpPr/>
+          <p:nvPr/>
+        </p:nvSpPr>
+        <p:spPr bwMode="auto">
+          <a:xfrm>
+            <a:off x="1004247" y="4685516"/>
+            <a:ext cx="223841" cy="1795178"/>
+          </a:xfrm>
+          <a:prstGeom prst="leftBrace">
+            <a:avLst/>
+          </a:prstGeom>
+          <a:noFill/>
+          <a:ln w="9525" cap="flat" cmpd="sng" algn="ctr">
+            <a:solidFill>
+              <a:schemeClr val="tx1"/>
+            </a:solidFill>
+            <a:prstDash val="solid"/>
+            <a:round/>
+            <a:headEnd type="none" w="med" len="med"/>
+            <a:tailEnd type="none" w="med" len="med"/>
+          </a:ln>
+          <a:effectLst/>
+          <a:extLst/>
+        </p:spPr>
+        <p:txBody>
+          <a:bodyPr vert="horz" wrap="square" lIns="91440" tIns="45720" rIns="91440" bIns="45720" numCol="1" rtlCol="0" anchor="t" anchorCtr="0" compatLnSpc="1">
+            <a:prstTxWarp prst="textNoShape">
+              <a:avLst/>
+            </a:prstTxWarp>
+          </a:bodyPr>
+          <a:lstStyle/>
+          <a:p>
+            <a:pPr marL="0" marR="0" indent="0" algn="l" defTabSz="914400" rtl="0" eaLnBrk="1" fontAlgn="base" latinLnBrk="0" hangingPunct="1">
+              <a:lnSpc>
+                <a:spcPct val="100000"/>
+              </a:lnSpc>
+              <a:spcBef>
+                <a:spcPct val="0"/>
+              </a:spcBef>
+              <a:spcAft>
+                <a:spcPct val="0"/>
+              </a:spcAft>
+              <a:buClrTx/>
+              <a:buSzTx/>
+              <a:buFontTx/>
+              <a:buNone/>
+              <a:tabLst/>
+            </a:pPr>
+            <a:endParaRPr kumimoji="0" lang="ko-KR" altLang="en-US" sz="2400" b="0" i="0" u="none" strike="noStrike" cap="none" normalizeH="0" baseline="0" smtClean="0">
+              <a:ln>
+                <a:noFill/>
+              </a:ln>
+              <a:solidFill>
+                <a:schemeClr val="tx1"/>
+              </a:solidFill>
+              <a:effectLst/>
+              <a:latin typeface="Arial" charset="0"/>
+            </a:endParaRPr>
+          </a:p>
+        </p:txBody>
+      </p:sp>
+      <p:sp>
+        <p:nvSpPr>
+          <p:cNvPr id="17" name="왼쪽 중괄호 16"/>
+          <p:cNvSpPr/>
+          <p:nvPr/>
+        </p:nvSpPr>
+        <p:spPr bwMode="auto">
+          <a:xfrm>
+            <a:off x="1530558" y="4672508"/>
+            <a:ext cx="239862" cy="1208716"/>
+          </a:xfrm>
+          <a:prstGeom prst="leftBrace">
+            <a:avLst/>
+          </a:prstGeom>
+          <a:noFill/>
+          <a:ln w="9525" cap="flat" cmpd="sng" algn="ctr">
+            <a:solidFill>
+              <a:schemeClr val="tx1"/>
+            </a:solidFill>
+            <a:prstDash val="solid"/>
+            <a:round/>
+            <a:headEnd type="none" w="med" len="med"/>
+            <a:tailEnd type="none" w="med" len="med"/>
+          </a:ln>
+          <a:effectLst/>
+          <a:extLst/>
+        </p:spPr>
+        <p:txBody>
+          <a:bodyPr vert="horz" wrap="square" lIns="91440" tIns="45720" rIns="91440" bIns="45720" numCol="1" rtlCol="0" anchor="t" anchorCtr="0" compatLnSpc="1">
+            <a:prstTxWarp prst="textNoShape">
+              <a:avLst/>
+            </a:prstTxWarp>
+          </a:bodyPr>
+          <a:lstStyle/>
+          <a:p>
+            <a:pPr marL="0" marR="0" indent="0" algn="l" defTabSz="914400" rtl="0" eaLnBrk="1" fontAlgn="base" latinLnBrk="0" hangingPunct="1">
+              <a:lnSpc>
+                <a:spcPct val="100000"/>
+              </a:lnSpc>
+              <a:spcBef>
+                <a:spcPct val="0"/>
+              </a:spcBef>
+              <a:spcAft>
+                <a:spcPct val="0"/>
+              </a:spcAft>
+              <a:buClrTx/>
+              <a:buSzTx/>
+              <a:buFontTx/>
+              <a:buNone/>
+              <a:tabLst/>
+            </a:pPr>
+            <a:endParaRPr kumimoji="0" lang="ko-KR" altLang="en-US" sz="2400" b="0" i="0" u="none" strike="noStrike" cap="none" normalizeH="0" baseline="0" smtClean="0">
+              <a:ln>
+                <a:noFill/>
+              </a:ln>
+              <a:solidFill>
+                <a:schemeClr val="tx1"/>
+              </a:solidFill>
+              <a:effectLst/>
+              <a:latin typeface="Arial" charset="0"/>
+            </a:endParaRPr>
+          </a:p>
+        </p:txBody>
+      </p:sp>
+      <p:sp>
+        <p:nvSpPr>
+          <p:cNvPr id="18" name="TextBox 17"/>
+          <p:cNvSpPr txBox="1"/>
+          <p:nvPr/>
+        </p:nvSpPr>
+        <p:spPr>
+          <a:xfrm>
+            <a:off x="1334507" y="5188490"/>
+            <a:ext cx="625031" cy="287535"/>
+          </a:xfrm>
+          <a:prstGeom prst="rect">
+            <a:avLst/>
+          </a:prstGeom>
+          <a:solidFill>
+            <a:schemeClr val="accent2">
+              <a:lumMod val="20000"/>
+              <a:lumOff val="80000"/>
+            </a:schemeClr>
+          </a:solidFill>
+          <a:ln>
+            <a:noFill/>
+          </a:ln>
+        </p:spPr>
+        <p:txBody>
+          <a:bodyPr wrap="none" rtlCol="0" anchor="ctr">
+            <a:noAutofit/>
+          </a:bodyPr>
+          <a:lstStyle/>
+          <a:p>
+            <a:pPr algn="ctr"/>
+            <a:r>
+              <a:rPr lang="en-US" altLang="ko-KR" sz="1400" dirty="0" smtClean="0"/>
+              <a:t>H1</a:t>
+            </a:r>
+            <a:endParaRPr lang="ko-KR" altLang="en-US" sz="1400" dirty="0" err="1" smtClean="0"/>
+          </a:p>
+        </p:txBody>
+      </p:sp>
+      <p:sp>
+        <p:nvSpPr>
+          <p:cNvPr id="19" name="TextBox 18"/>
+          <p:cNvSpPr txBox="1"/>
+          <p:nvPr/>
+        </p:nvSpPr>
+        <p:spPr>
+          <a:xfrm>
+            <a:off x="2829957" y="3721873"/>
+            <a:ext cx="625031" cy="287535"/>
+          </a:xfrm>
+          <a:prstGeom prst="rect">
+            <a:avLst/>
+          </a:prstGeom>
+          <a:solidFill>
+            <a:schemeClr val="accent2">
+              <a:lumMod val="20000"/>
+              <a:lumOff val="80000"/>
+            </a:schemeClr>
+          </a:solidFill>
+          <a:ln>
+            <a:noFill/>
+          </a:ln>
+        </p:spPr>
+        <p:txBody>
+          <a:bodyPr wrap="none" rtlCol="0" anchor="ctr">
+            <a:noAutofit/>
+          </a:bodyPr>
+          <a:lstStyle/>
+          <a:p>
+            <a:pPr algn="ctr"/>
+            <a:r>
+              <a:rPr lang="en-US" altLang="ko-KR" sz="1400" dirty="0" smtClean="0"/>
+              <a:t>W2</a:t>
+            </a:r>
+            <a:endParaRPr lang="ko-KR" altLang="en-US" sz="1400" dirty="0" err="1" smtClean="0"/>
+          </a:p>
+        </p:txBody>
+      </p:sp>
+      <p:cxnSp>
+        <p:nvCxnSpPr>
+          <p:cNvPr id="21" name="직선 화살표 연결선 20"/>
+          <p:cNvCxnSpPr/>
+          <p:nvPr/>
+        </p:nvCxnSpPr>
+        <p:spPr bwMode="auto">
+          <a:xfrm>
+            <a:off x="3720476" y="6012436"/>
+            <a:ext cx="325841" cy="345912"/>
+          </a:xfrm>
+          <a:prstGeom prst="straightConnector1">
+            <a:avLst/>
+          </a:prstGeom>
+          <a:solidFill>
+            <a:schemeClr val="accent1"/>
+          </a:solidFill>
+          <a:ln w="9525" cap="flat" cmpd="sng" algn="ctr">
+            <a:solidFill>
+              <a:schemeClr val="tx1"/>
+            </a:solidFill>
+            <a:prstDash val="solid"/>
+            <a:round/>
+            <a:headEnd type="none" w="med" len="med"/>
+            <a:tailEnd type="triangle"/>
+          </a:ln>
+          <a:effectLst/>
+          <a:extLst>
+            <a:ext uri="{AF507438-7753-43E0-B8FC-AC1667EBCBE1}">
+              <a14:hiddenEffects xmlns:a14="http://schemas.microsoft.com/office/drawing/2010/main">
+                <a:effectLst>
+                  <a:outerShdw dist="35921" dir="2700000" algn="ctr" rotWithShape="0">
+                    <a:schemeClr val="bg2"/>
+                  </a:outerShdw>
+                </a:effectLst>
+              </a14:hiddenEffects>
+            </a:ext>
+          </a:extLst>
+        </p:spPr>
+      </p:cxnSp>
+      <p:sp>
+        <p:nvSpPr>
+          <p:cNvPr id="23" name="TextBox 22"/>
+          <p:cNvSpPr txBox="1"/>
+          <p:nvPr/>
+        </p:nvSpPr>
+        <p:spPr>
+          <a:xfrm>
+            <a:off x="3379355" y="5377977"/>
+            <a:ext cx="663408" cy="402423"/>
+          </a:xfrm>
+          <a:prstGeom prst="rect">
+            <a:avLst/>
+          </a:prstGeom>
+          <a:noFill/>
+          <a:ln>
+            <a:noFill/>
+          </a:ln>
+        </p:spPr>
+        <p:txBody>
+          <a:bodyPr wrap="square" rtlCol="0" anchor="ctr">
+            <a:noAutofit/>
+          </a:bodyPr>
+          <a:lstStyle/>
+          <a:p>
+            <a:pPr algn="ctr"/>
+            <a:r>
+              <a:rPr lang="en-US" altLang="ko-KR" sz="1400" dirty="0" err="1"/>
+              <a:t>p</a:t>
+            </a:r>
+            <a:r>
+              <a:rPr lang="en-US" altLang="ko-KR" sz="1400" dirty="0" err="1" smtClean="0"/>
+              <a:t>x</a:t>
+            </a:r>
+            <a:r>
+              <a:rPr lang="en-US" altLang="ko-KR" sz="1400" dirty="0" smtClean="0"/>
+              <a:t>, </a:t>
+            </a:r>
+            <a:r>
+              <a:rPr lang="en-US" altLang="ko-KR" sz="1400" dirty="0" err="1" smtClean="0"/>
+              <a:t>py</a:t>
+            </a:r>
+            <a:endParaRPr lang="ko-KR" altLang="en-US" sz="1400" dirty="0" err="1" smtClean="0"/>
+          </a:p>
+        </p:txBody>
+      </p:sp>
+      <p:sp>
+        <p:nvSpPr>
+          <p:cNvPr id="24" name="TextBox 23"/>
+          <p:cNvSpPr txBox="1"/>
+          <p:nvPr/>
+        </p:nvSpPr>
+        <p:spPr>
+          <a:xfrm>
+            <a:off x="4244982" y="6094129"/>
+            <a:ext cx="663408" cy="402423"/>
+          </a:xfrm>
+          <a:prstGeom prst="rect">
+            <a:avLst/>
+          </a:prstGeom>
+          <a:noFill/>
+          <a:ln>
+            <a:noFill/>
+          </a:ln>
+        </p:spPr>
+        <p:txBody>
+          <a:bodyPr wrap="square" rtlCol="0" anchor="ctr">
+            <a:noAutofit/>
+          </a:bodyPr>
+          <a:lstStyle/>
+          <a:p>
+            <a:pPr algn="ctr"/>
+            <a:r>
+              <a:rPr lang="en-US" altLang="ko-KR" sz="1400" dirty="0" smtClean="0"/>
+              <a:t>x, y</a:t>
+            </a:r>
+            <a:endParaRPr lang="ko-KR" altLang="en-US" sz="1400" dirty="0" err="1" smtClean="0"/>
+          </a:p>
+        </p:txBody>
+      </p:sp>
+      <p:sp>
+        <p:nvSpPr>
+          <p:cNvPr id="25" name="TextBox 24"/>
+          <p:cNvSpPr txBox="1"/>
+          <p:nvPr/>
+        </p:nvSpPr>
+        <p:spPr>
+          <a:xfrm>
+            <a:off x="1234262" y="4241444"/>
+            <a:ext cx="663408" cy="402423"/>
+          </a:xfrm>
+          <a:prstGeom prst="rect">
+            <a:avLst/>
+          </a:prstGeom>
+          <a:noFill/>
+          <a:ln>
+            <a:noFill/>
+          </a:ln>
+        </p:spPr>
+        <p:txBody>
+          <a:bodyPr wrap="square" rtlCol="0" anchor="ctr">
+            <a:noAutofit/>
+          </a:bodyPr>
+          <a:lstStyle/>
+          <a:p>
+            <a:pPr algn="ctr"/>
+            <a:r>
+              <a:rPr lang="en-US" altLang="ko-KR" sz="1400" dirty="0" smtClean="0"/>
+              <a:t>cx, </a:t>
+            </a:r>
+            <a:r>
+              <a:rPr lang="en-US" altLang="ko-KR" sz="1400" dirty="0"/>
+              <a:t>c</a:t>
+            </a:r>
+            <a:r>
+              <a:rPr lang="en-US" altLang="ko-KR" sz="1400" dirty="0" smtClean="0"/>
+              <a:t>y</a:t>
+            </a:r>
+            <a:endParaRPr lang="ko-KR" altLang="en-US" sz="1400" dirty="0" err="1" smtClean="0"/>
+          </a:p>
+        </p:txBody>
+      </p:sp>
+      <p:sp>
+        <p:nvSpPr>
+          <p:cNvPr id="27" name="오른쪽 중괄호 26"/>
+          <p:cNvSpPr/>
+          <p:nvPr/>
+        </p:nvSpPr>
+        <p:spPr bwMode="auto">
+          <a:xfrm rot="16200000">
+            <a:off x="2546308" y="3697762"/>
+            <a:ext cx="567298" cy="1654663"/>
+          </a:xfrm>
+          <a:prstGeom prst="rightBrace">
+            <a:avLst/>
+          </a:prstGeom>
+          <a:noFill/>
+          <a:ln w="9525" cap="flat" cmpd="sng" algn="ctr">
+            <a:solidFill>
+              <a:schemeClr val="tx1"/>
+            </a:solidFill>
+            <a:prstDash val="solid"/>
+            <a:round/>
+            <a:headEnd type="none" w="med" len="med"/>
+            <a:tailEnd type="none" w="med" len="med"/>
+          </a:ln>
+          <a:effectLst/>
+          <a:extLst/>
+        </p:spPr>
+        <p:txBody>
+          <a:bodyPr vert="horz" wrap="square" lIns="91440" tIns="45720" rIns="91440" bIns="45720" numCol="1" rtlCol="0" anchor="t" anchorCtr="0" compatLnSpc="1">
+            <a:prstTxWarp prst="textNoShape">
+              <a:avLst/>
+            </a:prstTxWarp>
+          </a:bodyPr>
+          <a:lstStyle/>
+          <a:p>
+            <a:pPr marL="0" marR="0" indent="0" algn="l" defTabSz="914400" rtl="0" eaLnBrk="1" fontAlgn="base" latinLnBrk="0" hangingPunct="1">
+              <a:lnSpc>
+                <a:spcPct val="100000"/>
+              </a:lnSpc>
+              <a:spcBef>
+                <a:spcPct val="0"/>
+              </a:spcBef>
+              <a:spcAft>
+                <a:spcPct val="0"/>
+              </a:spcAft>
+              <a:buClrTx/>
+              <a:buSzTx/>
+              <a:buFontTx/>
+              <a:buNone/>
+              <a:tabLst/>
+            </a:pPr>
+            <a:endParaRPr kumimoji="0" lang="ko-KR" altLang="en-US" sz="2400" b="0" i="0" u="none" strike="noStrike" cap="none" normalizeH="0" baseline="0" smtClean="0">
+              <a:ln>
+                <a:noFill/>
+              </a:ln>
+              <a:solidFill>
+                <a:schemeClr val="tx1"/>
+              </a:solidFill>
+              <a:effectLst/>
+              <a:latin typeface="Arial" charset="0"/>
+            </a:endParaRPr>
+          </a:p>
+        </p:txBody>
+      </p:sp>
+      <p:sp>
+        <p:nvSpPr>
+          <p:cNvPr id="28" name="오른쪽 중괄호 27"/>
+          <p:cNvSpPr/>
+          <p:nvPr/>
+        </p:nvSpPr>
+        <p:spPr bwMode="auto">
+          <a:xfrm rot="16200000">
+            <a:off x="2811554" y="3037662"/>
+            <a:ext cx="567298" cy="2271329"/>
+          </a:xfrm>
+          <a:prstGeom prst="rightBrace">
+            <a:avLst/>
+          </a:prstGeom>
+          <a:noFill/>
+          <a:ln w="9525" cap="flat" cmpd="sng" algn="ctr">
+            <a:solidFill>
+              <a:schemeClr val="tx1"/>
+            </a:solidFill>
+            <a:prstDash val="solid"/>
+            <a:round/>
+            <a:headEnd type="none" w="med" len="med"/>
+            <a:tailEnd type="none" w="med" len="med"/>
+          </a:ln>
+          <a:effectLst/>
+          <a:extLst/>
+        </p:spPr>
+        <p:txBody>
+          <a:bodyPr vert="horz" wrap="square" lIns="91440" tIns="45720" rIns="91440" bIns="45720" numCol="1" rtlCol="0" anchor="t" anchorCtr="0" compatLnSpc="1">
+            <a:prstTxWarp prst="textNoShape">
+              <a:avLst/>
+            </a:prstTxWarp>
+          </a:bodyPr>
+          <a:lstStyle/>
+          <a:p>
+            <a:pPr marL="0" marR="0" indent="0" algn="l" defTabSz="914400" rtl="0" eaLnBrk="1" fontAlgn="base" latinLnBrk="0" hangingPunct="1">
+              <a:lnSpc>
+                <a:spcPct val="100000"/>
+              </a:lnSpc>
+              <a:spcBef>
+                <a:spcPct val="0"/>
+              </a:spcBef>
+              <a:spcAft>
+                <a:spcPct val="0"/>
+              </a:spcAft>
+              <a:buClrTx/>
+              <a:buSzTx/>
+              <a:buFontTx/>
+              <a:buNone/>
+              <a:tabLst/>
+            </a:pPr>
+            <a:endParaRPr kumimoji="0" lang="ko-KR" altLang="en-US" sz="2400" b="0" i="0" u="none" strike="noStrike" cap="none" normalizeH="0" baseline="0" smtClean="0">
+              <a:ln>
+                <a:noFill/>
+              </a:ln>
+              <a:solidFill>
+                <a:schemeClr val="tx1"/>
+              </a:solidFill>
+              <a:effectLst/>
+              <a:latin typeface="Arial" charset="0"/>
+            </a:endParaRPr>
+          </a:p>
+        </p:txBody>
+      </p:sp>
+      <p:sp>
+        <p:nvSpPr>
+          <p:cNvPr id="29" name="TextBox 28"/>
+          <p:cNvSpPr txBox="1"/>
+          <p:nvPr/>
+        </p:nvSpPr>
+        <p:spPr>
+          <a:xfrm>
+            <a:off x="717525" y="5585233"/>
+            <a:ext cx="625031" cy="287535"/>
+          </a:xfrm>
+          <a:prstGeom prst="rect">
+            <a:avLst/>
+          </a:prstGeom>
+          <a:solidFill>
+            <a:schemeClr val="accent2">
+              <a:lumMod val="20000"/>
+              <a:lumOff val="80000"/>
+            </a:schemeClr>
+          </a:solidFill>
+          <a:ln>
+            <a:noFill/>
+          </a:ln>
+        </p:spPr>
+        <p:txBody>
+          <a:bodyPr wrap="none" rtlCol="0" anchor="ctr">
+            <a:noAutofit/>
+          </a:bodyPr>
+          <a:lstStyle/>
+          <a:p>
+            <a:pPr algn="ctr"/>
+            <a:r>
+              <a:rPr lang="en-US" altLang="ko-KR" sz="1400" dirty="0" smtClean="0"/>
+              <a:t>H2</a:t>
+            </a:r>
+            <a:endParaRPr lang="ko-KR" altLang="en-US" sz="1400" dirty="0" err="1" smtClean="0"/>
+          </a:p>
+        </p:txBody>
+      </p:sp>
+      <p:sp>
+        <p:nvSpPr>
+          <p:cNvPr id="30" name="TextBox 29"/>
+          <p:cNvSpPr txBox="1"/>
+          <p:nvPr/>
+        </p:nvSpPr>
+        <p:spPr>
+          <a:xfrm>
+            <a:off x="2521306" y="4209089"/>
+            <a:ext cx="625031" cy="287535"/>
+          </a:xfrm>
+          <a:prstGeom prst="rect">
+            <a:avLst/>
+          </a:prstGeom>
+          <a:solidFill>
+            <a:schemeClr val="accent2">
+              <a:lumMod val="20000"/>
+              <a:lumOff val="80000"/>
+            </a:schemeClr>
+          </a:solidFill>
+          <a:ln>
+            <a:noFill/>
+          </a:ln>
+        </p:spPr>
+        <p:txBody>
+          <a:bodyPr wrap="none" rtlCol="0" anchor="ctr">
+            <a:noAutofit/>
+          </a:bodyPr>
+          <a:lstStyle/>
+          <a:p>
+            <a:pPr algn="ctr"/>
+            <a:r>
+              <a:rPr lang="en-US" altLang="ko-KR" sz="1400" dirty="0" smtClean="0"/>
+              <a:t>W1</a:t>
+            </a:r>
+            <a:endParaRPr lang="ko-KR" altLang="en-US" sz="1400" dirty="0" err="1" smtClean="0"/>
+          </a:p>
+        </p:txBody>
+      </p:sp>
+    </p:spTree>
+    <p:extLst>
+      <p:ext uri="{BB962C8B-B14F-4D97-AF65-F5344CB8AC3E}">
+        <p14:creationId xmlns:p14="http://schemas.microsoft.com/office/powerpoint/2010/main" val="64890283"/>
+      </p:ext>
+    </p:extLst>
+  </p:cSld>
+  <p:clrMapOvr>
+    <a:masterClrMapping/>
+  </p:clrMapOvr>
+</p:sld>
+</file>
+
+<file path=ppt/slides/slide42.xml><?xml version="1.0" encoding="utf-8"?>
+<p:sld xmlns:a="http://schemas.openxmlformats.org/drawingml/2006/main" xmlns:r="http://schemas.openxmlformats.org/officeDocument/2006/relationships" xmlns:p="http://schemas.openxmlformats.org/presentationml/2006/main">
+  <p:cSld>
+    <p:spTree>
+      <p:nvGrpSpPr>
+        <p:cNvPr id="1" name=""/>
+        <p:cNvGrpSpPr/>
+        <p:nvPr/>
+      </p:nvGrpSpPr>
+      <p:grpSpPr>
+        <a:xfrm>
+          <a:off x="0" y="0"/>
+          <a:ext cx="0" cy="0"/>
+          <a:chOff x="0" y="0"/>
+          <a:chExt cx="0" cy="0"/>
+        </a:xfrm>
+      </p:grpSpPr>
+      <p:sp>
+        <p:nvSpPr>
+          <p:cNvPr id="7" name="내용 개체 틀 6"/>
+          <p:cNvSpPr>
+            <a:spLocks noGrp="1"/>
+          </p:cNvSpPr>
+          <p:nvPr>
+            <p:ph sz="half" idx="1"/>
+          </p:nvPr>
+        </p:nvSpPr>
+        <p:spPr/>
+        <p:txBody>
+          <a:bodyPr/>
+          <a:lstStyle/>
+          <a:p>
+            <a:r>
+              <a:rPr lang="en-US" altLang="ko-KR" dirty="0" smtClean="0"/>
+              <a:t>X, Y</a:t>
+            </a:r>
+            <a:r>
+              <a:rPr lang="ko-KR" altLang="en-US" dirty="0" smtClean="0"/>
+              <a:t>축에서 양의 방향으로 </a:t>
+            </a:r>
+            <a:r>
+              <a:rPr lang="ko-KR" altLang="en-US" dirty="0" err="1" smtClean="0"/>
+              <a:t>움직일때</a:t>
+            </a:r>
+            <a:endParaRPr lang="ko-KR" altLang="en-US" dirty="0"/>
+          </a:p>
+        </p:txBody>
+      </p:sp>
+      <p:sp>
+        <p:nvSpPr>
+          <p:cNvPr id="5" name="바닥글 개체 틀 4"/>
+          <p:cNvSpPr>
+            <a:spLocks noGrp="1"/>
+          </p:cNvSpPr>
+          <p:nvPr>
+            <p:ph type="ftr" sz="quarter" idx="10"/>
+          </p:nvPr>
+        </p:nvSpPr>
+        <p:spPr/>
+        <p:txBody>
+          <a:bodyPr/>
+          <a:lstStyle/>
+          <a:p>
+            <a:pPr>
+              <a:buFont typeface="맑은 고딕" panose="020B0503020000020004" pitchFamily="50" charset="-127"/>
+              <a:buChar char="ⓒ"/>
+            </a:pPr>
+            <a:r>
+              <a:rPr lang="en-US" altLang="ko-KR" smtClean="0"/>
+              <a:t>Sungwoon Choi 2021</a:t>
+            </a:r>
+            <a:endParaRPr lang="en-US" altLang="ko-KR" dirty="0"/>
+          </a:p>
+        </p:txBody>
+      </p:sp>
+      <p:sp>
+        <p:nvSpPr>
+          <p:cNvPr id="6" name="슬라이드 번호 개체 틀 5"/>
+          <p:cNvSpPr>
+            <a:spLocks noGrp="1"/>
+          </p:cNvSpPr>
+          <p:nvPr>
+            <p:ph type="sldNum" sz="quarter" idx="11"/>
+          </p:nvPr>
+        </p:nvSpPr>
+        <p:spPr/>
+        <p:txBody>
+          <a:bodyPr/>
+          <a:lstStyle/>
+          <a:p>
+            <a:fld id="{AA4216F1-165B-4DFF-BD92-3D8E849D7D48}" type="slidenum">
+              <a:rPr lang="en-US" altLang="ko-KR" smtClean="0"/>
+              <a:pPr/>
+              <a:t>42</a:t>
+            </a:fld>
+            <a:endParaRPr lang="en-US" altLang="ko-KR" dirty="0"/>
+          </a:p>
+        </p:txBody>
+      </p:sp>
+      <p:sp>
+        <p:nvSpPr>
+          <p:cNvPr id="12" name="직사각형 11">
+            <a:extLst>
+              <a:ext uri="{FF2B5EF4-FFF2-40B4-BE49-F238E27FC236}">
+                <a16:creationId xmlns:a16="http://schemas.microsoft.com/office/drawing/2014/main" id="{13C71159-A99F-5D0A-625A-E829630C064E}"/>
+              </a:ext>
+            </a:extLst>
+          </p:cNvPr>
+          <p:cNvSpPr/>
+          <p:nvPr/>
+        </p:nvSpPr>
+        <p:spPr>
+          <a:xfrm>
+            <a:off x="1191929" y="1943608"/>
+            <a:ext cx="2324462" cy="1808186"/>
+          </a:xfrm>
+          <a:prstGeom prst="rect">
+            <a:avLst/>
+          </a:prstGeom>
+          <a:solidFill>
+            <a:schemeClr val="accent3">
+              <a:lumMod val="40000"/>
+              <a:lumOff val="60000"/>
+            </a:schemeClr>
+          </a:solidFill>
+          <a:ln w="12700" cap="flat" cmpd="sng" algn="ctr">
+            <a:solidFill>
+              <a:srgbClr val="5B9BD5">
+                <a:shade val="50000"/>
+              </a:srgbClr>
+            </a:solidFill>
+            <a:prstDash val="solid"/>
+            <a:miter lim="800000"/>
+          </a:ln>
+          <a:effectLst/>
+        </p:spPr>
+        <p:txBody>
+          <a:bodyPr rtlCol="0" anchor="ctr"/>
+          <a:lstStyle/>
+          <a:p>
+            <a:pPr marL="0" marR="0" lvl="0" indent="0" algn="ctr" defTabSz="914400" eaLnBrk="1" fontAlgn="auto" latinLnBrk="1" hangingPunct="1">
+              <a:lnSpc>
+                <a:spcPct val="100000"/>
+              </a:lnSpc>
+              <a:spcBef>
+                <a:spcPts val="0"/>
+              </a:spcBef>
+              <a:spcAft>
+                <a:spcPts val="0"/>
+              </a:spcAft>
+              <a:buClrTx/>
+              <a:buSzTx/>
+              <a:buFontTx/>
+              <a:buNone/>
+              <a:tabLst/>
+              <a:defRPr/>
+            </a:pPr>
+            <a:endParaRPr kumimoji="0" lang="ko-KR" altLang="en-US" sz="1800" b="0" i="0" u="none" strike="noStrike" kern="0" cap="none" spc="0" normalizeH="0" baseline="0" noProof="0" dirty="0">
+              <a:ln>
+                <a:noFill/>
+              </a:ln>
+              <a:solidFill>
+                <a:prstClr val="white"/>
+              </a:solidFill>
+              <a:effectLst/>
+              <a:uLnTx/>
+              <a:uFillTx/>
+              <a:latin typeface="맑은 고딕" panose="020F0502020204030204"/>
+              <a:ea typeface="맑은 고딕" panose="020B0503020000020004" pitchFamily="50" charset="-127"/>
+              <a:cs typeface="+mn-cs"/>
+            </a:endParaRPr>
+          </a:p>
+        </p:txBody>
+      </p:sp>
+      <p:sp>
+        <p:nvSpPr>
+          <p:cNvPr id="13" name="직사각형 12">
+            <a:extLst>
+              <a:ext uri="{FF2B5EF4-FFF2-40B4-BE49-F238E27FC236}">
+                <a16:creationId xmlns:a16="http://schemas.microsoft.com/office/drawing/2014/main" id="{13C71159-A99F-5D0A-625A-E829630C064E}"/>
+              </a:ext>
+            </a:extLst>
+          </p:cNvPr>
+          <p:cNvSpPr/>
+          <p:nvPr/>
+        </p:nvSpPr>
+        <p:spPr>
+          <a:xfrm>
+            <a:off x="1193755" y="1952746"/>
+            <a:ext cx="1746572" cy="1183376"/>
+          </a:xfrm>
+          <a:prstGeom prst="rect">
+            <a:avLst/>
+          </a:prstGeom>
+          <a:solidFill>
+            <a:srgbClr val="5B9BD5"/>
+          </a:solidFill>
+          <a:ln w="12700" cap="flat" cmpd="sng" algn="ctr">
+            <a:solidFill>
+              <a:srgbClr val="5B9BD5">
+                <a:shade val="50000"/>
+              </a:srgbClr>
+            </a:solidFill>
+            <a:prstDash val="solid"/>
+            <a:miter lim="800000"/>
+          </a:ln>
+          <a:effectLst/>
+        </p:spPr>
+        <p:txBody>
+          <a:bodyPr rtlCol="0" anchor="ctr"/>
+          <a:lstStyle/>
+          <a:p>
+            <a:pPr marL="0" marR="0" lvl="0" indent="0" algn="ctr" defTabSz="914400" eaLnBrk="1" fontAlgn="auto" latinLnBrk="1" hangingPunct="1">
+              <a:lnSpc>
+                <a:spcPct val="100000"/>
+              </a:lnSpc>
+              <a:spcBef>
+                <a:spcPts val="0"/>
+              </a:spcBef>
+              <a:spcAft>
+                <a:spcPts val="0"/>
+              </a:spcAft>
+              <a:buClrTx/>
+              <a:buSzTx/>
+              <a:buFontTx/>
+              <a:buNone/>
+              <a:tabLst/>
+              <a:defRPr/>
+            </a:pPr>
+            <a:endParaRPr kumimoji="0" lang="ko-KR" altLang="en-US" sz="1800" b="0" i="0" u="none" strike="noStrike" kern="0" cap="none" spc="0" normalizeH="0" baseline="0" noProof="0">
+              <a:ln>
+                <a:noFill/>
+              </a:ln>
+              <a:solidFill>
+                <a:prstClr val="white"/>
+              </a:solidFill>
+              <a:effectLst/>
+              <a:uLnTx/>
+              <a:uFillTx/>
+              <a:latin typeface="맑은 고딕" panose="020F0502020204030204"/>
+              <a:ea typeface="맑은 고딕" panose="020B0503020000020004" pitchFamily="50" charset="-127"/>
+              <a:cs typeface="+mn-cs"/>
+            </a:endParaRPr>
+          </a:p>
+        </p:txBody>
+      </p:sp>
+      <p:sp>
+        <p:nvSpPr>
+          <p:cNvPr id="14" name="타원 13">
+            <a:extLst>
+              <a:ext uri="{FF2B5EF4-FFF2-40B4-BE49-F238E27FC236}">
+                <a16:creationId xmlns:a16="http://schemas.microsoft.com/office/drawing/2014/main" id="{923560D8-8EE2-B572-33C9-CB21A5F7845E}"/>
+              </a:ext>
+            </a:extLst>
+          </p:cNvPr>
+          <p:cNvSpPr/>
+          <p:nvPr/>
+        </p:nvSpPr>
+        <p:spPr>
+          <a:xfrm>
+            <a:off x="1046467" y="1808728"/>
+            <a:ext cx="294575" cy="269760"/>
+          </a:xfrm>
+          <a:prstGeom prst="ellipse">
+            <a:avLst/>
+          </a:prstGeom>
+          <a:solidFill>
+            <a:srgbClr val="FF0000"/>
+          </a:solidFill>
+          <a:ln w="12700" cap="flat" cmpd="sng" algn="ctr">
+            <a:solidFill>
+              <a:srgbClr val="5B9BD5">
+                <a:shade val="50000"/>
+              </a:srgbClr>
+            </a:solidFill>
+            <a:prstDash val="solid"/>
+            <a:miter lim="800000"/>
+          </a:ln>
+          <a:effectLst/>
+        </p:spPr>
+        <p:txBody>
+          <a:bodyPr rtlCol="0" anchor="ctr"/>
+          <a:lstStyle/>
+          <a:p>
+            <a:pPr marL="0" marR="0" lvl="0" indent="0" algn="ctr" defTabSz="914400" eaLnBrk="1" fontAlgn="auto" latinLnBrk="1" hangingPunct="1">
+              <a:lnSpc>
+                <a:spcPct val="100000"/>
+              </a:lnSpc>
+              <a:spcBef>
+                <a:spcPts val="0"/>
+              </a:spcBef>
+              <a:spcAft>
+                <a:spcPts val="0"/>
+              </a:spcAft>
+              <a:buClrTx/>
+              <a:buSzTx/>
+              <a:buFontTx/>
+              <a:buNone/>
+              <a:tabLst/>
+              <a:defRPr/>
+            </a:pPr>
+            <a:endParaRPr kumimoji="0" lang="ko-KR" altLang="en-US" sz="1800" b="0" i="0" u="none" strike="noStrike" kern="0" cap="none" spc="0" normalizeH="0" baseline="0" noProof="0">
+              <a:ln>
+                <a:noFill/>
+              </a:ln>
+              <a:solidFill>
+                <a:prstClr val="white"/>
+              </a:solidFill>
+              <a:effectLst/>
+              <a:uLnTx/>
+              <a:uFillTx/>
+              <a:latin typeface="맑은 고딕" panose="020F0502020204030204"/>
+              <a:ea typeface="맑은 고딕" panose="020B0503020000020004" pitchFamily="50" charset="-127"/>
+              <a:cs typeface="+mn-cs"/>
+            </a:endParaRPr>
+          </a:p>
+        </p:txBody>
+      </p:sp>
+      <p:sp>
+        <p:nvSpPr>
+          <p:cNvPr id="15" name="타원 14">
+            <a:extLst>
+              <a:ext uri="{FF2B5EF4-FFF2-40B4-BE49-F238E27FC236}">
+                <a16:creationId xmlns:a16="http://schemas.microsoft.com/office/drawing/2014/main" id="{923560D8-8EE2-B572-33C9-CB21A5F7845E}"/>
+              </a:ext>
+            </a:extLst>
+          </p:cNvPr>
+          <p:cNvSpPr/>
+          <p:nvPr/>
+        </p:nvSpPr>
+        <p:spPr>
+          <a:xfrm>
+            <a:off x="2810269" y="3013776"/>
+            <a:ext cx="294575" cy="269760"/>
+          </a:xfrm>
+          <a:prstGeom prst="ellipse">
+            <a:avLst/>
+          </a:prstGeom>
+          <a:solidFill>
+            <a:srgbClr val="FFC000"/>
+          </a:solidFill>
+          <a:ln w="12700" cap="flat" cmpd="sng" algn="ctr">
+            <a:solidFill>
+              <a:srgbClr val="5B9BD5">
+                <a:shade val="50000"/>
+              </a:srgbClr>
+            </a:solidFill>
+            <a:prstDash val="solid"/>
+            <a:miter lim="800000"/>
+          </a:ln>
+          <a:effectLst/>
+        </p:spPr>
+        <p:txBody>
+          <a:bodyPr rtlCol="0" anchor="ctr"/>
+          <a:lstStyle/>
+          <a:p>
+            <a:pPr marL="0" marR="0" lvl="0" indent="0" algn="ctr" defTabSz="914400" eaLnBrk="1" fontAlgn="auto" latinLnBrk="1" hangingPunct="1">
+              <a:lnSpc>
+                <a:spcPct val="100000"/>
+              </a:lnSpc>
+              <a:spcBef>
+                <a:spcPts val="0"/>
+              </a:spcBef>
+              <a:spcAft>
+                <a:spcPts val="0"/>
+              </a:spcAft>
+              <a:buClrTx/>
+              <a:buSzTx/>
+              <a:buFontTx/>
+              <a:buNone/>
+              <a:tabLst/>
+              <a:defRPr/>
+            </a:pPr>
+            <a:endParaRPr kumimoji="0" lang="ko-KR" altLang="en-US" sz="1800" b="0" i="0" u="none" strike="noStrike" kern="0" cap="none" spc="0" normalizeH="0" baseline="0" noProof="0">
+              <a:ln>
+                <a:noFill/>
+              </a:ln>
+              <a:solidFill>
+                <a:prstClr val="white"/>
+              </a:solidFill>
+              <a:effectLst/>
+              <a:uLnTx/>
+              <a:uFillTx/>
+              <a:latin typeface="맑은 고딕" panose="020F0502020204030204"/>
+              <a:ea typeface="맑은 고딕" panose="020B0503020000020004" pitchFamily="50" charset="-127"/>
+              <a:cs typeface="+mn-cs"/>
+            </a:endParaRPr>
+          </a:p>
+        </p:txBody>
+      </p:sp>
+      <p:sp>
+        <p:nvSpPr>
+          <p:cNvPr id="16" name="타원 15">
+            <a:extLst>
+              <a:ext uri="{FF2B5EF4-FFF2-40B4-BE49-F238E27FC236}">
+                <a16:creationId xmlns:a16="http://schemas.microsoft.com/office/drawing/2014/main" id="{923560D8-8EE2-B572-33C9-CB21A5F7845E}"/>
+              </a:ext>
+            </a:extLst>
+          </p:cNvPr>
+          <p:cNvSpPr/>
+          <p:nvPr/>
+        </p:nvSpPr>
+        <p:spPr>
+          <a:xfrm>
+            <a:off x="3329355" y="3629448"/>
+            <a:ext cx="294575" cy="269760"/>
+          </a:xfrm>
+          <a:prstGeom prst="ellipse">
+            <a:avLst/>
+          </a:prstGeom>
+          <a:solidFill>
+            <a:srgbClr val="FFC000"/>
+          </a:solidFill>
+          <a:ln w="12700" cap="flat" cmpd="sng" algn="ctr">
+            <a:solidFill>
+              <a:srgbClr val="5B9BD5">
+                <a:shade val="50000"/>
+              </a:srgbClr>
+            </a:solidFill>
+            <a:prstDash val="solid"/>
+            <a:miter lim="800000"/>
+          </a:ln>
+          <a:effectLst/>
+        </p:spPr>
+        <p:txBody>
+          <a:bodyPr rtlCol="0" anchor="ctr"/>
+          <a:lstStyle/>
+          <a:p>
+            <a:pPr marL="0" marR="0" lvl="0" indent="0" algn="ctr" defTabSz="914400" eaLnBrk="1" fontAlgn="auto" latinLnBrk="1" hangingPunct="1">
+              <a:lnSpc>
+                <a:spcPct val="100000"/>
+              </a:lnSpc>
+              <a:spcBef>
+                <a:spcPts val="0"/>
+              </a:spcBef>
+              <a:spcAft>
+                <a:spcPts val="0"/>
+              </a:spcAft>
+              <a:buClrTx/>
+              <a:buSzTx/>
+              <a:buFontTx/>
+              <a:buNone/>
+              <a:tabLst/>
+              <a:defRPr/>
+            </a:pPr>
+            <a:endParaRPr kumimoji="0" lang="ko-KR" altLang="en-US" sz="1800" b="0" i="0" u="none" strike="noStrike" kern="0" cap="none" spc="0" normalizeH="0" baseline="0" noProof="0">
+              <a:ln>
+                <a:noFill/>
+              </a:ln>
+              <a:solidFill>
+                <a:prstClr val="white"/>
+              </a:solidFill>
+              <a:effectLst/>
+              <a:uLnTx/>
+              <a:uFillTx/>
+              <a:latin typeface="맑은 고딕" panose="020F0502020204030204"/>
+              <a:ea typeface="맑은 고딕" panose="020B0503020000020004" pitchFamily="50" charset="-127"/>
+              <a:cs typeface="+mn-cs"/>
+            </a:endParaRPr>
+          </a:p>
+        </p:txBody>
+      </p:sp>
+      <p:cxnSp>
+        <p:nvCxnSpPr>
+          <p:cNvPr id="17" name="직선 화살표 연결선 16"/>
+          <p:cNvCxnSpPr/>
+          <p:nvPr/>
+        </p:nvCxnSpPr>
+        <p:spPr bwMode="auto">
+          <a:xfrm>
+            <a:off x="3003514" y="3283536"/>
+            <a:ext cx="325841" cy="345912"/>
+          </a:xfrm>
+          <a:prstGeom prst="straightConnector1">
+            <a:avLst/>
+          </a:prstGeom>
+          <a:solidFill>
+            <a:schemeClr val="accent1"/>
+          </a:solidFill>
+          <a:ln w="9525" cap="flat" cmpd="sng" algn="ctr">
+            <a:solidFill>
+              <a:schemeClr val="tx1"/>
+            </a:solidFill>
+            <a:prstDash val="solid"/>
+            <a:round/>
+            <a:headEnd type="none" w="med" len="med"/>
+            <a:tailEnd type="triangle"/>
+          </a:ln>
+          <a:effectLst/>
+          <a:extLst>
+            <a:ext uri="{AF507438-7753-43E0-B8FC-AC1667EBCBE1}">
+              <a14:hiddenEffects xmlns:a14="http://schemas.microsoft.com/office/drawing/2010/main">
+                <a:effectLst>
+                  <a:outerShdw dist="35921" dir="2700000" algn="ctr" rotWithShape="0">
+                    <a:schemeClr val="bg2"/>
+                  </a:outerShdw>
+                </a:effectLst>
+              </a14:hiddenEffects>
+            </a:ext>
+          </a:extLst>
+        </p:spPr>
+      </p:cxnSp>
+      <p:sp>
+        <p:nvSpPr>
+          <p:cNvPr id="18" name="TextBox 17"/>
+          <p:cNvSpPr txBox="1"/>
+          <p:nvPr/>
+        </p:nvSpPr>
+        <p:spPr>
+          <a:xfrm>
+            <a:off x="2662393" y="2649077"/>
+            <a:ext cx="663408" cy="402423"/>
+          </a:xfrm>
+          <a:prstGeom prst="rect">
+            <a:avLst/>
+          </a:prstGeom>
+          <a:noFill/>
+          <a:ln>
+            <a:noFill/>
+          </a:ln>
+        </p:spPr>
+        <p:txBody>
+          <a:bodyPr wrap="square" rtlCol="0" anchor="ctr">
+            <a:noAutofit/>
+          </a:bodyPr>
+          <a:lstStyle/>
+          <a:p>
+            <a:pPr algn="ctr"/>
+            <a:r>
+              <a:rPr lang="en-US" altLang="ko-KR" sz="1400" dirty="0" err="1"/>
+              <a:t>p</a:t>
+            </a:r>
+            <a:r>
+              <a:rPr lang="en-US" altLang="ko-KR" sz="1400" dirty="0" err="1" smtClean="0"/>
+              <a:t>x</a:t>
+            </a:r>
+            <a:r>
+              <a:rPr lang="en-US" altLang="ko-KR" sz="1400" dirty="0" smtClean="0"/>
+              <a:t>, </a:t>
+            </a:r>
+            <a:r>
+              <a:rPr lang="en-US" altLang="ko-KR" sz="1400" dirty="0" err="1" smtClean="0"/>
+              <a:t>py</a:t>
+            </a:r>
+            <a:endParaRPr lang="ko-KR" altLang="en-US" sz="1400" dirty="0" err="1" smtClean="0"/>
+          </a:p>
+        </p:txBody>
+      </p:sp>
+      <p:sp>
+        <p:nvSpPr>
+          <p:cNvPr id="19" name="TextBox 18"/>
+          <p:cNvSpPr txBox="1"/>
+          <p:nvPr/>
+        </p:nvSpPr>
+        <p:spPr>
+          <a:xfrm>
+            <a:off x="3528020" y="3365229"/>
+            <a:ext cx="663408" cy="402423"/>
+          </a:xfrm>
+          <a:prstGeom prst="rect">
+            <a:avLst/>
+          </a:prstGeom>
+          <a:noFill/>
+          <a:ln>
+            <a:noFill/>
+          </a:ln>
+        </p:spPr>
+        <p:txBody>
+          <a:bodyPr wrap="square" rtlCol="0" anchor="ctr">
+            <a:noAutofit/>
+          </a:bodyPr>
+          <a:lstStyle/>
+          <a:p>
+            <a:pPr algn="ctr"/>
+            <a:r>
+              <a:rPr lang="en-US" altLang="ko-KR" sz="1400" dirty="0" smtClean="0"/>
+              <a:t>x, y</a:t>
+            </a:r>
+            <a:endParaRPr lang="ko-KR" altLang="en-US" sz="1400" dirty="0" err="1" smtClean="0"/>
+          </a:p>
+        </p:txBody>
+      </p:sp>
+      <p:sp>
+        <p:nvSpPr>
+          <p:cNvPr id="20" name="TextBox 19"/>
+          <p:cNvSpPr txBox="1"/>
+          <p:nvPr/>
+        </p:nvSpPr>
+        <p:spPr>
+          <a:xfrm>
+            <a:off x="855882" y="1393771"/>
+            <a:ext cx="663408" cy="402423"/>
+          </a:xfrm>
+          <a:prstGeom prst="rect">
+            <a:avLst/>
+          </a:prstGeom>
+          <a:noFill/>
+          <a:ln>
+            <a:noFill/>
+          </a:ln>
+        </p:spPr>
+        <p:txBody>
+          <a:bodyPr wrap="square" rtlCol="0" anchor="ctr">
+            <a:noAutofit/>
+          </a:bodyPr>
+          <a:lstStyle/>
+          <a:p>
+            <a:pPr algn="ctr"/>
+            <a:r>
+              <a:rPr lang="en-US" altLang="ko-KR" sz="1400" dirty="0" smtClean="0"/>
+              <a:t>cx, </a:t>
+            </a:r>
+            <a:r>
+              <a:rPr lang="en-US" altLang="ko-KR" sz="1400" dirty="0"/>
+              <a:t>c</a:t>
+            </a:r>
+            <a:r>
+              <a:rPr lang="en-US" altLang="ko-KR" sz="1400" dirty="0" smtClean="0"/>
+              <a:t>y</a:t>
+            </a:r>
+            <a:endParaRPr lang="ko-KR" altLang="en-US" sz="1400" dirty="0" err="1" smtClean="0"/>
+          </a:p>
+        </p:txBody>
+      </p:sp>
+      <p:sp>
+        <p:nvSpPr>
+          <p:cNvPr id="24" name="직사각형 23">
+            <a:extLst>
+              <a:ext uri="{FF2B5EF4-FFF2-40B4-BE49-F238E27FC236}">
+                <a16:creationId xmlns:a16="http://schemas.microsoft.com/office/drawing/2014/main" id="{13C71159-A99F-5D0A-625A-E829630C064E}"/>
+              </a:ext>
+            </a:extLst>
+          </p:cNvPr>
+          <p:cNvSpPr/>
+          <p:nvPr/>
+        </p:nvSpPr>
+        <p:spPr>
+          <a:xfrm>
+            <a:off x="5670247" y="1940422"/>
+            <a:ext cx="2324462" cy="1808186"/>
+          </a:xfrm>
+          <a:prstGeom prst="rect">
+            <a:avLst/>
+          </a:prstGeom>
+          <a:solidFill>
+            <a:schemeClr val="accent3">
+              <a:lumMod val="40000"/>
+              <a:lumOff val="60000"/>
+            </a:schemeClr>
+          </a:solidFill>
+          <a:ln w="12700" cap="flat" cmpd="sng" algn="ctr">
+            <a:solidFill>
+              <a:srgbClr val="5B9BD5">
+                <a:shade val="50000"/>
+              </a:srgbClr>
+            </a:solidFill>
+            <a:prstDash val="solid"/>
+            <a:miter lim="800000"/>
+          </a:ln>
+          <a:effectLst/>
+        </p:spPr>
+        <p:txBody>
+          <a:bodyPr rtlCol="0" anchor="ctr"/>
+          <a:lstStyle/>
+          <a:p>
+            <a:pPr marL="0" marR="0" lvl="0" indent="0" algn="ctr" defTabSz="914400" eaLnBrk="1" fontAlgn="auto" latinLnBrk="1" hangingPunct="1">
+              <a:lnSpc>
+                <a:spcPct val="100000"/>
+              </a:lnSpc>
+              <a:spcBef>
+                <a:spcPts val="0"/>
+              </a:spcBef>
+              <a:spcAft>
+                <a:spcPts val="0"/>
+              </a:spcAft>
+              <a:buClrTx/>
+              <a:buSzTx/>
+              <a:buFontTx/>
+              <a:buNone/>
+              <a:tabLst/>
+              <a:defRPr/>
+            </a:pPr>
+            <a:endParaRPr kumimoji="0" lang="ko-KR" altLang="en-US" sz="1800" b="0" i="0" u="none" strike="noStrike" kern="0" cap="none" spc="0" normalizeH="0" baseline="0" noProof="0" dirty="0">
+              <a:ln>
+                <a:noFill/>
+              </a:ln>
+              <a:solidFill>
+                <a:prstClr val="white"/>
+              </a:solidFill>
+              <a:effectLst/>
+              <a:uLnTx/>
+              <a:uFillTx/>
+              <a:latin typeface="맑은 고딕" panose="020F0502020204030204"/>
+              <a:ea typeface="맑은 고딕" panose="020B0503020000020004" pitchFamily="50" charset="-127"/>
+              <a:cs typeface="+mn-cs"/>
+            </a:endParaRPr>
+          </a:p>
+        </p:txBody>
+      </p:sp>
+      <p:sp>
+        <p:nvSpPr>
+          <p:cNvPr id="25" name="직사각형 24">
+            <a:extLst>
+              <a:ext uri="{FF2B5EF4-FFF2-40B4-BE49-F238E27FC236}">
+                <a16:creationId xmlns:a16="http://schemas.microsoft.com/office/drawing/2014/main" id="{13C71159-A99F-5D0A-625A-E829630C064E}"/>
+              </a:ext>
+            </a:extLst>
+          </p:cNvPr>
+          <p:cNvSpPr/>
+          <p:nvPr/>
+        </p:nvSpPr>
+        <p:spPr>
+          <a:xfrm>
+            <a:off x="6227365" y="2584276"/>
+            <a:ext cx="1746572" cy="1183376"/>
+          </a:xfrm>
+          <a:prstGeom prst="rect">
+            <a:avLst/>
+          </a:prstGeom>
+          <a:solidFill>
+            <a:srgbClr val="5B9BD5"/>
+          </a:solidFill>
+          <a:ln w="12700" cap="flat" cmpd="sng" algn="ctr">
+            <a:solidFill>
+              <a:srgbClr val="5B9BD5">
+                <a:shade val="50000"/>
+              </a:srgbClr>
+            </a:solidFill>
+            <a:prstDash val="solid"/>
+            <a:miter lim="800000"/>
+          </a:ln>
+          <a:effectLst/>
+        </p:spPr>
+        <p:txBody>
+          <a:bodyPr rtlCol="0" anchor="ctr"/>
+          <a:lstStyle/>
+          <a:p>
+            <a:pPr marL="0" marR="0" lvl="0" indent="0" algn="ctr" defTabSz="914400" eaLnBrk="1" fontAlgn="auto" latinLnBrk="1" hangingPunct="1">
+              <a:lnSpc>
+                <a:spcPct val="100000"/>
+              </a:lnSpc>
+              <a:spcBef>
+                <a:spcPts val="0"/>
+              </a:spcBef>
+              <a:spcAft>
+                <a:spcPts val="0"/>
+              </a:spcAft>
+              <a:buClrTx/>
+              <a:buSzTx/>
+              <a:buFontTx/>
+              <a:buNone/>
+              <a:tabLst/>
+              <a:defRPr/>
+            </a:pPr>
+            <a:endParaRPr kumimoji="0" lang="ko-KR" altLang="en-US" sz="1800" b="0" i="0" u="none" strike="noStrike" kern="0" cap="none" spc="0" normalizeH="0" baseline="0" noProof="0">
+              <a:ln>
+                <a:noFill/>
+              </a:ln>
+              <a:solidFill>
+                <a:prstClr val="white"/>
+              </a:solidFill>
+              <a:effectLst/>
+              <a:uLnTx/>
+              <a:uFillTx/>
+              <a:latin typeface="맑은 고딕" panose="020F0502020204030204"/>
+              <a:ea typeface="맑은 고딕" panose="020B0503020000020004" pitchFamily="50" charset="-127"/>
+              <a:cs typeface="+mn-cs"/>
+            </a:endParaRPr>
+          </a:p>
+        </p:txBody>
+      </p:sp>
+      <p:sp>
+        <p:nvSpPr>
+          <p:cNvPr id="26" name="타원 25">
+            <a:extLst>
+              <a:ext uri="{FF2B5EF4-FFF2-40B4-BE49-F238E27FC236}">
+                <a16:creationId xmlns:a16="http://schemas.microsoft.com/office/drawing/2014/main" id="{923560D8-8EE2-B572-33C9-CB21A5F7845E}"/>
+              </a:ext>
+            </a:extLst>
+          </p:cNvPr>
+          <p:cNvSpPr/>
+          <p:nvPr/>
+        </p:nvSpPr>
+        <p:spPr>
+          <a:xfrm>
+            <a:off x="5524785" y="1805542"/>
+            <a:ext cx="294575" cy="269760"/>
+          </a:xfrm>
+          <a:prstGeom prst="ellipse">
+            <a:avLst/>
+          </a:prstGeom>
+          <a:solidFill>
+            <a:srgbClr val="FFC000"/>
+          </a:solidFill>
+          <a:ln w="12700" cap="flat" cmpd="sng" algn="ctr">
+            <a:solidFill>
+              <a:srgbClr val="5B9BD5">
+                <a:shade val="50000"/>
+              </a:srgbClr>
+            </a:solidFill>
+            <a:prstDash val="solid"/>
+            <a:miter lim="800000"/>
+          </a:ln>
+          <a:effectLst/>
+        </p:spPr>
+        <p:txBody>
+          <a:bodyPr rtlCol="0" anchor="ctr"/>
+          <a:lstStyle/>
+          <a:p>
+            <a:pPr marL="0" marR="0" lvl="0" indent="0" algn="ctr" defTabSz="914400" eaLnBrk="1" fontAlgn="auto" latinLnBrk="1" hangingPunct="1">
+              <a:lnSpc>
+                <a:spcPct val="100000"/>
+              </a:lnSpc>
+              <a:spcBef>
+                <a:spcPts val="0"/>
+              </a:spcBef>
+              <a:spcAft>
+                <a:spcPts val="0"/>
+              </a:spcAft>
+              <a:buClrTx/>
+              <a:buSzTx/>
+              <a:buFontTx/>
+              <a:buNone/>
+              <a:tabLst/>
+              <a:defRPr/>
+            </a:pPr>
+            <a:endParaRPr kumimoji="0" lang="ko-KR" altLang="en-US" sz="1800" b="0" i="0" u="none" strike="noStrike" kern="0" cap="none" spc="0" normalizeH="0" baseline="0" noProof="0">
+              <a:ln>
+                <a:noFill/>
+              </a:ln>
+              <a:solidFill>
+                <a:prstClr val="white"/>
+              </a:solidFill>
+              <a:effectLst/>
+              <a:uLnTx/>
+              <a:uFillTx/>
+              <a:latin typeface="맑은 고딕" panose="020F0502020204030204"/>
+              <a:ea typeface="맑은 고딕" panose="020B0503020000020004" pitchFamily="50" charset="-127"/>
+              <a:cs typeface="+mn-cs"/>
+            </a:endParaRPr>
+          </a:p>
+        </p:txBody>
+      </p:sp>
+      <p:sp>
+        <p:nvSpPr>
+          <p:cNvPr id="27" name="타원 26">
+            <a:extLst>
+              <a:ext uri="{FF2B5EF4-FFF2-40B4-BE49-F238E27FC236}">
+                <a16:creationId xmlns:a16="http://schemas.microsoft.com/office/drawing/2014/main" id="{923560D8-8EE2-B572-33C9-CB21A5F7845E}"/>
+              </a:ext>
+            </a:extLst>
+          </p:cNvPr>
+          <p:cNvSpPr/>
+          <p:nvPr/>
+        </p:nvSpPr>
+        <p:spPr>
+          <a:xfrm>
+            <a:off x="6150855" y="2449396"/>
+            <a:ext cx="294575" cy="269760"/>
+          </a:xfrm>
+          <a:prstGeom prst="ellipse">
+            <a:avLst/>
+          </a:prstGeom>
+          <a:solidFill>
+            <a:srgbClr val="FFC000"/>
+          </a:solidFill>
+          <a:ln w="12700" cap="flat" cmpd="sng" algn="ctr">
+            <a:solidFill>
+              <a:srgbClr val="5B9BD5">
+                <a:shade val="50000"/>
+              </a:srgbClr>
+            </a:solidFill>
+            <a:prstDash val="solid"/>
+            <a:miter lim="800000"/>
+          </a:ln>
+          <a:effectLst/>
+        </p:spPr>
+        <p:txBody>
+          <a:bodyPr rtlCol="0" anchor="ctr"/>
+          <a:lstStyle/>
+          <a:p>
+            <a:pPr marL="0" marR="0" lvl="0" indent="0" algn="ctr" defTabSz="914400" eaLnBrk="1" fontAlgn="auto" latinLnBrk="1" hangingPunct="1">
+              <a:lnSpc>
+                <a:spcPct val="100000"/>
+              </a:lnSpc>
+              <a:spcBef>
+                <a:spcPts val="0"/>
+              </a:spcBef>
+              <a:spcAft>
+                <a:spcPts val="0"/>
+              </a:spcAft>
+              <a:buClrTx/>
+              <a:buSzTx/>
+              <a:buFontTx/>
+              <a:buNone/>
+              <a:tabLst/>
+              <a:defRPr/>
+            </a:pPr>
+            <a:endParaRPr kumimoji="0" lang="ko-KR" altLang="en-US" sz="1800" b="0" i="0" u="none" strike="noStrike" kern="0" cap="none" spc="0" normalizeH="0" baseline="0" noProof="0">
+              <a:ln>
+                <a:noFill/>
+              </a:ln>
+              <a:solidFill>
+                <a:prstClr val="white"/>
+              </a:solidFill>
+              <a:effectLst/>
+              <a:uLnTx/>
+              <a:uFillTx/>
+              <a:latin typeface="맑은 고딕" panose="020F0502020204030204"/>
+              <a:ea typeface="맑은 고딕" panose="020B0503020000020004" pitchFamily="50" charset="-127"/>
+              <a:cs typeface="+mn-cs"/>
+            </a:endParaRPr>
+          </a:p>
+        </p:txBody>
+      </p:sp>
+      <p:sp>
+        <p:nvSpPr>
+          <p:cNvPr id="28" name="타원 27">
+            <a:extLst>
+              <a:ext uri="{FF2B5EF4-FFF2-40B4-BE49-F238E27FC236}">
+                <a16:creationId xmlns:a16="http://schemas.microsoft.com/office/drawing/2014/main" id="{923560D8-8EE2-B572-33C9-CB21A5F7845E}"/>
+              </a:ext>
+            </a:extLst>
+          </p:cNvPr>
+          <p:cNvSpPr/>
+          <p:nvPr/>
+        </p:nvSpPr>
+        <p:spPr>
+          <a:xfrm>
+            <a:off x="7807673" y="3626262"/>
+            <a:ext cx="294575" cy="269760"/>
+          </a:xfrm>
+          <a:prstGeom prst="ellipse">
+            <a:avLst/>
+          </a:prstGeom>
+          <a:solidFill>
+            <a:srgbClr val="FF0000"/>
+          </a:solidFill>
+          <a:ln w="12700" cap="flat" cmpd="sng" algn="ctr">
+            <a:solidFill>
+              <a:srgbClr val="5B9BD5">
+                <a:shade val="50000"/>
+              </a:srgbClr>
+            </a:solidFill>
+            <a:prstDash val="solid"/>
+            <a:miter lim="800000"/>
+          </a:ln>
+          <a:effectLst/>
+        </p:spPr>
+        <p:txBody>
+          <a:bodyPr rtlCol="0" anchor="ctr"/>
+          <a:lstStyle/>
+          <a:p>
+            <a:pPr marL="0" marR="0" lvl="0" indent="0" algn="ctr" defTabSz="914400" eaLnBrk="1" fontAlgn="auto" latinLnBrk="1" hangingPunct="1">
+              <a:lnSpc>
+                <a:spcPct val="100000"/>
+              </a:lnSpc>
+              <a:spcBef>
+                <a:spcPts val="0"/>
+              </a:spcBef>
+              <a:spcAft>
+                <a:spcPts val="0"/>
+              </a:spcAft>
+              <a:buClrTx/>
+              <a:buSzTx/>
+              <a:buFontTx/>
+              <a:buNone/>
+              <a:tabLst/>
+              <a:defRPr/>
+            </a:pPr>
+            <a:endParaRPr kumimoji="0" lang="ko-KR" altLang="en-US" sz="1800" b="0" i="0" u="none" strike="noStrike" kern="0" cap="none" spc="0" normalizeH="0" baseline="0" noProof="0">
+              <a:ln>
+                <a:noFill/>
+              </a:ln>
+              <a:solidFill>
+                <a:prstClr val="white"/>
+              </a:solidFill>
+              <a:effectLst/>
+              <a:uLnTx/>
+              <a:uFillTx/>
+              <a:latin typeface="맑은 고딕" panose="020F0502020204030204"/>
+              <a:ea typeface="맑은 고딕" panose="020B0503020000020004" pitchFamily="50" charset="-127"/>
+              <a:cs typeface="+mn-cs"/>
+            </a:endParaRPr>
+          </a:p>
+        </p:txBody>
+      </p:sp>
+      <p:cxnSp>
+        <p:nvCxnSpPr>
+          <p:cNvPr id="29" name="직선 화살표 연결선 28"/>
+          <p:cNvCxnSpPr>
+            <a:stCxn id="27" idx="1"/>
+            <a:endCxn id="26" idx="4"/>
+          </p:cNvCxnSpPr>
+          <p:nvPr/>
+        </p:nvCxnSpPr>
+        <p:spPr bwMode="auto">
+          <a:xfrm flipH="1" flipV="1">
+            <a:off x="5672073" y="2075302"/>
+            <a:ext cx="521922" cy="413599"/>
+          </a:xfrm>
+          <a:prstGeom prst="straightConnector1">
+            <a:avLst/>
+          </a:prstGeom>
+          <a:solidFill>
+            <a:schemeClr val="accent1"/>
+          </a:solidFill>
+          <a:ln w="9525" cap="flat" cmpd="sng" algn="ctr">
+            <a:solidFill>
+              <a:schemeClr val="tx1"/>
+            </a:solidFill>
+            <a:prstDash val="solid"/>
+            <a:round/>
+            <a:headEnd type="none" w="med" len="med"/>
+            <a:tailEnd type="triangle"/>
+          </a:ln>
+          <a:effectLst/>
+          <a:extLst>
+            <a:ext uri="{AF507438-7753-43E0-B8FC-AC1667EBCBE1}">
+              <a14:hiddenEffects xmlns:a14="http://schemas.microsoft.com/office/drawing/2010/main">
+                <a:effectLst>
+                  <a:outerShdw dist="35921" dir="2700000" algn="ctr" rotWithShape="0">
+                    <a:schemeClr val="bg2"/>
+                  </a:outerShdw>
+                </a:effectLst>
+              </a14:hiddenEffects>
+            </a:ext>
+          </a:extLst>
+        </p:spPr>
+      </p:cxnSp>
+      <p:sp>
+        <p:nvSpPr>
+          <p:cNvPr id="30" name="TextBox 29"/>
+          <p:cNvSpPr txBox="1"/>
+          <p:nvPr/>
+        </p:nvSpPr>
+        <p:spPr>
+          <a:xfrm>
+            <a:off x="6107276" y="2056258"/>
+            <a:ext cx="663408" cy="402423"/>
+          </a:xfrm>
+          <a:prstGeom prst="rect">
+            <a:avLst/>
+          </a:prstGeom>
+          <a:noFill/>
+          <a:ln>
+            <a:noFill/>
+          </a:ln>
+        </p:spPr>
+        <p:txBody>
+          <a:bodyPr wrap="square" rtlCol="0" anchor="ctr">
+            <a:noAutofit/>
+          </a:bodyPr>
+          <a:lstStyle/>
+          <a:p>
+            <a:pPr algn="ctr"/>
+            <a:r>
+              <a:rPr lang="en-US" altLang="ko-KR" sz="1400" dirty="0" err="1"/>
+              <a:t>p</a:t>
+            </a:r>
+            <a:r>
+              <a:rPr lang="en-US" altLang="ko-KR" sz="1400" dirty="0" err="1" smtClean="0"/>
+              <a:t>x</a:t>
+            </a:r>
+            <a:r>
+              <a:rPr lang="en-US" altLang="ko-KR" sz="1400" dirty="0" smtClean="0"/>
+              <a:t>, </a:t>
+            </a:r>
+            <a:r>
+              <a:rPr lang="en-US" altLang="ko-KR" sz="1400" dirty="0" err="1" smtClean="0"/>
+              <a:t>py</a:t>
+            </a:r>
+            <a:endParaRPr lang="ko-KR" altLang="en-US" sz="1400" dirty="0" err="1" smtClean="0"/>
+          </a:p>
+        </p:txBody>
+      </p:sp>
+      <p:sp>
+        <p:nvSpPr>
+          <p:cNvPr id="31" name="TextBox 30"/>
+          <p:cNvSpPr txBox="1"/>
+          <p:nvPr/>
+        </p:nvSpPr>
+        <p:spPr>
+          <a:xfrm>
+            <a:off x="5006839" y="1474860"/>
+            <a:ext cx="663408" cy="402423"/>
+          </a:xfrm>
+          <a:prstGeom prst="rect">
+            <a:avLst/>
+          </a:prstGeom>
+          <a:noFill/>
+          <a:ln>
+            <a:noFill/>
+          </a:ln>
+        </p:spPr>
+        <p:txBody>
+          <a:bodyPr wrap="square" rtlCol="0" anchor="ctr">
+            <a:noAutofit/>
+          </a:bodyPr>
+          <a:lstStyle/>
+          <a:p>
+            <a:pPr algn="ctr"/>
+            <a:r>
+              <a:rPr lang="en-US" altLang="ko-KR" sz="1400" dirty="0" smtClean="0"/>
+              <a:t>x, y</a:t>
+            </a:r>
+            <a:endParaRPr lang="ko-KR" altLang="en-US" sz="1400" dirty="0" err="1" smtClean="0"/>
+          </a:p>
+        </p:txBody>
+      </p:sp>
+      <p:sp>
+        <p:nvSpPr>
+          <p:cNvPr id="32" name="TextBox 31"/>
+          <p:cNvSpPr txBox="1"/>
+          <p:nvPr/>
+        </p:nvSpPr>
+        <p:spPr>
+          <a:xfrm>
+            <a:off x="8120848" y="3767652"/>
+            <a:ext cx="663408" cy="402423"/>
+          </a:xfrm>
+          <a:prstGeom prst="rect">
+            <a:avLst/>
+          </a:prstGeom>
+          <a:noFill/>
+          <a:ln>
+            <a:noFill/>
+          </a:ln>
+        </p:spPr>
+        <p:txBody>
+          <a:bodyPr wrap="square" rtlCol="0" anchor="ctr">
+            <a:noAutofit/>
+          </a:bodyPr>
+          <a:lstStyle/>
+          <a:p>
+            <a:pPr algn="ctr"/>
+            <a:r>
+              <a:rPr lang="en-US" altLang="ko-KR" sz="1400" dirty="0" smtClean="0"/>
+              <a:t>cx, </a:t>
+            </a:r>
+            <a:r>
+              <a:rPr lang="en-US" altLang="ko-KR" sz="1400" dirty="0"/>
+              <a:t>c</a:t>
+            </a:r>
+            <a:r>
+              <a:rPr lang="en-US" altLang="ko-KR" sz="1400" dirty="0" smtClean="0"/>
+              <a:t>y</a:t>
+            </a:r>
+            <a:endParaRPr lang="ko-KR" altLang="en-US" sz="1400" dirty="0" err="1" smtClean="0"/>
+          </a:p>
+        </p:txBody>
+      </p:sp>
+      <p:grpSp>
+        <p:nvGrpSpPr>
+          <p:cNvPr id="21" name="그룹 20"/>
+          <p:cNvGrpSpPr/>
+          <p:nvPr/>
+        </p:nvGrpSpPr>
+        <p:grpSpPr>
+          <a:xfrm>
+            <a:off x="5663818" y="1953340"/>
+            <a:ext cx="2880320" cy="2182951"/>
+            <a:chOff x="5723309" y="3032286"/>
+            <a:chExt cx="2880320" cy="2848938"/>
+          </a:xfrm>
+        </p:grpSpPr>
+        <p:cxnSp>
+          <p:nvCxnSpPr>
+            <p:cNvPr id="22" name="직선 화살표 연결선 21"/>
+            <p:cNvCxnSpPr/>
+            <p:nvPr/>
+          </p:nvCxnSpPr>
+          <p:spPr bwMode="auto">
+            <a:xfrm>
+              <a:off x="5723309" y="3032286"/>
+              <a:ext cx="2252" cy="2848938"/>
+            </a:xfrm>
+            <a:prstGeom prst="straightConnector1">
+              <a:avLst/>
+            </a:prstGeom>
+            <a:solidFill>
+              <a:schemeClr val="accent1"/>
+            </a:solidFill>
+            <a:ln w="38100" cap="flat" cmpd="sng" algn="ctr">
+              <a:solidFill>
+                <a:schemeClr val="accent1"/>
+              </a:solidFill>
+              <a:prstDash val="solid"/>
+              <a:round/>
+              <a:headEnd type="none" w="med" len="med"/>
+              <a:tailEnd type="triangle"/>
+            </a:ln>
+            <a:effectLst/>
+            <a:extLst>
+              <a:ext uri="{AF507438-7753-43E0-B8FC-AC1667EBCBE1}">
+                <a14:hiddenEffects xmlns:a14="http://schemas.microsoft.com/office/drawing/2010/main">
+                  <a:effectLst>
+                    <a:outerShdw dist="35921" dir="2700000" algn="ctr" rotWithShape="0">
+                      <a:schemeClr val="bg2"/>
+                    </a:outerShdw>
+                  </a:effectLst>
+                </a14:hiddenEffects>
+              </a:ext>
+            </a:extLst>
+          </p:spPr>
+        </p:cxnSp>
+        <p:cxnSp>
+          <p:nvCxnSpPr>
+            <p:cNvPr id="23" name="직선 화살표 연결선 22"/>
+            <p:cNvCxnSpPr/>
+            <p:nvPr/>
+          </p:nvCxnSpPr>
+          <p:spPr bwMode="auto">
+            <a:xfrm>
+              <a:off x="5743911" y="3032286"/>
+              <a:ext cx="2859718" cy="0"/>
+            </a:xfrm>
+            <a:prstGeom prst="straightConnector1">
+              <a:avLst/>
+            </a:prstGeom>
+            <a:solidFill>
+              <a:schemeClr val="accent1"/>
+            </a:solidFill>
+            <a:ln w="38100" cap="flat" cmpd="sng" algn="ctr">
+              <a:solidFill>
+                <a:schemeClr val="accent1"/>
+              </a:solidFill>
+              <a:prstDash val="solid"/>
+              <a:round/>
+              <a:headEnd type="none" w="med" len="med"/>
+              <a:tailEnd type="triangle"/>
+            </a:ln>
+            <a:effectLst/>
+            <a:extLst>
+              <a:ext uri="{AF507438-7753-43E0-B8FC-AC1667EBCBE1}">
+                <a14:hiddenEffects xmlns:a14="http://schemas.microsoft.com/office/drawing/2010/main">
+                  <a:effectLst>
+                    <a:outerShdw dist="35921" dir="2700000" algn="ctr" rotWithShape="0">
+                      <a:schemeClr val="bg2"/>
+                    </a:outerShdw>
+                  </a:effectLst>
+                </a14:hiddenEffects>
+              </a:ext>
+            </a:extLst>
+          </p:spPr>
+        </p:cxnSp>
+      </p:grpSp>
+      <p:sp>
+        <p:nvSpPr>
+          <p:cNvPr id="35" name="오른쪽 중괄호 34"/>
+          <p:cNvSpPr/>
+          <p:nvPr/>
+        </p:nvSpPr>
+        <p:spPr bwMode="auto">
+          <a:xfrm rot="16200000">
+            <a:off x="1953442" y="944188"/>
+            <a:ext cx="273156" cy="1700618"/>
+          </a:xfrm>
+          <a:prstGeom prst="rightBrace">
+            <a:avLst>
+              <a:gd name="adj1" fmla="val 25665"/>
+              <a:gd name="adj2" fmla="val 50000"/>
+            </a:avLst>
+          </a:prstGeom>
+          <a:noFill/>
+          <a:ln w="9525" cap="flat" cmpd="sng" algn="ctr">
+            <a:solidFill>
+              <a:schemeClr val="tx1"/>
+            </a:solidFill>
+            <a:prstDash val="solid"/>
+            <a:round/>
+            <a:headEnd type="none" w="med" len="med"/>
+            <a:tailEnd type="none" w="med" len="med"/>
+          </a:ln>
+          <a:effectLst/>
+          <a:extLst/>
+        </p:spPr>
+        <p:txBody>
+          <a:bodyPr vert="horz" wrap="square" lIns="91440" tIns="45720" rIns="91440" bIns="45720" numCol="1" rtlCol="0" anchor="t" anchorCtr="0" compatLnSpc="1">
+            <a:prstTxWarp prst="textNoShape">
+              <a:avLst/>
+            </a:prstTxWarp>
+          </a:bodyPr>
+          <a:lstStyle/>
+          <a:p>
+            <a:pPr marL="0" marR="0" indent="0" algn="l" defTabSz="914400" rtl="0" eaLnBrk="1" fontAlgn="base" latinLnBrk="0" hangingPunct="1">
+              <a:lnSpc>
+                <a:spcPct val="100000"/>
+              </a:lnSpc>
+              <a:spcBef>
+                <a:spcPct val="0"/>
+              </a:spcBef>
+              <a:spcAft>
+                <a:spcPct val="0"/>
+              </a:spcAft>
+              <a:buClrTx/>
+              <a:buSzTx/>
+              <a:buFontTx/>
+              <a:buNone/>
+              <a:tabLst/>
+            </a:pPr>
+            <a:endParaRPr kumimoji="0" lang="ko-KR" altLang="en-US" sz="2400" b="0" i="0" u="none" strike="noStrike" cap="none" normalizeH="0" baseline="0" smtClean="0">
+              <a:ln>
+                <a:noFill/>
+              </a:ln>
+              <a:solidFill>
+                <a:schemeClr val="tx1"/>
+              </a:solidFill>
+              <a:effectLst/>
+              <a:latin typeface="Arial" charset="0"/>
+            </a:endParaRPr>
+          </a:p>
+        </p:txBody>
+      </p:sp>
+      <p:sp>
+        <p:nvSpPr>
+          <p:cNvPr id="36" name="오른쪽 중괄호 35"/>
+          <p:cNvSpPr/>
+          <p:nvPr/>
+        </p:nvSpPr>
+        <p:spPr bwMode="auto">
+          <a:xfrm rot="16200000">
+            <a:off x="2171301" y="185896"/>
+            <a:ext cx="382722" cy="2307457"/>
+          </a:xfrm>
+          <a:prstGeom prst="rightBrace">
+            <a:avLst>
+              <a:gd name="adj1" fmla="val 25665"/>
+              <a:gd name="adj2" fmla="val 50000"/>
+            </a:avLst>
+          </a:prstGeom>
+          <a:noFill/>
+          <a:ln w="9525" cap="flat" cmpd="sng" algn="ctr">
+            <a:solidFill>
+              <a:schemeClr val="tx1"/>
+            </a:solidFill>
+            <a:prstDash val="solid"/>
+            <a:round/>
+            <a:headEnd type="none" w="med" len="med"/>
+            <a:tailEnd type="none" w="med" len="med"/>
+          </a:ln>
+          <a:effectLst/>
+          <a:extLst/>
+        </p:spPr>
+        <p:txBody>
+          <a:bodyPr vert="horz" wrap="square" lIns="91440" tIns="45720" rIns="91440" bIns="45720" numCol="1" rtlCol="0" anchor="t" anchorCtr="0" compatLnSpc="1">
+            <a:prstTxWarp prst="textNoShape">
+              <a:avLst/>
+            </a:prstTxWarp>
+          </a:bodyPr>
+          <a:lstStyle/>
+          <a:p>
+            <a:pPr marL="0" marR="0" indent="0" algn="l" defTabSz="914400" rtl="0" eaLnBrk="1" fontAlgn="base" latinLnBrk="0" hangingPunct="1">
+              <a:lnSpc>
+                <a:spcPct val="100000"/>
+              </a:lnSpc>
+              <a:spcBef>
+                <a:spcPct val="0"/>
+              </a:spcBef>
+              <a:spcAft>
+                <a:spcPct val="0"/>
+              </a:spcAft>
+              <a:buClrTx/>
+              <a:buSzTx/>
+              <a:buFontTx/>
+              <a:buNone/>
+              <a:tabLst/>
+            </a:pPr>
+            <a:endParaRPr kumimoji="0" lang="ko-KR" altLang="en-US" sz="2400" b="0" i="0" u="none" strike="noStrike" cap="none" normalizeH="0" baseline="0" smtClean="0">
+              <a:ln>
+                <a:noFill/>
+              </a:ln>
+              <a:solidFill>
+                <a:schemeClr val="tx1"/>
+              </a:solidFill>
+              <a:effectLst/>
+              <a:latin typeface="Arial" charset="0"/>
+            </a:endParaRPr>
+          </a:p>
+        </p:txBody>
+      </p:sp>
+      <p:sp>
+        <p:nvSpPr>
+          <p:cNvPr id="39" name="타원 38">
+            <a:extLst>
+              <a:ext uri="{FF2B5EF4-FFF2-40B4-BE49-F238E27FC236}">
+                <a16:creationId xmlns:a16="http://schemas.microsoft.com/office/drawing/2014/main" id="{923560D8-8EE2-B572-33C9-CB21A5F7845E}"/>
+              </a:ext>
+            </a:extLst>
+          </p:cNvPr>
+          <p:cNvSpPr/>
+          <p:nvPr/>
+        </p:nvSpPr>
+        <p:spPr>
+          <a:xfrm>
+            <a:off x="7807672" y="2492516"/>
+            <a:ext cx="294575" cy="269760"/>
+          </a:xfrm>
+          <a:prstGeom prst="ellipse">
+            <a:avLst/>
+          </a:prstGeom>
+          <a:solidFill>
+            <a:srgbClr val="FFC000"/>
+          </a:solidFill>
+          <a:ln w="12700" cap="flat" cmpd="sng" algn="ctr">
+            <a:solidFill>
+              <a:srgbClr val="5B9BD5">
+                <a:shade val="50000"/>
+              </a:srgbClr>
+            </a:solidFill>
+            <a:prstDash val="solid"/>
+            <a:miter lim="800000"/>
+          </a:ln>
+          <a:effectLst/>
+        </p:spPr>
+        <p:txBody>
+          <a:bodyPr rtlCol="0" anchor="ctr"/>
+          <a:lstStyle/>
+          <a:p>
+            <a:pPr marL="0" marR="0" lvl="0" indent="0" algn="ctr" defTabSz="914400" eaLnBrk="1" fontAlgn="auto" latinLnBrk="1" hangingPunct="1">
+              <a:lnSpc>
+                <a:spcPct val="100000"/>
+              </a:lnSpc>
+              <a:spcBef>
+                <a:spcPts val="0"/>
+              </a:spcBef>
+              <a:spcAft>
+                <a:spcPts val="0"/>
+              </a:spcAft>
+              <a:buClrTx/>
+              <a:buSzTx/>
+              <a:buFontTx/>
+              <a:buNone/>
+              <a:tabLst/>
+              <a:defRPr/>
+            </a:pPr>
+            <a:endParaRPr kumimoji="0" lang="ko-KR" altLang="en-US" sz="1800" b="0" i="0" u="none" strike="noStrike" kern="0" cap="none" spc="0" normalizeH="0" baseline="0" noProof="0">
+              <a:ln>
+                <a:noFill/>
+              </a:ln>
+              <a:solidFill>
+                <a:prstClr val="white"/>
+              </a:solidFill>
+              <a:effectLst/>
+              <a:uLnTx/>
+              <a:uFillTx/>
+              <a:latin typeface="맑은 고딕" panose="020F0502020204030204"/>
+              <a:ea typeface="맑은 고딕" panose="020B0503020000020004" pitchFamily="50" charset="-127"/>
+              <a:cs typeface="+mn-cs"/>
+            </a:endParaRPr>
+          </a:p>
+        </p:txBody>
+      </p:sp>
+      <p:sp>
+        <p:nvSpPr>
+          <p:cNvPr id="40" name="타원 39">
+            <a:extLst>
+              <a:ext uri="{FF2B5EF4-FFF2-40B4-BE49-F238E27FC236}">
+                <a16:creationId xmlns:a16="http://schemas.microsoft.com/office/drawing/2014/main" id="{923560D8-8EE2-B572-33C9-CB21A5F7845E}"/>
+              </a:ext>
+            </a:extLst>
+          </p:cNvPr>
+          <p:cNvSpPr/>
+          <p:nvPr/>
+        </p:nvSpPr>
+        <p:spPr>
+          <a:xfrm>
+            <a:off x="6144405" y="3589652"/>
+            <a:ext cx="294575" cy="269760"/>
+          </a:xfrm>
+          <a:prstGeom prst="ellipse">
+            <a:avLst/>
+          </a:prstGeom>
+          <a:solidFill>
+            <a:srgbClr val="FFC000"/>
+          </a:solidFill>
+          <a:ln w="12700" cap="flat" cmpd="sng" algn="ctr">
+            <a:solidFill>
+              <a:srgbClr val="5B9BD5">
+                <a:shade val="50000"/>
+              </a:srgbClr>
+            </a:solidFill>
+            <a:prstDash val="solid"/>
+            <a:miter lim="800000"/>
+          </a:ln>
+          <a:effectLst/>
+        </p:spPr>
+        <p:txBody>
+          <a:bodyPr rtlCol="0" anchor="ctr"/>
+          <a:lstStyle/>
+          <a:p>
+            <a:pPr marL="0" marR="0" lvl="0" indent="0" algn="ctr" defTabSz="914400" eaLnBrk="1" fontAlgn="auto" latinLnBrk="1" hangingPunct="1">
+              <a:lnSpc>
+                <a:spcPct val="100000"/>
+              </a:lnSpc>
+              <a:spcBef>
+                <a:spcPts val="0"/>
+              </a:spcBef>
+              <a:spcAft>
+                <a:spcPts val="0"/>
+              </a:spcAft>
+              <a:buClrTx/>
+              <a:buSzTx/>
+              <a:buFontTx/>
+              <a:buNone/>
+              <a:tabLst/>
+              <a:defRPr/>
+            </a:pPr>
+            <a:endParaRPr kumimoji="0" lang="ko-KR" altLang="en-US" sz="1800" b="0" i="0" u="none" strike="noStrike" kern="0" cap="none" spc="0" normalizeH="0" baseline="0" noProof="0">
+              <a:ln>
+                <a:noFill/>
+              </a:ln>
+              <a:solidFill>
+                <a:prstClr val="white"/>
+              </a:solidFill>
+              <a:effectLst/>
+              <a:uLnTx/>
+              <a:uFillTx/>
+              <a:latin typeface="맑은 고딕" panose="020F0502020204030204"/>
+              <a:ea typeface="맑은 고딕" panose="020B0503020000020004" pitchFamily="50" charset="-127"/>
+              <a:cs typeface="+mn-cs"/>
+            </a:endParaRPr>
+          </a:p>
+        </p:txBody>
+      </p:sp>
+      <p:sp>
+        <p:nvSpPr>
+          <p:cNvPr id="41" name="TextBox 40"/>
+          <p:cNvSpPr txBox="1"/>
+          <p:nvPr/>
+        </p:nvSpPr>
+        <p:spPr>
+          <a:xfrm>
+            <a:off x="6751113" y="2217745"/>
+            <a:ext cx="663408" cy="402423"/>
+          </a:xfrm>
+          <a:prstGeom prst="rect">
+            <a:avLst/>
+          </a:prstGeom>
+          <a:noFill/>
+          <a:ln>
+            <a:noFill/>
+          </a:ln>
+        </p:spPr>
+        <p:txBody>
+          <a:bodyPr wrap="square" rtlCol="0" anchor="ctr">
+            <a:noAutofit/>
+          </a:bodyPr>
+          <a:lstStyle/>
+          <a:p>
+            <a:pPr algn="ctr"/>
+            <a:r>
+              <a:rPr lang="en-US" altLang="ko-KR" sz="1400" dirty="0" smtClean="0"/>
+              <a:t>w</a:t>
+            </a:r>
+            <a:endParaRPr lang="ko-KR" altLang="en-US" sz="1400" dirty="0" err="1" smtClean="0"/>
+          </a:p>
+        </p:txBody>
+      </p:sp>
+      <p:sp>
+        <p:nvSpPr>
+          <p:cNvPr id="42" name="TextBox 41"/>
+          <p:cNvSpPr txBox="1"/>
+          <p:nvPr/>
+        </p:nvSpPr>
+        <p:spPr>
+          <a:xfrm>
+            <a:off x="6578137" y="1465909"/>
+            <a:ext cx="663408" cy="402423"/>
+          </a:xfrm>
+          <a:prstGeom prst="rect">
+            <a:avLst/>
+          </a:prstGeom>
+          <a:noFill/>
+          <a:ln>
+            <a:noFill/>
+          </a:ln>
+        </p:spPr>
+        <p:txBody>
+          <a:bodyPr wrap="square" rtlCol="0" anchor="ctr">
+            <a:noAutofit/>
+          </a:bodyPr>
+          <a:lstStyle/>
+          <a:p>
+            <a:pPr algn="ctr"/>
+            <a:r>
+              <a:rPr lang="en-US" altLang="ko-KR" sz="1400" dirty="0" smtClean="0"/>
+              <a:t>-1.2w</a:t>
+            </a:r>
+            <a:endParaRPr lang="ko-KR" altLang="en-US" sz="1400" dirty="0" err="1" smtClean="0"/>
+          </a:p>
+        </p:txBody>
+      </p:sp>
+      <p:sp>
+        <p:nvSpPr>
+          <p:cNvPr id="43" name="TextBox 42"/>
+          <p:cNvSpPr txBox="1"/>
+          <p:nvPr/>
+        </p:nvSpPr>
+        <p:spPr>
+          <a:xfrm>
+            <a:off x="8326605" y="2458681"/>
+            <a:ext cx="663408" cy="402423"/>
+          </a:xfrm>
+          <a:prstGeom prst="rect">
+            <a:avLst/>
+          </a:prstGeom>
+          <a:noFill/>
+          <a:ln>
+            <a:noFill/>
+          </a:ln>
+        </p:spPr>
+        <p:txBody>
+          <a:bodyPr wrap="square" rtlCol="0" anchor="ctr">
+            <a:noAutofit/>
+          </a:bodyPr>
+          <a:lstStyle/>
+          <a:p>
+            <a:pPr algn="ctr"/>
+            <a:r>
+              <a:rPr lang="en-US" altLang="ko-KR" sz="1400" dirty="0" smtClean="0"/>
+              <a:t>-1.5h</a:t>
+            </a:r>
+            <a:endParaRPr lang="ko-KR" altLang="en-US" sz="1400" dirty="0" err="1" smtClean="0"/>
+          </a:p>
+        </p:txBody>
+      </p:sp>
+      <p:sp>
+        <p:nvSpPr>
+          <p:cNvPr id="44" name="TextBox 43"/>
+          <p:cNvSpPr txBox="1"/>
+          <p:nvPr/>
+        </p:nvSpPr>
+        <p:spPr>
+          <a:xfrm>
+            <a:off x="7789144" y="2990575"/>
+            <a:ext cx="663408" cy="402423"/>
+          </a:xfrm>
+          <a:prstGeom prst="rect">
+            <a:avLst/>
+          </a:prstGeom>
+          <a:noFill/>
+          <a:ln>
+            <a:noFill/>
+          </a:ln>
+        </p:spPr>
+        <p:txBody>
+          <a:bodyPr wrap="square" rtlCol="0" anchor="ctr">
+            <a:noAutofit/>
+          </a:bodyPr>
+          <a:lstStyle/>
+          <a:p>
+            <a:pPr algn="ctr"/>
+            <a:r>
+              <a:rPr lang="en-US" altLang="ko-KR" sz="1400" dirty="0" smtClean="0"/>
+              <a:t>h</a:t>
+            </a:r>
+            <a:endParaRPr lang="ko-KR" altLang="en-US" sz="1400" dirty="0" err="1" smtClean="0"/>
+          </a:p>
+        </p:txBody>
+      </p:sp>
+      <p:grpSp>
+        <p:nvGrpSpPr>
+          <p:cNvPr id="9" name="그룹 8"/>
+          <p:cNvGrpSpPr/>
+          <p:nvPr/>
+        </p:nvGrpSpPr>
+        <p:grpSpPr>
+          <a:xfrm>
+            <a:off x="1166984" y="1990310"/>
+            <a:ext cx="2880320" cy="2848938"/>
+            <a:chOff x="5723309" y="3032286"/>
+            <a:chExt cx="2880320" cy="2848938"/>
+          </a:xfrm>
+        </p:grpSpPr>
+        <p:cxnSp>
+          <p:nvCxnSpPr>
+            <p:cNvPr id="10" name="직선 화살표 연결선 9"/>
+            <p:cNvCxnSpPr/>
+            <p:nvPr/>
+          </p:nvCxnSpPr>
+          <p:spPr bwMode="auto">
+            <a:xfrm>
+              <a:off x="5723309" y="3032286"/>
+              <a:ext cx="2252" cy="2848938"/>
+            </a:xfrm>
+            <a:prstGeom prst="straightConnector1">
+              <a:avLst/>
+            </a:prstGeom>
+            <a:solidFill>
+              <a:schemeClr val="accent1"/>
+            </a:solidFill>
+            <a:ln w="38100" cap="flat" cmpd="sng" algn="ctr">
+              <a:solidFill>
+                <a:schemeClr val="accent1"/>
+              </a:solidFill>
+              <a:prstDash val="solid"/>
+              <a:round/>
+              <a:headEnd type="none" w="med" len="med"/>
+              <a:tailEnd type="triangle"/>
+            </a:ln>
+            <a:effectLst/>
+            <a:extLst>
+              <a:ext uri="{AF507438-7753-43E0-B8FC-AC1667EBCBE1}">
+                <a14:hiddenEffects xmlns:a14="http://schemas.microsoft.com/office/drawing/2010/main">
+                  <a:effectLst>
+                    <a:outerShdw dist="35921" dir="2700000" algn="ctr" rotWithShape="0">
+                      <a:schemeClr val="bg2"/>
+                    </a:outerShdw>
+                  </a:effectLst>
+                </a14:hiddenEffects>
+              </a:ext>
+            </a:extLst>
+          </p:spPr>
+        </p:cxnSp>
+        <p:cxnSp>
+          <p:nvCxnSpPr>
+            <p:cNvPr id="11" name="직선 화살표 연결선 10"/>
+            <p:cNvCxnSpPr/>
+            <p:nvPr/>
+          </p:nvCxnSpPr>
+          <p:spPr bwMode="auto">
+            <a:xfrm>
+              <a:off x="5743911" y="3032286"/>
+              <a:ext cx="2859718" cy="0"/>
+            </a:xfrm>
+            <a:prstGeom prst="straightConnector1">
+              <a:avLst/>
+            </a:prstGeom>
+            <a:solidFill>
+              <a:schemeClr val="accent1"/>
+            </a:solidFill>
+            <a:ln w="38100" cap="flat" cmpd="sng" algn="ctr">
+              <a:solidFill>
+                <a:schemeClr val="accent1"/>
+              </a:solidFill>
+              <a:prstDash val="solid"/>
+              <a:round/>
+              <a:headEnd type="none" w="med" len="med"/>
+              <a:tailEnd type="triangle"/>
+            </a:ln>
+            <a:effectLst/>
+            <a:extLst>
+              <a:ext uri="{AF507438-7753-43E0-B8FC-AC1667EBCBE1}">
+                <a14:hiddenEffects xmlns:a14="http://schemas.microsoft.com/office/drawing/2010/main">
+                  <a:effectLst>
+                    <a:outerShdw dist="35921" dir="2700000" algn="ctr" rotWithShape="0">
+                      <a:schemeClr val="bg2"/>
+                    </a:outerShdw>
+                  </a:effectLst>
+                </a14:hiddenEffects>
+              </a:ext>
+            </a:extLst>
+          </p:spPr>
+        </p:cxnSp>
+      </p:grpSp>
+    </p:spTree>
+    <p:extLst>
+      <p:ext uri="{BB962C8B-B14F-4D97-AF65-F5344CB8AC3E}">
+        <p14:creationId xmlns:p14="http://schemas.microsoft.com/office/powerpoint/2010/main" val="1899861420"/>
+      </p:ext>
+    </p:extLst>
+  </p:cSld>
+  <p:clrMapOvr>
+    <a:masterClrMapping/>
+  </p:clrMapOvr>
+</p:sld>
+</file>
+
+<file path=ppt/slides/slide43.xml><?xml version="1.0" encoding="utf-8"?>
+<p:sld xmlns:a="http://schemas.openxmlformats.org/drawingml/2006/main" xmlns:r="http://schemas.openxmlformats.org/officeDocument/2006/relationships" xmlns:p="http://schemas.openxmlformats.org/presentationml/2006/main">
+  <p:cSld>
+    <p:spTree>
+      <p:nvGrpSpPr>
+        <p:cNvPr id="1" name=""/>
+        <p:cNvGrpSpPr/>
+        <p:nvPr/>
+      </p:nvGrpSpPr>
+      <p:grpSpPr>
+        <a:xfrm>
+          <a:off x="0" y="0"/>
+          <a:ext cx="0" cy="0"/>
+          <a:chOff x="0" y="0"/>
+          <a:chExt cx="0" cy="0"/>
+        </a:xfrm>
+      </p:grpSpPr>
+      <p:sp>
+        <p:nvSpPr>
+          <p:cNvPr id="2" name="내용 개체 틀 1"/>
+          <p:cNvSpPr>
+            <a:spLocks noGrp="1"/>
+          </p:cNvSpPr>
+          <p:nvPr>
+            <p:ph sz="half" idx="1"/>
+          </p:nvPr>
+        </p:nvSpPr>
+        <p:spPr/>
+        <p:txBody>
+          <a:bodyPr/>
+          <a:lstStyle/>
+          <a:p>
+            <a:r>
+              <a:rPr lang="en-US" altLang="ko-KR" dirty="0" smtClean="0"/>
+              <a:t>Resize</a:t>
+            </a:r>
+            <a:endParaRPr lang="ko-KR" altLang="en-US" dirty="0"/>
+          </a:p>
+        </p:txBody>
+      </p:sp>
+      <p:sp>
+        <p:nvSpPr>
+          <p:cNvPr id="3" name="내용 개체 틀 2"/>
+          <p:cNvSpPr>
+            <a:spLocks noGrp="1"/>
+          </p:cNvSpPr>
+          <p:nvPr>
+            <p:ph sz="half" idx="2"/>
+          </p:nvPr>
+        </p:nvSpPr>
+        <p:spPr/>
+        <p:txBody>
+          <a:bodyPr/>
+          <a:lstStyle/>
+          <a:p>
+            <a:endParaRPr lang="ko-KR" altLang="en-US"/>
+          </a:p>
+        </p:txBody>
+      </p:sp>
+      <p:sp>
+        <p:nvSpPr>
+          <p:cNvPr id="4" name="바닥글 개체 틀 3"/>
+          <p:cNvSpPr>
+            <a:spLocks noGrp="1"/>
+          </p:cNvSpPr>
+          <p:nvPr>
+            <p:ph type="ftr" sz="quarter" idx="10"/>
+          </p:nvPr>
+        </p:nvSpPr>
+        <p:spPr/>
+        <p:txBody>
+          <a:bodyPr/>
+          <a:lstStyle/>
+          <a:p>
+            <a:pPr>
+              <a:buFont typeface="맑은 고딕" panose="020B0503020000020004" pitchFamily="50" charset="-127"/>
+              <a:buChar char="ⓒ"/>
+            </a:pPr>
+            <a:r>
+              <a:rPr lang="en-US" altLang="ko-KR" smtClean="0"/>
+              <a:t>Sungwoon Choi 2021</a:t>
+            </a:r>
+            <a:endParaRPr lang="en-US" altLang="ko-KR" dirty="0"/>
+          </a:p>
+        </p:txBody>
+      </p:sp>
+      <p:sp>
+        <p:nvSpPr>
+          <p:cNvPr id="5" name="슬라이드 번호 개체 틀 4"/>
+          <p:cNvSpPr>
+            <a:spLocks noGrp="1"/>
+          </p:cNvSpPr>
+          <p:nvPr>
+            <p:ph type="sldNum" sz="quarter" idx="11"/>
+          </p:nvPr>
+        </p:nvSpPr>
+        <p:spPr/>
+        <p:txBody>
+          <a:bodyPr/>
+          <a:lstStyle/>
+          <a:p>
+            <a:fld id="{AA4216F1-165B-4DFF-BD92-3D8E849D7D48}" type="slidenum">
+              <a:rPr lang="en-US" altLang="ko-KR" smtClean="0"/>
+              <a:pPr/>
+              <a:t>43</a:t>
+            </a:fld>
+            <a:endParaRPr lang="en-US" altLang="ko-KR" dirty="0"/>
+          </a:p>
+        </p:txBody>
+      </p:sp>
+    </p:spTree>
+    <p:extLst>
+      <p:ext uri="{BB962C8B-B14F-4D97-AF65-F5344CB8AC3E}">
+        <p14:creationId xmlns:p14="http://schemas.microsoft.com/office/powerpoint/2010/main" val="3691252765"/>
+      </p:ext>
+    </p:extLst>
+  </p:cSld>
+  <p:clrMapOvr>
+    <a:masterClrMapping/>
+  </p:clrMapOvr>
+</p:sld>
+</file>
+
 <file path=ppt/slides/slide5.xml><?xml version="1.0" encoding="utf-8"?>
 <p:sld xmlns:a="http://schemas.openxmlformats.org/drawingml/2006/main" xmlns:r="http://schemas.openxmlformats.org/officeDocument/2006/relationships" xmlns:p="http://schemas.openxmlformats.org/presentationml/2006/main">
   <p:cSld>

--- a/graphicsEditorB/강의진행B.pptx
+++ b/graphicsEditorB/강의진행B.pptx
@@ -5,7 +5,7 @@
     <p:sldMasterId id="2147483648" r:id="rId1"/>
   </p:sldMasterIdLst>
   <p:notesMasterIdLst>
-    <p:notesMasterId r:id="rId45"/>
+    <p:notesMasterId r:id="rId47"/>
   </p:notesMasterIdLst>
   <p:sldIdLst>
     <p:sldId id="256" r:id="rId2"/>
@@ -51,6 +51,8 @@
     <p:sldId id="335" r:id="rId42"/>
     <p:sldId id="337" r:id="rId43"/>
     <p:sldId id="336" r:id="rId44"/>
+    <p:sldId id="339" r:id="rId45"/>
+    <p:sldId id="338" r:id="rId46"/>
   </p:sldIdLst>
   <p:sldSz cx="10150475" cy="7616825"/>
   <p:notesSz cx="6867525" cy="9994900"/>
@@ -5622,7 +5624,7 @@
             <a:fld id="{6D61DB4D-25AF-4EE9-B3EB-9D14CE91ACF1}" type="datetimeFigureOut">
               <a:rPr lang="ko-KR" altLang="en-US" smtClean="0"/>
               <a:pPr/>
-              <a:t>2022-05-23</a:t>
+              <a:t>2022-05-25</a:t>
             </a:fld>
             <a:endParaRPr lang="ko-KR" altLang="en-US" dirty="0"/>
           </a:p>
@@ -46559,6 +46561,29 @@
       </p:grpSpPr>
       <p:sp>
         <p:nvSpPr>
+          <p:cNvPr id="6" name="제목 5"/>
+          <p:cNvSpPr>
+            <a:spLocks noGrp="1"/>
+          </p:cNvSpPr>
+          <p:nvPr>
+            <p:ph type="title"/>
+          </p:nvPr>
+        </p:nvSpPr>
+        <p:spPr/>
+        <p:txBody>
+          <a:bodyPr/>
+          <a:lstStyle/>
+          <a:p>
+            <a:r>
+              <a:rPr lang="en-US" altLang="ko-KR" dirty="0" smtClean="0"/>
+              <a:t>05-25</a:t>
+            </a:r>
+            <a:endParaRPr lang="ko-KR" altLang="en-US" dirty="0"/>
+          </a:p>
+        </p:txBody>
+      </p:sp>
+      <p:sp>
+        <p:nvSpPr>
           <p:cNvPr id="2" name="내용 개체 틀 1"/>
           <p:cNvSpPr>
             <a:spLocks noGrp="1"/>
@@ -46573,16 +46598,48 @@
           <a:lstStyle/>
           <a:p>
             <a:r>
+              <a:rPr lang="ko-KR" altLang="en-US" dirty="0" smtClean="0"/>
+              <a:t>진행</a:t>
+            </a:r>
+            <a:endParaRPr lang="en-US" altLang="ko-KR" dirty="0" smtClean="0"/>
+          </a:p>
+          <a:p>
+            <a:pPr lvl="1"/>
+            <a:r>
+              <a:rPr lang="en-US" altLang="ko-KR" dirty="0" err="1" smtClean="0"/>
+              <a:t>AffineTransform</a:t>
+            </a:r>
+            <a:endParaRPr lang="en-US" altLang="ko-KR" dirty="0" smtClean="0"/>
+          </a:p>
+          <a:p>
+            <a:pPr lvl="2"/>
+            <a:r>
               <a:rPr lang="en-US" altLang="ko-KR" dirty="0" smtClean="0"/>
-              <a:t>Resize</a:t>
-            </a:r>
+              <a:t>Translate</a:t>
+            </a:r>
+          </a:p>
+          <a:p>
+            <a:pPr lvl="2"/>
+            <a:r>
+              <a:rPr lang="en-US" altLang="ko-KR" dirty="0" smtClean="0"/>
+              <a:t>Scale</a:t>
+            </a:r>
+          </a:p>
+          <a:p>
+            <a:pPr lvl="2"/>
+            <a:r>
+              <a:rPr lang="en-US" altLang="ko-KR" dirty="0" smtClean="0"/>
+              <a:t>Rotate</a:t>
+            </a:r>
+          </a:p>
+          <a:p>
             <a:endParaRPr lang="ko-KR" altLang="en-US" dirty="0"/>
           </a:p>
         </p:txBody>
       </p:sp>
       <p:sp>
         <p:nvSpPr>
-          <p:cNvPr id="3" name="내용 개체 틀 2"/>
+          <p:cNvPr id="7" name="내용 개체 틀 6"/>
           <p:cNvSpPr>
             <a:spLocks noGrp="1"/>
           </p:cNvSpPr>
@@ -46595,7 +46652,44 @@
           <a:bodyPr/>
           <a:lstStyle/>
           <a:p>
-            <a:endParaRPr lang="ko-KR" altLang="en-US"/>
+            <a:r>
+              <a:rPr lang="ko-KR" altLang="en-US" dirty="0" smtClean="0"/>
+              <a:t>과제</a:t>
+            </a:r>
+            <a:endParaRPr lang="en-US" altLang="ko-KR" dirty="0" smtClean="0"/>
+          </a:p>
+          <a:p>
+            <a:pPr lvl="1"/>
+            <a:r>
+              <a:rPr lang="en-US" altLang="ko-KR" dirty="0" err="1"/>
+              <a:t>AffineTransform</a:t>
+            </a:r>
+            <a:endParaRPr lang="en-US" altLang="ko-KR" dirty="0"/>
+          </a:p>
+          <a:p>
+            <a:pPr lvl="2"/>
+            <a:r>
+              <a:rPr lang="en-US" altLang="ko-KR" dirty="0"/>
+              <a:t>Translate</a:t>
+            </a:r>
+          </a:p>
+          <a:p>
+            <a:pPr lvl="2"/>
+            <a:r>
+              <a:rPr lang="en-US" altLang="ko-KR" dirty="0"/>
+              <a:t>Scale</a:t>
+            </a:r>
+          </a:p>
+          <a:p>
+            <a:pPr lvl="2"/>
+            <a:r>
+              <a:rPr lang="en-US" altLang="ko-KR" dirty="0"/>
+              <a:t>Rotate</a:t>
+            </a:r>
+          </a:p>
+          <a:p>
+            <a:pPr lvl="1"/>
+            <a:endParaRPr lang="ko-KR" altLang="en-US" dirty="0"/>
           </a:p>
         </p:txBody>
       </p:sp>
@@ -46654,6 +46748,2596 @@
     <p:extLst>
       <p:ext uri="{BB962C8B-B14F-4D97-AF65-F5344CB8AC3E}">
         <p14:creationId xmlns:p14="http://schemas.microsoft.com/office/powerpoint/2010/main" val="3691252765"/>
+      </p:ext>
+    </p:extLst>
+  </p:cSld>
+  <p:clrMapOvr>
+    <a:masterClrMapping/>
+  </p:clrMapOvr>
+</p:sld>
+</file>
+
+<file path=ppt/slides/slide44.xml><?xml version="1.0" encoding="utf-8"?>
+<p:sld xmlns:a="http://schemas.openxmlformats.org/drawingml/2006/main" xmlns:r="http://schemas.openxmlformats.org/officeDocument/2006/relationships" xmlns:p="http://schemas.openxmlformats.org/presentationml/2006/main">
+  <p:cSld>
+    <p:spTree>
+      <p:nvGrpSpPr>
+        <p:cNvPr id="1" name=""/>
+        <p:cNvGrpSpPr/>
+        <p:nvPr/>
+      </p:nvGrpSpPr>
+      <p:grpSpPr>
+        <a:xfrm>
+          <a:off x="0" y="0"/>
+          <a:ext cx="0" cy="0"/>
+          <a:chOff x="0" y="0"/>
+          <a:chExt cx="0" cy="0"/>
+        </a:xfrm>
+      </p:grpSpPr>
+      <p:sp>
+        <p:nvSpPr>
+          <p:cNvPr id="7" name="내용 개체 틀 6"/>
+          <p:cNvSpPr>
+            <a:spLocks noGrp="1"/>
+          </p:cNvSpPr>
+          <p:nvPr>
+            <p:ph sz="half" idx="1"/>
+          </p:nvPr>
+        </p:nvSpPr>
+        <p:spPr/>
+        <p:txBody>
+          <a:bodyPr/>
+          <a:lstStyle/>
+          <a:p>
+            <a:r>
+              <a:rPr lang="en-US" altLang="ko-KR" dirty="0" smtClean="0"/>
+              <a:t>Resize</a:t>
+            </a:r>
+            <a:r>
+              <a:rPr lang="ko-KR" altLang="en-US" dirty="0" smtClean="0"/>
+              <a:t> </a:t>
+            </a:r>
+            <a:endParaRPr lang="en-US" altLang="ko-KR" dirty="0" smtClean="0"/>
+          </a:p>
+          <a:p>
+            <a:pPr lvl="1"/>
+            <a:r>
+              <a:rPr lang="en-US" altLang="ko-KR" dirty="0" smtClean="0"/>
+              <a:t>SE/NW</a:t>
+            </a:r>
+          </a:p>
+          <a:p>
+            <a:pPr lvl="2"/>
+            <a:r>
+              <a:rPr lang="en-US" altLang="ko-KR" dirty="0" err="1" smtClean="0"/>
+              <a:t>xScale</a:t>
+            </a:r>
+            <a:r>
+              <a:rPr lang="ko-KR" altLang="en-US" dirty="0" smtClean="0"/>
+              <a:t> </a:t>
+            </a:r>
+            <a:r>
+              <a:rPr lang="en-US" altLang="ko-KR" dirty="0" smtClean="0"/>
+              <a:t>= w2/w1</a:t>
+            </a:r>
+          </a:p>
+          <a:p>
+            <a:pPr lvl="3"/>
+            <a:r>
+              <a:rPr lang="en-US" altLang="ko-KR" dirty="0" smtClean="0"/>
+              <a:t>W2 = x- cx;</a:t>
+            </a:r>
+          </a:p>
+          <a:p>
+            <a:pPr lvl="3"/>
+            <a:r>
+              <a:rPr lang="en-US" altLang="ko-KR" dirty="0" smtClean="0"/>
+              <a:t>W1 = </a:t>
+            </a:r>
+            <a:r>
+              <a:rPr lang="en-US" altLang="ko-KR" dirty="0" err="1" smtClean="0"/>
+              <a:t>px</a:t>
+            </a:r>
+            <a:r>
+              <a:rPr lang="en-US" altLang="ko-KR" dirty="0" smtClean="0"/>
+              <a:t> – cx;</a:t>
+            </a:r>
+          </a:p>
+          <a:p>
+            <a:pPr lvl="2"/>
+            <a:r>
+              <a:rPr lang="en-US" altLang="ko-KR" dirty="0" err="1" smtClean="0"/>
+              <a:t>yScale</a:t>
+            </a:r>
+            <a:r>
+              <a:rPr lang="en-US" altLang="ko-KR" dirty="0" smtClean="0"/>
+              <a:t> = h2/h1</a:t>
+            </a:r>
+          </a:p>
+          <a:p>
+            <a:pPr lvl="3"/>
+            <a:r>
+              <a:rPr lang="en-US" altLang="ko-KR" dirty="0"/>
+              <a:t>h</a:t>
+            </a:r>
+            <a:r>
+              <a:rPr lang="en-US" altLang="ko-KR" dirty="0" smtClean="0"/>
+              <a:t>2 = y-cy</a:t>
+            </a:r>
+          </a:p>
+          <a:p>
+            <a:pPr lvl="3"/>
+            <a:r>
+              <a:rPr lang="en-US" altLang="ko-KR" dirty="0" smtClean="0"/>
+              <a:t>h1 = </a:t>
+            </a:r>
+            <a:r>
+              <a:rPr lang="en-US" altLang="ko-KR" dirty="0" err="1" smtClean="0"/>
+              <a:t>py</a:t>
+            </a:r>
+            <a:r>
+              <a:rPr lang="en-US" altLang="ko-KR" dirty="0" smtClean="0"/>
+              <a:t>-cy</a:t>
+            </a:r>
+          </a:p>
+        </p:txBody>
+      </p:sp>
+      <p:sp>
+        <p:nvSpPr>
+          <p:cNvPr id="8" name="내용 개체 틀 7"/>
+          <p:cNvSpPr>
+            <a:spLocks noGrp="1"/>
+          </p:cNvSpPr>
+          <p:nvPr>
+            <p:ph sz="half" idx="2"/>
+          </p:nvPr>
+        </p:nvSpPr>
+        <p:spPr/>
+        <p:txBody>
+          <a:bodyPr/>
+          <a:lstStyle/>
+          <a:p>
+            <a:endParaRPr lang="ko-KR" altLang="en-US" dirty="0"/>
+          </a:p>
+        </p:txBody>
+      </p:sp>
+      <p:sp>
+        <p:nvSpPr>
+          <p:cNvPr id="5" name="바닥글 개체 틀 4"/>
+          <p:cNvSpPr>
+            <a:spLocks noGrp="1"/>
+          </p:cNvSpPr>
+          <p:nvPr>
+            <p:ph type="ftr" sz="quarter" idx="10"/>
+          </p:nvPr>
+        </p:nvSpPr>
+        <p:spPr/>
+        <p:txBody>
+          <a:bodyPr/>
+          <a:lstStyle/>
+          <a:p>
+            <a:pPr>
+              <a:buFont typeface="맑은 고딕" panose="020B0503020000020004" pitchFamily="50" charset="-127"/>
+              <a:buChar char="ⓒ"/>
+            </a:pPr>
+            <a:r>
+              <a:rPr lang="en-US" altLang="ko-KR" smtClean="0"/>
+              <a:t>Sungwoon Choi 2021</a:t>
+            </a:r>
+            <a:endParaRPr lang="en-US" altLang="ko-KR" dirty="0"/>
+          </a:p>
+        </p:txBody>
+      </p:sp>
+      <p:sp>
+        <p:nvSpPr>
+          <p:cNvPr id="6" name="슬라이드 번호 개체 틀 5"/>
+          <p:cNvSpPr>
+            <a:spLocks noGrp="1"/>
+          </p:cNvSpPr>
+          <p:nvPr>
+            <p:ph type="sldNum" sz="quarter" idx="11"/>
+          </p:nvPr>
+        </p:nvSpPr>
+        <p:spPr/>
+        <p:txBody>
+          <a:bodyPr/>
+          <a:lstStyle/>
+          <a:p>
+            <a:fld id="{AA4216F1-165B-4DFF-BD92-3D8E849D7D48}" type="slidenum">
+              <a:rPr lang="en-US" altLang="ko-KR" smtClean="0"/>
+              <a:pPr/>
+              <a:t>44</a:t>
+            </a:fld>
+            <a:endParaRPr lang="en-US" altLang="ko-KR" dirty="0"/>
+          </a:p>
+        </p:txBody>
+      </p:sp>
+      <p:sp>
+        <p:nvSpPr>
+          <p:cNvPr id="9" name="직사각형 8">
+            <a:extLst>
+              <a:ext uri="{FF2B5EF4-FFF2-40B4-BE49-F238E27FC236}">
+                <a16:creationId xmlns:a16="http://schemas.microsoft.com/office/drawing/2014/main" id="{13C71159-A99F-5D0A-625A-E829630C064E}"/>
+              </a:ext>
+            </a:extLst>
+          </p:cNvPr>
+          <p:cNvSpPr/>
+          <p:nvPr/>
+        </p:nvSpPr>
+        <p:spPr>
+          <a:xfrm>
+            <a:off x="2059061" y="4099701"/>
+            <a:ext cx="2324462" cy="1808186"/>
+          </a:xfrm>
+          <a:prstGeom prst="rect">
+            <a:avLst/>
+          </a:prstGeom>
+          <a:solidFill>
+            <a:schemeClr val="accent3">
+              <a:lumMod val="40000"/>
+              <a:lumOff val="60000"/>
+            </a:schemeClr>
+          </a:solidFill>
+          <a:ln w="12700" cap="flat" cmpd="sng" algn="ctr">
+            <a:solidFill>
+              <a:srgbClr val="5B9BD5">
+                <a:shade val="50000"/>
+              </a:srgbClr>
+            </a:solidFill>
+            <a:prstDash val="solid"/>
+            <a:miter lim="800000"/>
+          </a:ln>
+          <a:effectLst/>
+        </p:spPr>
+        <p:txBody>
+          <a:bodyPr rtlCol="0" anchor="ctr"/>
+          <a:lstStyle/>
+          <a:p>
+            <a:pPr marL="0" marR="0" lvl="0" indent="0" algn="ctr" defTabSz="914400" eaLnBrk="1" fontAlgn="auto" latinLnBrk="1" hangingPunct="1">
+              <a:lnSpc>
+                <a:spcPct val="100000"/>
+              </a:lnSpc>
+              <a:spcBef>
+                <a:spcPts val="0"/>
+              </a:spcBef>
+              <a:spcAft>
+                <a:spcPts val="0"/>
+              </a:spcAft>
+              <a:buClrTx/>
+              <a:buSzTx/>
+              <a:buFontTx/>
+              <a:buNone/>
+              <a:tabLst/>
+              <a:defRPr/>
+            </a:pPr>
+            <a:endParaRPr kumimoji="0" lang="ko-KR" altLang="en-US" sz="1800" b="0" i="0" u="none" strike="noStrike" kern="0" cap="none" spc="0" normalizeH="0" baseline="0" noProof="0" dirty="0">
+              <a:ln>
+                <a:noFill/>
+              </a:ln>
+              <a:solidFill>
+                <a:prstClr val="white"/>
+              </a:solidFill>
+              <a:effectLst/>
+              <a:uLnTx/>
+              <a:uFillTx/>
+              <a:latin typeface="맑은 고딕" panose="020F0502020204030204"/>
+              <a:ea typeface="맑은 고딕" panose="020B0503020000020004" pitchFamily="50" charset="-127"/>
+              <a:cs typeface="+mn-cs"/>
+            </a:endParaRPr>
+          </a:p>
+        </p:txBody>
+      </p:sp>
+      <p:sp>
+        <p:nvSpPr>
+          <p:cNvPr id="10" name="직사각형 9">
+            <a:extLst>
+              <a:ext uri="{FF2B5EF4-FFF2-40B4-BE49-F238E27FC236}">
+                <a16:creationId xmlns:a16="http://schemas.microsoft.com/office/drawing/2014/main" id="{13C71159-A99F-5D0A-625A-E829630C064E}"/>
+              </a:ext>
+            </a:extLst>
+          </p:cNvPr>
+          <p:cNvSpPr/>
+          <p:nvPr/>
+        </p:nvSpPr>
+        <p:spPr>
+          <a:xfrm>
+            <a:off x="2060887" y="4108839"/>
+            <a:ext cx="1746572" cy="1183376"/>
+          </a:xfrm>
+          <a:prstGeom prst="rect">
+            <a:avLst/>
+          </a:prstGeom>
+          <a:solidFill>
+            <a:srgbClr val="5B9BD5"/>
+          </a:solidFill>
+          <a:ln w="12700" cap="flat" cmpd="sng" algn="ctr">
+            <a:solidFill>
+              <a:srgbClr val="5B9BD5">
+                <a:shade val="50000"/>
+              </a:srgbClr>
+            </a:solidFill>
+            <a:prstDash val="solid"/>
+            <a:miter lim="800000"/>
+          </a:ln>
+          <a:effectLst/>
+        </p:spPr>
+        <p:txBody>
+          <a:bodyPr rtlCol="0" anchor="ctr"/>
+          <a:lstStyle/>
+          <a:p>
+            <a:pPr marL="0" marR="0" lvl="0" indent="0" algn="ctr" defTabSz="914400" eaLnBrk="1" fontAlgn="auto" latinLnBrk="1" hangingPunct="1">
+              <a:lnSpc>
+                <a:spcPct val="100000"/>
+              </a:lnSpc>
+              <a:spcBef>
+                <a:spcPts val="0"/>
+              </a:spcBef>
+              <a:spcAft>
+                <a:spcPts val="0"/>
+              </a:spcAft>
+              <a:buClrTx/>
+              <a:buSzTx/>
+              <a:buFontTx/>
+              <a:buNone/>
+              <a:tabLst/>
+              <a:defRPr/>
+            </a:pPr>
+            <a:endParaRPr kumimoji="0" lang="ko-KR" altLang="en-US" sz="1800" b="0" i="0" u="none" strike="noStrike" kern="0" cap="none" spc="0" normalizeH="0" baseline="0" noProof="0">
+              <a:ln>
+                <a:noFill/>
+              </a:ln>
+              <a:solidFill>
+                <a:prstClr val="white"/>
+              </a:solidFill>
+              <a:effectLst/>
+              <a:uLnTx/>
+              <a:uFillTx/>
+              <a:latin typeface="맑은 고딕" panose="020F0502020204030204"/>
+              <a:ea typeface="맑은 고딕" panose="020B0503020000020004" pitchFamily="50" charset="-127"/>
+              <a:cs typeface="+mn-cs"/>
+            </a:endParaRPr>
+          </a:p>
+        </p:txBody>
+      </p:sp>
+      <p:sp>
+        <p:nvSpPr>
+          <p:cNvPr id="11" name="타원 10">
+            <a:extLst>
+              <a:ext uri="{FF2B5EF4-FFF2-40B4-BE49-F238E27FC236}">
+                <a16:creationId xmlns:a16="http://schemas.microsoft.com/office/drawing/2014/main" id="{923560D8-8EE2-B572-33C9-CB21A5F7845E}"/>
+              </a:ext>
+            </a:extLst>
+          </p:cNvPr>
+          <p:cNvSpPr/>
+          <p:nvPr/>
+        </p:nvSpPr>
+        <p:spPr>
+          <a:xfrm>
+            <a:off x="1913599" y="3964821"/>
+            <a:ext cx="294575" cy="269760"/>
+          </a:xfrm>
+          <a:prstGeom prst="ellipse">
+            <a:avLst/>
+          </a:prstGeom>
+          <a:solidFill>
+            <a:srgbClr val="FF0000"/>
+          </a:solidFill>
+          <a:ln w="12700" cap="flat" cmpd="sng" algn="ctr">
+            <a:solidFill>
+              <a:srgbClr val="5B9BD5">
+                <a:shade val="50000"/>
+              </a:srgbClr>
+            </a:solidFill>
+            <a:prstDash val="solid"/>
+            <a:miter lim="800000"/>
+          </a:ln>
+          <a:effectLst/>
+        </p:spPr>
+        <p:txBody>
+          <a:bodyPr rtlCol="0" anchor="ctr"/>
+          <a:lstStyle/>
+          <a:p>
+            <a:pPr marL="0" marR="0" lvl="0" indent="0" algn="ctr" defTabSz="914400" eaLnBrk="1" fontAlgn="auto" latinLnBrk="1" hangingPunct="1">
+              <a:lnSpc>
+                <a:spcPct val="100000"/>
+              </a:lnSpc>
+              <a:spcBef>
+                <a:spcPts val="0"/>
+              </a:spcBef>
+              <a:spcAft>
+                <a:spcPts val="0"/>
+              </a:spcAft>
+              <a:buClrTx/>
+              <a:buSzTx/>
+              <a:buFontTx/>
+              <a:buNone/>
+              <a:tabLst/>
+              <a:defRPr/>
+            </a:pPr>
+            <a:endParaRPr kumimoji="0" lang="ko-KR" altLang="en-US" sz="1800" b="0" i="0" u="none" strike="noStrike" kern="0" cap="none" spc="0" normalizeH="0" baseline="0" noProof="0">
+              <a:ln>
+                <a:noFill/>
+              </a:ln>
+              <a:solidFill>
+                <a:prstClr val="white"/>
+              </a:solidFill>
+              <a:effectLst/>
+              <a:uLnTx/>
+              <a:uFillTx/>
+              <a:latin typeface="맑은 고딕" panose="020F0502020204030204"/>
+              <a:ea typeface="맑은 고딕" panose="020B0503020000020004" pitchFamily="50" charset="-127"/>
+              <a:cs typeface="+mn-cs"/>
+            </a:endParaRPr>
+          </a:p>
+        </p:txBody>
+      </p:sp>
+      <p:sp>
+        <p:nvSpPr>
+          <p:cNvPr id="12" name="타원 11">
+            <a:extLst>
+              <a:ext uri="{FF2B5EF4-FFF2-40B4-BE49-F238E27FC236}">
+                <a16:creationId xmlns:a16="http://schemas.microsoft.com/office/drawing/2014/main" id="{923560D8-8EE2-B572-33C9-CB21A5F7845E}"/>
+              </a:ext>
+            </a:extLst>
+          </p:cNvPr>
+          <p:cNvSpPr/>
+          <p:nvPr/>
+        </p:nvSpPr>
+        <p:spPr>
+          <a:xfrm>
+            <a:off x="3677401" y="5169869"/>
+            <a:ext cx="294575" cy="269760"/>
+          </a:xfrm>
+          <a:prstGeom prst="ellipse">
+            <a:avLst/>
+          </a:prstGeom>
+          <a:solidFill>
+            <a:srgbClr val="FFC000"/>
+          </a:solidFill>
+          <a:ln w="12700" cap="flat" cmpd="sng" algn="ctr">
+            <a:solidFill>
+              <a:srgbClr val="5B9BD5">
+                <a:shade val="50000"/>
+              </a:srgbClr>
+            </a:solidFill>
+            <a:prstDash val="solid"/>
+            <a:miter lim="800000"/>
+          </a:ln>
+          <a:effectLst/>
+        </p:spPr>
+        <p:txBody>
+          <a:bodyPr rtlCol="0" anchor="ctr"/>
+          <a:lstStyle/>
+          <a:p>
+            <a:pPr marL="0" marR="0" lvl="0" indent="0" algn="ctr" defTabSz="914400" eaLnBrk="1" fontAlgn="auto" latinLnBrk="1" hangingPunct="1">
+              <a:lnSpc>
+                <a:spcPct val="100000"/>
+              </a:lnSpc>
+              <a:spcBef>
+                <a:spcPts val="0"/>
+              </a:spcBef>
+              <a:spcAft>
+                <a:spcPts val="0"/>
+              </a:spcAft>
+              <a:buClrTx/>
+              <a:buSzTx/>
+              <a:buFontTx/>
+              <a:buNone/>
+              <a:tabLst/>
+              <a:defRPr/>
+            </a:pPr>
+            <a:endParaRPr kumimoji="0" lang="ko-KR" altLang="en-US" sz="1800" b="0" i="0" u="none" strike="noStrike" kern="0" cap="none" spc="0" normalizeH="0" baseline="0" noProof="0">
+              <a:ln>
+                <a:noFill/>
+              </a:ln>
+              <a:solidFill>
+                <a:prstClr val="white"/>
+              </a:solidFill>
+              <a:effectLst/>
+              <a:uLnTx/>
+              <a:uFillTx/>
+              <a:latin typeface="맑은 고딕" panose="020F0502020204030204"/>
+              <a:ea typeface="맑은 고딕" panose="020B0503020000020004" pitchFamily="50" charset="-127"/>
+              <a:cs typeface="+mn-cs"/>
+            </a:endParaRPr>
+          </a:p>
+        </p:txBody>
+      </p:sp>
+      <p:sp>
+        <p:nvSpPr>
+          <p:cNvPr id="13" name="타원 12">
+            <a:extLst>
+              <a:ext uri="{FF2B5EF4-FFF2-40B4-BE49-F238E27FC236}">
+                <a16:creationId xmlns:a16="http://schemas.microsoft.com/office/drawing/2014/main" id="{923560D8-8EE2-B572-33C9-CB21A5F7845E}"/>
+              </a:ext>
+            </a:extLst>
+          </p:cNvPr>
+          <p:cNvSpPr/>
+          <p:nvPr/>
+        </p:nvSpPr>
+        <p:spPr>
+          <a:xfrm>
+            <a:off x="4196487" y="5785541"/>
+            <a:ext cx="294575" cy="269760"/>
+          </a:xfrm>
+          <a:prstGeom prst="ellipse">
+            <a:avLst/>
+          </a:prstGeom>
+          <a:solidFill>
+            <a:srgbClr val="FFC000"/>
+          </a:solidFill>
+          <a:ln w="12700" cap="flat" cmpd="sng" algn="ctr">
+            <a:solidFill>
+              <a:srgbClr val="5B9BD5">
+                <a:shade val="50000"/>
+              </a:srgbClr>
+            </a:solidFill>
+            <a:prstDash val="solid"/>
+            <a:miter lim="800000"/>
+          </a:ln>
+          <a:effectLst/>
+        </p:spPr>
+        <p:txBody>
+          <a:bodyPr rtlCol="0" anchor="ctr"/>
+          <a:lstStyle/>
+          <a:p>
+            <a:pPr marL="0" marR="0" lvl="0" indent="0" algn="ctr" defTabSz="914400" eaLnBrk="1" fontAlgn="auto" latinLnBrk="1" hangingPunct="1">
+              <a:lnSpc>
+                <a:spcPct val="100000"/>
+              </a:lnSpc>
+              <a:spcBef>
+                <a:spcPts val="0"/>
+              </a:spcBef>
+              <a:spcAft>
+                <a:spcPts val="0"/>
+              </a:spcAft>
+              <a:buClrTx/>
+              <a:buSzTx/>
+              <a:buFontTx/>
+              <a:buNone/>
+              <a:tabLst/>
+              <a:defRPr/>
+            </a:pPr>
+            <a:endParaRPr kumimoji="0" lang="ko-KR" altLang="en-US" sz="1800" b="0" i="0" u="none" strike="noStrike" kern="0" cap="none" spc="0" normalizeH="0" baseline="0" noProof="0">
+              <a:ln>
+                <a:noFill/>
+              </a:ln>
+              <a:solidFill>
+                <a:prstClr val="white"/>
+              </a:solidFill>
+              <a:effectLst/>
+              <a:uLnTx/>
+              <a:uFillTx/>
+              <a:latin typeface="맑은 고딕" panose="020F0502020204030204"/>
+              <a:ea typeface="맑은 고딕" panose="020B0503020000020004" pitchFamily="50" charset="-127"/>
+              <a:cs typeface="+mn-cs"/>
+            </a:endParaRPr>
+          </a:p>
+        </p:txBody>
+      </p:sp>
+      <p:cxnSp>
+        <p:nvCxnSpPr>
+          <p:cNvPr id="14" name="직선 화살표 연결선 13"/>
+          <p:cNvCxnSpPr/>
+          <p:nvPr/>
+        </p:nvCxnSpPr>
+        <p:spPr bwMode="auto">
+          <a:xfrm>
+            <a:off x="3870646" y="5439629"/>
+            <a:ext cx="325841" cy="345912"/>
+          </a:xfrm>
+          <a:prstGeom prst="straightConnector1">
+            <a:avLst/>
+          </a:prstGeom>
+          <a:solidFill>
+            <a:schemeClr val="accent1"/>
+          </a:solidFill>
+          <a:ln w="9525" cap="flat" cmpd="sng" algn="ctr">
+            <a:solidFill>
+              <a:schemeClr val="tx1"/>
+            </a:solidFill>
+            <a:prstDash val="solid"/>
+            <a:round/>
+            <a:headEnd type="none" w="med" len="med"/>
+            <a:tailEnd type="triangle"/>
+          </a:ln>
+          <a:effectLst/>
+          <a:extLst>
+            <a:ext uri="{AF507438-7753-43E0-B8FC-AC1667EBCBE1}">
+              <a14:hiddenEffects xmlns:a14="http://schemas.microsoft.com/office/drawing/2010/main">
+                <a:effectLst>
+                  <a:outerShdw dist="35921" dir="2700000" algn="ctr" rotWithShape="0">
+                    <a:schemeClr val="bg2"/>
+                  </a:outerShdw>
+                </a:effectLst>
+              </a14:hiddenEffects>
+            </a:ext>
+          </a:extLst>
+        </p:spPr>
+      </p:cxnSp>
+      <p:sp>
+        <p:nvSpPr>
+          <p:cNvPr id="15" name="TextBox 14"/>
+          <p:cNvSpPr txBox="1"/>
+          <p:nvPr/>
+        </p:nvSpPr>
+        <p:spPr>
+          <a:xfrm>
+            <a:off x="3529525" y="4805170"/>
+            <a:ext cx="663408" cy="402423"/>
+          </a:xfrm>
+          <a:prstGeom prst="rect">
+            <a:avLst/>
+          </a:prstGeom>
+          <a:noFill/>
+          <a:ln>
+            <a:noFill/>
+          </a:ln>
+        </p:spPr>
+        <p:txBody>
+          <a:bodyPr wrap="square" rtlCol="0" anchor="ctr">
+            <a:noAutofit/>
+          </a:bodyPr>
+          <a:lstStyle/>
+          <a:p>
+            <a:pPr algn="ctr"/>
+            <a:r>
+              <a:rPr lang="en-US" altLang="ko-KR" sz="1400" dirty="0" err="1"/>
+              <a:t>p</a:t>
+            </a:r>
+            <a:r>
+              <a:rPr lang="en-US" altLang="ko-KR" sz="1400" dirty="0" err="1" smtClean="0"/>
+              <a:t>x</a:t>
+            </a:r>
+            <a:r>
+              <a:rPr lang="en-US" altLang="ko-KR" sz="1400" dirty="0" smtClean="0"/>
+              <a:t>, </a:t>
+            </a:r>
+            <a:r>
+              <a:rPr lang="en-US" altLang="ko-KR" sz="1400" dirty="0" err="1" smtClean="0"/>
+              <a:t>py</a:t>
+            </a:r>
+            <a:endParaRPr lang="ko-KR" altLang="en-US" sz="1400" dirty="0" err="1" smtClean="0"/>
+          </a:p>
+        </p:txBody>
+      </p:sp>
+      <p:sp>
+        <p:nvSpPr>
+          <p:cNvPr id="16" name="TextBox 15"/>
+          <p:cNvSpPr txBox="1"/>
+          <p:nvPr/>
+        </p:nvSpPr>
+        <p:spPr>
+          <a:xfrm>
+            <a:off x="4395152" y="5521322"/>
+            <a:ext cx="663408" cy="402423"/>
+          </a:xfrm>
+          <a:prstGeom prst="rect">
+            <a:avLst/>
+          </a:prstGeom>
+          <a:noFill/>
+          <a:ln>
+            <a:noFill/>
+          </a:ln>
+        </p:spPr>
+        <p:txBody>
+          <a:bodyPr wrap="square" rtlCol="0" anchor="ctr">
+            <a:noAutofit/>
+          </a:bodyPr>
+          <a:lstStyle/>
+          <a:p>
+            <a:pPr algn="ctr"/>
+            <a:r>
+              <a:rPr lang="en-US" altLang="ko-KR" sz="1400" dirty="0" smtClean="0"/>
+              <a:t>x, y</a:t>
+            </a:r>
+            <a:endParaRPr lang="ko-KR" altLang="en-US" sz="1400" dirty="0" err="1" smtClean="0"/>
+          </a:p>
+        </p:txBody>
+      </p:sp>
+      <p:sp>
+        <p:nvSpPr>
+          <p:cNvPr id="17" name="TextBox 16"/>
+          <p:cNvSpPr txBox="1"/>
+          <p:nvPr/>
+        </p:nvSpPr>
+        <p:spPr>
+          <a:xfrm>
+            <a:off x="1723014" y="3549864"/>
+            <a:ext cx="663408" cy="402423"/>
+          </a:xfrm>
+          <a:prstGeom prst="rect">
+            <a:avLst/>
+          </a:prstGeom>
+          <a:noFill/>
+          <a:ln>
+            <a:noFill/>
+          </a:ln>
+        </p:spPr>
+        <p:txBody>
+          <a:bodyPr wrap="square" rtlCol="0" anchor="ctr">
+            <a:noAutofit/>
+          </a:bodyPr>
+          <a:lstStyle/>
+          <a:p>
+            <a:pPr algn="ctr"/>
+            <a:r>
+              <a:rPr lang="en-US" altLang="ko-KR" sz="1400" dirty="0" smtClean="0"/>
+              <a:t>cx, </a:t>
+            </a:r>
+            <a:r>
+              <a:rPr lang="en-US" altLang="ko-KR" sz="1400" dirty="0"/>
+              <a:t>c</a:t>
+            </a:r>
+            <a:r>
+              <a:rPr lang="en-US" altLang="ko-KR" sz="1400" dirty="0" smtClean="0"/>
+              <a:t>y</a:t>
+            </a:r>
+            <a:endParaRPr lang="ko-KR" altLang="en-US" sz="1400" dirty="0" err="1" smtClean="0"/>
+          </a:p>
+        </p:txBody>
+      </p:sp>
+      <p:sp>
+        <p:nvSpPr>
+          <p:cNvPr id="18" name="오른쪽 중괄호 17"/>
+          <p:cNvSpPr/>
+          <p:nvPr/>
+        </p:nvSpPr>
+        <p:spPr bwMode="auto">
+          <a:xfrm rot="16200000">
+            <a:off x="2820574" y="3100281"/>
+            <a:ext cx="273156" cy="1700618"/>
+          </a:xfrm>
+          <a:prstGeom prst="rightBrace">
+            <a:avLst>
+              <a:gd name="adj1" fmla="val 25665"/>
+              <a:gd name="adj2" fmla="val 50000"/>
+            </a:avLst>
+          </a:prstGeom>
+          <a:noFill/>
+          <a:ln w="9525" cap="flat" cmpd="sng" algn="ctr">
+            <a:solidFill>
+              <a:schemeClr val="tx1"/>
+            </a:solidFill>
+            <a:prstDash val="solid"/>
+            <a:round/>
+            <a:headEnd type="none" w="med" len="med"/>
+            <a:tailEnd type="none" w="med" len="med"/>
+          </a:ln>
+          <a:effectLst/>
+          <a:extLst/>
+        </p:spPr>
+        <p:txBody>
+          <a:bodyPr vert="horz" wrap="square" lIns="91440" tIns="45720" rIns="91440" bIns="45720" numCol="1" rtlCol="0" anchor="t" anchorCtr="0" compatLnSpc="1">
+            <a:prstTxWarp prst="textNoShape">
+              <a:avLst/>
+            </a:prstTxWarp>
+          </a:bodyPr>
+          <a:lstStyle/>
+          <a:p>
+            <a:pPr marL="0" marR="0" indent="0" algn="l" defTabSz="914400" rtl="0" eaLnBrk="1" fontAlgn="base" latinLnBrk="0" hangingPunct="1">
+              <a:lnSpc>
+                <a:spcPct val="100000"/>
+              </a:lnSpc>
+              <a:spcBef>
+                <a:spcPct val="0"/>
+              </a:spcBef>
+              <a:spcAft>
+                <a:spcPct val="0"/>
+              </a:spcAft>
+              <a:buClrTx/>
+              <a:buSzTx/>
+              <a:buFontTx/>
+              <a:buNone/>
+              <a:tabLst/>
+            </a:pPr>
+            <a:endParaRPr kumimoji="0" lang="ko-KR" altLang="en-US" sz="2400" b="0" i="0" u="none" strike="noStrike" cap="none" normalizeH="0" baseline="0" smtClean="0">
+              <a:ln>
+                <a:noFill/>
+              </a:ln>
+              <a:solidFill>
+                <a:schemeClr val="tx1"/>
+              </a:solidFill>
+              <a:effectLst/>
+              <a:latin typeface="Arial" charset="0"/>
+            </a:endParaRPr>
+          </a:p>
+        </p:txBody>
+      </p:sp>
+      <p:sp>
+        <p:nvSpPr>
+          <p:cNvPr id="19" name="오른쪽 중괄호 18"/>
+          <p:cNvSpPr/>
+          <p:nvPr/>
+        </p:nvSpPr>
+        <p:spPr bwMode="auto">
+          <a:xfrm rot="16200000">
+            <a:off x="3038433" y="2341989"/>
+            <a:ext cx="382722" cy="2307457"/>
+          </a:xfrm>
+          <a:prstGeom prst="rightBrace">
+            <a:avLst>
+              <a:gd name="adj1" fmla="val 25665"/>
+              <a:gd name="adj2" fmla="val 50000"/>
+            </a:avLst>
+          </a:prstGeom>
+          <a:noFill/>
+          <a:ln w="9525" cap="flat" cmpd="sng" algn="ctr">
+            <a:solidFill>
+              <a:schemeClr val="tx1"/>
+            </a:solidFill>
+            <a:prstDash val="solid"/>
+            <a:round/>
+            <a:headEnd type="none" w="med" len="med"/>
+            <a:tailEnd type="none" w="med" len="med"/>
+          </a:ln>
+          <a:effectLst/>
+          <a:extLst/>
+        </p:spPr>
+        <p:txBody>
+          <a:bodyPr vert="horz" wrap="square" lIns="91440" tIns="45720" rIns="91440" bIns="45720" numCol="1" rtlCol="0" anchor="t" anchorCtr="0" compatLnSpc="1">
+            <a:prstTxWarp prst="textNoShape">
+              <a:avLst/>
+            </a:prstTxWarp>
+          </a:bodyPr>
+          <a:lstStyle/>
+          <a:p>
+            <a:pPr marL="0" marR="0" indent="0" algn="l" defTabSz="914400" rtl="0" eaLnBrk="1" fontAlgn="base" latinLnBrk="0" hangingPunct="1">
+              <a:lnSpc>
+                <a:spcPct val="100000"/>
+              </a:lnSpc>
+              <a:spcBef>
+                <a:spcPct val="0"/>
+              </a:spcBef>
+              <a:spcAft>
+                <a:spcPct val="0"/>
+              </a:spcAft>
+              <a:buClrTx/>
+              <a:buSzTx/>
+              <a:buFontTx/>
+              <a:buNone/>
+              <a:tabLst/>
+            </a:pPr>
+            <a:endParaRPr kumimoji="0" lang="ko-KR" altLang="en-US" sz="2400" b="0" i="0" u="none" strike="noStrike" cap="none" normalizeH="0" baseline="0" smtClean="0">
+              <a:ln>
+                <a:noFill/>
+              </a:ln>
+              <a:solidFill>
+                <a:schemeClr val="tx1"/>
+              </a:solidFill>
+              <a:effectLst/>
+              <a:latin typeface="Arial" charset="0"/>
+            </a:endParaRPr>
+          </a:p>
+        </p:txBody>
+      </p:sp>
+      <p:grpSp>
+        <p:nvGrpSpPr>
+          <p:cNvPr id="20" name="그룹 19"/>
+          <p:cNvGrpSpPr/>
+          <p:nvPr/>
+        </p:nvGrpSpPr>
+        <p:grpSpPr>
+          <a:xfrm>
+            <a:off x="2034116" y="4146403"/>
+            <a:ext cx="2880320" cy="2106134"/>
+            <a:chOff x="5723309" y="3032286"/>
+            <a:chExt cx="2880320" cy="2106134"/>
+          </a:xfrm>
+        </p:grpSpPr>
+        <p:cxnSp>
+          <p:nvCxnSpPr>
+            <p:cNvPr id="21" name="직선 화살표 연결선 20"/>
+            <p:cNvCxnSpPr/>
+            <p:nvPr/>
+          </p:nvCxnSpPr>
+          <p:spPr bwMode="auto">
+            <a:xfrm>
+              <a:off x="5723309" y="3032286"/>
+              <a:ext cx="20602" cy="2106134"/>
+            </a:xfrm>
+            <a:prstGeom prst="straightConnector1">
+              <a:avLst/>
+            </a:prstGeom>
+            <a:solidFill>
+              <a:schemeClr val="accent1"/>
+            </a:solidFill>
+            <a:ln w="38100" cap="flat" cmpd="sng" algn="ctr">
+              <a:solidFill>
+                <a:schemeClr val="accent1"/>
+              </a:solidFill>
+              <a:prstDash val="solid"/>
+              <a:round/>
+              <a:headEnd type="none" w="med" len="med"/>
+              <a:tailEnd type="triangle"/>
+            </a:ln>
+            <a:effectLst/>
+            <a:extLst>
+              <a:ext uri="{AF507438-7753-43E0-B8FC-AC1667EBCBE1}">
+                <a14:hiddenEffects xmlns:a14="http://schemas.microsoft.com/office/drawing/2010/main">
+                  <a:effectLst>
+                    <a:outerShdw dist="35921" dir="2700000" algn="ctr" rotWithShape="0">
+                      <a:schemeClr val="bg2"/>
+                    </a:outerShdw>
+                  </a:effectLst>
+                </a14:hiddenEffects>
+              </a:ext>
+            </a:extLst>
+          </p:spPr>
+        </p:cxnSp>
+        <p:cxnSp>
+          <p:nvCxnSpPr>
+            <p:cNvPr id="22" name="직선 화살표 연결선 21"/>
+            <p:cNvCxnSpPr/>
+            <p:nvPr/>
+          </p:nvCxnSpPr>
+          <p:spPr bwMode="auto">
+            <a:xfrm>
+              <a:off x="5743911" y="3032286"/>
+              <a:ext cx="2859718" cy="0"/>
+            </a:xfrm>
+            <a:prstGeom prst="straightConnector1">
+              <a:avLst/>
+            </a:prstGeom>
+            <a:solidFill>
+              <a:schemeClr val="accent1"/>
+            </a:solidFill>
+            <a:ln w="38100" cap="flat" cmpd="sng" algn="ctr">
+              <a:solidFill>
+                <a:schemeClr val="accent1"/>
+              </a:solidFill>
+              <a:prstDash val="solid"/>
+              <a:round/>
+              <a:headEnd type="none" w="med" len="med"/>
+              <a:tailEnd type="triangle"/>
+            </a:ln>
+            <a:effectLst/>
+            <a:extLst>
+              <a:ext uri="{AF507438-7753-43E0-B8FC-AC1667EBCBE1}">
+                <a14:hiddenEffects xmlns:a14="http://schemas.microsoft.com/office/drawing/2010/main">
+                  <a:effectLst>
+                    <a:outerShdw dist="35921" dir="2700000" algn="ctr" rotWithShape="0">
+                      <a:schemeClr val="bg2"/>
+                    </a:outerShdw>
+                  </a:effectLst>
+                </a14:hiddenEffects>
+              </a:ext>
+            </a:extLst>
+          </p:spPr>
+        </p:cxnSp>
+      </p:grpSp>
+      <p:sp>
+        <p:nvSpPr>
+          <p:cNvPr id="26" name="왼쪽 중괄호 25"/>
+          <p:cNvSpPr/>
+          <p:nvPr/>
+        </p:nvSpPr>
+        <p:spPr bwMode="auto">
+          <a:xfrm>
+            <a:off x="1027582" y="4108839"/>
+            <a:ext cx="439036" cy="2106134"/>
+          </a:xfrm>
+          <a:prstGeom prst="leftBrace">
+            <a:avLst/>
+          </a:prstGeom>
+          <a:noFill/>
+          <a:ln w="9525" cap="flat" cmpd="sng" algn="ctr">
+            <a:solidFill>
+              <a:schemeClr val="tx1"/>
+            </a:solidFill>
+            <a:prstDash val="solid"/>
+            <a:round/>
+            <a:headEnd type="none" w="med" len="med"/>
+            <a:tailEnd type="none" w="med" len="med"/>
+          </a:ln>
+          <a:effectLst/>
+          <a:extLst/>
+        </p:spPr>
+        <p:txBody>
+          <a:bodyPr vert="horz" wrap="square" lIns="91440" tIns="45720" rIns="91440" bIns="45720" numCol="1" rtlCol="0" anchor="t" anchorCtr="0" compatLnSpc="1">
+            <a:prstTxWarp prst="textNoShape">
+              <a:avLst/>
+            </a:prstTxWarp>
+          </a:bodyPr>
+          <a:lstStyle/>
+          <a:p>
+            <a:pPr marL="0" marR="0" indent="0" algn="l" defTabSz="914400" rtl="0" eaLnBrk="1" fontAlgn="base" latinLnBrk="0" hangingPunct="1">
+              <a:lnSpc>
+                <a:spcPct val="100000"/>
+              </a:lnSpc>
+              <a:spcBef>
+                <a:spcPct val="0"/>
+              </a:spcBef>
+              <a:spcAft>
+                <a:spcPct val="0"/>
+              </a:spcAft>
+              <a:buClrTx/>
+              <a:buSzTx/>
+              <a:buFontTx/>
+              <a:buNone/>
+              <a:tabLst/>
+            </a:pPr>
+            <a:endParaRPr kumimoji="0" lang="ko-KR" altLang="en-US" sz="2400" b="0" i="0" u="none" strike="noStrike" cap="none" normalizeH="0" baseline="0" smtClean="0">
+              <a:ln>
+                <a:noFill/>
+              </a:ln>
+              <a:solidFill>
+                <a:schemeClr val="tx1"/>
+              </a:solidFill>
+              <a:effectLst/>
+              <a:latin typeface="Arial" charset="0"/>
+            </a:endParaRPr>
+          </a:p>
+        </p:txBody>
+      </p:sp>
+      <p:sp>
+        <p:nvSpPr>
+          <p:cNvPr id="27" name="왼쪽 중괄호 26"/>
+          <p:cNvSpPr/>
+          <p:nvPr/>
+        </p:nvSpPr>
+        <p:spPr bwMode="auto">
+          <a:xfrm>
+            <a:off x="1377640" y="4185039"/>
+            <a:ext cx="439036" cy="1030976"/>
+          </a:xfrm>
+          <a:prstGeom prst="leftBrace">
+            <a:avLst/>
+          </a:prstGeom>
+          <a:noFill/>
+          <a:ln w="9525" cap="flat" cmpd="sng" algn="ctr">
+            <a:solidFill>
+              <a:schemeClr val="tx1"/>
+            </a:solidFill>
+            <a:prstDash val="solid"/>
+            <a:round/>
+            <a:headEnd type="none" w="med" len="med"/>
+            <a:tailEnd type="none" w="med" len="med"/>
+          </a:ln>
+          <a:effectLst/>
+          <a:extLst/>
+        </p:spPr>
+        <p:txBody>
+          <a:bodyPr vert="horz" wrap="square" lIns="91440" tIns="45720" rIns="91440" bIns="45720" numCol="1" rtlCol="0" anchor="t" anchorCtr="0" compatLnSpc="1">
+            <a:prstTxWarp prst="textNoShape">
+              <a:avLst/>
+            </a:prstTxWarp>
+          </a:bodyPr>
+          <a:lstStyle/>
+          <a:p>
+            <a:pPr marL="0" marR="0" indent="0" algn="l" defTabSz="914400" rtl="0" eaLnBrk="1" fontAlgn="base" latinLnBrk="0" hangingPunct="1">
+              <a:lnSpc>
+                <a:spcPct val="100000"/>
+              </a:lnSpc>
+              <a:spcBef>
+                <a:spcPct val="0"/>
+              </a:spcBef>
+              <a:spcAft>
+                <a:spcPct val="0"/>
+              </a:spcAft>
+              <a:buClrTx/>
+              <a:buSzTx/>
+              <a:buFontTx/>
+              <a:buNone/>
+              <a:tabLst/>
+            </a:pPr>
+            <a:endParaRPr kumimoji="0" lang="ko-KR" altLang="en-US" sz="2400" b="0" i="0" u="none" strike="noStrike" cap="none" normalizeH="0" baseline="0" smtClean="0">
+              <a:ln>
+                <a:noFill/>
+              </a:ln>
+              <a:solidFill>
+                <a:schemeClr val="tx1"/>
+              </a:solidFill>
+              <a:effectLst/>
+              <a:latin typeface="Arial" charset="0"/>
+            </a:endParaRPr>
+          </a:p>
+        </p:txBody>
+      </p:sp>
+      <p:sp>
+        <p:nvSpPr>
+          <p:cNvPr id="28" name="TextBox 27"/>
+          <p:cNvSpPr txBox="1"/>
+          <p:nvPr/>
+        </p:nvSpPr>
+        <p:spPr>
+          <a:xfrm>
+            <a:off x="2898090" y="2980716"/>
+            <a:ext cx="663408" cy="402423"/>
+          </a:xfrm>
+          <a:prstGeom prst="rect">
+            <a:avLst/>
+          </a:prstGeom>
+          <a:noFill/>
+          <a:ln>
+            <a:noFill/>
+          </a:ln>
+        </p:spPr>
+        <p:txBody>
+          <a:bodyPr wrap="square" rtlCol="0" anchor="ctr">
+            <a:noAutofit/>
+          </a:bodyPr>
+          <a:lstStyle/>
+          <a:p>
+            <a:pPr algn="ctr"/>
+            <a:r>
+              <a:rPr lang="en-US" altLang="ko-KR" sz="1400" dirty="0" smtClean="0"/>
+              <a:t>w2</a:t>
+            </a:r>
+            <a:endParaRPr lang="ko-KR" altLang="en-US" sz="1400" dirty="0" err="1" smtClean="0"/>
+          </a:p>
+        </p:txBody>
+      </p:sp>
+      <p:sp>
+        <p:nvSpPr>
+          <p:cNvPr id="29" name="TextBox 28"/>
+          <p:cNvSpPr txBox="1"/>
+          <p:nvPr/>
+        </p:nvSpPr>
+        <p:spPr>
+          <a:xfrm>
+            <a:off x="2638331" y="3545361"/>
+            <a:ext cx="663408" cy="402423"/>
+          </a:xfrm>
+          <a:prstGeom prst="rect">
+            <a:avLst/>
+          </a:prstGeom>
+          <a:noFill/>
+          <a:ln>
+            <a:noFill/>
+          </a:ln>
+        </p:spPr>
+        <p:txBody>
+          <a:bodyPr wrap="square" rtlCol="0" anchor="ctr">
+            <a:noAutofit/>
+          </a:bodyPr>
+          <a:lstStyle/>
+          <a:p>
+            <a:pPr algn="ctr"/>
+            <a:r>
+              <a:rPr lang="en-US" altLang="ko-KR" sz="1400" dirty="0" smtClean="0"/>
+              <a:t>w1</a:t>
+            </a:r>
+            <a:endParaRPr lang="ko-KR" altLang="en-US" sz="1400" dirty="0" err="1" smtClean="0"/>
+          </a:p>
+        </p:txBody>
+      </p:sp>
+      <p:sp>
+        <p:nvSpPr>
+          <p:cNvPr id="30" name="TextBox 29"/>
+          <p:cNvSpPr txBox="1"/>
+          <p:nvPr/>
+        </p:nvSpPr>
+        <p:spPr>
+          <a:xfrm>
+            <a:off x="883545" y="4499315"/>
+            <a:ext cx="663408" cy="402423"/>
+          </a:xfrm>
+          <a:prstGeom prst="rect">
+            <a:avLst/>
+          </a:prstGeom>
+          <a:noFill/>
+          <a:ln>
+            <a:noFill/>
+          </a:ln>
+        </p:spPr>
+        <p:txBody>
+          <a:bodyPr wrap="square" rtlCol="0" anchor="ctr">
+            <a:noAutofit/>
+          </a:bodyPr>
+          <a:lstStyle/>
+          <a:p>
+            <a:pPr algn="ctr"/>
+            <a:r>
+              <a:rPr lang="en-US" altLang="ko-KR" sz="1400" dirty="0" smtClean="0"/>
+              <a:t>h1</a:t>
+            </a:r>
+            <a:endParaRPr lang="ko-KR" altLang="en-US" sz="1400" dirty="0" err="1" smtClean="0"/>
+          </a:p>
+        </p:txBody>
+      </p:sp>
+      <p:sp>
+        <p:nvSpPr>
+          <p:cNvPr id="31" name="TextBox 30"/>
+          <p:cNvSpPr txBox="1"/>
+          <p:nvPr/>
+        </p:nvSpPr>
+        <p:spPr>
+          <a:xfrm>
+            <a:off x="473678" y="5037206"/>
+            <a:ext cx="663408" cy="402423"/>
+          </a:xfrm>
+          <a:prstGeom prst="rect">
+            <a:avLst/>
+          </a:prstGeom>
+          <a:noFill/>
+          <a:ln>
+            <a:noFill/>
+          </a:ln>
+        </p:spPr>
+        <p:txBody>
+          <a:bodyPr wrap="square" rtlCol="0" anchor="ctr">
+            <a:noAutofit/>
+          </a:bodyPr>
+          <a:lstStyle/>
+          <a:p>
+            <a:pPr algn="ctr"/>
+            <a:r>
+              <a:rPr lang="en-US" altLang="ko-KR" sz="1400" dirty="0" smtClean="0"/>
+              <a:t>h2</a:t>
+            </a:r>
+            <a:endParaRPr lang="ko-KR" altLang="en-US" sz="1400" dirty="0" err="1" smtClean="0"/>
+          </a:p>
+        </p:txBody>
+      </p:sp>
+    </p:spTree>
+    <p:extLst>
+      <p:ext uri="{BB962C8B-B14F-4D97-AF65-F5344CB8AC3E}">
+        <p14:creationId xmlns:p14="http://schemas.microsoft.com/office/powerpoint/2010/main" val="3144251655"/>
+      </p:ext>
+    </p:extLst>
+  </p:cSld>
+  <p:clrMapOvr>
+    <a:masterClrMapping/>
+  </p:clrMapOvr>
+</p:sld>
+</file>
+
+<file path=ppt/slides/slide45.xml><?xml version="1.0" encoding="utf-8"?>
+<p:sld xmlns:a="http://schemas.openxmlformats.org/drawingml/2006/main" xmlns:r="http://schemas.openxmlformats.org/officeDocument/2006/relationships" xmlns:p="http://schemas.openxmlformats.org/presentationml/2006/main">
+  <p:cSld>
+    <p:spTree>
+      <p:nvGrpSpPr>
+        <p:cNvPr id="1" name=""/>
+        <p:cNvGrpSpPr/>
+        <p:nvPr/>
+      </p:nvGrpSpPr>
+      <p:grpSpPr>
+        <a:xfrm>
+          <a:off x="0" y="0"/>
+          <a:ext cx="0" cy="0"/>
+          <a:chOff x="0" y="0"/>
+          <a:chExt cx="0" cy="0"/>
+        </a:xfrm>
+      </p:grpSpPr>
+      <p:sp>
+        <p:nvSpPr>
+          <p:cNvPr id="7" name="내용 개체 틀 6"/>
+          <p:cNvSpPr>
+            <a:spLocks noGrp="1"/>
+          </p:cNvSpPr>
+          <p:nvPr>
+            <p:ph sz="half" idx="1"/>
+          </p:nvPr>
+        </p:nvSpPr>
+        <p:spPr/>
+        <p:txBody>
+          <a:bodyPr/>
+          <a:lstStyle/>
+          <a:p>
+            <a:r>
+              <a:rPr lang="en-US" altLang="ko-KR" dirty="0" smtClean="0"/>
+              <a:t>Refactoring</a:t>
+            </a:r>
+          </a:p>
+          <a:p>
+            <a:pPr lvl="1"/>
+            <a:r>
+              <a:rPr lang="en-US" altLang="ko-KR" dirty="0" err="1" smtClean="0"/>
+              <a:t>TransformedShape</a:t>
+            </a:r>
+            <a:endParaRPr lang="en-US" altLang="ko-KR" dirty="0" smtClean="0"/>
+          </a:p>
+          <a:p>
+            <a:pPr lvl="2"/>
+            <a:r>
+              <a:rPr lang="en-US" altLang="ko-KR" dirty="0" err="1" smtClean="0"/>
+              <a:t>AffineTransform</a:t>
+            </a:r>
+            <a:r>
+              <a:rPr lang="en-US" altLang="ko-KR" dirty="0" smtClean="0"/>
+              <a:t> x Shape</a:t>
+            </a:r>
+          </a:p>
+          <a:p>
+            <a:pPr lvl="2"/>
+            <a:endParaRPr lang="en-US" altLang="ko-KR" dirty="0"/>
+          </a:p>
+          <a:p>
+            <a:pPr lvl="2"/>
+            <a:endParaRPr lang="en-US" altLang="ko-KR" dirty="0" smtClean="0"/>
+          </a:p>
+          <a:p>
+            <a:pPr lvl="2"/>
+            <a:endParaRPr lang="en-US" altLang="ko-KR" dirty="0"/>
+          </a:p>
+          <a:p>
+            <a:pPr lvl="2"/>
+            <a:endParaRPr lang="en-US" altLang="ko-KR" dirty="0" smtClean="0"/>
+          </a:p>
+          <a:p>
+            <a:pPr lvl="2"/>
+            <a:endParaRPr lang="en-US" altLang="ko-KR" dirty="0"/>
+          </a:p>
+          <a:p>
+            <a:pPr lvl="2"/>
+            <a:endParaRPr lang="en-US" altLang="ko-KR" dirty="0" smtClean="0"/>
+          </a:p>
+          <a:p>
+            <a:pPr lvl="2"/>
+            <a:endParaRPr lang="en-US" altLang="ko-KR" dirty="0"/>
+          </a:p>
+          <a:p>
+            <a:pPr lvl="2"/>
+            <a:endParaRPr lang="en-US" altLang="ko-KR" dirty="0" smtClean="0"/>
+          </a:p>
+          <a:p>
+            <a:pPr lvl="2"/>
+            <a:endParaRPr lang="en-US" altLang="ko-KR" dirty="0"/>
+          </a:p>
+          <a:p>
+            <a:pPr lvl="2"/>
+            <a:endParaRPr lang="en-US" altLang="ko-KR" dirty="0" smtClean="0"/>
+          </a:p>
+          <a:p>
+            <a:pPr lvl="2"/>
+            <a:endParaRPr lang="en-US" altLang="ko-KR" dirty="0"/>
+          </a:p>
+          <a:p>
+            <a:pPr lvl="2"/>
+            <a:endParaRPr lang="en-US" altLang="ko-KR" dirty="0" smtClean="0"/>
+          </a:p>
+          <a:p>
+            <a:pPr lvl="2"/>
+            <a:endParaRPr lang="en-US" altLang="ko-KR" dirty="0"/>
+          </a:p>
+          <a:p>
+            <a:pPr lvl="1"/>
+            <a:r>
+              <a:rPr lang="ko-KR" altLang="en-US" dirty="0" smtClean="0"/>
+              <a:t>객체</a:t>
+            </a:r>
+            <a:r>
+              <a:rPr lang="en-US" altLang="ko-KR" dirty="0" smtClean="0"/>
+              <a:t> </a:t>
+            </a:r>
+            <a:r>
+              <a:rPr lang="ko-KR" altLang="en-US" dirty="0" smtClean="0"/>
+              <a:t>설계</a:t>
+            </a:r>
+            <a:r>
+              <a:rPr lang="en-US" altLang="ko-KR" dirty="0" smtClean="0"/>
+              <a:t> </a:t>
+            </a:r>
+            <a:r>
+              <a:rPr lang="ko-KR" altLang="en-US" dirty="0" smtClean="0"/>
+              <a:t>고려 점</a:t>
+            </a:r>
+            <a:endParaRPr lang="en-US" altLang="ko-KR" dirty="0" smtClean="0"/>
+          </a:p>
+          <a:p>
+            <a:pPr lvl="2"/>
+            <a:r>
+              <a:rPr lang="en-US" altLang="ko-KR" dirty="0" smtClean="0"/>
+              <a:t>Inter-Object Coupling </a:t>
+            </a:r>
+            <a:r>
+              <a:rPr lang="ko-KR" altLang="en-US" dirty="0" smtClean="0"/>
+              <a:t>줄이고</a:t>
+            </a:r>
+            <a:endParaRPr lang="en-US" altLang="ko-KR" dirty="0" smtClean="0"/>
+          </a:p>
+          <a:p>
+            <a:pPr lvl="2"/>
+            <a:r>
+              <a:rPr lang="en-US" altLang="ko-KR" dirty="0" smtClean="0"/>
+              <a:t>Intra-Object Cohesion </a:t>
+            </a:r>
+            <a:r>
+              <a:rPr lang="ko-KR" altLang="en-US" dirty="0" smtClean="0"/>
+              <a:t>높이기</a:t>
+            </a:r>
+            <a:endParaRPr lang="en-US" altLang="ko-KR" dirty="0" smtClean="0"/>
+          </a:p>
+          <a:p>
+            <a:pPr lvl="2"/>
+            <a:r>
+              <a:rPr lang="en-US" altLang="ko-KR" dirty="0" smtClean="0">
+                <a:sym typeface="Wingdings" panose="05000000000000000000" pitchFamily="2" charset="2"/>
+              </a:rPr>
+              <a:t> Modularity </a:t>
+            </a:r>
+            <a:r>
+              <a:rPr lang="ko-KR" altLang="en-US" dirty="0" smtClean="0">
+                <a:sym typeface="Wingdings" panose="05000000000000000000" pitchFamily="2" charset="2"/>
+              </a:rPr>
+              <a:t>향상</a:t>
+            </a:r>
+            <a:endParaRPr lang="en-US" altLang="ko-KR" dirty="0" smtClean="0"/>
+          </a:p>
+          <a:p>
+            <a:pPr lvl="1"/>
+            <a:endParaRPr lang="ko-KR" altLang="en-US" dirty="0"/>
+          </a:p>
+        </p:txBody>
+      </p:sp>
+      <p:sp>
+        <p:nvSpPr>
+          <p:cNvPr id="5" name="바닥글 개체 틀 4"/>
+          <p:cNvSpPr>
+            <a:spLocks noGrp="1"/>
+          </p:cNvSpPr>
+          <p:nvPr>
+            <p:ph type="ftr" sz="quarter" idx="10"/>
+          </p:nvPr>
+        </p:nvSpPr>
+        <p:spPr/>
+        <p:txBody>
+          <a:bodyPr/>
+          <a:lstStyle/>
+          <a:p>
+            <a:pPr>
+              <a:buFont typeface="맑은 고딕" panose="020B0503020000020004" pitchFamily="50" charset="-127"/>
+              <a:buChar char="ⓒ"/>
+            </a:pPr>
+            <a:r>
+              <a:rPr lang="en-US" altLang="ko-KR" smtClean="0"/>
+              <a:t>Sungwoon Choi 2021</a:t>
+            </a:r>
+            <a:endParaRPr lang="en-US" altLang="ko-KR" dirty="0"/>
+          </a:p>
+        </p:txBody>
+      </p:sp>
+      <p:sp>
+        <p:nvSpPr>
+          <p:cNvPr id="6" name="슬라이드 번호 개체 틀 5"/>
+          <p:cNvSpPr>
+            <a:spLocks noGrp="1"/>
+          </p:cNvSpPr>
+          <p:nvPr>
+            <p:ph type="sldNum" sz="quarter" idx="11"/>
+          </p:nvPr>
+        </p:nvSpPr>
+        <p:spPr/>
+        <p:txBody>
+          <a:bodyPr/>
+          <a:lstStyle/>
+          <a:p>
+            <a:fld id="{AA4216F1-165B-4DFF-BD92-3D8E849D7D48}" type="slidenum">
+              <a:rPr lang="en-US" altLang="ko-KR" smtClean="0"/>
+              <a:pPr/>
+              <a:t>45</a:t>
+            </a:fld>
+            <a:endParaRPr lang="en-US" altLang="ko-KR" dirty="0"/>
+          </a:p>
+        </p:txBody>
+      </p:sp>
+      <p:sp>
+        <p:nvSpPr>
+          <p:cNvPr id="9" name="직사각형 8"/>
+          <p:cNvSpPr/>
+          <p:nvPr/>
+        </p:nvSpPr>
+        <p:spPr bwMode="auto">
+          <a:xfrm>
+            <a:off x="2520130" y="2666904"/>
+            <a:ext cx="1224136" cy="704133"/>
+          </a:xfrm>
+          <a:prstGeom prst="rect">
+            <a:avLst/>
+          </a:prstGeom>
+          <a:solidFill>
+            <a:schemeClr val="accent3">
+              <a:lumMod val="20000"/>
+              <a:lumOff val="80000"/>
+            </a:schemeClr>
+          </a:solidFill>
+          <a:ln w="9525" cap="flat" cmpd="sng" algn="ctr">
+            <a:solidFill>
+              <a:schemeClr val="accent3">
+                <a:lumMod val="75000"/>
+              </a:schemeClr>
+            </a:solidFill>
+            <a:prstDash val="solid"/>
+            <a:round/>
+            <a:headEnd type="none" w="med" len="med"/>
+            <a:tailEnd type="none" w="med" len="med"/>
+          </a:ln>
+          <a:effectLst/>
+        </p:spPr>
+        <p:txBody>
+          <a:bodyPr vert="horz" wrap="square" lIns="91440" tIns="45720" rIns="91440" bIns="45720" numCol="1" rtlCol="0" anchor="ctr" anchorCtr="0" compatLnSpc="1">
+            <a:prstTxWarp prst="textNoShape">
+              <a:avLst/>
+            </a:prstTxWarp>
+          </a:bodyPr>
+          <a:lstStyle/>
+          <a:p>
+            <a:pPr marL="0" marR="0" indent="0" algn="ctr" defTabSz="914400" rtl="0" eaLnBrk="1" fontAlgn="base" latinLnBrk="0" hangingPunct="1">
+              <a:lnSpc>
+                <a:spcPct val="100000"/>
+              </a:lnSpc>
+              <a:spcBef>
+                <a:spcPct val="0"/>
+              </a:spcBef>
+              <a:spcAft>
+                <a:spcPct val="0"/>
+              </a:spcAft>
+              <a:buClrTx/>
+              <a:buSzTx/>
+              <a:buFontTx/>
+              <a:buNone/>
+              <a:tabLst/>
+            </a:pPr>
+            <a:r>
+              <a:rPr kumimoji="0" lang="en-US" altLang="ko-KR" sz="1400" b="0" i="0" u="none" strike="noStrike" cap="none" normalizeH="0" baseline="0" dirty="0" smtClean="0">
+                <a:ln>
+                  <a:noFill/>
+                </a:ln>
+                <a:solidFill>
+                  <a:schemeClr val="tx1"/>
+                </a:solidFill>
+                <a:effectLst/>
+                <a:latin typeface="Arial" charset="0"/>
+              </a:rPr>
+              <a:t>Drawing Panel</a:t>
+            </a:r>
+            <a:endParaRPr kumimoji="0" lang="ko-KR" altLang="en-US" sz="1400" b="0" i="0" u="none" strike="noStrike" cap="none" normalizeH="0" baseline="0" dirty="0" smtClean="0">
+              <a:ln>
+                <a:noFill/>
+              </a:ln>
+              <a:solidFill>
+                <a:schemeClr val="tx1"/>
+              </a:solidFill>
+              <a:effectLst/>
+              <a:latin typeface="Arial" charset="0"/>
+            </a:endParaRPr>
+          </a:p>
+        </p:txBody>
+      </p:sp>
+      <p:sp>
+        <p:nvSpPr>
+          <p:cNvPr id="10" name="직사각형 9"/>
+          <p:cNvSpPr/>
+          <p:nvPr/>
+        </p:nvSpPr>
+        <p:spPr bwMode="auto">
+          <a:xfrm>
+            <a:off x="4248322" y="2666904"/>
+            <a:ext cx="1224136" cy="704133"/>
+          </a:xfrm>
+          <a:prstGeom prst="rect">
+            <a:avLst/>
+          </a:prstGeom>
+          <a:solidFill>
+            <a:schemeClr val="accent3">
+              <a:lumMod val="20000"/>
+              <a:lumOff val="80000"/>
+            </a:schemeClr>
+          </a:solidFill>
+          <a:ln w="9525" cap="flat" cmpd="sng" algn="ctr">
+            <a:solidFill>
+              <a:schemeClr val="accent3">
+                <a:lumMod val="75000"/>
+              </a:schemeClr>
+            </a:solidFill>
+            <a:prstDash val="solid"/>
+            <a:round/>
+            <a:headEnd type="none" w="med" len="med"/>
+            <a:tailEnd type="none" w="med" len="med"/>
+          </a:ln>
+          <a:effectLst/>
+        </p:spPr>
+        <p:txBody>
+          <a:bodyPr vert="horz" wrap="square" lIns="91440" tIns="45720" rIns="91440" bIns="45720" numCol="1" rtlCol="0" anchor="ctr" anchorCtr="0" compatLnSpc="1">
+            <a:prstTxWarp prst="textNoShape">
+              <a:avLst/>
+            </a:prstTxWarp>
+          </a:bodyPr>
+          <a:lstStyle/>
+          <a:p>
+            <a:pPr marL="0" marR="0" indent="0" algn="ctr" defTabSz="914400" rtl="0" eaLnBrk="1" fontAlgn="base" latinLnBrk="0" hangingPunct="1">
+              <a:lnSpc>
+                <a:spcPct val="100000"/>
+              </a:lnSpc>
+              <a:spcBef>
+                <a:spcPct val="0"/>
+              </a:spcBef>
+              <a:spcAft>
+                <a:spcPct val="0"/>
+              </a:spcAft>
+              <a:buClrTx/>
+              <a:buSzTx/>
+              <a:buFontTx/>
+              <a:buNone/>
+              <a:tabLst/>
+            </a:pPr>
+            <a:r>
+              <a:rPr kumimoji="0" lang="en-US" altLang="ko-KR" sz="1400" b="0" i="0" u="none" strike="noStrike" cap="none" normalizeH="0" baseline="0" dirty="0" smtClean="0">
+                <a:ln>
+                  <a:noFill/>
+                </a:ln>
+                <a:solidFill>
+                  <a:schemeClr val="tx1"/>
+                </a:solidFill>
+                <a:effectLst/>
+                <a:latin typeface="Arial" charset="0"/>
+              </a:rPr>
+              <a:t>Transformer</a:t>
+            </a:r>
+            <a:endParaRPr kumimoji="0" lang="ko-KR" altLang="en-US" sz="1400" b="0" i="0" u="none" strike="noStrike" cap="none" normalizeH="0" baseline="0" dirty="0" smtClean="0">
+              <a:ln>
+                <a:noFill/>
+              </a:ln>
+              <a:solidFill>
+                <a:schemeClr val="tx1"/>
+              </a:solidFill>
+              <a:effectLst/>
+              <a:latin typeface="Arial" charset="0"/>
+            </a:endParaRPr>
+          </a:p>
+        </p:txBody>
+      </p:sp>
+      <p:sp>
+        <p:nvSpPr>
+          <p:cNvPr id="11" name="직사각형 10"/>
+          <p:cNvSpPr/>
+          <p:nvPr/>
+        </p:nvSpPr>
+        <p:spPr bwMode="auto">
+          <a:xfrm>
+            <a:off x="5995015" y="2666904"/>
+            <a:ext cx="1224136" cy="704133"/>
+          </a:xfrm>
+          <a:prstGeom prst="rect">
+            <a:avLst/>
+          </a:prstGeom>
+          <a:solidFill>
+            <a:schemeClr val="accent3">
+              <a:lumMod val="20000"/>
+              <a:lumOff val="80000"/>
+            </a:schemeClr>
+          </a:solidFill>
+          <a:ln w="9525" cap="flat" cmpd="sng" algn="ctr">
+            <a:solidFill>
+              <a:schemeClr val="accent3">
+                <a:lumMod val="75000"/>
+              </a:schemeClr>
+            </a:solidFill>
+            <a:prstDash val="solid"/>
+            <a:round/>
+            <a:headEnd type="none" w="med" len="med"/>
+            <a:tailEnd type="none" w="med" len="med"/>
+          </a:ln>
+          <a:effectLst/>
+        </p:spPr>
+        <p:txBody>
+          <a:bodyPr vert="horz" wrap="square" lIns="91440" tIns="45720" rIns="91440" bIns="45720" numCol="1" rtlCol="0" anchor="ctr" anchorCtr="0" compatLnSpc="1">
+            <a:prstTxWarp prst="textNoShape">
+              <a:avLst/>
+            </a:prstTxWarp>
+          </a:bodyPr>
+          <a:lstStyle/>
+          <a:p>
+            <a:pPr marL="0" marR="0" indent="0" algn="ctr" defTabSz="914400" rtl="0" eaLnBrk="1" fontAlgn="base" latinLnBrk="0" hangingPunct="1">
+              <a:lnSpc>
+                <a:spcPct val="100000"/>
+              </a:lnSpc>
+              <a:spcBef>
+                <a:spcPct val="0"/>
+              </a:spcBef>
+              <a:spcAft>
+                <a:spcPct val="0"/>
+              </a:spcAft>
+              <a:buClrTx/>
+              <a:buSzTx/>
+              <a:buFontTx/>
+              <a:buNone/>
+              <a:tabLst/>
+            </a:pPr>
+            <a:r>
+              <a:rPr kumimoji="0" lang="en-US" altLang="ko-KR" sz="1400" b="0" i="0" u="none" strike="noStrike" cap="none" normalizeH="0" baseline="0" dirty="0" err="1" smtClean="0">
+                <a:ln>
+                  <a:noFill/>
+                </a:ln>
+                <a:solidFill>
+                  <a:schemeClr val="tx1"/>
+                </a:solidFill>
+                <a:effectLst/>
+                <a:latin typeface="Arial" charset="0"/>
+              </a:rPr>
+              <a:t>TShape</a:t>
+            </a:r>
+            <a:endParaRPr kumimoji="0" lang="ko-KR" altLang="en-US" sz="1400" b="0" i="0" u="none" strike="noStrike" cap="none" normalizeH="0" baseline="0" dirty="0" smtClean="0">
+              <a:ln>
+                <a:noFill/>
+              </a:ln>
+              <a:solidFill>
+                <a:schemeClr val="tx1"/>
+              </a:solidFill>
+              <a:effectLst/>
+              <a:latin typeface="Arial" charset="0"/>
+            </a:endParaRPr>
+          </a:p>
+        </p:txBody>
+      </p:sp>
+      <p:sp>
+        <p:nvSpPr>
+          <p:cNvPr id="12" name="직사각형 11"/>
+          <p:cNvSpPr/>
+          <p:nvPr/>
+        </p:nvSpPr>
+        <p:spPr bwMode="auto">
+          <a:xfrm>
+            <a:off x="6074009" y="3738361"/>
+            <a:ext cx="1066145" cy="503022"/>
+          </a:xfrm>
+          <a:prstGeom prst="rect">
+            <a:avLst/>
+          </a:prstGeom>
+          <a:solidFill>
+            <a:schemeClr val="accent3">
+              <a:lumMod val="20000"/>
+              <a:lumOff val="80000"/>
+            </a:schemeClr>
+          </a:solidFill>
+          <a:ln w="9525" cap="flat" cmpd="sng" algn="ctr">
+            <a:solidFill>
+              <a:schemeClr val="accent3">
+                <a:lumMod val="75000"/>
+              </a:schemeClr>
+            </a:solidFill>
+            <a:prstDash val="solid"/>
+            <a:round/>
+            <a:headEnd type="none" w="med" len="med"/>
+            <a:tailEnd type="none" w="med" len="med"/>
+          </a:ln>
+          <a:effectLst/>
+        </p:spPr>
+        <p:txBody>
+          <a:bodyPr vert="horz" wrap="square" lIns="91440" tIns="45720" rIns="91440" bIns="45720" numCol="1" rtlCol="0" anchor="ctr" anchorCtr="0" compatLnSpc="1">
+            <a:prstTxWarp prst="textNoShape">
+              <a:avLst/>
+            </a:prstTxWarp>
+          </a:bodyPr>
+          <a:lstStyle/>
+          <a:p>
+            <a:pPr marL="0" marR="0" indent="0" algn="ctr" defTabSz="914400" rtl="0" eaLnBrk="1" fontAlgn="base" latinLnBrk="0" hangingPunct="1">
+              <a:lnSpc>
+                <a:spcPct val="100000"/>
+              </a:lnSpc>
+              <a:spcBef>
+                <a:spcPct val="0"/>
+              </a:spcBef>
+              <a:spcAft>
+                <a:spcPct val="0"/>
+              </a:spcAft>
+              <a:buClrTx/>
+              <a:buSzTx/>
+              <a:buFontTx/>
+              <a:buNone/>
+              <a:tabLst/>
+            </a:pPr>
+            <a:r>
+              <a:rPr kumimoji="0" lang="en-US" altLang="ko-KR" sz="1400" b="0" i="0" u="none" strike="noStrike" cap="none" normalizeH="0" baseline="0" dirty="0" smtClean="0">
+                <a:ln>
+                  <a:noFill/>
+                </a:ln>
+                <a:solidFill>
+                  <a:schemeClr val="tx1"/>
+                </a:solidFill>
+                <a:effectLst/>
+                <a:latin typeface="Arial" charset="0"/>
+              </a:rPr>
+              <a:t>Anchors</a:t>
+            </a:r>
+            <a:endParaRPr kumimoji="0" lang="ko-KR" altLang="en-US" sz="1400" b="0" i="0" u="none" strike="noStrike" cap="none" normalizeH="0" baseline="0" dirty="0" smtClean="0">
+              <a:ln>
+                <a:noFill/>
+              </a:ln>
+              <a:solidFill>
+                <a:schemeClr val="tx1"/>
+              </a:solidFill>
+              <a:effectLst/>
+              <a:latin typeface="Arial" charset="0"/>
+            </a:endParaRPr>
+          </a:p>
+        </p:txBody>
+      </p:sp>
+      <p:sp>
+        <p:nvSpPr>
+          <p:cNvPr id="13" name="오른쪽 화살표 12"/>
+          <p:cNvSpPr/>
+          <p:nvPr/>
+        </p:nvSpPr>
+        <p:spPr bwMode="auto">
+          <a:xfrm>
+            <a:off x="1219460" y="2488813"/>
+            <a:ext cx="1224136" cy="432048"/>
+          </a:xfrm>
+          <a:prstGeom prst="rightArrow">
+            <a:avLst/>
+          </a:prstGeom>
+          <a:solidFill>
+            <a:schemeClr val="accent3">
+              <a:lumMod val="20000"/>
+              <a:lumOff val="80000"/>
+            </a:schemeClr>
+          </a:solidFill>
+          <a:ln w="9525" cap="flat" cmpd="sng" algn="ctr">
+            <a:solidFill>
+              <a:schemeClr val="accent3">
+                <a:lumMod val="75000"/>
+              </a:schemeClr>
+            </a:solidFill>
+            <a:prstDash val="solid"/>
+            <a:round/>
+            <a:headEnd type="none" w="med" len="med"/>
+            <a:tailEnd type="none" w="med" len="med"/>
+          </a:ln>
+          <a:effectLst/>
+        </p:spPr>
+        <p:txBody>
+          <a:bodyPr vert="horz" wrap="square" lIns="91440" tIns="45720" rIns="91440" bIns="45720" numCol="1" rtlCol="0" anchor="ctr" anchorCtr="0" compatLnSpc="1">
+            <a:prstTxWarp prst="textNoShape">
+              <a:avLst/>
+            </a:prstTxWarp>
+          </a:bodyPr>
+          <a:lstStyle/>
+          <a:p>
+            <a:pPr marL="0" marR="0" indent="0" algn="ctr" defTabSz="914400" rtl="0" eaLnBrk="1" fontAlgn="base" latinLnBrk="0" hangingPunct="1">
+              <a:lnSpc>
+                <a:spcPct val="100000"/>
+              </a:lnSpc>
+              <a:spcBef>
+                <a:spcPct val="0"/>
+              </a:spcBef>
+              <a:spcAft>
+                <a:spcPct val="0"/>
+              </a:spcAft>
+              <a:buClrTx/>
+              <a:buSzTx/>
+              <a:buFontTx/>
+              <a:buNone/>
+              <a:tabLst/>
+            </a:pPr>
+            <a:r>
+              <a:rPr kumimoji="0" lang="en-US" altLang="ko-KR" sz="1400" b="0" i="0" u="none" strike="noStrike" cap="none" normalizeH="0" baseline="0" dirty="0" smtClean="0">
+                <a:ln>
+                  <a:noFill/>
+                </a:ln>
+                <a:solidFill>
+                  <a:schemeClr val="tx1"/>
+                </a:solidFill>
+                <a:effectLst/>
+                <a:latin typeface="Arial" charset="0"/>
+              </a:rPr>
+              <a:t>Pressed</a:t>
+            </a:r>
+            <a:endParaRPr kumimoji="0" lang="ko-KR" altLang="en-US" sz="1400" b="0" i="0" u="none" strike="noStrike" cap="none" normalizeH="0" baseline="0" dirty="0" smtClean="0">
+              <a:ln>
+                <a:noFill/>
+              </a:ln>
+              <a:solidFill>
+                <a:schemeClr val="tx1"/>
+              </a:solidFill>
+              <a:effectLst/>
+              <a:latin typeface="Arial" charset="0"/>
+            </a:endParaRPr>
+          </a:p>
+        </p:txBody>
+      </p:sp>
+      <p:sp>
+        <p:nvSpPr>
+          <p:cNvPr id="14" name="오른쪽 화살표 13"/>
+          <p:cNvSpPr/>
+          <p:nvPr/>
+        </p:nvSpPr>
+        <p:spPr bwMode="auto">
+          <a:xfrm>
+            <a:off x="1219460" y="2852251"/>
+            <a:ext cx="1224136" cy="432048"/>
+          </a:xfrm>
+          <a:prstGeom prst="rightArrow">
+            <a:avLst/>
+          </a:prstGeom>
+          <a:solidFill>
+            <a:schemeClr val="accent3">
+              <a:lumMod val="20000"/>
+              <a:lumOff val="80000"/>
+            </a:schemeClr>
+          </a:solidFill>
+          <a:ln w="9525" cap="flat" cmpd="sng" algn="ctr">
+            <a:solidFill>
+              <a:schemeClr val="accent3">
+                <a:lumMod val="75000"/>
+              </a:schemeClr>
+            </a:solidFill>
+            <a:prstDash val="solid"/>
+            <a:round/>
+            <a:headEnd type="none" w="med" len="med"/>
+            <a:tailEnd type="none" w="med" len="med"/>
+          </a:ln>
+          <a:effectLst/>
+        </p:spPr>
+        <p:txBody>
+          <a:bodyPr vert="horz" wrap="square" lIns="91440" tIns="45720" rIns="91440" bIns="45720" numCol="1" rtlCol="0" anchor="ctr" anchorCtr="0" compatLnSpc="1">
+            <a:prstTxWarp prst="textNoShape">
+              <a:avLst/>
+            </a:prstTxWarp>
+          </a:bodyPr>
+          <a:lstStyle/>
+          <a:p>
+            <a:pPr marL="0" marR="0" indent="0" algn="ctr" defTabSz="914400" rtl="0" eaLnBrk="1" fontAlgn="base" latinLnBrk="0" hangingPunct="1">
+              <a:lnSpc>
+                <a:spcPct val="100000"/>
+              </a:lnSpc>
+              <a:spcBef>
+                <a:spcPct val="0"/>
+              </a:spcBef>
+              <a:spcAft>
+                <a:spcPct val="0"/>
+              </a:spcAft>
+              <a:buClrTx/>
+              <a:buSzTx/>
+              <a:buFontTx/>
+              <a:buNone/>
+              <a:tabLst/>
+            </a:pPr>
+            <a:r>
+              <a:rPr kumimoji="0" lang="en-US" altLang="ko-KR" sz="1400" b="0" i="0" u="none" strike="noStrike" cap="none" normalizeH="0" baseline="0" dirty="0" smtClean="0">
+                <a:ln>
+                  <a:noFill/>
+                </a:ln>
+                <a:solidFill>
+                  <a:schemeClr val="tx1"/>
+                </a:solidFill>
+                <a:effectLst/>
+                <a:latin typeface="Arial" charset="0"/>
+              </a:rPr>
+              <a:t>Dragging</a:t>
+            </a:r>
+            <a:endParaRPr kumimoji="0" lang="ko-KR" altLang="en-US" sz="1400" b="0" i="0" u="none" strike="noStrike" cap="none" normalizeH="0" baseline="0" dirty="0" smtClean="0">
+              <a:ln>
+                <a:noFill/>
+              </a:ln>
+              <a:solidFill>
+                <a:schemeClr val="tx1"/>
+              </a:solidFill>
+              <a:effectLst/>
+              <a:latin typeface="Arial" charset="0"/>
+            </a:endParaRPr>
+          </a:p>
+        </p:txBody>
+      </p:sp>
+      <p:sp>
+        <p:nvSpPr>
+          <p:cNvPr id="15" name="오른쪽 화살표 14"/>
+          <p:cNvSpPr/>
+          <p:nvPr/>
+        </p:nvSpPr>
+        <p:spPr bwMode="auto">
+          <a:xfrm>
+            <a:off x="1219460" y="3215689"/>
+            <a:ext cx="1224136" cy="432048"/>
+          </a:xfrm>
+          <a:prstGeom prst="rightArrow">
+            <a:avLst/>
+          </a:prstGeom>
+          <a:solidFill>
+            <a:schemeClr val="accent3">
+              <a:lumMod val="20000"/>
+              <a:lumOff val="80000"/>
+            </a:schemeClr>
+          </a:solidFill>
+          <a:ln w="9525" cap="flat" cmpd="sng" algn="ctr">
+            <a:solidFill>
+              <a:schemeClr val="accent3">
+                <a:lumMod val="75000"/>
+              </a:schemeClr>
+            </a:solidFill>
+            <a:prstDash val="solid"/>
+            <a:round/>
+            <a:headEnd type="none" w="med" len="med"/>
+            <a:tailEnd type="none" w="med" len="med"/>
+          </a:ln>
+          <a:effectLst/>
+        </p:spPr>
+        <p:txBody>
+          <a:bodyPr vert="horz" wrap="square" lIns="91440" tIns="45720" rIns="91440" bIns="45720" numCol="1" rtlCol="0" anchor="ctr" anchorCtr="0" compatLnSpc="1">
+            <a:prstTxWarp prst="textNoShape">
+              <a:avLst/>
+            </a:prstTxWarp>
+          </a:bodyPr>
+          <a:lstStyle/>
+          <a:p>
+            <a:pPr marL="0" marR="0" indent="0" algn="ctr" defTabSz="914400" rtl="0" eaLnBrk="1" fontAlgn="base" latinLnBrk="0" hangingPunct="1">
+              <a:lnSpc>
+                <a:spcPct val="100000"/>
+              </a:lnSpc>
+              <a:spcBef>
+                <a:spcPct val="0"/>
+              </a:spcBef>
+              <a:spcAft>
+                <a:spcPct val="0"/>
+              </a:spcAft>
+              <a:buClrTx/>
+              <a:buSzTx/>
+              <a:buFontTx/>
+              <a:buNone/>
+              <a:tabLst/>
+            </a:pPr>
+            <a:r>
+              <a:rPr kumimoji="0" lang="en-US" altLang="ko-KR" sz="1400" b="0" i="0" u="none" strike="noStrike" cap="none" normalizeH="0" baseline="0" dirty="0" smtClean="0">
+                <a:ln>
+                  <a:noFill/>
+                </a:ln>
+                <a:solidFill>
+                  <a:schemeClr val="tx1"/>
+                </a:solidFill>
+                <a:effectLst/>
+                <a:latin typeface="Arial" charset="0"/>
+              </a:rPr>
+              <a:t>Released</a:t>
+            </a:r>
+            <a:endParaRPr kumimoji="0" lang="ko-KR" altLang="en-US" sz="1400" b="0" i="0" u="none" strike="noStrike" cap="none" normalizeH="0" baseline="0" dirty="0" smtClean="0">
+              <a:ln>
+                <a:noFill/>
+              </a:ln>
+              <a:solidFill>
+                <a:schemeClr val="tx1"/>
+              </a:solidFill>
+              <a:effectLst/>
+              <a:latin typeface="Arial" charset="0"/>
+            </a:endParaRPr>
+          </a:p>
+        </p:txBody>
+      </p:sp>
+      <p:cxnSp>
+        <p:nvCxnSpPr>
+          <p:cNvPr id="17" name="직선 화살표 연결선 16"/>
+          <p:cNvCxnSpPr>
+            <a:stCxn id="9" idx="3"/>
+            <a:endCxn id="10" idx="1"/>
+          </p:cNvCxnSpPr>
+          <p:nvPr/>
+        </p:nvCxnSpPr>
+        <p:spPr bwMode="auto">
+          <a:xfrm>
+            <a:off x="3744266" y="3018971"/>
+            <a:ext cx="504056" cy="0"/>
+          </a:xfrm>
+          <a:prstGeom prst="straightConnector1">
+            <a:avLst/>
+          </a:prstGeom>
+          <a:solidFill>
+            <a:schemeClr val="accent1"/>
+          </a:solidFill>
+          <a:ln w="9525" cap="flat" cmpd="sng" algn="ctr">
+            <a:solidFill>
+              <a:schemeClr val="tx1"/>
+            </a:solidFill>
+            <a:prstDash val="solid"/>
+            <a:round/>
+            <a:headEnd type="none" w="med" len="med"/>
+            <a:tailEnd type="triangle"/>
+          </a:ln>
+          <a:effectLst/>
+          <a:extLst>
+            <a:ext uri="{AF507438-7753-43E0-B8FC-AC1667EBCBE1}">
+              <a14:hiddenEffects xmlns:a14="http://schemas.microsoft.com/office/drawing/2010/main">
+                <a:effectLst>
+                  <a:outerShdw dist="35921" dir="2700000" algn="ctr" rotWithShape="0">
+                    <a:schemeClr val="bg2"/>
+                  </a:outerShdw>
+                </a:effectLst>
+              </a14:hiddenEffects>
+            </a:ext>
+          </a:extLst>
+        </p:spPr>
+      </p:cxnSp>
+      <p:cxnSp>
+        <p:nvCxnSpPr>
+          <p:cNvPr id="18" name="직선 화살표 연결선 17"/>
+          <p:cNvCxnSpPr>
+            <a:stCxn id="10" idx="3"/>
+            <a:endCxn id="11" idx="1"/>
+          </p:cNvCxnSpPr>
+          <p:nvPr/>
+        </p:nvCxnSpPr>
+        <p:spPr bwMode="auto">
+          <a:xfrm>
+            <a:off x="5472458" y="3018971"/>
+            <a:ext cx="522557" cy="0"/>
+          </a:xfrm>
+          <a:prstGeom prst="straightConnector1">
+            <a:avLst/>
+          </a:prstGeom>
+          <a:solidFill>
+            <a:schemeClr val="accent1"/>
+          </a:solidFill>
+          <a:ln w="9525" cap="flat" cmpd="sng" algn="ctr">
+            <a:solidFill>
+              <a:schemeClr val="tx1"/>
+            </a:solidFill>
+            <a:prstDash val="solid"/>
+            <a:round/>
+            <a:headEnd type="none" w="med" len="med"/>
+            <a:tailEnd type="triangle"/>
+          </a:ln>
+          <a:effectLst/>
+          <a:extLst>
+            <a:ext uri="{AF507438-7753-43E0-B8FC-AC1667EBCBE1}">
+              <a14:hiddenEffects xmlns:a14="http://schemas.microsoft.com/office/drawing/2010/main">
+                <a:effectLst>
+                  <a:outerShdw dist="35921" dir="2700000" algn="ctr" rotWithShape="0">
+                    <a:schemeClr val="bg2"/>
+                  </a:outerShdw>
+                </a:effectLst>
+              </a14:hiddenEffects>
+            </a:ext>
+          </a:extLst>
+        </p:spPr>
+      </p:cxnSp>
+      <p:cxnSp>
+        <p:nvCxnSpPr>
+          <p:cNvPr id="21" name="직선 화살표 연결선 20"/>
+          <p:cNvCxnSpPr>
+            <a:stCxn id="11" idx="2"/>
+            <a:endCxn id="12" idx="0"/>
+          </p:cNvCxnSpPr>
+          <p:nvPr/>
+        </p:nvCxnSpPr>
+        <p:spPr bwMode="auto">
+          <a:xfrm flipH="1">
+            <a:off x="6607082" y="3371037"/>
+            <a:ext cx="1" cy="367324"/>
+          </a:xfrm>
+          <a:prstGeom prst="straightConnector1">
+            <a:avLst/>
+          </a:prstGeom>
+          <a:solidFill>
+            <a:schemeClr val="accent1"/>
+          </a:solidFill>
+          <a:ln w="9525" cap="flat" cmpd="sng" algn="ctr">
+            <a:solidFill>
+              <a:schemeClr val="tx1"/>
+            </a:solidFill>
+            <a:prstDash val="solid"/>
+            <a:round/>
+            <a:headEnd type="none" w="med" len="med"/>
+            <a:tailEnd type="triangle"/>
+          </a:ln>
+          <a:effectLst/>
+          <a:extLst>
+            <a:ext uri="{AF507438-7753-43E0-B8FC-AC1667EBCBE1}">
+              <a14:hiddenEffects xmlns:a14="http://schemas.microsoft.com/office/drawing/2010/main">
+                <a:effectLst>
+                  <a:outerShdw dist="35921" dir="2700000" algn="ctr" rotWithShape="0">
+                    <a:schemeClr val="bg2"/>
+                  </a:outerShdw>
+                </a:effectLst>
+              </a14:hiddenEffects>
+            </a:ext>
+          </a:extLst>
+        </p:spPr>
+      </p:cxnSp>
+      <p:sp>
+        <p:nvSpPr>
+          <p:cNvPr id="26" name="직사각형 25"/>
+          <p:cNvSpPr/>
+          <p:nvPr/>
+        </p:nvSpPr>
+        <p:spPr bwMode="auto">
+          <a:xfrm>
+            <a:off x="6083349" y="1864196"/>
+            <a:ext cx="1056806" cy="450642"/>
+          </a:xfrm>
+          <a:prstGeom prst="rect">
+            <a:avLst/>
+          </a:prstGeom>
+          <a:solidFill>
+            <a:schemeClr val="accent3">
+              <a:lumMod val="20000"/>
+              <a:lumOff val="80000"/>
+            </a:schemeClr>
+          </a:solidFill>
+          <a:ln w="9525" cap="flat" cmpd="sng" algn="ctr">
+            <a:solidFill>
+              <a:schemeClr val="accent3">
+                <a:lumMod val="75000"/>
+              </a:schemeClr>
+            </a:solidFill>
+            <a:prstDash val="solid"/>
+            <a:round/>
+            <a:headEnd type="none" w="med" len="med"/>
+            <a:tailEnd type="none" w="med" len="med"/>
+          </a:ln>
+          <a:effectLst/>
+        </p:spPr>
+        <p:txBody>
+          <a:bodyPr vert="horz" wrap="square" lIns="91440" tIns="45720" rIns="91440" bIns="45720" numCol="1" rtlCol="0" anchor="ctr" anchorCtr="0" compatLnSpc="1">
+            <a:prstTxWarp prst="textNoShape">
+              <a:avLst/>
+            </a:prstTxWarp>
+          </a:bodyPr>
+          <a:lstStyle/>
+          <a:p>
+            <a:pPr marL="0" marR="0" indent="0" algn="ctr" defTabSz="914400" rtl="0" eaLnBrk="1" fontAlgn="base" latinLnBrk="0" hangingPunct="1">
+              <a:lnSpc>
+                <a:spcPct val="100000"/>
+              </a:lnSpc>
+              <a:spcBef>
+                <a:spcPct val="0"/>
+              </a:spcBef>
+              <a:spcAft>
+                <a:spcPct val="0"/>
+              </a:spcAft>
+              <a:buClrTx/>
+              <a:buSzTx/>
+              <a:buFontTx/>
+              <a:buNone/>
+              <a:tabLst/>
+            </a:pPr>
+            <a:r>
+              <a:rPr kumimoji="0" lang="en-US" altLang="ko-KR" sz="1400" b="0" i="0" u="none" strike="noStrike" cap="none" normalizeH="0" baseline="0" dirty="0" smtClean="0">
+                <a:ln>
+                  <a:noFill/>
+                </a:ln>
+                <a:solidFill>
+                  <a:schemeClr val="tx1"/>
+                </a:solidFill>
+                <a:effectLst/>
+                <a:latin typeface="Arial" charset="0"/>
+              </a:rPr>
+              <a:t>Affine Transform</a:t>
+            </a:r>
+            <a:endParaRPr kumimoji="0" lang="ko-KR" altLang="en-US" sz="1400" b="0" i="0" u="none" strike="noStrike" cap="none" normalizeH="0" baseline="0" dirty="0" smtClean="0">
+              <a:ln>
+                <a:noFill/>
+              </a:ln>
+              <a:solidFill>
+                <a:schemeClr val="tx1"/>
+              </a:solidFill>
+              <a:effectLst/>
+              <a:latin typeface="Arial" charset="0"/>
+            </a:endParaRPr>
+          </a:p>
+        </p:txBody>
+      </p:sp>
+      <p:cxnSp>
+        <p:nvCxnSpPr>
+          <p:cNvPr id="28" name="직선 화살표 연결선 27"/>
+          <p:cNvCxnSpPr>
+            <a:stCxn id="11" idx="0"/>
+            <a:endCxn id="26" idx="2"/>
+          </p:cNvCxnSpPr>
+          <p:nvPr/>
+        </p:nvCxnSpPr>
+        <p:spPr bwMode="auto">
+          <a:xfrm flipV="1">
+            <a:off x="6607083" y="2314838"/>
+            <a:ext cx="4669" cy="352066"/>
+          </a:xfrm>
+          <a:prstGeom prst="straightConnector1">
+            <a:avLst/>
+          </a:prstGeom>
+          <a:solidFill>
+            <a:schemeClr val="accent1"/>
+          </a:solidFill>
+          <a:ln w="9525" cap="flat" cmpd="sng" algn="ctr">
+            <a:solidFill>
+              <a:schemeClr val="tx1"/>
+            </a:solidFill>
+            <a:prstDash val="solid"/>
+            <a:round/>
+            <a:headEnd type="none" w="med" len="med"/>
+            <a:tailEnd type="triangle"/>
+          </a:ln>
+          <a:effectLst/>
+          <a:extLst>
+            <a:ext uri="{AF507438-7753-43E0-B8FC-AC1667EBCBE1}">
+              <a14:hiddenEffects xmlns:a14="http://schemas.microsoft.com/office/drawing/2010/main">
+                <a:effectLst>
+                  <a:outerShdw dist="35921" dir="2700000" algn="ctr" rotWithShape="0">
+                    <a:schemeClr val="bg2"/>
+                  </a:outerShdw>
+                </a:effectLst>
+              </a14:hiddenEffects>
+            </a:ext>
+          </a:extLst>
+        </p:spPr>
+      </p:cxnSp>
+      <p:cxnSp>
+        <p:nvCxnSpPr>
+          <p:cNvPr id="31" name="직선 화살표 연결선 30"/>
+          <p:cNvCxnSpPr/>
+          <p:nvPr/>
+        </p:nvCxnSpPr>
+        <p:spPr bwMode="auto">
+          <a:xfrm>
+            <a:off x="4859213" y="1216124"/>
+            <a:ext cx="1490138" cy="0"/>
+          </a:xfrm>
+          <a:prstGeom prst="straightConnector1">
+            <a:avLst/>
+          </a:prstGeom>
+          <a:solidFill>
+            <a:schemeClr val="accent1"/>
+          </a:solidFill>
+          <a:ln w="9525" cap="flat" cmpd="sng" algn="ctr">
+            <a:solidFill>
+              <a:schemeClr val="tx1"/>
+            </a:solidFill>
+            <a:prstDash val="solid"/>
+            <a:round/>
+            <a:headEnd type="none" w="med" len="med"/>
+            <a:tailEnd type="triangle"/>
+          </a:ln>
+          <a:effectLst/>
+          <a:extLst>
+            <a:ext uri="{AF507438-7753-43E0-B8FC-AC1667EBCBE1}">
+              <a14:hiddenEffects xmlns:a14="http://schemas.microsoft.com/office/drawing/2010/main">
+                <a:effectLst>
+                  <a:outerShdw dist="35921" dir="2700000" algn="ctr" rotWithShape="0">
+                    <a:schemeClr val="bg2"/>
+                  </a:outerShdw>
+                </a:effectLst>
+              </a14:hiddenEffects>
+            </a:ext>
+          </a:extLst>
+        </p:spPr>
+      </p:cxnSp>
+      <p:cxnSp>
+        <p:nvCxnSpPr>
+          <p:cNvPr id="32" name="직선 화살표 연결선 31"/>
+          <p:cNvCxnSpPr/>
+          <p:nvPr/>
+        </p:nvCxnSpPr>
+        <p:spPr bwMode="auto">
+          <a:xfrm flipV="1">
+            <a:off x="5939333" y="844276"/>
+            <a:ext cx="410018" cy="371848"/>
+          </a:xfrm>
+          <a:prstGeom prst="straightConnector1">
+            <a:avLst/>
+          </a:prstGeom>
+          <a:solidFill>
+            <a:schemeClr val="accent1"/>
+          </a:solidFill>
+          <a:ln w="9525" cap="flat" cmpd="sng" algn="ctr">
+            <a:solidFill>
+              <a:schemeClr val="tx1"/>
+            </a:solidFill>
+            <a:prstDash val="solid"/>
+            <a:round/>
+            <a:headEnd type="none" w="med" len="med"/>
+            <a:tailEnd type="triangle"/>
+          </a:ln>
+          <a:effectLst/>
+          <a:extLst>
+            <a:ext uri="{AF507438-7753-43E0-B8FC-AC1667EBCBE1}">
+              <a14:hiddenEffects xmlns:a14="http://schemas.microsoft.com/office/drawing/2010/main">
+                <a:effectLst>
+                  <a:outerShdw dist="35921" dir="2700000" algn="ctr" rotWithShape="0">
+                    <a:schemeClr val="bg2"/>
+                  </a:outerShdw>
+                </a:effectLst>
+              </a14:hiddenEffects>
+            </a:ext>
+          </a:extLst>
+        </p:spPr>
+      </p:cxnSp>
+      <p:cxnSp>
+        <p:nvCxnSpPr>
+          <p:cNvPr id="37" name="직선 화살표 연결선 36"/>
+          <p:cNvCxnSpPr/>
+          <p:nvPr/>
+        </p:nvCxnSpPr>
+        <p:spPr bwMode="auto">
+          <a:xfrm>
+            <a:off x="6349351" y="844275"/>
+            <a:ext cx="1030142" cy="0"/>
+          </a:xfrm>
+          <a:prstGeom prst="straightConnector1">
+            <a:avLst/>
+          </a:prstGeom>
+          <a:solidFill>
+            <a:schemeClr val="accent1"/>
+          </a:solidFill>
+          <a:ln w="9525" cap="flat" cmpd="sng" algn="ctr">
+            <a:solidFill>
+              <a:schemeClr val="tx1"/>
+            </a:solidFill>
+            <a:prstDash val="solid"/>
+            <a:round/>
+            <a:headEnd type="none" w="med" len="med"/>
+            <a:tailEnd type="triangle"/>
+          </a:ln>
+          <a:effectLst/>
+          <a:extLst>
+            <a:ext uri="{AF507438-7753-43E0-B8FC-AC1667EBCBE1}">
+              <a14:hiddenEffects xmlns:a14="http://schemas.microsoft.com/office/drawing/2010/main">
+                <a:effectLst>
+                  <a:outerShdw dist="35921" dir="2700000" algn="ctr" rotWithShape="0">
+                    <a:schemeClr val="bg2"/>
+                  </a:outerShdw>
+                </a:effectLst>
+              </a14:hiddenEffects>
+            </a:ext>
+          </a:extLst>
+        </p:spPr>
+      </p:cxnSp>
+      <p:cxnSp>
+        <p:nvCxnSpPr>
+          <p:cNvPr id="42" name="직선 화살표 연결선 41"/>
+          <p:cNvCxnSpPr/>
+          <p:nvPr/>
+        </p:nvCxnSpPr>
+        <p:spPr bwMode="auto">
+          <a:xfrm>
+            <a:off x="7379493" y="910584"/>
+            <a:ext cx="288032" cy="305540"/>
+          </a:xfrm>
+          <a:prstGeom prst="straightConnector1">
+            <a:avLst/>
+          </a:prstGeom>
+          <a:solidFill>
+            <a:schemeClr val="accent1"/>
+          </a:solidFill>
+          <a:ln w="9525" cap="flat" cmpd="sng" algn="ctr">
+            <a:solidFill>
+              <a:schemeClr val="tx1"/>
+            </a:solidFill>
+            <a:prstDash val="solid"/>
+            <a:round/>
+            <a:headEnd type="none" w="med" len="med"/>
+            <a:tailEnd type="triangle"/>
+          </a:ln>
+          <a:effectLst/>
+          <a:extLst>
+            <a:ext uri="{AF507438-7753-43E0-B8FC-AC1667EBCBE1}">
+              <a14:hiddenEffects xmlns:a14="http://schemas.microsoft.com/office/drawing/2010/main">
+                <a:effectLst>
+                  <a:outerShdw dist="35921" dir="2700000" algn="ctr" rotWithShape="0">
+                    <a:schemeClr val="bg2"/>
+                  </a:outerShdw>
+                </a:effectLst>
+              </a14:hiddenEffects>
+            </a:ext>
+          </a:extLst>
+        </p:spPr>
+      </p:cxnSp>
+      <p:cxnSp>
+        <p:nvCxnSpPr>
+          <p:cNvPr id="46" name="직선 화살표 연결선 45"/>
+          <p:cNvCxnSpPr/>
+          <p:nvPr/>
+        </p:nvCxnSpPr>
+        <p:spPr bwMode="auto">
+          <a:xfrm flipV="1">
+            <a:off x="7667525" y="1216124"/>
+            <a:ext cx="576064" cy="1840"/>
+          </a:xfrm>
+          <a:prstGeom prst="straightConnector1">
+            <a:avLst/>
+          </a:prstGeom>
+          <a:solidFill>
+            <a:schemeClr val="accent1"/>
+          </a:solidFill>
+          <a:ln w="9525" cap="flat" cmpd="sng" algn="ctr">
+            <a:solidFill>
+              <a:schemeClr val="tx1"/>
+            </a:solidFill>
+            <a:prstDash val="solid"/>
+            <a:round/>
+            <a:headEnd type="none" w="med" len="med"/>
+            <a:tailEnd type="triangle"/>
+          </a:ln>
+          <a:effectLst/>
+          <a:extLst>
+            <a:ext uri="{AF507438-7753-43E0-B8FC-AC1667EBCBE1}">
+              <a14:hiddenEffects xmlns:a14="http://schemas.microsoft.com/office/drawing/2010/main">
+                <a:effectLst>
+                  <a:outerShdw dist="35921" dir="2700000" algn="ctr" rotWithShape="0">
+                    <a:schemeClr val="bg2"/>
+                  </a:outerShdw>
+                </a:effectLst>
+              </a14:hiddenEffects>
+            </a:ext>
+          </a:extLst>
+        </p:spPr>
+      </p:cxnSp>
+      <p:cxnSp>
+        <p:nvCxnSpPr>
+          <p:cNvPr id="50" name="꺾인 연결선 49"/>
+          <p:cNvCxnSpPr>
+            <a:stCxn id="10" idx="0"/>
+            <a:endCxn id="26" idx="1"/>
+          </p:cNvCxnSpPr>
+          <p:nvPr/>
+        </p:nvCxnSpPr>
+        <p:spPr bwMode="auto">
+          <a:xfrm rot="5400000" flipH="1" flipV="1">
+            <a:off x="5183176" y="1766732"/>
+            <a:ext cx="577387" cy="1222959"/>
+          </a:xfrm>
+          <a:prstGeom prst="bentConnector2">
+            <a:avLst/>
+          </a:prstGeom>
+          <a:solidFill>
+            <a:schemeClr val="accent1"/>
+          </a:solidFill>
+          <a:ln w="9525" cap="flat" cmpd="sng" algn="ctr">
+            <a:solidFill>
+              <a:schemeClr val="tx1"/>
+            </a:solidFill>
+            <a:prstDash val="dash"/>
+            <a:round/>
+            <a:headEnd type="none" w="med" len="med"/>
+            <a:tailEnd type="triangle"/>
+          </a:ln>
+          <a:effectLst/>
+          <a:extLst>
+            <a:ext uri="{AF507438-7753-43E0-B8FC-AC1667EBCBE1}">
+              <a14:hiddenEffects xmlns:a14="http://schemas.microsoft.com/office/drawing/2010/main">
+                <a:effectLst>
+                  <a:outerShdw dist="35921" dir="2700000" algn="ctr" rotWithShape="0">
+                    <a:schemeClr val="bg2"/>
+                  </a:outerShdw>
+                </a:effectLst>
+              </a14:hiddenEffects>
+            </a:ext>
+          </a:extLst>
+        </p:spPr>
+      </p:cxnSp>
+      <p:cxnSp>
+        <p:nvCxnSpPr>
+          <p:cNvPr id="55" name="꺾인 연결선 54"/>
+          <p:cNvCxnSpPr>
+            <a:stCxn id="10" idx="2"/>
+            <a:endCxn id="12" idx="1"/>
+          </p:cNvCxnSpPr>
+          <p:nvPr/>
+        </p:nvCxnSpPr>
+        <p:spPr bwMode="auto">
+          <a:xfrm rot="16200000" flipH="1">
+            <a:off x="5157782" y="3073644"/>
+            <a:ext cx="618835" cy="1213619"/>
+          </a:xfrm>
+          <a:prstGeom prst="bentConnector2">
+            <a:avLst/>
+          </a:prstGeom>
+          <a:solidFill>
+            <a:schemeClr val="accent1"/>
+          </a:solidFill>
+          <a:ln w="9525" cap="flat" cmpd="sng" algn="ctr">
+            <a:solidFill>
+              <a:schemeClr val="tx1"/>
+            </a:solidFill>
+            <a:prstDash val="dash"/>
+            <a:round/>
+            <a:headEnd type="none" w="med" len="med"/>
+            <a:tailEnd type="triangle"/>
+          </a:ln>
+          <a:effectLst/>
+          <a:extLst>
+            <a:ext uri="{AF507438-7753-43E0-B8FC-AC1667EBCBE1}">
+              <a14:hiddenEffects xmlns:a14="http://schemas.microsoft.com/office/drawing/2010/main">
+                <a:effectLst>
+                  <a:outerShdw dist="35921" dir="2700000" algn="ctr" rotWithShape="0">
+                    <a:schemeClr val="bg2"/>
+                  </a:outerShdw>
+                </a:effectLst>
+              </a14:hiddenEffects>
+            </a:ext>
+          </a:extLst>
+        </p:spPr>
+      </p:cxnSp>
+    </p:spTree>
+    <p:extLst>
+      <p:ext uri="{BB962C8B-B14F-4D97-AF65-F5344CB8AC3E}">
+        <p14:creationId xmlns:p14="http://schemas.microsoft.com/office/powerpoint/2010/main" val="794951070"/>
       </p:ext>
     </p:extLst>
   </p:cSld>
@@ -49071,17 +51755,10 @@
   <a:objectDefaults>
     <a:spDef>
       <a:spPr bwMode="auto">
-        <a:solidFill>
-          <a:schemeClr val="accent3">
-            <a:lumMod val="20000"/>
-            <a:lumOff val="80000"/>
-          </a:schemeClr>
-        </a:solidFill>
+        <a:noFill/>
         <a:ln w="9525" cap="flat" cmpd="sng" algn="ctr">
           <a:solidFill>
-            <a:schemeClr val="accent3">
-              <a:lumMod val="75000"/>
-            </a:schemeClr>
+            <a:schemeClr val="tx1"/>
           </a:solidFill>
           <a:prstDash val="solid"/>
           <a:round/>
